--- a/Institucional.pptx
+++ b/Institucional.pptx
@@ -2,20 +2,19 @@
 <file path=ppt/presentation.xml><?xml version="1.0" encoding="utf-8"?>
 <p:presentation xmlns:a="http://schemas.openxmlformats.org/drawingml/2006/main" xmlns:r="http://schemas.openxmlformats.org/officeDocument/2006/relationships" xmlns:p="http://schemas.openxmlformats.org/presentationml/2006/main" saveSubsetFonts="1">
   <p:sldMasterIdLst>
-    <p:sldMasterId id="2147483732" r:id="rId1"/>
-    <p:sldMasterId id="2147483748" r:id="rId2"/>
+    <p:sldMasterId id="2147483748" r:id="rId1"/>
   </p:sldMasterIdLst>
   <p:notesMasterIdLst>
-    <p:notesMasterId r:id="rId10"/>
+    <p:notesMasterId r:id="rId9"/>
   </p:notesMasterIdLst>
   <p:sldIdLst>
-    <p:sldId id="256" r:id="rId3"/>
-    <p:sldId id="257" r:id="rId4"/>
-    <p:sldId id="265" r:id="rId5"/>
-    <p:sldId id="266" r:id="rId6"/>
-    <p:sldId id="267" r:id="rId7"/>
-    <p:sldId id="268" r:id="rId8"/>
-    <p:sldId id="271" r:id="rId9"/>
+    <p:sldId id="256" r:id="rId2"/>
+    <p:sldId id="257" r:id="rId3"/>
+    <p:sldId id="265" r:id="rId4"/>
+    <p:sldId id="266" r:id="rId5"/>
+    <p:sldId id="267" r:id="rId6"/>
+    <p:sldId id="268" r:id="rId7"/>
+    <p:sldId id="271" r:id="rId8"/>
   </p:sldIdLst>
   <p:sldSz cx="12192000" cy="6858000"/>
   <p:notesSz cx="6858000" cy="9144000"/>
@@ -114,6 +113,11 @@
       </a:defRPr>
     </a:lvl9pPr>
   </p:defaultTextStyle>
+  <p:extLst>
+    <p:ext uri="{EFAFB233-063F-42B5-8137-9DF3F51BA10A}">
+      <p15:sldGuideLst xmlns:p15="http://schemas.microsoft.com/office/powerpoint/2012/main"/>
+    </p:ext>
+  </p:extLst>
 </p:presentation>
 </file>
 
@@ -1073,6 +1077,13 @@
         </dgm:presLayoutVars>
       </dgm:prSet>
       <dgm:spPr/>
+      <dgm:t>
+        <a:bodyPr/>
+        <a:lstStyle/>
+        <a:p>
+          <a:endParaRPr lang="pt-BR"/>
+        </a:p>
+      </dgm:t>
     </dgm:pt>
     <dgm:pt modelId="{B057D1AE-3A2D-439E-9D07-02A1E6442063}" type="pres">
       <dgm:prSet presAssocID="{7A23EF24-F0A3-4A4A-B8A9-3AD68A0CA865}" presName="composite" presStyleCnt="0"/>
@@ -1239,6 +1250,13 @@
         </dgm:presLayoutVars>
       </dgm:prSet>
       <dgm:spPr/>
+      <dgm:t>
+        <a:bodyPr/>
+        <a:lstStyle/>
+        <a:p>
+          <a:endParaRPr lang="pt-BR"/>
+        </a:p>
+      </dgm:t>
     </dgm:pt>
   </dgm:ptLst>
   <dgm:cxnLst>
@@ -1306,8 +1324,8 @@
       </dsp:nvSpPr>
       <dsp:spPr>
         <a:xfrm rot="5400000">
-          <a:off x="340005" y="2988853"/>
-          <a:ext cx="1014805" cy="1688612"/>
+          <a:off x="364467" y="3208997"/>
+          <a:ext cx="1076942" cy="1792008"/>
         </a:xfrm>
         <a:prstGeom prst="corner">
           <a:avLst>
@@ -1359,8 +1377,8 @@
       </dsp:nvSpPr>
       <dsp:spPr>
         <a:xfrm>
-          <a:off x="170609" y="3493385"/>
-          <a:ext cx="1524489" cy="1336304"/>
+          <a:off x="184698" y="3744421"/>
+          <a:ext cx="1617835" cy="1418127"/>
         </a:xfrm>
         <a:prstGeom prst="rect">
           <a:avLst/>
@@ -1384,12 +1402,12 @@
         <a:fontRef idx="minor"/>
       </dsp:style>
       <dsp:txBody>
-        <a:bodyPr spcFirstLastPara="0" vert="horz" wrap="square" lIns="64770" tIns="64770" rIns="64770" bIns="64770" numCol="1" spcCol="1270" anchor="t" anchorCtr="0">
+        <a:bodyPr spcFirstLastPara="0" vert="horz" wrap="square" lIns="68580" tIns="68580" rIns="68580" bIns="68580" numCol="1" spcCol="1270" anchor="t" anchorCtr="0">
           <a:noAutofit/>
         </a:bodyPr>
         <a:lstStyle/>
         <a:p>
-          <a:pPr lvl="0" algn="l" defTabSz="755650">
+          <a:pPr lvl="0" algn="l" defTabSz="800100">
             <a:lnSpc>
               <a:spcPct val="90000"/>
             </a:lnSpc>
@@ -1401,15 +1419,15 @@
             </a:spcAft>
           </a:pPr>
           <a:r>
-            <a:rPr lang="pt-BR" sz="1700" kern="1200" dirty="0" smtClean="0"/>
+            <a:rPr lang="pt-BR" sz="1800" kern="1200" dirty="0" smtClean="0"/>
             <a:t>Seleção Inicial (parceiros)</a:t>
           </a:r>
-          <a:endParaRPr lang="pt-BR" sz="1700" kern="1200" dirty="0"/>
+          <a:endParaRPr lang="pt-BR" sz="1800" kern="1200" dirty="0"/>
         </a:p>
       </dsp:txBody>
       <dsp:txXfrm>
-        <a:off x="170609" y="3493385"/>
-        <a:ext cx="1524489" cy="1336304"/>
+        <a:off x="184698" y="3744421"/>
+        <a:ext cx="1617835" cy="1418127"/>
       </dsp:txXfrm>
     </dsp:sp>
     <dsp:sp modelId="{6DDE3387-FAD8-475F-8638-CF8E5A5AC626}">
@@ -1419,8 +1437,8 @@
       </dsp:nvSpPr>
       <dsp:spPr>
         <a:xfrm>
-          <a:off x="1407458" y="2864536"/>
-          <a:ext cx="287639" cy="287639"/>
+          <a:off x="1497282" y="3077067"/>
+          <a:ext cx="305251" cy="305251"/>
         </a:xfrm>
         <a:prstGeom prst="triangle">
           <a:avLst>
@@ -1471,8 +1489,8 @@
       </dsp:nvSpPr>
       <dsp:spPr>
         <a:xfrm rot="5400000">
-          <a:off x="2206278" y="2527042"/>
-          <a:ext cx="1014805" cy="1688612"/>
+          <a:off x="2345013" y="2718909"/>
+          <a:ext cx="1076942" cy="1792008"/>
         </a:xfrm>
         <a:prstGeom prst="corner">
           <a:avLst>
@@ -1524,8 +1542,8 @@
       </dsp:nvSpPr>
       <dsp:spPr>
         <a:xfrm>
-          <a:off x="2036881" y="3031574"/>
-          <a:ext cx="1524489" cy="1336304"/>
+          <a:off x="2165245" y="3254333"/>
+          <a:ext cx="1617835" cy="1418127"/>
         </a:xfrm>
         <a:prstGeom prst="rect">
           <a:avLst/>
@@ -1549,12 +1567,12 @@
         <a:fontRef idx="minor"/>
       </dsp:style>
       <dsp:txBody>
-        <a:bodyPr spcFirstLastPara="0" vert="horz" wrap="square" lIns="64770" tIns="64770" rIns="64770" bIns="64770" numCol="1" spcCol="1270" anchor="t" anchorCtr="0">
+        <a:bodyPr spcFirstLastPara="0" vert="horz" wrap="square" lIns="68580" tIns="68580" rIns="68580" bIns="68580" numCol="1" spcCol="1270" anchor="t" anchorCtr="0">
           <a:noAutofit/>
         </a:bodyPr>
         <a:lstStyle/>
         <a:p>
-          <a:pPr lvl="0" algn="l" defTabSz="755650">
+          <a:pPr lvl="0" algn="l" defTabSz="800100">
             <a:lnSpc>
               <a:spcPct val="90000"/>
             </a:lnSpc>
@@ -1566,15 +1584,15 @@
             </a:spcAft>
           </a:pPr>
           <a:r>
-            <a:rPr lang="pt-BR" sz="1700" kern="1200" dirty="0" smtClean="0"/>
+            <a:rPr lang="pt-BR" sz="1800" kern="1200" dirty="0" smtClean="0"/>
             <a:t>Seleção Aceleradora</a:t>
           </a:r>
-          <a:endParaRPr lang="pt-BR" sz="1700" kern="1200" dirty="0"/>
+          <a:endParaRPr lang="pt-BR" sz="1800" kern="1200" dirty="0"/>
         </a:p>
       </dsp:txBody>
       <dsp:txXfrm>
-        <a:off x="2036881" y="3031574"/>
-        <a:ext cx="1524489" cy="1336304"/>
+        <a:off x="2165245" y="3254333"/>
+        <a:ext cx="1617835" cy="1418127"/>
       </dsp:txXfrm>
     </dsp:sp>
     <dsp:sp modelId="{ABCF60BB-3D69-432B-9D68-7057E943F7B6}">
@@ -1584,8 +1602,8 @@
       </dsp:nvSpPr>
       <dsp:spPr>
         <a:xfrm>
-          <a:off x="3273731" y="2402725"/>
-          <a:ext cx="287639" cy="287639"/>
+          <a:off x="3477828" y="2586979"/>
+          <a:ext cx="305251" cy="305251"/>
         </a:xfrm>
         <a:prstGeom prst="triangle">
           <a:avLst>
@@ -1636,8 +1654,8 @@
       </dsp:nvSpPr>
       <dsp:spPr>
         <a:xfrm rot="5400000">
-          <a:off x="4072550" y="2065231"/>
-          <a:ext cx="1014805" cy="1688612"/>
+          <a:off x="4325560" y="2228820"/>
+          <a:ext cx="1076942" cy="1792008"/>
         </a:xfrm>
         <a:prstGeom prst="corner">
           <a:avLst>
@@ -1689,8 +1707,8 @@
       </dsp:nvSpPr>
       <dsp:spPr>
         <a:xfrm>
-          <a:off x="3903154" y="2569763"/>
-          <a:ext cx="1524489" cy="1336304"/>
+          <a:off x="4145791" y="2764245"/>
+          <a:ext cx="1617835" cy="1418127"/>
         </a:xfrm>
         <a:prstGeom prst="rect">
           <a:avLst/>
@@ -1714,12 +1732,12 @@
         <a:fontRef idx="minor"/>
       </dsp:style>
       <dsp:txBody>
-        <a:bodyPr spcFirstLastPara="0" vert="horz" wrap="square" lIns="64770" tIns="64770" rIns="64770" bIns="64770" numCol="1" spcCol="1270" anchor="t" anchorCtr="0">
+        <a:bodyPr spcFirstLastPara="0" vert="horz" wrap="square" lIns="68580" tIns="68580" rIns="68580" bIns="68580" numCol="1" spcCol="1270" anchor="t" anchorCtr="0">
           <a:noAutofit/>
         </a:bodyPr>
         <a:lstStyle/>
         <a:p>
-          <a:pPr lvl="0" algn="l" defTabSz="755650">
+          <a:pPr lvl="0" algn="l" defTabSz="800100">
             <a:lnSpc>
               <a:spcPct val="90000"/>
             </a:lnSpc>
@@ -1731,15 +1749,15 @@
             </a:spcAft>
           </a:pPr>
           <a:r>
-            <a:rPr lang="pt-BR" sz="1700" kern="1200" dirty="0" err="1" smtClean="0"/>
+            <a:rPr lang="pt-BR" sz="1800" kern="1200" dirty="0" err="1" smtClean="0"/>
             <a:t>Crowdfunding</a:t>
           </a:r>
-          <a:endParaRPr lang="pt-BR" sz="1700" kern="1200" dirty="0"/>
+          <a:endParaRPr lang="pt-BR" sz="1800" kern="1200" dirty="0"/>
         </a:p>
       </dsp:txBody>
       <dsp:txXfrm>
-        <a:off x="3903154" y="2569763"/>
-        <a:ext cx="1524489" cy="1336304"/>
+        <a:off x="4145791" y="2764245"/>
+        <a:ext cx="1617835" cy="1418127"/>
       </dsp:txXfrm>
     </dsp:sp>
     <dsp:sp modelId="{A93B3CBE-C4A3-42EB-8ECE-1C3DC236F318}">
@@ -1749,8 +1767,8 @@
       </dsp:nvSpPr>
       <dsp:spPr>
         <a:xfrm>
-          <a:off x="5140003" y="1940914"/>
-          <a:ext cx="287639" cy="287639"/>
+          <a:off x="5458375" y="2096891"/>
+          <a:ext cx="305251" cy="305251"/>
         </a:xfrm>
         <a:prstGeom prst="triangle">
           <a:avLst>
@@ -1801,8 +1819,8 @@
       </dsp:nvSpPr>
       <dsp:spPr>
         <a:xfrm rot="5400000">
-          <a:off x="5938822" y="1603420"/>
-          <a:ext cx="1014805" cy="1688612"/>
+          <a:off x="6306107" y="1738732"/>
+          <a:ext cx="1076942" cy="1792008"/>
         </a:xfrm>
         <a:prstGeom prst="corner">
           <a:avLst>
@@ -1854,8 +1872,8 @@
       </dsp:nvSpPr>
       <dsp:spPr>
         <a:xfrm>
-          <a:off x="5769426" y="2107952"/>
-          <a:ext cx="1524489" cy="1336304"/>
+          <a:off x="6126338" y="2274157"/>
+          <a:ext cx="1617835" cy="1418127"/>
         </a:xfrm>
         <a:prstGeom prst="rect">
           <a:avLst/>
@@ -1879,12 +1897,12 @@
         <a:fontRef idx="minor"/>
       </dsp:style>
       <dsp:txBody>
-        <a:bodyPr spcFirstLastPara="0" vert="horz" wrap="square" lIns="64770" tIns="64770" rIns="64770" bIns="64770" numCol="1" spcCol="1270" anchor="t" anchorCtr="0">
+        <a:bodyPr spcFirstLastPara="0" vert="horz" wrap="square" lIns="68580" tIns="68580" rIns="68580" bIns="68580" numCol="1" spcCol="1270" anchor="t" anchorCtr="0">
           <a:noAutofit/>
         </a:bodyPr>
         <a:lstStyle/>
         <a:p>
-          <a:pPr lvl="0" algn="l" defTabSz="755650">
+          <a:pPr lvl="0" algn="l" defTabSz="800100">
             <a:lnSpc>
               <a:spcPct val="90000"/>
             </a:lnSpc>
@@ -1896,15 +1914,15 @@
             </a:spcAft>
           </a:pPr>
           <a:r>
-            <a:rPr lang="pt-BR" sz="1700" kern="1200" dirty="0" smtClean="0"/>
+            <a:rPr lang="pt-BR" sz="1800" kern="1200" dirty="0" smtClean="0"/>
             <a:t>Apoio</a:t>
           </a:r>
-          <a:endParaRPr lang="pt-BR" sz="1700" kern="1200" dirty="0"/>
+          <a:endParaRPr lang="pt-BR" sz="1800" kern="1200" dirty="0"/>
         </a:p>
       </dsp:txBody>
       <dsp:txXfrm>
-        <a:off x="5769426" y="2107952"/>
-        <a:ext cx="1524489" cy="1336304"/>
+        <a:off x="6126338" y="2274157"/>
+        <a:ext cx="1617835" cy="1418127"/>
       </dsp:txXfrm>
     </dsp:sp>
     <dsp:sp modelId="{2942DC04-2A0C-4DBE-AABD-D712D1C4D6F0}">
@@ -1914,8 +1932,8 @@
       </dsp:nvSpPr>
       <dsp:spPr>
         <a:xfrm>
-          <a:off x="7006276" y="1479103"/>
-          <a:ext cx="287639" cy="287639"/>
+          <a:off x="7438922" y="1606803"/>
+          <a:ext cx="305251" cy="305251"/>
         </a:xfrm>
         <a:prstGeom prst="triangle">
           <a:avLst>
@@ -1966,8 +1984,8 @@
       </dsp:nvSpPr>
       <dsp:spPr>
         <a:xfrm rot="5400000">
-          <a:off x="7805095" y="1141609"/>
-          <a:ext cx="1014805" cy="1688612"/>
+          <a:off x="8286653" y="1248644"/>
+          <a:ext cx="1076942" cy="1792008"/>
         </a:xfrm>
         <a:prstGeom prst="corner">
           <a:avLst>
@@ -2019,8 +2037,8 @@
       </dsp:nvSpPr>
       <dsp:spPr>
         <a:xfrm>
-          <a:off x="7635699" y="1646141"/>
-          <a:ext cx="1524489" cy="1336304"/>
+          <a:off x="8106885" y="1784069"/>
+          <a:ext cx="1617835" cy="1418127"/>
         </a:xfrm>
         <a:prstGeom prst="rect">
           <a:avLst/>
@@ -2044,12 +2062,12 @@
         <a:fontRef idx="minor"/>
       </dsp:style>
       <dsp:txBody>
-        <a:bodyPr spcFirstLastPara="0" vert="horz" wrap="square" lIns="64770" tIns="64770" rIns="64770" bIns="64770" numCol="1" spcCol="1270" anchor="t" anchorCtr="0">
+        <a:bodyPr spcFirstLastPara="0" vert="horz" wrap="square" lIns="68580" tIns="68580" rIns="68580" bIns="68580" numCol="1" spcCol="1270" anchor="t" anchorCtr="0">
           <a:noAutofit/>
         </a:bodyPr>
         <a:lstStyle/>
         <a:p>
-          <a:pPr lvl="0" algn="l" defTabSz="755650">
+          <a:pPr lvl="0" algn="l" defTabSz="800100">
             <a:lnSpc>
               <a:spcPct val="90000"/>
             </a:lnSpc>
@@ -2061,15 +2079,15 @@
             </a:spcAft>
           </a:pPr>
           <a:r>
-            <a:rPr lang="pt-BR" sz="1700" kern="1200" dirty="0" smtClean="0"/>
+            <a:rPr lang="pt-BR" sz="1800" kern="1200" dirty="0" smtClean="0"/>
             <a:t>Retorno</a:t>
           </a:r>
-          <a:endParaRPr lang="pt-BR" sz="1700" kern="1200" dirty="0"/>
+          <a:endParaRPr lang="pt-BR" sz="1800" kern="1200" dirty="0"/>
         </a:p>
       </dsp:txBody>
       <dsp:txXfrm>
-        <a:off x="7635699" y="1646141"/>
-        <a:ext cx="1524489" cy="1336304"/>
+        <a:off x="8106885" y="1784069"/>
+        <a:ext cx="1617835" cy="1418127"/>
       </dsp:txXfrm>
     </dsp:sp>
   </dsp:spTree>
@@ -3444,7 +3462,7 @@
           <a:p>
             <a:fld id="{347C514D-1D14-408D-B465-EC37EFD988CF}" type="datetimeFigureOut">
               <a:rPr lang="pt-BR" smtClean="0"/>
-              <a:t>08/02/2016</a:t>
+              <a:t>13/02/2016</a:t>
             </a:fld>
             <a:endParaRPr lang="pt-BR"/>
           </a:p>
@@ -4934,7 +4952,7 @@
 
 <file path=ppt/slideLayouts/slideLayout1.xml><?xml version="1.0" encoding="utf-8"?>
 <p:sldLayout xmlns:a="http://schemas.openxmlformats.org/drawingml/2006/main" xmlns:r="http://schemas.openxmlformats.org/officeDocument/2006/relationships" xmlns:p="http://schemas.openxmlformats.org/presentationml/2006/main" type="title" preserve="1">
-  <p:cSld name="Slide de Título">
+  <p:cSld name="Title Slide">
     <p:spTree>
       <p:nvGrpSpPr>
         <p:cNvPr id="1" name=""/>
@@ -4951,9 +4969,167 @@
       </p:grpSpPr>
       <p:sp>
         <p:nvSpPr>
-          <p:cNvPr id="2" name="Título 1"/>
+          <p:cNvPr id="4" name="Text Box 18"/>
+          <p:cNvSpPr txBox="1">
+            <a:spLocks noChangeArrowheads="1"/>
+          </p:cNvSpPr>
+          <p:nvPr userDrawn="1"/>
+        </p:nvSpPr>
+        <p:spPr bwMode="auto">
+          <a:xfrm rot="19237452">
+            <a:off x="6194135" y="517803"/>
+            <a:ext cx="184731" cy="369332"/>
+          </a:xfrm>
+          <a:prstGeom prst="rect">
+            <a:avLst/>
+          </a:prstGeom>
+          <a:noFill/>
+          <a:ln>
+            <a:noFill/>
+          </a:ln>
+          <a:effectLst/>
+          <a:extLst>
+            <a:ext uri="{909E8E84-426E-40DD-AFC4-6F175D3DCCD1}">
+              <a14:hiddenFill xmlns:a14="http://schemas.microsoft.com/office/drawing/2010/main">
+                <a:solidFill>
+                  <a:schemeClr val="accent1"/>
+                </a:solidFill>
+              </a14:hiddenFill>
+            </a:ext>
+            <a:ext uri="{91240B29-F687-4F45-9708-019B960494DF}">
+              <a14:hiddenLine xmlns:a14="http://schemas.microsoft.com/office/drawing/2010/main" w="9525">
+                <a:solidFill>
+                  <a:schemeClr val="tx1"/>
+                </a:solidFill>
+                <a:miter lim="800000"/>
+                <a:headEnd/>
+                <a:tailEnd/>
+              </a14:hiddenLine>
+            </a:ext>
+            <a:ext uri="{AF507438-7753-43E0-B8FC-AC1667EBCBE1}">
+              <a14:hiddenEffects xmlns:a14="http://schemas.microsoft.com/office/drawing/2010/main">
+                <a:effectLst>
+                  <a:outerShdw dist="35921" dir="2700000" algn="ctr" rotWithShape="0">
+                    <a:schemeClr val="bg2"/>
+                  </a:outerShdw>
+                </a:effectLst>
+              </a14:hiddenEffects>
+            </a:ext>
+          </a:extLst>
+        </p:spPr>
+        <p:txBody>
+          <a:bodyPr wrap="none">
+            <a:spAutoFit/>
+          </a:bodyPr>
+          <a:lstStyle>
+            <a:lvl1pPr>
+              <a:defRPr>
+                <a:solidFill>
+                  <a:schemeClr val="tx1"/>
+                </a:solidFill>
+                <a:latin typeface="Arial" panose="020B0604020202020204" pitchFamily="34" charset="0"/>
+              </a:defRPr>
+            </a:lvl1pPr>
+            <a:lvl2pPr marL="742950" indent="-285750">
+              <a:defRPr>
+                <a:solidFill>
+                  <a:schemeClr val="tx1"/>
+                </a:solidFill>
+                <a:latin typeface="Arial" panose="020B0604020202020204" pitchFamily="34" charset="0"/>
+              </a:defRPr>
+            </a:lvl2pPr>
+            <a:lvl3pPr marL="1143000" indent="-228600">
+              <a:defRPr>
+                <a:solidFill>
+                  <a:schemeClr val="tx1"/>
+                </a:solidFill>
+                <a:latin typeface="Arial" panose="020B0604020202020204" pitchFamily="34" charset="0"/>
+              </a:defRPr>
+            </a:lvl3pPr>
+            <a:lvl4pPr marL="1600200" indent="-228600">
+              <a:defRPr>
+                <a:solidFill>
+                  <a:schemeClr val="tx1"/>
+                </a:solidFill>
+                <a:latin typeface="Arial" panose="020B0604020202020204" pitchFamily="34" charset="0"/>
+              </a:defRPr>
+            </a:lvl4pPr>
+            <a:lvl5pPr marL="2057400" indent="-228600">
+              <a:defRPr>
+                <a:solidFill>
+                  <a:schemeClr val="tx1"/>
+                </a:solidFill>
+                <a:latin typeface="Arial" panose="020B0604020202020204" pitchFamily="34" charset="0"/>
+              </a:defRPr>
+            </a:lvl5pPr>
+            <a:lvl6pPr marL="2514600" indent="-228600" eaLnBrk="0" fontAlgn="base" hangingPunct="0">
+              <a:spcBef>
+                <a:spcPct val="0"/>
+              </a:spcBef>
+              <a:spcAft>
+                <a:spcPct val="0"/>
+              </a:spcAft>
+              <a:defRPr>
+                <a:solidFill>
+                  <a:schemeClr val="tx1"/>
+                </a:solidFill>
+                <a:latin typeface="Arial" panose="020B0604020202020204" pitchFamily="34" charset="0"/>
+              </a:defRPr>
+            </a:lvl6pPr>
+            <a:lvl7pPr marL="2971800" indent="-228600" eaLnBrk="0" fontAlgn="base" hangingPunct="0">
+              <a:spcBef>
+                <a:spcPct val="0"/>
+              </a:spcBef>
+              <a:spcAft>
+                <a:spcPct val="0"/>
+              </a:spcAft>
+              <a:defRPr>
+                <a:solidFill>
+                  <a:schemeClr val="tx1"/>
+                </a:solidFill>
+                <a:latin typeface="Arial" panose="020B0604020202020204" pitchFamily="34" charset="0"/>
+              </a:defRPr>
+            </a:lvl7pPr>
+            <a:lvl8pPr marL="3429000" indent="-228600" eaLnBrk="0" fontAlgn="base" hangingPunct="0">
+              <a:spcBef>
+                <a:spcPct val="0"/>
+              </a:spcBef>
+              <a:spcAft>
+                <a:spcPct val="0"/>
+              </a:spcAft>
+              <a:defRPr>
+                <a:solidFill>
+                  <a:schemeClr val="tx1"/>
+                </a:solidFill>
+                <a:latin typeface="Arial" panose="020B0604020202020204" pitchFamily="34" charset="0"/>
+              </a:defRPr>
+            </a:lvl8pPr>
+            <a:lvl9pPr marL="3886200" indent="-228600" eaLnBrk="0" fontAlgn="base" hangingPunct="0">
+              <a:spcBef>
+                <a:spcPct val="0"/>
+              </a:spcBef>
+              <a:spcAft>
+                <a:spcPct val="0"/>
+              </a:spcAft>
+              <a:defRPr>
+                <a:solidFill>
+                  <a:schemeClr val="tx1"/>
+                </a:solidFill>
+                <a:latin typeface="Arial" panose="020B0604020202020204" pitchFamily="34" charset="0"/>
+              </a:defRPr>
+            </a:lvl9pPr>
+          </a:lstStyle>
+          <a:p>
+            <a:pPr eaLnBrk="1" hangingPunct="1"/>
+            <a:endParaRPr lang="en-GB" altLang="en-US" sz="1800"/>
+          </a:p>
+        </p:txBody>
+      </p:sp>
+      <p:sp>
+        <p:nvSpPr>
+          <p:cNvPr id="3074" name="Rectangle 2"/>
           <p:cNvSpPr>
-            <a:spLocks noGrp="1"/>
+            <a:spLocks noGrp="1" noChangeArrowheads="1"/>
           </p:cNvSpPr>
           <p:nvPr>
             <p:ph type="ctrTitle"/>
@@ -4961,31 +5137,31 @@
         </p:nvSpPr>
         <p:spPr>
           <a:xfrm>
-            <a:off x="1524000" y="1122363"/>
-            <a:ext cx="9144000" cy="2387600"/>
+            <a:off x="914400" y="1196975"/>
+            <a:ext cx="10363200" cy="1470025"/>
           </a:xfrm>
         </p:spPr>
         <p:txBody>
-          <a:bodyPr anchor="b"/>
+          <a:bodyPr/>
           <a:lstStyle>
-            <a:lvl1pPr algn="ctr">
-              <a:defRPr sz="6000"/>
+            <a:lvl1pPr>
+              <a:defRPr b="1"/>
             </a:lvl1pPr>
           </a:lstStyle>
           <a:p>
+            <a:pPr lvl="0"/>
             <a:r>
-              <a:rPr lang="pt-BR" smtClean="0"/>
-              <a:t>Clique para editar o título mestre</a:t>
+              <a:rPr lang="en-US" altLang="en-US" noProof="0" smtClean="0"/>
+              <a:t>Click to edit Master title style</a:t>
             </a:r>
-            <a:endParaRPr lang="pt-BR"/>
           </a:p>
         </p:txBody>
       </p:sp>
       <p:sp>
         <p:nvSpPr>
-          <p:cNvPr id="3" name="Subtítulo 2"/>
+          <p:cNvPr id="3075" name="Rectangle 3"/>
           <p:cNvSpPr>
-            <a:spLocks noGrp="1"/>
+            <a:spLocks noGrp="1" noChangeArrowheads="1"/>
           </p:cNvSpPr>
           <p:nvPr>
             <p:ph type="subTitle" idx="1"/>
@@ -4993,64 +5169,33 @@
         </p:nvSpPr>
         <p:spPr>
           <a:xfrm>
-            <a:off x="1524000" y="3602038"/>
-            <a:ext cx="9144000" cy="1655762"/>
+            <a:off x="1828800" y="2952750"/>
+            <a:ext cx="8534400" cy="1752600"/>
           </a:xfrm>
         </p:spPr>
         <p:txBody>
           <a:bodyPr/>
           <a:lstStyle>
             <a:lvl1pPr marL="0" indent="0" algn="ctr">
+              <a:buFontTx/>
               <a:buNone/>
-              <a:defRPr sz="2400"/>
+              <a:defRPr/>
             </a:lvl1pPr>
-            <a:lvl2pPr marL="457200" indent="0" algn="ctr">
-              <a:buNone/>
-              <a:defRPr sz="2000"/>
-            </a:lvl2pPr>
-            <a:lvl3pPr marL="914400" indent="0" algn="ctr">
-              <a:buNone/>
-              <a:defRPr sz="1800"/>
-            </a:lvl3pPr>
-            <a:lvl4pPr marL="1371600" indent="0" algn="ctr">
-              <a:buNone/>
-              <a:defRPr sz="1600"/>
-            </a:lvl4pPr>
-            <a:lvl5pPr marL="1828800" indent="0" algn="ctr">
-              <a:buNone/>
-              <a:defRPr sz="1600"/>
-            </a:lvl5pPr>
-            <a:lvl6pPr marL="2286000" indent="0" algn="ctr">
-              <a:buNone/>
-              <a:defRPr sz="1600"/>
-            </a:lvl6pPr>
-            <a:lvl7pPr marL="2743200" indent="0" algn="ctr">
-              <a:buNone/>
-              <a:defRPr sz="1600"/>
-            </a:lvl7pPr>
-            <a:lvl8pPr marL="3200400" indent="0" algn="ctr">
-              <a:buNone/>
-              <a:defRPr sz="1600"/>
-            </a:lvl8pPr>
-            <a:lvl9pPr marL="3657600" indent="0" algn="ctr">
-              <a:buNone/>
-              <a:defRPr sz="1600"/>
-            </a:lvl9pPr>
           </a:lstStyle>
           <a:p>
+            <a:pPr lvl="0"/>
             <a:r>
-              <a:rPr lang="pt-BR" smtClean="0"/>
-              <a:t>Clique para editar o estilo do subtítulo Mestre</a:t>
+              <a:rPr lang="en-US" altLang="en-US" noProof="0" smtClean="0"/>
+              <a:t>Click to edit Master subtitle style</a:t>
             </a:r>
-            <a:endParaRPr lang="pt-BR"/>
           </a:p>
         </p:txBody>
       </p:sp>
       <p:sp>
         <p:nvSpPr>
-          <p:cNvPr id="4" name="Espaço Reservado para Data 3"/>
+          <p:cNvPr id="5" name="Rectangle 4"/>
           <p:cNvSpPr>
-            <a:spLocks noGrp="1"/>
+            <a:spLocks noGrp="1" noChangeArrowheads="1"/>
           </p:cNvSpPr>
           <p:nvPr>
             <p:ph type="dt" sz="half" idx="10"/>
@@ -5059,21 +5204,24 @@
         <p:spPr/>
         <p:txBody>
           <a:bodyPr/>
-          <a:lstStyle/>
-          <a:p>
-            <a:fld id="{D93F3B81-8E2D-4AC2-95C8-8566A11C3BEF}" type="datetimeFigureOut">
-              <a:rPr lang="pt-BR" smtClean="0"/>
-              <a:t>08/02/2016</a:t>
-            </a:fld>
-            <a:endParaRPr lang="pt-BR"/>
+          <a:lstStyle>
+            <a:lvl1pPr>
+              <a:defRPr smtClean="0"/>
+            </a:lvl1pPr>
+          </a:lstStyle>
+          <a:p>
+            <a:pPr>
+              <a:defRPr/>
+            </a:pPr>
+            <a:endParaRPr lang="en-US" altLang="en-US"/>
           </a:p>
         </p:txBody>
       </p:sp>
       <p:sp>
         <p:nvSpPr>
-          <p:cNvPr id="5" name="Espaço Reservado para Rodapé 4"/>
+          <p:cNvPr id="6" name="Rectangle 5"/>
           <p:cNvSpPr>
-            <a:spLocks noGrp="1"/>
+            <a:spLocks noGrp="1" noChangeArrowheads="1"/>
           </p:cNvSpPr>
           <p:nvPr>
             <p:ph type="ftr" sz="quarter" idx="11"/>
@@ -5082,17 +5230,24 @@
         <p:spPr/>
         <p:txBody>
           <a:bodyPr/>
-          <a:lstStyle/>
-          <a:p>
-            <a:endParaRPr lang="pt-BR"/>
+          <a:lstStyle>
+            <a:lvl1pPr>
+              <a:defRPr smtClean="0"/>
+            </a:lvl1pPr>
+          </a:lstStyle>
+          <a:p>
+            <a:pPr>
+              <a:defRPr/>
+            </a:pPr>
+            <a:endParaRPr lang="en-US" altLang="en-US"/>
           </a:p>
         </p:txBody>
       </p:sp>
       <p:sp>
         <p:nvSpPr>
-          <p:cNvPr id="6" name="Espaço Reservado para Número de Slide 5"/>
+          <p:cNvPr id="7" name="Rectangle 6"/>
           <p:cNvSpPr>
-            <a:spLocks noGrp="1"/>
+            <a:spLocks noGrp="1" noChangeArrowheads="1"/>
           </p:cNvSpPr>
           <p:nvPr>
             <p:ph type="sldNum" sz="quarter" idx="12"/>
@@ -5101,20 +5256,30 @@
         <p:spPr/>
         <p:txBody>
           <a:bodyPr/>
-          <a:lstStyle/>
-          <a:p>
-            <a:fld id="{01501243-B93D-449E-B503-2E36AA8905BB}" type="slidenum">
-              <a:rPr lang="pt-BR" smtClean="0"/>
+          <a:lstStyle>
+            <a:lvl1pPr>
+              <a:defRPr smtClean="0"/>
+            </a:lvl1pPr>
+          </a:lstStyle>
+          <a:p>
+            <a:pPr>
+              <a:defRPr/>
+            </a:pPr>
+            <a:fld id="{167478A2-FA94-4F03-B717-30DDCD87A30E}" type="slidenum">
+              <a:rPr lang="en-US" altLang="en-US"/>
+              <a:pPr>
+                <a:defRPr/>
+              </a:pPr>
               <a:t>‹nº›</a:t>
             </a:fld>
-            <a:endParaRPr lang="pt-BR"/>
+            <a:endParaRPr lang="en-US" altLang="en-US"/>
           </a:p>
         </p:txBody>
       </p:sp>
     </p:spTree>
     <p:extLst>
       <p:ext uri="{BB962C8B-B14F-4D97-AF65-F5344CB8AC3E}">
-        <p14:creationId xmlns:p14="http://schemas.microsoft.com/office/powerpoint/2010/main" val="1806175840"/>
+        <p14:creationId xmlns:p14="http://schemas.microsoft.com/office/powerpoint/2010/main" val="3609638757"/>
       </p:ext>
     </p:extLst>
   </p:cSld>
@@ -5125,6 +5290,2054 @@
 </file>
 
 <file path=ppt/slideLayouts/slideLayout10.xml><?xml version="1.0" encoding="utf-8"?>
+<p:sldLayout xmlns:a="http://schemas.openxmlformats.org/drawingml/2006/main" xmlns:r="http://schemas.openxmlformats.org/officeDocument/2006/relationships" xmlns:p="http://schemas.openxmlformats.org/presentationml/2006/main" type="vertTx" preserve="1">
+  <p:cSld name="Title and Vertical Text">
+    <p:spTree>
+      <p:nvGrpSpPr>
+        <p:cNvPr id="1" name=""/>
+        <p:cNvGrpSpPr/>
+        <p:nvPr/>
+      </p:nvGrpSpPr>
+      <p:grpSpPr>
+        <a:xfrm>
+          <a:off x="0" y="0"/>
+          <a:ext cx="0" cy="0"/>
+          <a:chOff x="0" y="0"/>
+          <a:chExt cx="0" cy="0"/>
+        </a:xfrm>
+      </p:grpSpPr>
+      <p:sp>
+        <p:nvSpPr>
+          <p:cNvPr id="2" name="Title 1"/>
+          <p:cNvSpPr>
+            <a:spLocks noGrp="1"/>
+          </p:cNvSpPr>
+          <p:nvPr>
+            <p:ph type="title"/>
+          </p:nvPr>
+        </p:nvSpPr>
+        <p:spPr/>
+        <p:txBody>
+          <a:bodyPr/>
+          <a:lstStyle/>
+          <a:p>
+            <a:r>
+              <a:rPr lang="en-US" smtClean="0"/>
+              <a:t>Click to edit Master title style</a:t>
+            </a:r>
+            <a:endParaRPr lang="en-GB"/>
+          </a:p>
+        </p:txBody>
+      </p:sp>
+      <p:sp>
+        <p:nvSpPr>
+          <p:cNvPr id="3" name="Vertical Text Placeholder 2"/>
+          <p:cNvSpPr>
+            <a:spLocks noGrp="1"/>
+          </p:cNvSpPr>
+          <p:nvPr>
+            <p:ph type="body" orient="vert" idx="1"/>
+          </p:nvPr>
+        </p:nvSpPr>
+        <p:spPr/>
+        <p:txBody>
+          <a:bodyPr vert="eaVert"/>
+          <a:lstStyle/>
+          <a:p>
+            <a:pPr lvl="0"/>
+            <a:r>
+              <a:rPr lang="en-US" smtClean="0"/>
+              <a:t>Click to edit Master text styles</a:t>
+            </a:r>
+          </a:p>
+          <a:p>
+            <a:pPr lvl="1"/>
+            <a:r>
+              <a:rPr lang="en-US" smtClean="0"/>
+              <a:t>Second level</a:t>
+            </a:r>
+          </a:p>
+          <a:p>
+            <a:pPr lvl="2"/>
+            <a:r>
+              <a:rPr lang="en-US" smtClean="0"/>
+              <a:t>Third level</a:t>
+            </a:r>
+          </a:p>
+          <a:p>
+            <a:pPr lvl="3"/>
+            <a:r>
+              <a:rPr lang="en-US" smtClean="0"/>
+              <a:t>Fourth level</a:t>
+            </a:r>
+          </a:p>
+          <a:p>
+            <a:pPr lvl="4"/>
+            <a:r>
+              <a:rPr lang="en-US" smtClean="0"/>
+              <a:t>Fifth level</a:t>
+            </a:r>
+            <a:endParaRPr lang="en-GB"/>
+          </a:p>
+        </p:txBody>
+      </p:sp>
+      <p:sp>
+        <p:nvSpPr>
+          <p:cNvPr id="4" name="Rectangle 4"/>
+          <p:cNvSpPr>
+            <a:spLocks noGrp="1" noChangeArrowheads="1"/>
+          </p:cNvSpPr>
+          <p:nvPr>
+            <p:ph type="dt" sz="half" idx="10"/>
+          </p:nvPr>
+        </p:nvSpPr>
+        <p:spPr>
+          <a:ln/>
+        </p:spPr>
+        <p:txBody>
+          <a:bodyPr/>
+          <a:lstStyle>
+            <a:lvl1pPr>
+              <a:defRPr/>
+            </a:lvl1pPr>
+          </a:lstStyle>
+          <a:p>
+            <a:pPr>
+              <a:defRPr/>
+            </a:pPr>
+            <a:endParaRPr lang="en-US" altLang="en-US"/>
+          </a:p>
+        </p:txBody>
+      </p:sp>
+      <p:sp>
+        <p:nvSpPr>
+          <p:cNvPr id="5" name="Rectangle 5"/>
+          <p:cNvSpPr>
+            <a:spLocks noGrp="1" noChangeArrowheads="1"/>
+          </p:cNvSpPr>
+          <p:nvPr>
+            <p:ph type="ftr" sz="quarter" idx="11"/>
+          </p:nvPr>
+        </p:nvSpPr>
+        <p:spPr>
+          <a:ln/>
+        </p:spPr>
+        <p:txBody>
+          <a:bodyPr/>
+          <a:lstStyle>
+            <a:lvl1pPr>
+              <a:defRPr/>
+            </a:lvl1pPr>
+          </a:lstStyle>
+          <a:p>
+            <a:pPr>
+              <a:defRPr/>
+            </a:pPr>
+            <a:endParaRPr lang="en-US" altLang="en-US"/>
+          </a:p>
+        </p:txBody>
+      </p:sp>
+      <p:sp>
+        <p:nvSpPr>
+          <p:cNvPr id="6" name="Rectangle 6"/>
+          <p:cNvSpPr>
+            <a:spLocks noGrp="1" noChangeArrowheads="1"/>
+          </p:cNvSpPr>
+          <p:nvPr>
+            <p:ph type="sldNum" sz="quarter" idx="12"/>
+          </p:nvPr>
+        </p:nvSpPr>
+        <p:spPr>
+          <a:ln/>
+        </p:spPr>
+        <p:txBody>
+          <a:bodyPr/>
+          <a:lstStyle>
+            <a:lvl1pPr>
+              <a:defRPr/>
+            </a:lvl1pPr>
+          </a:lstStyle>
+          <a:p>
+            <a:pPr>
+              <a:defRPr/>
+            </a:pPr>
+            <a:fld id="{6A73C25B-E43C-4BEC-A3BE-1C4F3B489275}" type="slidenum">
+              <a:rPr lang="en-US" altLang="en-US"/>
+              <a:pPr>
+                <a:defRPr/>
+              </a:pPr>
+              <a:t>‹nº›</a:t>
+            </a:fld>
+            <a:endParaRPr lang="en-US" altLang="en-US"/>
+          </a:p>
+        </p:txBody>
+      </p:sp>
+    </p:spTree>
+    <p:extLst>
+      <p:ext uri="{BB962C8B-B14F-4D97-AF65-F5344CB8AC3E}">
+        <p14:creationId xmlns:p14="http://schemas.microsoft.com/office/powerpoint/2010/main" val="3797568057"/>
+      </p:ext>
+    </p:extLst>
+  </p:cSld>
+  <p:clrMapOvr>
+    <a:masterClrMapping/>
+  </p:clrMapOvr>
+</p:sldLayout>
+</file>
+
+<file path=ppt/slideLayouts/slideLayout11.xml><?xml version="1.0" encoding="utf-8"?>
+<p:sldLayout xmlns:a="http://schemas.openxmlformats.org/drawingml/2006/main" xmlns:r="http://schemas.openxmlformats.org/officeDocument/2006/relationships" xmlns:p="http://schemas.openxmlformats.org/presentationml/2006/main" type="vertTitleAndTx" preserve="1">
+  <p:cSld name="Vertical Title and Text">
+    <p:spTree>
+      <p:nvGrpSpPr>
+        <p:cNvPr id="1" name=""/>
+        <p:cNvGrpSpPr/>
+        <p:nvPr/>
+      </p:nvGrpSpPr>
+      <p:grpSpPr>
+        <a:xfrm>
+          <a:off x="0" y="0"/>
+          <a:ext cx="0" cy="0"/>
+          <a:chOff x="0" y="0"/>
+          <a:chExt cx="0" cy="0"/>
+        </a:xfrm>
+      </p:grpSpPr>
+      <p:sp>
+        <p:nvSpPr>
+          <p:cNvPr id="2" name="Vertical Title 1"/>
+          <p:cNvSpPr>
+            <a:spLocks noGrp="1"/>
+          </p:cNvSpPr>
+          <p:nvPr>
+            <p:ph type="title" orient="vert"/>
+          </p:nvPr>
+        </p:nvSpPr>
+        <p:spPr>
+          <a:xfrm>
+            <a:off x="8839200" y="274639"/>
+            <a:ext cx="2743200" cy="4492625"/>
+          </a:xfrm>
+        </p:spPr>
+        <p:txBody>
+          <a:bodyPr vert="eaVert"/>
+          <a:lstStyle/>
+          <a:p>
+            <a:r>
+              <a:rPr lang="en-US" smtClean="0"/>
+              <a:t>Click to edit Master title style</a:t>
+            </a:r>
+            <a:endParaRPr lang="en-GB"/>
+          </a:p>
+        </p:txBody>
+      </p:sp>
+      <p:sp>
+        <p:nvSpPr>
+          <p:cNvPr id="3" name="Vertical Text Placeholder 2"/>
+          <p:cNvSpPr>
+            <a:spLocks noGrp="1"/>
+          </p:cNvSpPr>
+          <p:nvPr>
+            <p:ph type="body" orient="vert" idx="1"/>
+          </p:nvPr>
+        </p:nvSpPr>
+        <p:spPr>
+          <a:xfrm>
+            <a:off x="609600" y="274639"/>
+            <a:ext cx="8026400" cy="4492625"/>
+          </a:xfrm>
+        </p:spPr>
+        <p:txBody>
+          <a:bodyPr vert="eaVert"/>
+          <a:lstStyle/>
+          <a:p>
+            <a:pPr lvl="0"/>
+            <a:r>
+              <a:rPr lang="en-US" smtClean="0"/>
+              <a:t>Click to edit Master text styles</a:t>
+            </a:r>
+          </a:p>
+          <a:p>
+            <a:pPr lvl="1"/>
+            <a:r>
+              <a:rPr lang="en-US" smtClean="0"/>
+              <a:t>Second level</a:t>
+            </a:r>
+          </a:p>
+          <a:p>
+            <a:pPr lvl="2"/>
+            <a:r>
+              <a:rPr lang="en-US" smtClean="0"/>
+              <a:t>Third level</a:t>
+            </a:r>
+          </a:p>
+          <a:p>
+            <a:pPr lvl="3"/>
+            <a:r>
+              <a:rPr lang="en-US" smtClean="0"/>
+              <a:t>Fourth level</a:t>
+            </a:r>
+          </a:p>
+          <a:p>
+            <a:pPr lvl="4"/>
+            <a:r>
+              <a:rPr lang="en-US" smtClean="0"/>
+              <a:t>Fifth level</a:t>
+            </a:r>
+            <a:endParaRPr lang="en-GB"/>
+          </a:p>
+        </p:txBody>
+      </p:sp>
+      <p:sp>
+        <p:nvSpPr>
+          <p:cNvPr id="4" name="Rectangle 4"/>
+          <p:cNvSpPr>
+            <a:spLocks noGrp="1" noChangeArrowheads="1"/>
+          </p:cNvSpPr>
+          <p:nvPr>
+            <p:ph type="dt" sz="half" idx="10"/>
+          </p:nvPr>
+        </p:nvSpPr>
+        <p:spPr>
+          <a:ln/>
+        </p:spPr>
+        <p:txBody>
+          <a:bodyPr/>
+          <a:lstStyle>
+            <a:lvl1pPr>
+              <a:defRPr/>
+            </a:lvl1pPr>
+          </a:lstStyle>
+          <a:p>
+            <a:pPr>
+              <a:defRPr/>
+            </a:pPr>
+            <a:endParaRPr lang="en-US" altLang="en-US"/>
+          </a:p>
+        </p:txBody>
+      </p:sp>
+      <p:sp>
+        <p:nvSpPr>
+          <p:cNvPr id="5" name="Rectangle 5"/>
+          <p:cNvSpPr>
+            <a:spLocks noGrp="1" noChangeArrowheads="1"/>
+          </p:cNvSpPr>
+          <p:nvPr>
+            <p:ph type="ftr" sz="quarter" idx="11"/>
+          </p:nvPr>
+        </p:nvSpPr>
+        <p:spPr>
+          <a:ln/>
+        </p:spPr>
+        <p:txBody>
+          <a:bodyPr/>
+          <a:lstStyle>
+            <a:lvl1pPr>
+              <a:defRPr/>
+            </a:lvl1pPr>
+          </a:lstStyle>
+          <a:p>
+            <a:pPr>
+              <a:defRPr/>
+            </a:pPr>
+            <a:endParaRPr lang="en-US" altLang="en-US"/>
+          </a:p>
+        </p:txBody>
+      </p:sp>
+      <p:sp>
+        <p:nvSpPr>
+          <p:cNvPr id="6" name="Rectangle 6"/>
+          <p:cNvSpPr>
+            <a:spLocks noGrp="1" noChangeArrowheads="1"/>
+          </p:cNvSpPr>
+          <p:nvPr>
+            <p:ph type="sldNum" sz="quarter" idx="12"/>
+          </p:nvPr>
+        </p:nvSpPr>
+        <p:spPr>
+          <a:ln/>
+        </p:spPr>
+        <p:txBody>
+          <a:bodyPr/>
+          <a:lstStyle>
+            <a:lvl1pPr>
+              <a:defRPr/>
+            </a:lvl1pPr>
+          </a:lstStyle>
+          <a:p>
+            <a:pPr>
+              <a:defRPr/>
+            </a:pPr>
+            <a:fld id="{C43235D3-7A32-4F1B-AAC5-B6F018A4D07A}" type="slidenum">
+              <a:rPr lang="en-US" altLang="en-US"/>
+              <a:pPr>
+                <a:defRPr/>
+              </a:pPr>
+              <a:t>‹nº›</a:t>
+            </a:fld>
+            <a:endParaRPr lang="en-US" altLang="en-US"/>
+          </a:p>
+        </p:txBody>
+      </p:sp>
+    </p:spTree>
+    <p:extLst>
+      <p:ext uri="{BB962C8B-B14F-4D97-AF65-F5344CB8AC3E}">
+        <p14:creationId xmlns:p14="http://schemas.microsoft.com/office/powerpoint/2010/main" val="4097588366"/>
+      </p:ext>
+    </p:extLst>
+  </p:cSld>
+  <p:clrMapOvr>
+    <a:masterClrMapping/>
+  </p:clrMapOvr>
+</p:sldLayout>
+</file>
+
+<file path=ppt/slideLayouts/slideLayout12.xml><?xml version="1.0" encoding="utf-8"?>
+<p:sldLayout xmlns:a="http://schemas.openxmlformats.org/drawingml/2006/main" xmlns:r="http://schemas.openxmlformats.org/officeDocument/2006/relationships" xmlns:p="http://schemas.openxmlformats.org/presentationml/2006/main" type="chart" preserve="1">
+  <p:cSld name="Title and Chart">
+    <p:spTree>
+      <p:nvGrpSpPr>
+        <p:cNvPr id="1" name=""/>
+        <p:cNvGrpSpPr/>
+        <p:nvPr/>
+      </p:nvGrpSpPr>
+      <p:grpSpPr>
+        <a:xfrm>
+          <a:off x="0" y="0"/>
+          <a:ext cx="0" cy="0"/>
+          <a:chOff x="0" y="0"/>
+          <a:chExt cx="0" cy="0"/>
+        </a:xfrm>
+      </p:grpSpPr>
+      <p:sp>
+        <p:nvSpPr>
+          <p:cNvPr id="2" name="Title 1"/>
+          <p:cNvSpPr>
+            <a:spLocks noGrp="1"/>
+          </p:cNvSpPr>
+          <p:nvPr>
+            <p:ph type="title"/>
+          </p:nvPr>
+        </p:nvSpPr>
+        <p:spPr>
+          <a:xfrm>
+            <a:off x="609600" y="274638"/>
+            <a:ext cx="10972800" cy="1143000"/>
+          </a:xfrm>
+        </p:spPr>
+        <p:txBody>
+          <a:bodyPr/>
+          <a:lstStyle/>
+          <a:p>
+            <a:r>
+              <a:rPr lang="en-US" smtClean="0"/>
+              <a:t>Click to edit Master title style</a:t>
+            </a:r>
+            <a:endParaRPr lang="en-GB"/>
+          </a:p>
+        </p:txBody>
+      </p:sp>
+      <p:sp>
+        <p:nvSpPr>
+          <p:cNvPr id="3" name="Chart Placeholder 2"/>
+          <p:cNvSpPr>
+            <a:spLocks noGrp="1"/>
+          </p:cNvSpPr>
+          <p:nvPr>
+            <p:ph type="chart" idx="1"/>
+          </p:nvPr>
+        </p:nvSpPr>
+        <p:spPr>
+          <a:xfrm>
+            <a:off x="609600" y="1066801"/>
+            <a:ext cx="10972800" cy="3700463"/>
+          </a:xfrm>
+        </p:spPr>
+        <p:txBody>
+          <a:bodyPr/>
+          <a:lstStyle/>
+          <a:p>
+            <a:pPr lvl="0"/>
+            <a:endParaRPr lang="en-GB" noProof="0" smtClean="0"/>
+          </a:p>
+        </p:txBody>
+      </p:sp>
+      <p:sp>
+        <p:nvSpPr>
+          <p:cNvPr id="4" name="Rectangle 4"/>
+          <p:cNvSpPr>
+            <a:spLocks noGrp="1" noChangeArrowheads="1"/>
+          </p:cNvSpPr>
+          <p:nvPr>
+            <p:ph type="dt" sz="half" idx="10"/>
+          </p:nvPr>
+        </p:nvSpPr>
+        <p:spPr>
+          <a:ln/>
+        </p:spPr>
+        <p:txBody>
+          <a:bodyPr/>
+          <a:lstStyle>
+            <a:lvl1pPr>
+              <a:defRPr/>
+            </a:lvl1pPr>
+          </a:lstStyle>
+          <a:p>
+            <a:pPr>
+              <a:defRPr/>
+            </a:pPr>
+            <a:endParaRPr lang="en-US" altLang="en-US"/>
+          </a:p>
+        </p:txBody>
+      </p:sp>
+      <p:sp>
+        <p:nvSpPr>
+          <p:cNvPr id="5" name="Rectangle 5"/>
+          <p:cNvSpPr>
+            <a:spLocks noGrp="1" noChangeArrowheads="1"/>
+          </p:cNvSpPr>
+          <p:nvPr>
+            <p:ph type="ftr" sz="quarter" idx="11"/>
+          </p:nvPr>
+        </p:nvSpPr>
+        <p:spPr>
+          <a:ln/>
+        </p:spPr>
+        <p:txBody>
+          <a:bodyPr/>
+          <a:lstStyle>
+            <a:lvl1pPr>
+              <a:defRPr/>
+            </a:lvl1pPr>
+          </a:lstStyle>
+          <a:p>
+            <a:pPr>
+              <a:defRPr/>
+            </a:pPr>
+            <a:endParaRPr lang="en-US" altLang="en-US"/>
+          </a:p>
+        </p:txBody>
+      </p:sp>
+      <p:sp>
+        <p:nvSpPr>
+          <p:cNvPr id="6" name="Rectangle 6"/>
+          <p:cNvSpPr>
+            <a:spLocks noGrp="1" noChangeArrowheads="1"/>
+          </p:cNvSpPr>
+          <p:nvPr>
+            <p:ph type="sldNum" sz="quarter" idx="12"/>
+          </p:nvPr>
+        </p:nvSpPr>
+        <p:spPr>
+          <a:ln/>
+        </p:spPr>
+        <p:txBody>
+          <a:bodyPr/>
+          <a:lstStyle>
+            <a:lvl1pPr>
+              <a:defRPr/>
+            </a:lvl1pPr>
+          </a:lstStyle>
+          <a:p>
+            <a:pPr>
+              <a:defRPr/>
+            </a:pPr>
+            <a:fld id="{10734EB8-5C1B-4830-9CAD-A02C2FF5D799}" type="slidenum">
+              <a:rPr lang="en-US" altLang="en-US"/>
+              <a:pPr>
+                <a:defRPr/>
+              </a:pPr>
+              <a:t>‹nº›</a:t>
+            </a:fld>
+            <a:endParaRPr lang="en-US" altLang="en-US"/>
+          </a:p>
+        </p:txBody>
+      </p:sp>
+    </p:spTree>
+    <p:extLst>
+      <p:ext uri="{BB962C8B-B14F-4D97-AF65-F5344CB8AC3E}">
+        <p14:creationId xmlns:p14="http://schemas.microsoft.com/office/powerpoint/2010/main" val="2619340813"/>
+      </p:ext>
+    </p:extLst>
+  </p:cSld>
+  <p:clrMapOvr>
+    <a:masterClrMapping/>
+  </p:clrMapOvr>
+</p:sldLayout>
+</file>
+
+<file path=ppt/slideLayouts/slideLayout13.xml><?xml version="1.0" encoding="utf-8"?>
+<p:sldLayout xmlns:a="http://schemas.openxmlformats.org/drawingml/2006/main" xmlns:r="http://schemas.openxmlformats.org/officeDocument/2006/relationships" xmlns:p="http://schemas.openxmlformats.org/presentationml/2006/main" type="txAndObj" preserve="1">
+  <p:cSld name="Title, Text, and Content">
+    <p:spTree>
+      <p:nvGrpSpPr>
+        <p:cNvPr id="1" name=""/>
+        <p:cNvGrpSpPr/>
+        <p:nvPr/>
+      </p:nvGrpSpPr>
+      <p:grpSpPr>
+        <a:xfrm>
+          <a:off x="0" y="0"/>
+          <a:ext cx="0" cy="0"/>
+          <a:chOff x="0" y="0"/>
+          <a:chExt cx="0" cy="0"/>
+        </a:xfrm>
+      </p:grpSpPr>
+      <p:sp>
+        <p:nvSpPr>
+          <p:cNvPr id="2" name="Title 1"/>
+          <p:cNvSpPr>
+            <a:spLocks noGrp="1"/>
+          </p:cNvSpPr>
+          <p:nvPr>
+            <p:ph type="title"/>
+          </p:nvPr>
+        </p:nvSpPr>
+        <p:spPr>
+          <a:xfrm>
+            <a:off x="609600" y="274638"/>
+            <a:ext cx="10972800" cy="1143000"/>
+          </a:xfrm>
+        </p:spPr>
+        <p:txBody>
+          <a:bodyPr/>
+          <a:lstStyle/>
+          <a:p>
+            <a:r>
+              <a:rPr lang="en-US" smtClean="0"/>
+              <a:t>Click to edit Master title style</a:t>
+            </a:r>
+            <a:endParaRPr lang="en-GB"/>
+          </a:p>
+        </p:txBody>
+      </p:sp>
+      <p:sp>
+        <p:nvSpPr>
+          <p:cNvPr id="3" name="Text Placeholder 2"/>
+          <p:cNvSpPr>
+            <a:spLocks noGrp="1"/>
+          </p:cNvSpPr>
+          <p:nvPr>
+            <p:ph type="body" sz="half" idx="1"/>
+          </p:nvPr>
+        </p:nvSpPr>
+        <p:spPr>
+          <a:xfrm>
+            <a:off x="609600" y="1066801"/>
+            <a:ext cx="5384800" cy="3700463"/>
+          </a:xfrm>
+        </p:spPr>
+        <p:txBody>
+          <a:bodyPr/>
+          <a:lstStyle/>
+          <a:p>
+            <a:pPr lvl="0"/>
+            <a:r>
+              <a:rPr lang="en-US" smtClean="0"/>
+              <a:t>Click to edit Master text styles</a:t>
+            </a:r>
+          </a:p>
+          <a:p>
+            <a:pPr lvl="1"/>
+            <a:r>
+              <a:rPr lang="en-US" smtClean="0"/>
+              <a:t>Second level</a:t>
+            </a:r>
+          </a:p>
+          <a:p>
+            <a:pPr lvl="2"/>
+            <a:r>
+              <a:rPr lang="en-US" smtClean="0"/>
+              <a:t>Third level</a:t>
+            </a:r>
+          </a:p>
+          <a:p>
+            <a:pPr lvl="3"/>
+            <a:r>
+              <a:rPr lang="en-US" smtClean="0"/>
+              <a:t>Fourth level</a:t>
+            </a:r>
+          </a:p>
+          <a:p>
+            <a:pPr lvl="4"/>
+            <a:r>
+              <a:rPr lang="en-US" smtClean="0"/>
+              <a:t>Fifth level</a:t>
+            </a:r>
+            <a:endParaRPr lang="en-GB"/>
+          </a:p>
+        </p:txBody>
+      </p:sp>
+      <p:sp>
+        <p:nvSpPr>
+          <p:cNvPr id="4" name="Content Placeholder 3"/>
+          <p:cNvSpPr>
+            <a:spLocks noGrp="1"/>
+          </p:cNvSpPr>
+          <p:nvPr>
+            <p:ph sz="half" idx="2"/>
+          </p:nvPr>
+        </p:nvSpPr>
+        <p:spPr>
+          <a:xfrm>
+            <a:off x="6197600" y="1066801"/>
+            <a:ext cx="5384800" cy="3700463"/>
+          </a:xfrm>
+        </p:spPr>
+        <p:txBody>
+          <a:bodyPr/>
+          <a:lstStyle/>
+          <a:p>
+            <a:pPr lvl="0"/>
+            <a:r>
+              <a:rPr lang="en-US" smtClean="0"/>
+              <a:t>Click to edit Master text styles</a:t>
+            </a:r>
+          </a:p>
+          <a:p>
+            <a:pPr lvl="1"/>
+            <a:r>
+              <a:rPr lang="en-US" smtClean="0"/>
+              <a:t>Second level</a:t>
+            </a:r>
+          </a:p>
+          <a:p>
+            <a:pPr lvl="2"/>
+            <a:r>
+              <a:rPr lang="en-US" smtClean="0"/>
+              <a:t>Third level</a:t>
+            </a:r>
+          </a:p>
+          <a:p>
+            <a:pPr lvl="3"/>
+            <a:r>
+              <a:rPr lang="en-US" smtClean="0"/>
+              <a:t>Fourth level</a:t>
+            </a:r>
+          </a:p>
+          <a:p>
+            <a:pPr lvl="4"/>
+            <a:r>
+              <a:rPr lang="en-US" smtClean="0"/>
+              <a:t>Fifth level</a:t>
+            </a:r>
+            <a:endParaRPr lang="en-GB"/>
+          </a:p>
+        </p:txBody>
+      </p:sp>
+      <p:sp>
+        <p:nvSpPr>
+          <p:cNvPr id="5" name="Rectangle 4"/>
+          <p:cNvSpPr>
+            <a:spLocks noGrp="1" noChangeArrowheads="1"/>
+          </p:cNvSpPr>
+          <p:nvPr>
+            <p:ph type="dt" sz="half" idx="10"/>
+          </p:nvPr>
+        </p:nvSpPr>
+        <p:spPr>
+          <a:ln/>
+        </p:spPr>
+        <p:txBody>
+          <a:bodyPr/>
+          <a:lstStyle>
+            <a:lvl1pPr>
+              <a:defRPr/>
+            </a:lvl1pPr>
+          </a:lstStyle>
+          <a:p>
+            <a:pPr>
+              <a:defRPr/>
+            </a:pPr>
+            <a:endParaRPr lang="en-US" altLang="en-US"/>
+          </a:p>
+        </p:txBody>
+      </p:sp>
+      <p:sp>
+        <p:nvSpPr>
+          <p:cNvPr id="6" name="Rectangle 5"/>
+          <p:cNvSpPr>
+            <a:spLocks noGrp="1" noChangeArrowheads="1"/>
+          </p:cNvSpPr>
+          <p:nvPr>
+            <p:ph type="ftr" sz="quarter" idx="11"/>
+          </p:nvPr>
+        </p:nvSpPr>
+        <p:spPr>
+          <a:ln/>
+        </p:spPr>
+        <p:txBody>
+          <a:bodyPr/>
+          <a:lstStyle>
+            <a:lvl1pPr>
+              <a:defRPr/>
+            </a:lvl1pPr>
+          </a:lstStyle>
+          <a:p>
+            <a:pPr>
+              <a:defRPr/>
+            </a:pPr>
+            <a:endParaRPr lang="en-US" altLang="en-US"/>
+          </a:p>
+        </p:txBody>
+      </p:sp>
+      <p:sp>
+        <p:nvSpPr>
+          <p:cNvPr id="7" name="Rectangle 6"/>
+          <p:cNvSpPr>
+            <a:spLocks noGrp="1" noChangeArrowheads="1"/>
+          </p:cNvSpPr>
+          <p:nvPr>
+            <p:ph type="sldNum" sz="quarter" idx="12"/>
+          </p:nvPr>
+        </p:nvSpPr>
+        <p:spPr>
+          <a:ln/>
+        </p:spPr>
+        <p:txBody>
+          <a:bodyPr/>
+          <a:lstStyle>
+            <a:lvl1pPr>
+              <a:defRPr/>
+            </a:lvl1pPr>
+          </a:lstStyle>
+          <a:p>
+            <a:pPr>
+              <a:defRPr/>
+            </a:pPr>
+            <a:fld id="{C32513D1-9D20-433B-A882-D5BAC238F127}" type="slidenum">
+              <a:rPr lang="en-US" altLang="en-US"/>
+              <a:pPr>
+                <a:defRPr/>
+              </a:pPr>
+              <a:t>‹nº›</a:t>
+            </a:fld>
+            <a:endParaRPr lang="en-US" altLang="en-US"/>
+          </a:p>
+        </p:txBody>
+      </p:sp>
+    </p:spTree>
+    <p:extLst>
+      <p:ext uri="{BB962C8B-B14F-4D97-AF65-F5344CB8AC3E}">
+        <p14:creationId xmlns:p14="http://schemas.microsoft.com/office/powerpoint/2010/main" val="1553314564"/>
+      </p:ext>
+    </p:extLst>
+  </p:cSld>
+  <p:clrMapOvr>
+    <a:masterClrMapping/>
+  </p:clrMapOvr>
+</p:sldLayout>
+</file>
+
+<file path=ppt/slideLayouts/slideLayout2.xml><?xml version="1.0" encoding="utf-8"?>
+<p:sldLayout xmlns:a="http://schemas.openxmlformats.org/drawingml/2006/main" xmlns:r="http://schemas.openxmlformats.org/officeDocument/2006/relationships" xmlns:p="http://schemas.openxmlformats.org/presentationml/2006/main" type="obj" preserve="1">
+  <p:cSld name="Title and Content">
+    <p:spTree>
+      <p:nvGrpSpPr>
+        <p:cNvPr id="1" name=""/>
+        <p:cNvGrpSpPr/>
+        <p:nvPr/>
+      </p:nvGrpSpPr>
+      <p:grpSpPr>
+        <a:xfrm>
+          <a:off x="0" y="0"/>
+          <a:ext cx="0" cy="0"/>
+          <a:chOff x="0" y="0"/>
+          <a:chExt cx="0" cy="0"/>
+        </a:xfrm>
+      </p:grpSpPr>
+      <p:sp>
+        <p:nvSpPr>
+          <p:cNvPr id="2" name="Title 1"/>
+          <p:cNvSpPr>
+            <a:spLocks noGrp="1"/>
+          </p:cNvSpPr>
+          <p:nvPr>
+            <p:ph type="title"/>
+          </p:nvPr>
+        </p:nvSpPr>
+        <p:spPr/>
+        <p:txBody>
+          <a:bodyPr/>
+          <a:lstStyle/>
+          <a:p>
+            <a:r>
+              <a:rPr lang="en-US" smtClean="0"/>
+              <a:t>Click to edit Master title style</a:t>
+            </a:r>
+            <a:endParaRPr lang="en-GB"/>
+          </a:p>
+        </p:txBody>
+      </p:sp>
+      <p:sp>
+        <p:nvSpPr>
+          <p:cNvPr id="3" name="Content Placeholder 2"/>
+          <p:cNvSpPr>
+            <a:spLocks noGrp="1"/>
+          </p:cNvSpPr>
+          <p:nvPr>
+            <p:ph idx="1"/>
+          </p:nvPr>
+        </p:nvSpPr>
+        <p:spPr/>
+        <p:txBody>
+          <a:bodyPr/>
+          <a:lstStyle/>
+          <a:p>
+            <a:pPr lvl="0"/>
+            <a:r>
+              <a:rPr lang="en-US" smtClean="0"/>
+              <a:t>Click to edit Master text styles</a:t>
+            </a:r>
+          </a:p>
+          <a:p>
+            <a:pPr lvl="1"/>
+            <a:r>
+              <a:rPr lang="en-US" smtClean="0"/>
+              <a:t>Second level</a:t>
+            </a:r>
+          </a:p>
+          <a:p>
+            <a:pPr lvl="2"/>
+            <a:r>
+              <a:rPr lang="en-US" smtClean="0"/>
+              <a:t>Third level</a:t>
+            </a:r>
+          </a:p>
+          <a:p>
+            <a:pPr lvl="3"/>
+            <a:r>
+              <a:rPr lang="en-US" smtClean="0"/>
+              <a:t>Fourth level</a:t>
+            </a:r>
+          </a:p>
+          <a:p>
+            <a:pPr lvl="4"/>
+            <a:r>
+              <a:rPr lang="en-US" smtClean="0"/>
+              <a:t>Fifth level</a:t>
+            </a:r>
+            <a:endParaRPr lang="en-GB"/>
+          </a:p>
+        </p:txBody>
+      </p:sp>
+      <p:sp>
+        <p:nvSpPr>
+          <p:cNvPr id="4" name="Rectangle 4"/>
+          <p:cNvSpPr>
+            <a:spLocks noGrp="1" noChangeArrowheads="1"/>
+          </p:cNvSpPr>
+          <p:nvPr>
+            <p:ph type="dt" sz="half" idx="10"/>
+          </p:nvPr>
+        </p:nvSpPr>
+        <p:spPr>
+          <a:ln/>
+        </p:spPr>
+        <p:txBody>
+          <a:bodyPr/>
+          <a:lstStyle>
+            <a:lvl1pPr>
+              <a:defRPr/>
+            </a:lvl1pPr>
+          </a:lstStyle>
+          <a:p>
+            <a:pPr>
+              <a:defRPr/>
+            </a:pPr>
+            <a:endParaRPr lang="en-US" altLang="en-US"/>
+          </a:p>
+        </p:txBody>
+      </p:sp>
+      <p:sp>
+        <p:nvSpPr>
+          <p:cNvPr id="5" name="Rectangle 5"/>
+          <p:cNvSpPr>
+            <a:spLocks noGrp="1" noChangeArrowheads="1"/>
+          </p:cNvSpPr>
+          <p:nvPr>
+            <p:ph type="ftr" sz="quarter" idx="11"/>
+          </p:nvPr>
+        </p:nvSpPr>
+        <p:spPr>
+          <a:ln/>
+        </p:spPr>
+        <p:txBody>
+          <a:bodyPr/>
+          <a:lstStyle>
+            <a:lvl1pPr>
+              <a:defRPr/>
+            </a:lvl1pPr>
+          </a:lstStyle>
+          <a:p>
+            <a:pPr>
+              <a:defRPr/>
+            </a:pPr>
+            <a:endParaRPr lang="en-US" altLang="en-US"/>
+          </a:p>
+        </p:txBody>
+      </p:sp>
+      <p:sp>
+        <p:nvSpPr>
+          <p:cNvPr id="6" name="Rectangle 6"/>
+          <p:cNvSpPr>
+            <a:spLocks noGrp="1" noChangeArrowheads="1"/>
+          </p:cNvSpPr>
+          <p:nvPr>
+            <p:ph type="sldNum" sz="quarter" idx="12"/>
+          </p:nvPr>
+        </p:nvSpPr>
+        <p:spPr>
+          <a:ln/>
+        </p:spPr>
+        <p:txBody>
+          <a:bodyPr/>
+          <a:lstStyle>
+            <a:lvl1pPr>
+              <a:defRPr/>
+            </a:lvl1pPr>
+          </a:lstStyle>
+          <a:p>
+            <a:pPr>
+              <a:defRPr/>
+            </a:pPr>
+            <a:fld id="{22D54903-346A-4AB7-976D-B9666E1AE8F5}" type="slidenum">
+              <a:rPr lang="en-US" altLang="en-US"/>
+              <a:pPr>
+                <a:defRPr/>
+              </a:pPr>
+              <a:t>‹nº›</a:t>
+            </a:fld>
+            <a:endParaRPr lang="en-US" altLang="en-US"/>
+          </a:p>
+        </p:txBody>
+      </p:sp>
+    </p:spTree>
+    <p:extLst>
+      <p:ext uri="{BB962C8B-B14F-4D97-AF65-F5344CB8AC3E}">
+        <p14:creationId xmlns:p14="http://schemas.microsoft.com/office/powerpoint/2010/main" val="3863314366"/>
+      </p:ext>
+    </p:extLst>
+  </p:cSld>
+  <p:clrMapOvr>
+    <a:masterClrMapping/>
+  </p:clrMapOvr>
+</p:sldLayout>
+</file>
+
+<file path=ppt/slideLayouts/slideLayout3.xml><?xml version="1.0" encoding="utf-8"?>
+<p:sldLayout xmlns:a="http://schemas.openxmlformats.org/drawingml/2006/main" xmlns:r="http://schemas.openxmlformats.org/officeDocument/2006/relationships" xmlns:p="http://schemas.openxmlformats.org/presentationml/2006/main" type="secHead" preserve="1">
+  <p:cSld name="Section Header">
+    <p:spTree>
+      <p:nvGrpSpPr>
+        <p:cNvPr id="1" name=""/>
+        <p:cNvGrpSpPr/>
+        <p:nvPr/>
+      </p:nvGrpSpPr>
+      <p:grpSpPr>
+        <a:xfrm>
+          <a:off x="0" y="0"/>
+          <a:ext cx="0" cy="0"/>
+          <a:chOff x="0" y="0"/>
+          <a:chExt cx="0" cy="0"/>
+        </a:xfrm>
+      </p:grpSpPr>
+      <p:sp>
+        <p:nvSpPr>
+          <p:cNvPr id="2" name="Title 1"/>
+          <p:cNvSpPr>
+            <a:spLocks noGrp="1"/>
+          </p:cNvSpPr>
+          <p:nvPr>
+            <p:ph type="title"/>
+          </p:nvPr>
+        </p:nvSpPr>
+        <p:spPr>
+          <a:xfrm>
+            <a:off x="831851" y="1709739"/>
+            <a:ext cx="10515600" cy="2852737"/>
+          </a:xfrm>
+        </p:spPr>
+        <p:txBody>
+          <a:bodyPr anchor="b"/>
+          <a:lstStyle>
+            <a:lvl1pPr>
+              <a:defRPr sz="6000"/>
+            </a:lvl1pPr>
+          </a:lstStyle>
+          <a:p>
+            <a:r>
+              <a:rPr lang="en-US" smtClean="0"/>
+              <a:t>Click to edit Master title style</a:t>
+            </a:r>
+            <a:endParaRPr lang="en-GB"/>
+          </a:p>
+        </p:txBody>
+      </p:sp>
+      <p:sp>
+        <p:nvSpPr>
+          <p:cNvPr id="3" name="Text Placeholder 2"/>
+          <p:cNvSpPr>
+            <a:spLocks noGrp="1"/>
+          </p:cNvSpPr>
+          <p:nvPr>
+            <p:ph type="body" idx="1"/>
+          </p:nvPr>
+        </p:nvSpPr>
+        <p:spPr>
+          <a:xfrm>
+            <a:off x="831851" y="4589464"/>
+            <a:ext cx="10515600" cy="1500187"/>
+          </a:xfrm>
+        </p:spPr>
+        <p:txBody>
+          <a:bodyPr/>
+          <a:lstStyle>
+            <a:lvl1pPr marL="0" indent="0">
+              <a:buNone/>
+              <a:defRPr sz="2400"/>
+            </a:lvl1pPr>
+            <a:lvl2pPr marL="457200" indent="0">
+              <a:buNone/>
+              <a:defRPr sz="2000"/>
+            </a:lvl2pPr>
+            <a:lvl3pPr marL="914400" indent="0">
+              <a:buNone/>
+              <a:defRPr sz="1800"/>
+            </a:lvl3pPr>
+            <a:lvl4pPr marL="1371600" indent="0">
+              <a:buNone/>
+              <a:defRPr sz="1600"/>
+            </a:lvl4pPr>
+            <a:lvl5pPr marL="1828800" indent="0">
+              <a:buNone/>
+              <a:defRPr sz="1600"/>
+            </a:lvl5pPr>
+            <a:lvl6pPr marL="2286000" indent="0">
+              <a:buNone/>
+              <a:defRPr sz="1600"/>
+            </a:lvl6pPr>
+            <a:lvl7pPr marL="2743200" indent="0">
+              <a:buNone/>
+              <a:defRPr sz="1600"/>
+            </a:lvl7pPr>
+            <a:lvl8pPr marL="3200400" indent="0">
+              <a:buNone/>
+              <a:defRPr sz="1600"/>
+            </a:lvl8pPr>
+            <a:lvl9pPr marL="3657600" indent="0">
+              <a:buNone/>
+              <a:defRPr sz="1600"/>
+            </a:lvl9pPr>
+          </a:lstStyle>
+          <a:p>
+            <a:pPr lvl="0"/>
+            <a:r>
+              <a:rPr lang="en-US" smtClean="0"/>
+              <a:t>Click to edit Master text styles</a:t>
+            </a:r>
+          </a:p>
+        </p:txBody>
+      </p:sp>
+      <p:sp>
+        <p:nvSpPr>
+          <p:cNvPr id="4" name="Rectangle 4"/>
+          <p:cNvSpPr>
+            <a:spLocks noGrp="1" noChangeArrowheads="1"/>
+          </p:cNvSpPr>
+          <p:nvPr>
+            <p:ph type="dt" sz="half" idx="10"/>
+          </p:nvPr>
+        </p:nvSpPr>
+        <p:spPr>
+          <a:ln/>
+        </p:spPr>
+        <p:txBody>
+          <a:bodyPr/>
+          <a:lstStyle>
+            <a:lvl1pPr>
+              <a:defRPr/>
+            </a:lvl1pPr>
+          </a:lstStyle>
+          <a:p>
+            <a:pPr>
+              <a:defRPr/>
+            </a:pPr>
+            <a:endParaRPr lang="en-US" altLang="en-US"/>
+          </a:p>
+        </p:txBody>
+      </p:sp>
+      <p:sp>
+        <p:nvSpPr>
+          <p:cNvPr id="5" name="Rectangle 5"/>
+          <p:cNvSpPr>
+            <a:spLocks noGrp="1" noChangeArrowheads="1"/>
+          </p:cNvSpPr>
+          <p:nvPr>
+            <p:ph type="ftr" sz="quarter" idx="11"/>
+          </p:nvPr>
+        </p:nvSpPr>
+        <p:spPr>
+          <a:ln/>
+        </p:spPr>
+        <p:txBody>
+          <a:bodyPr/>
+          <a:lstStyle>
+            <a:lvl1pPr>
+              <a:defRPr/>
+            </a:lvl1pPr>
+          </a:lstStyle>
+          <a:p>
+            <a:pPr>
+              <a:defRPr/>
+            </a:pPr>
+            <a:endParaRPr lang="en-US" altLang="en-US"/>
+          </a:p>
+        </p:txBody>
+      </p:sp>
+      <p:sp>
+        <p:nvSpPr>
+          <p:cNvPr id="6" name="Rectangle 6"/>
+          <p:cNvSpPr>
+            <a:spLocks noGrp="1" noChangeArrowheads="1"/>
+          </p:cNvSpPr>
+          <p:nvPr>
+            <p:ph type="sldNum" sz="quarter" idx="12"/>
+          </p:nvPr>
+        </p:nvSpPr>
+        <p:spPr>
+          <a:ln/>
+        </p:spPr>
+        <p:txBody>
+          <a:bodyPr/>
+          <a:lstStyle>
+            <a:lvl1pPr>
+              <a:defRPr/>
+            </a:lvl1pPr>
+          </a:lstStyle>
+          <a:p>
+            <a:pPr>
+              <a:defRPr/>
+            </a:pPr>
+            <a:fld id="{6C3FA813-607D-4C19-8682-EFBB02BBB8E8}" type="slidenum">
+              <a:rPr lang="en-US" altLang="en-US"/>
+              <a:pPr>
+                <a:defRPr/>
+              </a:pPr>
+              <a:t>‹nº›</a:t>
+            </a:fld>
+            <a:endParaRPr lang="en-US" altLang="en-US"/>
+          </a:p>
+        </p:txBody>
+      </p:sp>
+    </p:spTree>
+    <p:extLst>
+      <p:ext uri="{BB962C8B-B14F-4D97-AF65-F5344CB8AC3E}">
+        <p14:creationId xmlns:p14="http://schemas.microsoft.com/office/powerpoint/2010/main" val="3089154402"/>
+      </p:ext>
+    </p:extLst>
+  </p:cSld>
+  <p:clrMapOvr>
+    <a:masterClrMapping/>
+  </p:clrMapOvr>
+</p:sldLayout>
+</file>
+
+<file path=ppt/slideLayouts/slideLayout4.xml><?xml version="1.0" encoding="utf-8"?>
+<p:sldLayout xmlns:a="http://schemas.openxmlformats.org/drawingml/2006/main" xmlns:r="http://schemas.openxmlformats.org/officeDocument/2006/relationships" xmlns:p="http://schemas.openxmlformats.org/presentationml/2006/main" type="twoObj" preserve="1">
+  <p:cSld name="Two Content">
+    <p:spTree>
+      <p:nvGrpSpPr>
+        <p:cNvPr id="1" name=""/>
+        <p:cNvGrpSpPr/>
+        <p:nvPr/>
+      </p:nvGrpSpPr>
+      <p:grpSpPr>
+        <a:xfrm>
+          <a:off x="0" y="0"/>
+          <a:ext cx="0" cy="0"/>
+          <a:chOff x="0" y="0"/>
+          <a:chExt cx="0" cy="0"/>
+        </a:xfrm>
+      </p:grpSpPr>
+      <p:sp>
+        <p:nvSpPr>
+          <p:cNvPr id="2" name="Title 1"/>
+          <p:cNvSpPr>
+            <a:spLocks noGrp="1"/>
+          </p:cNvSpPr>
+          <p:nvPr>
+            <p:ph type="title"/>
+          </p:nvPr>
+        </p:nvSpPr>
+        <p:spPr/>
+        <p:txBody>
+          <a:bodyPr/>
+          <a:lstStyle/>
+          <a:p>
+            <a:r>
+              <a:rPr lang="en-US" smtClean="0"/>
+              <a:t>Click to edit Master title style</a:t>
+            </a:r>
+            <a:endParaRPr lang="en-GB"/>
+          </a:p>
+        </p:txBody>
+      </p:sp>
+      <p:sp>
+        <p:nvSpPr>
+          <p:cNvPr id="3" name="Content Placeholder 2"/>
+          <p:cNvSpPr>
+            <a:spLocks noGrp="1"/>
+          </p:cNvSpPr>
+          <p:nvPr>
+            <p:ph sz="half" idx="1"/>
+          </p:nvPr>
+        </p:nvSpPr>
+        <p:spPr>
+          <a:xfrm>
+            <a:off x="609600" y="1066801"/>
+            <a:ext cx="5384800" cy="3700463"/>
+          </a:xfrm>
+        </p:spPr>
+        <p:txBody>
+          <a:bodyPr/>
+          <a:lstStyle/>
+          <a:p>
+            <a:pPr lvl="0"/>
+            <a:r>
+              <a:rPr lang="en-US" smtClean="0"/>
+              <a:t>Click to edit Master text styles</a:t>
+            </a:r>
+          </a:p>
+          <a:p>
+            <a:pPr lvl="1"/>
+            <a:r>
+              <a:rPr lang="en-US" smtClean="0"/>
+              <a:t>Second level</a:t>
+            </a:r>
+          </a:p>
+          <a:p>
+            <a:pPr lvl="2"/>
+            <a:r>
+              <a:rPr lang="en-US" smtClean="0"/>
+              <a:t>Third level</a:t>
+            </a:r>
+          </a:p>
+          <a:p>
+            <a:pPr lvl="3"/>
+            <a:r>
+              <a:rPr lang="en-US" smtClean="0"/>
+              <a:t>Fourth level</a:t>
+            </a:r>
+          </a:p>
+          <a:p>
+            <a:pPr lvl="4"/>
+            <a:r>
+              <a:rPr lang="en-US" smtClean="0"/>
+              <a:t>Fifth level</a:t>
+            </a:r>
+            <a:endParaRPr lang="en-GB"/>
+          </a:p>
+        </p:txBody>
+      </p:sp>
+      <p:sp>
+        <p:nvSpPr>
+          <p:cNvPr id="4" name="Content Placeholder 3"/>
+          <p:cNvSpPr>
+            <a:spLocks noGrp="1"/>
+          </p:cNvSpPr>
+          <p:nvPr>
+            <p:ph sz="half" idx="2"/>
+          </p:nvPr>
+        </p:nvSpPr>
+        <p:spPr>
+          <a:xfrm>
+            <a:off x="6197600" y="1066801"/>
+            <a:ext cx="5384800" cy="3700463"/>
+          </a:xfrm>
+        </p:spPr>
+        <p:txBody>
+          <a:bodyPr/>
+          <a:lstStyle/>
+          <a:p>
+            <a:pPr lvl="0"/>
+            <a:r>
+              <a:rPr lang="en-US" smtClean="0"/>
+              <a:t>Click to edit Master text styles</a:t>
+            </a:r>
+          </a:p>
+          <a:p>
+            <a:pPr lvl="1"/>
+            <a:r>
+              <a:rPr lang="en-US" smtClean="0"/>
+              <a:t>Second level</a:t>
+            </a:r>
+          </a:p>
+          <a:p>
+            <a:pPr lvl="2"/>
+            <a:r>
+              <a:rPr lang="en-US" smtClean="0"/>
+              <a:t>Third level</a:t>
+            </a:r>
+          </a:p>
+          <a:p>
+            <a:pPr lvl="3"/>
+            <a:r>
+              <a:rPr lang="en-US" smtClean="0"/>
+              <a:t>Fourth level</a:t>
+            </a:r>
+          </a:p>
+          <a:p>
+            <a:pPr lvl="4"/>
+            <a:r>
+              <a:rPr lang="en-US" smtClean="0"/>
+              <a:t>Fifth level</a:t>
+            </a:r>
+            <a:endParaRPr lang="en-GB"/>
+          </a:p>
+        </p:txBody>
+      </p:sp>
+      <p:sp>
+        <p:nvSpPr>
+          <p:cNvPr id="5" name="Rectangle 4"/>
+          <p:cNvSpPr>
+            <a:spLocks noGrp="1" noChangeArrowheads="1"/>
+          </p:cNvSpPr>
+          <p:nvPr>
+            <p:ph type="dt" sz="half" idx="10"/>
+          </p:nvPr>
+        </p:nvSpPr>
+        <p:spPr>
+          <a:ln/>
+        </p:spPr>
+        <p:txBody>
+          <a:bodyPr/>
+          <a:lstStyle>
+            <a:lvl1pPr>
+              <a:defRPr/>
+            </a:lvl1pPr>
+          </a:lstStyle>
+          <a:p>
+            <a:pPr>
+              <a:defRPr/>
+            </a:pPr>
+            <a:endParaRPr lang="en-US" altLang="en-US"/>
+          </a:p>
+        </p:txBody>
+      </p:sp>
+      <p:sp>
+        <p:nvSpPr>
+          <p:cNvPr id="6" name="Rectangle 5"/>
+          <p:cNvSpPr>
+            <a:spLocks noGrp="1" noChangeArrowheads="1"/>
+          </p:cNvSpPr>
+          <p:nvPr>
+            <p:ph type="ftr" sz="quarter" idx="11"/>
+          </p:nvPr>
+        </p:nvSpPr>
+        <p:spPr>
+          <a:ln/>
+        </p:spPr>
+        <p:txBody>
+          <a:bodyPr/>
+          <a:lstStyle>
+            <a:lvl1pPr>
+              <a:defRPr/>
+            </a:lvl1pPr>
+          </a:lstStyle>
+          <a:p>
+            <a:pPr>
+              <a:defRPr/>
+            </a:pPr>
+            <a:endParaRPr lang="en-US" altLang="en-US"/>
+          </a:p>
+        </p:txBody>
+      </p:sp>
+      <p:sp>
+        <p:nvSpPr>
+          <p:cNvPr id="7" name="Rectangle 6"/>
+          <p:cNvSpPr>
+            <a:spLocks noGrp="1" noChangeArrowheads="1"/>
+          </p:cNvSpPr>
+          <p:nvPr>
+            <p:ph type="sldNum" sz="quarter" idx="12"/>
+          </p:nvPr>
+        </p:nvSpPr>
+        <p:spPr>
+          <a:ln/>
+        </p:spPr>
+        <p:txBody>
+          <a:bodyPr/>
+          <a:lstStyle>
+            <a:lvl1pPr>
+              <a:defRPr/>
+            </a:lvl1pPr>
+          </a:lstStyle>
+          <a:p>
+            <a:pPr>
+              <a:defRPr/>
+            </a:pPr>
+            <a:fld id="{17F6032C-628E-40EC-B836-5F8C4AD4D840}" type="slidenum">
+              <a:rPr lang="en-US" altLang="en-US"/>
+              <a:pPr>
+                <a:defRPr/>
+              </a:pPr>
+              <a:t>‹nº›</a:t>
+            </a:fld>
+            <a:endParaRPr lang="en-US" altLang="en-US"/>
+          </a:p>
+        </p:txBody>
+      </p:sp>
+    </p:spTree>
+    <p:extLst>
+      <p:ext uri="{BB962C8B-B14F-4D97-AF65-F5344CB8AC3E}">
+        <p14:creationId xmlns:p14="http://schemas.microsoft.com/office/powerpoint/2010/main" val="4217104739"/>
+      </p:ext>
+    </p:extLst>
+  </p:cSld>
+  <p:clrMapOvr>
+    <a:masterClrMapping/>
+  </p:clrMapOvr>
+</p:sldLayout>
+</file>
+
+<file path=ppt/slideLayouts/slideLayout5.xml><?xml version="1.0" encoding="utf-8"?>
+<p:sldLayout xmlns:a="http://schemas.openxmlformats.org/drawingml/2006/main" xmlns:r="http://schemas.openxmlformats.org/officeDocument/2006/relationships" xmlns:p="http://schemas.openxmlformats.org/presentationml/2006/main" type="twoTxTwoObj" preserve="1">
+  <p:cSld name="Comparison">
+    <p:spTree>
+      <p:nvGrpSpPr>
+        <p:cNvPr id="1" name=""/>
+        <p:cNvGrpSpPr/>
+        <p:nvPr/>
+      </p:nvGrpSpPr>
+      <p:grpSpPr>
+        <a:xfrm>
+          <a:off x="0" y="0"/>
+          <a:ext cx="0" cy="0"/>
+          <a:chOff x="0" y="0"/>
+          <a:chExt cx="0" cy="0"/>
+        </a:xfrm>
+      </p:grpSpPr>
+      <p:sp>
+        <p:nvSpPr>
+          <p:cNvPr id="2" name="Title 1"/>
+          <p:cNvSpPr>
+            <a:spLocks noGrp="1"/>
+          </p:cNvSpPr>
+          <p:nvPr>
+            <p:ph type="title"/>
+          </p:nvPr>
+        </p:nvSpPr>
+        <p:spPr>
+          <a:xfrm>
+            <a:off x="840317" y="365126"/>
+            <a:ext cx="10515600" cy="1325563"/>
+          </a:xfrm>
+        </p:spPr>
+        <p:txBody>
+          <a:bodyPr/>
+          <a:lstStyle/>
+          <a:p>
+            <a:r>
+              <a:rPr lang="en-US" smtClean="0"/>
+              <a:t>Click to edit Master title style</a:t>
+            </a:r>
+            <a:endParaRPr lang="en-GB"/>
+          </a:p>
+        </p:txBody>
+      </p:sp>
+      <p:sp>
+        <p:nvSpPr>
+          <p:cNvPr id="3" name="Text Placeholder 2"/>
+          <p:cNvSpPr>
+            <a:spLocks noGrp="1"/>
+          </p:cNvSpPr>
+          <p:nvPr>
+            <p:ph type="body" idx="1"/>
+          </p:nvPr>
+        </p:nvSpPr>
+        <p:spPr>
+          <a:xfrm>
+            <a:off x="840318" y="1681163"/>
+            <a:ext cx="5158316" cy="823912"/>
+          </a:xfrm>
+        </p:spPr>
+        <p:txBody>
+          <a:bodyPr anchor="b"/>
+          <a:lstStyle>
+            <a:lvl1pPr marL="0" indent="0">
+              <a:buNone/>
+              <a:defRPr sz="2400" b="1"/>
+            </a:lvl1pPr>
+            <a:lvl2pPr marL="457200" indent="0">
+              <a:buNone/>
+              <a:defRPr sz="2000" b="1"/>
+            </a:lvl2pPr>
+            <a:lvl3pPr marL="914400" indent="0">
+              <a:buNone/>
+              <a:defRPr sz="1800" b="1"/>
+            </a:lvl3pPr>
+            <a:lvl4pPr marL="1371600" indent="0">
+              <a:buNone/>
+              <a:defRPr sz="1600" b="1"/>
+            </a:lvl4pPr>
+            <a:lvl5pPr marL="1828800" indent="0">
+              <a:buNone/>
+              <a:defRPr sz="1600" b="1"/>
+            </a:lvl5pPr>
+            <a:lvl6pPr marL="2286000" indent="0">
+              <a:buNone/>
+              <a:defRPr sz="1600" b="1"/>
+            </a:lvl6pPr>
+            <a:lvl7pPr marL="2743200" indent="0">
+              <a:buNone/>
+              <a:defRPr sz="1600" b="1"/>
+            </a:lvl7pPr>
+            <a:lvl8pPr marL="3200400" indent="0">
+              <a:buNone/>
+              <a:defRPr sz="1600" b="1"/>
+            </a:lvl8pPr>
+            <a:lvl9pPr marL="3657600" indent="0">
+              <a:buNone/>
+              <a:defRPr sz="1600" b="1"/>
+            </a:lvl9pPr>
+          </a:lstStyle>
+          <a:p>
+            <a:pPr lvl="0"/>
+            <a:r>
+              <a:rPr lang="en-US" smtClean="0"/>
+              <a:t>Click to edit Master text styles</a:t>
+            </a:r>
+          </a:p>
+        </p:txBody>
+      </p:sp>
+      <p:sp>
+        <p:nvSpPr>
+          <p:cNvPr id="4" name="Content Placeholder 3"/>
+          <p:cNvSpPr>
+            <a:spLocks noGrp="1"/>
+          </p:cNvSpPr>
+          <p:nvPr>
+            <p:ph sz="half" idx="2"/>
+          </p:nvPr>
+        </p:nvSpPr>
+        <p:spPr>
+          <a:xfrm>
+            <a:off x="840318" y="2505075"/>
+            <a:ext cx="5158316" cy="3684588"/>
+          </a:xfrm>
+        </p:spPr>
+        <p:txBody>
+          <a:bodyPr/>
+          <a:lstStyle/>
+          <a:p>
+            <a:pPr lvl="0"/>
+            <a:r>
+              <a:rPr lang="en-US" smtClean="0"/>
+              <a:t>Click to edit Master text styles</a:t>
+            </a:r>
+          </a:p>
+          <a:p>
+            <a:pPr lvl="1"/>
+            <a:r>
+              <a:rPr lang="en-US" smtClean="0"/>
+              <a:t>Second level</a:t>
+            </a:r>
+          </a:p>
+          <a:p>
+            <a:pPr lvl="2"/>
+            <a:r>
+              <a:rPr lang="en-US" smtClean="0"/>
+              <a:t>Third level</a:t>
+            </a:r>
+          </a:p>
+          <a:p>
+            <a:pPr lvl="3"/>
+            <a:r>
+              <a:rPr lang="en-US" smtClean="0"/>
+              <a:t>Fourth level</a:t>
+            </a:r>
+          </a:p>
+          <a:p>
+            <a:pPr lvl="4"/>
+            <a:r>
+              <a:rPr lang="en-US" smtClean="0"/>
+              <a:t>Fifth level</a:t>
+            </a:r>
+            <a:endParaRPr lang="en-GB"/>
+          </a:p>
+        </p:txBody>
+      </p:sp>
+      <p:sp>
+        <p:nvSpPr>
+          <p:cNvPr id="5" name="Text Placeholder 4"/>
+          <p:cNvSpPr>
+            <a:spLocks noGrp="1"/>
+          </p:cNvSpPr>
+          <p:nvPr>
+            <p:ph type="body" sz="quarter" idx="3"/>
+          </p:nvPr>
+        </p:nvSpPr>
+        <p:spPr>
+          <a:xfrm>
+            <a:off x="6172200" y="1681163"/>
+            <a:ext cx="5183717" cy="823912"/>
+          </a:xfrm>
+        </p:spPr>
+        <p:txBody>
+          <a:bodyPr anchor="b"/>
+          <a:lstStyle>
+            <a:lvl1pPr marL="0" indent="0">
+              <a:buNone/>
+              <a:defRPr sz="2400" b="1"/>
+            </a:lvl1pPr>
+            <a:lvl2pPr marL="457200" indent="0">
+              <a:buNone/>
+              <a:defRPr sz="2000" b="1"/>
+            </a:lvl2pPr>
+            <a:lvl3pPr marL="914400" indent="0">
+              <a:buNone/>
+              <a:defRPr sz="1800" b="1"/>
+            </a:lvl3pPr>
+            <a:lvl4pPr marL="1371600" indent="0">
+              <a:buNone/>
+              <a:defRPr sz="1600" b="1"/>
+            </a:lvl4pPr>
+            <a:lvl5pPr marL="1828800" indent="0">
+              <a:buNone/>
+              <a:defRPr sz="1600" b="1"/>
+            </a:lvl5pPr>
+            <a:lvl6pPr marL="2286000" indent="0">
+              <a:buNone/>
+              <a:defRPr sz="1600" b="1"/>
+            </a:lvl6pPr>
+            <a:lvl7pPr marL="2743200" indent="0">
+              <a:buNone/>
+              <a:defRPr sz="1600" b="1"/>
+            </a:lvl7pPr>
+            <a:lvl8pPr marL="3200400" indent="0">
+              <a:buNone/>
+              <a:defRPr sz="1600" b="1"/>
+            </a:lvl8pPr>
+            <a:lvl9pPr marL="3657600" indent="0">
+              <a:buNone/>
+              <a:defRPr sz="1600" b="1"/>
+            </a:lvl9pPr>
+          </a:lstStyle>
+          <a:p>
+            <a:pPr lvl="0"/>
+            <a:r>
+              <a:rPr lang="en-US" smtClean="0"/>
+              <a:t>Click to edit Master text styles</a:t>
+            </a:r>
+          </a:p>
+        </p:txBody>
+      </p:sp>
+      <p:sp>
+        <p:nvSpPr>
+          <p:cNvPr id="6" name="Content Placeholder 5"/>
+          <p:cNvSpPr>
+            <a:spLocks noGrp="1"/>
+          </p:cNvSpPr>
+          <p:nvPr>
+            <p:ph sz="quarter" idx="4"/>
+          </p:nvPr>
+        </p:nvSpPr>
+        <p:spPr>
+          <a:xfrm>
+            <a:off x="6172200" y="2505075"/>
+            <a:ext cx="5183717" cy="3684588"/>
+          </a:xfrm>
+        </p:spPr>
+        <p:txBody>
+          <a:bodyPr/>
+          <a:lstStyle/>
+          <a:p>
+            <a:pPr lvl="0"/>
+            <a:r>
+              <a:rPr lang="en-US" smtClean="0"/>
+              <a:t>Click to edit Master text styles</a:t>
+            </a:r>
+          </a:p>
+          <a:p>
+            <a:pPr lvl="1"/>
+            <a:r>
+              <a:rPr lang="en-US" smtClean="0"/>
+              <a:t>Second level</a:t>
+            </a:r>
+          </a:p>
+          <a:p>
+            <a:pPr lvl="2"/>
+            <a:r>
+              <a:rPr lang="en-US" smtClean="0"/>
+              <a:t>Third level</a:t>
+            </a:r>
+          </a:p>
+          <a:p>
+            <a:pPr lvl="3"/>
+            <a:r>
+              <a:rPr lang="en-US" smtClean="0"/>
+              <a:t>Fourth level</a:t>
+            </a:r>
+          </a:p>
+          <a:p>
+            <a:pPr lvl="4"/>
+            <a:r>
+              <a:rPr lang="en-US" smtClean="0"/>
+              <a:t>Fifth level</a:t>
+            </a:r>
+            <a:endParaRPr lang="en-GB"/>
+          </a:p>
+        </p:txBody>
+      </p:sp>
+      <p:sp>
+        <p:nvSpPr>
+          <p:cNvPr id="7" name="Rectangle 4"/>
+          <p:cNvSpPr>
+            <a:spLocks noGrp="1" noChangeArrowheads="1"/>
+          </p:cNvSpPr>
+          <p:nvPr>
+            <p:ph type="dt" sz="half" idx="10"/>
+          </p:nvPr>
+        </p:nvSpPr>
+        <p:spPr>
+          <a:ln/>
+        </p:spPr>
+        <p:txBody>
+          <a:bodyPr/>
+          <a:lstStyle>
+            <a:lvl1pPr>
+              <a:defRPr/>
+            </a:lvl1pPr>
+          </a:lstStyle>
+          <a:p>
+            <a:pPr>
+              <a:defRPr/>
+            </a:pPr>
+            <a:endParaRPr lang="en-US" altLang="en-US"/>
+          </a:p>
+        </p:txBody>
+      </p:sp>
+      <p:sp>
+        <p:nvSpPr>
+          <p:cNvPr id="8" name="Rectangle 5"/>
+          <p:cNvSpPr>
+            <a:spLocks noGrp="1" noChangeArrowheads="1"/>
+          </p:cNvSpPr>
+          <p:nvPr>
+            <p:ph type="ftr" sz="quarter" idx="11"/>
+          </p:nvPr>
+        </p:nvSpPr>
+        <p:spPr>
+          <a:ln/>
+        </p:spPr>
+        <p:txBody>
+          <a:bodyPr/>
+          <a:lstStyle>
+            <a:lvl1pPr>
+              <a:defRPr/>
+            </a:lvl1pPr>
+          </a:lstStyle>
+          <a:p>
+            <a:pPr>
+              <a:defRPr/>
+            </a:pPr>
+            <a:endParaRPr lang="en-US" altLang="en-US"/>
+          </a:p>
+        </p:txBody>
+      </p:sp>
+      <p:sp>
+        <p:nvSpPr>
+          <p:cNvPr id="9" name="Rectangle 6"/>
+          <p:cNvSpPr>
+            <a:spLocks noGrp="1" noChangeArrowheads="1"/>
+          </p:cNvSpPr>
+          <p:nvPr>
+            <p:ph type="sldNum" sz="quarter" idx="12"/>
+          </p:nvPr>
+        </p:nvSpPr>
+        <p:spPr>
+          <a:ln/>
+        </p:spPr>
+        <p:txBody>
+          <a:bodyPr/>
+          <a:lstStyle>
+            <a:lvl1pPr>
+              <a:defRPr/>
+            </a:lvl1pPr>
+          </a:lstStyle>
+          <a:p>
+            <a:pPr>
+              <a:defRPr/>
+            </a:pPr>
+            <a:fld id="{9BC75788-4A84-4057-9FB4-D9F39D02A615}" type="slidenum">
+              <a:rPr lang="en-US" altLang="en-US"/>
+              <a:pPr>
+                <a:defRPr/>
+              </a:pPr>
+              <a:t>‹nº›</a:t>
+            </a:fld>
+            <a:endParaRPr lang="en-US" altLang="en-US"/>
+          </a:p>
+        </p:txBody>
+      </p:sp>
+    </p:spTree>
+    <p:extLst>
+      <p:ext uri="{BB962C8B-B14F-4D97-AF65-F5344CB8AC3E}">
+        <p14:creationId xmlns:p14="http://schemas.microsoft.com/office/powerpoint/2010/main" val="3451409337"/>
+      </p:ext>
+    </p:extLst>
+  </p:cSld>
+  <p:clrMapOvr>
+    <a:masterClrMapping/>
+  </p:clrMapOvr>
+</p:sldLayout>
+</file>
+
+<file path=ppt/slideLayouts/slideLayout6.xml><?xml version="1.0" encoding="utf-8"?>
+<p:sldLayout xmlns:a="http://schemas.openxmlformats.org/drawingml/2006/main" xmlns:r="http://schemas.openxmlformats.org/officeDocument/2006/relationships" xmlns:p="http://schemas.openxmlformats.org/presentationml/2006/main" type="titleOnly" preserve="1">
+  <p:cSld name="Title Only">
+    <p:spTree>
+      <p:nvGrpSpPr>
+        <p:cNvPr id="1" name=""/>
+        <p:cNvGrpSpPr/>
+        <p:nvPr/>
+      </p:nvGrpSpPr>
+      <p:grpSpPr>
+        <a:xfrm>
+          <a:off x="0" y="0"/>
+          <a:ext cx="0" cy="0"/>
+          <a:chOff x="0" y="0"/>
+          <a:chExt cx="0" cy="0"/>
+        </a:xfrm>
+      </p:grpSpPr>
+      <p:sp>
+        <p:nvSpPr>
+          <p:cNvPr id="2" name="Title 1"/>
+          <p:cNvSpPr>
+            <a:spLocks noGrp="1"/>
+          </p:cNvSpPr>
+          <p:nvPr>
+            <p:ph type="title"/>
+          </p:nvPr>
+        </p:nvSpPr>
+        <p:spPr/>
+        <p:txBody>
+          <a:bodyPr/>
+          <a:lstStyle/>
+          <a:p>
+            <a:r>
+              <a:rPr lang="en-US" smtClean="0"/>
+              <a:t>Click to edit Master title style</a:t>
+            </a:r>
+            <a:endParaRPr lang="en-GB"/>
+          </a:p>
+        </p:txBody>
+      </p:sp>
+      <p:sp>
+        <p:nvSpPr>
+          <p:cNvPr id="3" name="Rectangle 4"/>
+          <p:cNvSpPr>
+            <a:spLocks noGrp="1" noChangeArrowheads="1"/>
+          </p:cNvSpPr>
+          <p:nvPr>
+            <p:ph type="dt" sz="half" idx="10"/>
+          </p:nvPr>
+        </p:nvSpPr>
+        <p:spPr>
+          <a:ln/>
+        </p:spPr>
+        <p:txBody>
+          <a:bodyPr/>
+          <a:lstStyle>
+            <a:lvl1pPr>
+              <a:defRPr/>
+            </a:lvl1pPr>
+          </a:lstStyle>
+          <a:p>
+            <a:pPr>
+              <a:defRPr/>
+            </a:pPr>
+            <a:endParaRPr lang="en-US" altLang="en-US"/>
+          </a:p>
+        </p:txBody>
+      </p:sp>
+      <p:sp>
+        <p:nvSpPr>
+          <p:cNvPr id="4" name="Rectangle 5"/>
+          <p:cNvSpPr>
+            <a:spLocks noGrp="1" noChangeArrowheads="1"/>
+          </p:cNvSpPr>
+          <p:nvPr>
+            <p:ph type="ftr" sz="quarter" idx="11"/>
+          </p:nvPr>
+        </p:nvSpPr>
+        <p:spPr>
+          <a:ln/>
+        </p:spPr>
+        <p:txBody>
+          <a:bodyPr/>
+          <a:lstStyle>
+            <a:lvl1pPr>
+              <a:defRPr/>
+            </a:lvl1pPr>
+          </a:lstStyle>
+          <a:p>
+            <a:pPr>
+              <a:defRPr/>
+            </a:pPr>
+            <a:endParaRPr lang="en-US" altLang="en-US"/>
+          </a:p>
+        </p:txBody>
+      </p:sp>
+      <p:sp>
+        <p:nvSpPr>
+          <p:cNvPr id="5" name="Rectangle 6"/>
+          <p:cNvSpPr>
+            <a:spLocks noGrp="1" noChangeArrowheads="1"/>
+          </p:cNvSpPr>
+          <p:nvPr>
+            <p:ph type="sldNum" sz="quarter" idx="12"/>
+          </p:nvPr>
+        </p:nvSpPr>
+        <p:spPr>
+          <a:ln/>
+        </p:spPr>
+        <p:txBody>
+          <a:bodyPr/>
+          <a:lstStyle>
+            <a:lvl1pPr>
+              <a:defRPr/>
+            </a:lvl1pPr>
+          </a:lstStyle>
+          <a:p>
+            <a:pPr>
+              <a:defRPr/>
+            </a:pPr>
+            <a:fld id="{695A8DAC-66ED-4C85-B624-2173B82090F2}" type="slidenum">
+              <a:rPr lang="en-US" altLang="en-US"/>
+              <a:pPr>
+                <a:defRPr/>
+              </a:pPr>
+              <a:t>‹nº›</a:t>
+            </a:fld>
+            <a:endParaRPr lang="en-US" altLang="en-US"/>
+          </a:p>
+        </p:txBody>
+      </p:sp>
+    </p:spTree>
+    <p:extLst>
+      <p:ext uri="{BB962C8B-B14F-4D97-AF65-F5344CB8AC3E}">
+        <p14:creationId xmlns:p14="http://schemas.microsoft.com/office/powerpoint/2010/main" val="911935221"/>
+      </p:ext>
+    </p:extLst>
+  </p:cSld>
+  <p:clrMapOvr>
+    <a:masterClrMapping/>
+  </p:clrMapOvr>
+</p:sldLayout>
+</file>
+
+<file path=ppt/slideLayouts/slideLayout7.xml><?xml version="1.0" encoding="utf-8"?>
 <p:sldLayout xmlns:a="http://schemas.openxmlformats.org/drawingml/2006/main" xmlns:r="http://schemas.openxmlformats.org/officeDocument/2006/relationships" xmlns:p="http://schemas.openxmlformats.org/presentationml/2006/main" type="blank" preserve="1">
   <p:cSld name="Blank">
     <p:spTree>
@@ -5245,7 +7458,7 @@
 </p:sldLayout>
 </file>
 
-<file path=ppt/slideLayouts/slideLayout11.xml><?xml version="1.0" encoding="utf-8"?>
+<file path=ppt/slideLayouts/slideLayout8.xml><?xml version="1.0" encoding="utf-8"?>
 <p:sldLayout xmlns:a="http://schemas.openxmlformats.org/drawingml/2006/main" xmlns:r="http://schemas.openxmlformats.org/officeDocument/2006/relationships" xmlns:p="http://schemas.openxmlformats.org/presentationml/2006/main" type="objTx" preserve="1">
   <p:cSld name="Content with Caption">
     <p:spTree>
@@ -5548,7 +7761,7 @@
 </p:sldLayout>
 </file>
 
-<file path=ppt/slideLayouts/slideLayout12.xml><?xml version="1.0" encoding="utf-8"?>
+<file path=ppt/slideLayouts/slideLayout9.xml><?xml version="1.0" encoding="utf-8"?>
 <p:sldLayout xmlns:a="http://schemas.openxmlformats.org/drawingml/2006/main" xmlns:r="http://schemas.openxmlformats.org/officeDocument/2006/relationships" xmlns:p="http://schemas.openxmlformats.org/presentationml/2006/main" type="picTx" preserve="1">
   <p:cSld name="Picture with Caption">
     <p:spTree>
@@ -5828,3191 +8041,7 @@
 </p:sldLayout>
 </file>
 
-<file path=ppt/slideLayouts/slideLayout13.xml><?xml version="1.0" encoding="utf-8"?>
-<p:sldLayout xmlns:a="http://schemas.openxmlformats.org/drawingml/2006/main" xmlns:r="http://schemas.openxmlformats.org/officeDocument/2006/relationships" xmlns:p="http://schemas.openxmlformats.org/presentationml/2006/main" type="vertTx" preserve="1">
-  <p:cSld name="Title and Vertical Text">
-    <p:spTree>
-      <p:nvGrpSpPr>
-        <p:cNvPr id="1" name=""/>
-        <p:cNvGrpSpPr/>
-        <p:nvPr/>
-      </p:nvGrpSpPr>
-      <p:grpSpPr>
-        <a:xfrm>
-          <a:off x="0" y="0"/>
-          <a:ext cx="0" cy="0"/>
-          <a:chOff x="0" y="0"/>
-          <a:chExt cx="0" cy="0"/>
-        </a:xfrm>
-      </p:grpSpPr>
-      <p:sp>
-        <p:nvSpPr>
-          <p:cNvPr id="2" name="Title 1"/>
-          <p:cNvSpPr>
-            <a:spLocks noGrp="1"/>
-          </p:cNvSpPr>
-          <p:nvPr>
-            <p:ph type="title"/>
-          </p:nvPr>
-        </p:nvSpPr>
-        <p:spPr/>
-        <p:txBody>
-          <a:bodyPr/>
-          <a:lstStyle/>
-          <a:p>
-            <a:r>
-              <a:rPr lang="en-US" smtClean="0"/>
-              <a:t>Click to edit Master title style</a:t>
-            </a:r>
-            <a:endParaRPr lang="en-GB"/>
-          </a:p>
-        </p:txBody>
-      </p:sp>
-      <p:sp>
-        <p:nvSpPr>
-          <p:cNvPr id="3" name="Vertical Text Placeholder 2"/>
-          <p:cNvSpPr>
-            <a:spLocks noGrp="1"/>
-          </p:cNvSpPr>
-          <p:nvPr>
-            <p:ph type="body" orient="vert" idx="1"/>
-          </p:nvPr>
-        </p:nvSpPr>
-        <p:spPr/>
-        <p:txBody>
-          <a:bodyPr vert="eaVert"/>
-          <a:lstStyle/>
-          <a:p>
-            <a:pPr lvl="0"/>
-            <a:r>
-              <a:rPr lang="en-US" smtClean="0"/>
-              <a:t>Click to edit Master text styles</a:t>
-            </a:r>
-          </a:p>
-          <a:p>
-            <a:pPr lvl="1"/>
-            <a:r>
-              <a:rPr lang="en-US" smtClean="0"/>
-              <a:t>Second level</a:t>
-            </a:r>
-          </a:p>
-          <a:p>
-            <a:pPr lvl="2"/>
-            <a:r>
-              <a:rPr lang="en-US" smtClean="0"/>
-              <a:t>Third level</a:t>
-            </a:r>
-          </a:p>
-          <a:p>
-            <a:pPr lvl="3"/>
-            <a:r>
-              <a:rPr lang="en-US" smtClean="0"/>
-              <a:t>Fourth level</a:t>
-            </a:r>
-          </a:p>
-          <a:p>
-            <a:pPr lvl="4"/>
-            <a:r>
-              <a:rPr lang="en-US" smtClean="0"/>
-              <a:t>Fifth level</a:t>
-            </a:r>
-            <a:endParaRPr lang="en-GB"/>
-          </a:p>
-        </p:txBody>
-      </p:sp>
-      <p:sp>
-        <p:nvSpPr>
-          <p:cNvPr id="4" name="Rectangle 4"/>
-          <p:cNvSpPr>
-            <a:spLocks noGrp="1" noChangeArrowheads="1"/>
-          </p:cNvSpPr>
-          <p:nvPr>
-            <p:ph type="dt" sz="half" idx="10"/>
-          </p:nvPr>
-        </p:nvSpPr>
-        <p:spPr>
-          <a:ln/>
-        </p:spPr>
-        <p:txBody>
-          <a:bodyPr/>
-          <a:lstStyle>
-            <a:lvl1pPr>
-              <a:defRPr/>
-            </a:lvl1pPr>
-          </a:lstStyle>
-          <a:p>
-            <a:pPr>
-              <a:defRPr/>
-            </a:pPr>
-            <a:endParaRPr lang="en-US" altLang="en-US"/>
-          </a:p>
-        </p:txBody>
-      </p:sp>
-      <p:sp>
-        <p:nvSpPr>
-          <p:cNvPr id="5" name="Rectangle 5"/>
-          <p:cNvSpPr>
-            <a:spLocks noGrp="1" noChangeArrowheads="1"/>
-          </p:cNvSpPr>
-          <p:nvPr>
-            <p:ph type="ftr" sz="quarter" idx="11"/>
-          </p:nvPr>
-        </p:nvSpPr>
-        <p:spPr>
-          <a:ln/>
-        </p:spPr>
-        <p:txBody>
-          <a:bodyPr/>
-          <a:lstStyle>
-            <a:lvl1pPr>
-              <a:defRPr/>
-            </a:lvl1pPr>
-          </a:lstStyle>
-          <a:p>
-            <a:pPr>
-              <a:defRPr/>
-            </a:pPr>
-            <a:endParaRPr lang="en-US" altLang="en-US"/>
-          </a:p>
-        </p:txBody>
-      </p:sp>
-      <p:sp>
-        <p:nvSpPr>
-          <p:cNvPr id="6" name="Rectangle 6"/>
-          <p:cNvSpPr>
-            <a:spLocks noGrp="1" noChangeArrowheads="1"/>
-          </p:cNvSpPr>
-          <p:nvPr>
-            <p:ph type="sldNum" sz="quarter" idx="12"/>
-          </p:nvPr>
-        </p:nvSpPr>
-        <p:spPr>
-          <a:ln/>
-        </p:spPr>
-        <p:txBody>
-          <a:bodyPr/>
-          <a:lstStyle>
-            <a:lvl1pPr>
-              <a:defRPr/>
-            </a:lvl1pPr>
-          </a:lstStyle>
-          <a:p>
-            <a:pPr>
-              <a:defRPr/>
-            </a:pPr>
-            <a:fld id="{6A73C25B-E43C-4BEC-A3BE-1C4F3B489275}" type="slidenum">
-              <a:rPr lang="en-US" altLang="en-US"/>
-              <a:pPr>
-                <a:defRPr/>
-              </a:pPr>
-              <a:t>‹nº›</a:t>
-            </a:fld>
-            <a:endParaRPr lang="en-US" altLang="en-US"/>
-          </a:p>
-        </p:txBody>
-      </p:sp>
-    </p:spTree>
-    <p:extLst>
-      <p:ext uri="{BB962C8B-B14F-4D97-AF65-F5344CB8AC3E}">
-        <p14:creationId xmlns:p14="http://schemas.microsoft.com/office/powerpoint/2010/main" val="3797568057"/>
-      </p:ext>
-    </p:extLst>
-  </p:cSld>
-  <p:clrMapOvr>
-    <a:masterClrMapping/>
-  </p:clrMapOvr>
-</p:sldLayout>
-</file>
-
-<file path=ppt/slideLayouts/slideLayout14.xml><?xml version="1.0" encoding="utf-8"?>
-<p:sldLayout xmlns:a="http://schemas.openxmlformats.org/drawingml/2006/main" xmlns:r="http://schemas.openxmlformats.org/officeDocument/2006/relationships" xmlns:p="http://schemas.openxmlformats.org/presentationml/2006/main" type="vertTitleAndTx" preserve="1">
-  <p:cSld name="Vertical Title and Text">
-    <p:spTree>
-      <p:nvGrpSpPr>
-        <p:cNvPr id="1" name=""/>
-        <p:cNvGrpSpPr/>
-        <p:nvPr/>
-      </p:nvGrpSpPr>
-      <p:grpSpPr>
-        <a:xfrm>
-          <a:off x="0" y="0"/>
-          <a:ext cx="0" cy="0"/>
-          <a:chOff x="0" y="0"/>
-          <a:chExt cx="0" cy="0"/>
-        </a:xfrm>
-      </p:grpSpPr>
-      <p:sp>
-        <p:nvSpPr>
-          <p:cNvPr id="2" name="Vertical Title 1"/>
-          <p:cNvSpPr>
-            <a:spLocks noGrp="1"/>
-          </p:cNvSpPr>
-          <p:nvPr>
-            <p:ph type="title" orient="vert"/>
-          </p:nvPr>
-        </p:nvSpPr>
-        <p:spPr>
-          <a:xfrm>
-            <a:off x="8839200" y="274639"/>
-            <a:ext cx="2743200" cy="4492625"/>
-          </a:xfrm>
-        </p:spPr>
-        <p:txBody>
-          <a:bodyPr vert="eaVert"/>
-          <a:lstStyle/>
-          <a:p>
-            <a:r>
-              <a:rPr lang="en-US" smtClean="0"/>
-              <a:t>Click to edit Master title style</a:t>
-            </a:r>
-            <a:endParaRPr lang="en-GB"/>
-          </a:p>
-        </p:txBody>
-      </p:sp>
-      <p:sp>
-        <p:nvSpPr>
-          <p:cNvPr id="3" name="Vertical Text Placeholder 2"/>
-          <p:cNvSpPr>
-            <a:spLocks noGrp="1"/>
-          </p:cNvSpPr>
-          <p:nvPr>
-            <p:ph type="body" orient="vert" idx="1"/>
-          </p:nvPr>
-        </p:nvSpPr>
-        <p:spPr>
-          <a:xfrm>
-            <a:off x="609600" y="274639"/>
-            <a:ext cx="8026400" cy="4492625"/>
-          </a:xfrm>
-        </p:spPr>
-        <p:txBody>
-          <a:bodyPr vert="eaVert"/>
-          <a:lstStyle/>
-          <a:p>
-            <a:pPr lvl="0"/>
-            <a:r>
-              <a:rPr lang="en-US" smtClean="0"/>
-              <a:t>Click to edit Master text styles</a:t>
-            </a:r>
-          </a:p>
-          <a:p>
-            <a:pPr lvl="1"/>
-            <a:r>
-              <a:rPr lang="en-US" smtClean="0"/>
-              <a:t>Second level</a:t>
-            </a:r>
-          </a:p>
-          <a:p>
-            <a:pPr lvl="2"/>
-            <a:r>
-              <a:rPr lang="en-US" smtClean="0"/>
-              <a:t>Third level</a:t>
-            </a:r>
-          </a:p>
-          <a:p>
-            <a:pPr lvl="3"/>
-            <a:r>
-              <a:rPr lang="en-US" smtClean="0"/>
-              <a:t>Fourth level</a:t>
-            </a:r>
-          </a:p>
-          <a:p>
-            <a:pPr lvl="4"/>
-            <a:r>
-              <a:rPr lang="en-US" smtClean="0"/>
-              <a:t>Fifth level</a:t>
-            </a:r>
-            <a:endParaRPr lang="en-GB"/>
-          </a:p>
-        </p:txBody>
-      </p:sp>
-      <p:sp>
-        <p:nvSpPr>
-          <p:cNvPr id="4" name="Rectangle 4"/>
-          <p:cNvSpPr>
-            <a:spLocks noGrp="1" noChangeArrowheads="1"/>
-          </p:cNvSpPr>
-          <p:nvPr>
-            <p:ph type="dt" sz="half" idx="10"/>
-          </p:nvPr>
-        </p:nvSpPr>
-        <p:spPr>
-          <a:ln/>
-        </p:spPr>
-        <p:txBody>
-          <a:bodyPr/>
-          <a:lstStyle>
-            <a:lvl1pPr>
-              <a:defRPr/>
-            </a:lvl1pPr>
-          </a:lstStyle>
-          <a:p>
-            <a:pPr>
-              <a:defRPr/>
-            </a:pPr>
-            <a:endParaRPr lang="en-US" altLang="en-US"/>
-          </a:p>
-        </p:txBody>
-      </p:sp>
-      <p:sp>
-        <p:nvSpPr>
-          <p:cNvPr id="5" name="Rectangle 5"/>
-          <p:cNvSpPr>
-            <a:spLocks noGrp="1" noChangeArrowheads="1"/>
-          </p:cNvSpPr>
-          <p:nvPr>
-            <p:ph type="ftr" sz="quarter" idx="11"/>
-          </p:nvPr>
-        </p:nvSpPr>
-        <p:spPr>
-          <a:ln/>
-        </p:spPr>
-        <p:txBody>
-          <a:bodyPr/>
-          <a:lstStyle>
-            <a:lvl1pPr>
-              <a:defRPr/>
-            </a:lvl1pPr>
-          </a:lstStyle>
-          <a:p>
-            <a:pPr>
-              <a:defRPr/>
-            </a:pPr>
-            <a:endParaRPr lang="en-US" altLang="en-US"/>
-          </a:p>
-        </p:txBody>
-      </p:sp>
-      <p:sp>
-        <p:nvSpPr>
-          <p:cNvPr id="6" name="Rectangle 6"/>
-          <p:cNvSpPr>
-            <a:spLocks noGrp="1" noChangeArrowheads="1"/>
-          </p:cNvSpPr>
-          <p:nvPr>
-            <p:ph type="sldNum" sz="quarter" idx="12"/>
-          </p:nvPr>
-        </p:nvSpPr>
-        <p:spPr>
-          <a:ln/>
-        </p:spPr>
-        <p:txBody>
-          <a:bodyPr/>
-          <a:lstStyle>
-            <a:lvl1pPr>
-              <a:defRPr/>
-            </a:lvl1pPr>
-          </a:lstStyle>
-          <a:p>
-            <a:pPr>
-              <a:defRPr/>
-            </a:pPr>
-            <a:fld id="{C43235D3-7A32-4F1B-AAC5-B6F018A4D07A}" type="slidenum">
-              <a:rPr lang="en-US" altLang="en-US"/>
-              <a:pPr>
-                <a:defRPr/>
-              </a:pPr>
-              <a:t>‹nº›</a:t>
-            </a:fld>
-            <a:endParaRPr lang="en-US" altLang="en-US"/>
-          </a:p>
-        </p:txBody>
-      </p:sp>
-    </p:spTree>
-    <p:extLst>
-      <p:ext uri="{BB962C8B-B14F-4D97-AF65-F5344CB8AC3E}">
-        <p14:creationId xmlns:p14="http://schemas.microsoft.com/office/powerpoint/2010/main" val="4097588366"/>
-      </p:ext>
-    </p:extLst>
-  </p:cSld>
-  <p:clrMapOvr>
-    <a:masterClrMapping/>
-  </p:clrMapOvr>
-</p:sldLayout>
-</file>
-
-<file path=ppt/slideLayouts/slideLayout15.xml><?xml version="1.0" encoding="utf-8"?>
-<p:sldLayout xmlns:a="http://schemas.openxmlformats.org/drawingml/2006/main" xmlns:r="http://schemas.openxmlformats.org/officeDocument/2006/relationships" xmlns:p="http://schemas.openxmlformats.org/presentationml/2006/main" type="chart" preserve="1">
-  <p:cSld name="Title and Chart">
-    <p:spTree>
-      <p:nvGrpSpPr>
-        <p:cNvPr id="1" name=""/>
-        <p:cNvGrpSpPr/>
-        <p:nvPr/>
-      </p:nvGrpSpPr>
-      <p:grpSpPr>
-        <a:xfrm>
-          <a:off x="0" y="0"/>
-          <a:ext cx="0" cy="0"/>
-          <a:chOff x="0" y="0"/>
-          <a:chExt cx="0" cy="0"/>
-        </a:xfrm>
-      </p:grpSpPr>
-      <p:sp>
-        <p:nvSpPr>
-          <p:cNvPr id="2" name="Title 1"/>
-          <p:cNvSpPr>
-            <a:spLocks noGrp="1"/>
-          </p:cNvSpPr>
-          <p:nvPr>
-            <p:ph type="title"/>
-          </p:nvPr>
-        </p:nvSpPr>
-        <p:spPr>
-          <a:xfrm>
-            <a:off x="609600" y="274638"/>
-            <a:ext cx="10972800" cy="1143000"/>
-          </a:xfrm>
-        </p:spPr>
-        <p:txBody>
-          <a:bodyPr/>
-          <a:lstStyle/>
-          <a:p>
-            <a:r>
-              <a:rPr lang="en-US" smtClean="0"/>
-              <a:t>Click to edit Master title style</a:t>
-            </a:r>
-            <a:endParaRPr lang="en-GB"/>
-          </a:p>
-        </p:txBody>
-      </p:sp>
-      <p:sp>
-        <p:nvSpPr>
-          <p:cNvPr id="3" name="Chart Placeholder 2"/>
-          <p:cNvSpPr>
-            <a:spLocks noGrp="1"/>
-          </p:cNvSpPr>
-          <p:nvPr>
-            <p:ph type="chart" idx="1"/>
-          </p:nvPr>
-        </p:nvSpPr>
-        <p:spPr>
-          <a:xfrm>
-            <a:off x="609600" y="1066801"/>
-            <a:ext cx="10972800" cy="3700463"/>
-          </a:xfrm>
-        </p:spPr>
-        <p:txBody>
-          <a:bodyPr/>
-          <a:lstStyle/>
-          <a:p>
-            <a:pPr lvl="0"/>
-            <a:endParaRPr lang="en-GB" noProof="0" smtClean="0"/>
-          </a:p>
-        </p:txBody>
-      </p:sp>
-      <p:sp>
-        <p:nvSpPr>
-          <p:cNvPr id="4" name="Rectangle 4"/>
-          <p:cNvSpPr>
-            <a:spLocks noGrp="1" noChangeArrowheads="1"/>
-          </p:cNvSpPr>
-          <p:nvPr>
-            <p:ph type="dt" sz="half" idx="10"/>
-          </p:nvPr>
-        </p:nvSpPr>
-        <p:spPr>
-          <a:ln/>
-        </p:spPr>
-        <p:txBody>
-          <a:bodyPr/>
-          <a:lstStyle>
-            <a:lvl1pPr>
-              <a:defRPr/>
-            </a:lvl1pPr>
-          </a:lstStyle>
-          <a:p>
-            <a:pPr>
-              <a:defRPr/>
-            </a:pPr>
-            <a:endParaRPr lang="en-US" altLang="en-US"/>
-          </a:p>
-        </p:txBody>
-      </p:sp>
-      <p:sp>
-        <p:nvSpPr>
-          <p:cNvPr id="5" name="Rectangle 5"/>
-          <p:cNvSpPr>
-            <a:spLocks noGrp="1" noChangeArrowheads="1"/>
-          </p:cNvSpPr>
-          <p:nvPr>
-            <p:ph type="ftr" sz="quarter" idx="11"/>
-          </p:nvPr>
-        </p:nvSpPr>
-        <p:spPr>
-          <a:ln/>
-        </p:spPr>
-        <p:txBody>
-          <a:bodyPr/>
-          <a:lstStyle>
-            <a:lvl1pPr>
-              <a:defRPr/>
-            </a:lvl1pPr>
-          </a:lstStyle>
-          <a:p>
-            <a:pPr>
-              <a:defRPr/>
-            </a:pPr>
-            <a:endParaRPr lang="en-US" altLang="en-US"/>
-          </a:p>
-        </p:txBody>
-      </p:sp>
-      <p:sp>
-        <p:nvSpPr>
-          <p:cNvPr id="6" name="Rectangle 6"/>
-          <p:cNvSpPr>
-            <a:spLocks noGrp="1" noChangeArrowheads="1"/>
-          </p:cNvSpPr>
-          <p:nvPr>
-            <p:ph type="sldNum" sz="quarter" idx="12"/>
-          </p:nvPr>
-        </p:nvSpPr>
-        <p:spPr>
-          <a:ln/>
-        </p:spPr>
-        <p:txBody>
-          <a:bodyPr/>
-          <a:lstStyle>
-            <a:lvl1pPr>
-              <a:defRPr/>
-            </a:lvl1pPr>
-          </a:lstStyle>
-          <a:p>
-            <a:pPr>
-              <a:defRPr/>
-            </a:pPr>
-            <a:fld id="{10734EB8-5C1B-4830-9CAD-A02C2FF5D799}" type="slidenum">
-              <a:rPr lang="en-US" altLang="en-US"/>
-              <a:pPr>
-                <a:defRPr/>
-              </a:pPr>
-              <a:t>‹nº›</a:t>
-            </a:fld>
-            <a:endParaRPr lang="en-US" altLang="en-US"/>
-          </a:p>
-        </p:txBody>
-      </p:sp>
-    </p:spTree>
-    <p:extLst>
-      <p:ext uri="{BB962C8B-B14F-4D97-AF65-F5344CB8AC3E}">
-        <p14:creationId xmlns:p14="http://schemas.microsoft.com/office/powerpoint/2010/main" val="2619340813"/>
-      </p:ext>
-    </p:extLst>
-  </p:cSld>
-  <p:clrMapOvr>
-    <a:masterClrMapping/>
-  </p:clrMapOvr>
-</p:sldLayout>
-</file>
-
-<file path=ppt/slideLayouts/slideLayout16.xml><?xml version="1.0" encoding="utf-8"?>
-<p:sldLayout xmlns:a="http://schemas.openxmlformats.org/drawingml/2006/main" xmlns:r="http://schemas.openxmlformats.org/officeDocument/2006/relationships" xmlns:p="http://schemas.openxmlformats.org/presentationml/2006/main" type="txAndObj" preserve="1">
-  <p:cSld name="Title, Text, and Content">
-    <p:spTree>
-      <p:nvGrpSpPr>
-        <p:cNvPr id="1" name=""/>
-        <p:cNvGrpSpPr/>
-        <p:nvPr/>
-      </p:nvGrpSpPr>
-      <p:grpSpPr>
-        <a:xfrm>
-          <a:off x="0" y="0"/>
-          <a:ext cx="0" cy="0"/>
-          <a:chOff x="0" y="0"/>
-          <a:chExt cx="0" cy="0"/>
-        </a:xfrm>
-      </p:grpSpPr>
-      <p:sp>
-        <p:nvSpPr>
-          <p:cNvPr id="2" name="Title 1"/>
-          <p:cNvSpPr>
-            <a:spLocks noGrp="1"/>
-          </p:cNvSpPr>
-          <p:nvPr>
-            <p:ph type="title"/>
-          </p:nvPr>
-        </p:nvSpPr>
-        <p:spPr>
-          <a:xfrm>
-            <a:off x="609600" y="274638"/>
-            <a:ext cx="10972800" cy="1143000"/>
-          </a:xfrm>
-        </p:spPr>
-        <p:txBody>
-          <a:bodyPr/>
-          <a:lstStyle/>
-          <a:p>
-            <a:r>
-              <a:rPr lang="en-US" smtClean="0"/>
-              <a:t>Click to edit Master title style</a:t>
-            </a:r>
-            <a:endParaRPr lang="en-GB"/>
-          </a:p>
-        </p:txBody>
-      </p:sp>
-      <p:sp>
-        <p:nvSpPr>
-          <p:cNvPr id="3" name="Text Placeholder 2"/>
-          <p:cNvSpPr>
-            <a:spLocks noGrp="1"/>
-          </p:cNvSpPr>
-          <p:nvPr>
-            <p:ph type="body" sz="half" idx="1"/>
-          </p:nvPr>
-        </p:nvSpPr>
-        <p:spPr>
-          <a:xfrm>
-            <a:off x="609600" y="1066801"/>
-            <a:ext cx="5384800" cy="3700463"/>
-          </a:xfrm>
-        </p:spPr>
-        <p:txBody>
-          <a:bodyPr/>
-          <a:lstStyle/>
-          <a:p>
-            <a:pPr lvl="0"/>
-            <a:r>
-              <a:rPr lang="en-US" smtClean="0"/>
-              <a:t>Click to edit Master text styles</a:t>
-            </a:r>
-          </a:p>
-          <a:p>
-            <a:pPr lvl="1"/>
-            <a:r>
-              <a:rPr lang="en-US" smtClean="0"/>
-              <a:t>Second level</a:t>
-            </a:r>
-          </a:p>
-          <a:p>
-            <a:pPr lvl="2"/>
-            <a:r>
-              <a:rPr lang="en-US" smtClean="0"/>
-              <a:t>Third level</a:t>
-            </a:r>
-          </a:p>
-          <a:p>
-            <a:pPr lvl="3"/>
-            <a:r>
-              <a:rPr lang="en-US" smtClean="0"/>
-              <a:t>Fourth level</a:t>
-            </a:r>
-          </a:p>
-          <a:p>
-            <a:pPr lvl="4"/>
-            <a:r>
-              <a:rPr lang="en-US" smtClean="0"/>
-              <a:t>Fifth level</a:t>
-            </a:r>
-            <a:endParaRPr lang="en-GB"/>
-          </a:p>
-        </p:txBody>
-      </p:sp>
-      <p:sp>
-        <p:nvSpPr>
-          <p:cNvPr id="4" name="Content Placeholder 3"/>
-          <p:cNvSpPr>
-            <a:spLocks noGrp="1"/>
-          </p:cNvSpPr>
-          <p:nvPr>
-            <p:ph sz="half" idx="2"/>
-          </p:nvPr>
-        </p:nvSpPr>
-        <p:spPr>
-          <a:xfrm>
-            <a:off x="6197600" y="1066801"/>
-            <a:ext cx="5384800" cy="3700463"/>
-          </a:xfrm>
-        </p:spPr>
-        <p:txBody>
-          <a:bodyPr/>
-          <a:lstStyle/>
-          <a:p>
-            <a:pPr lvl="0"/>
-            <a:r>
-              <a:rPr lang="en-US" smtClean="0"/>
-              <a:t>Click to edit Master text styles</a:t>
-            </a:r>
-          </a:p>
-          <a:p>
-            <a:pPr lvl="1"/>
-            <a:r>
-              <a:rPr lang="en-US" smtClean="0"/>
-              <a:t>Second level</a:t>
-            </a:r>
-          </a:p>
-          <a:p>
-            <a:pPr lvl="2"/>
-            <a:r>
-              <a:rPr lang="en-US" smtClean="0"/>
-              <a:t>Third level</a:t>
-            </a:r>
-          </a:p>
-          <a:p>
-            <a:pPr lvl="3"/>
-            <a:r>
-              <a:rPr lang="en-US" smtClean="0"/>
-              <a:t>Fourth level</a:t>
-            </a:r>
-          </a:p>
-          <a:p>
-            <a:pPr lvl="4"/>
-            <a:r>
-              <a:rPr lang="en-US" smtClean="0"/>
-              <a:t>Fifth level</a:t>
-            </a:r>
-            <a:endParaRPr lang="en-GB"/>
-          </a:p>
-        </p:txBody>
-      </p:sp>
-      <p:sp>
-        <p:nvSpPr>
-          <p:cNvPr id="5" name="Rectangle 4"/>
-          <p:cNvSpPr>
-            <a:spLocks noGrp="1" noChangeArrowheads="1"/>
-          </p:cNvSpPr>
-          <p:nvPr>
-            <p:ph type="dt" sz="half" idx="10"/>
-          </p:nvPr>
-        </p:nvSpPr>
-        <p:spPr>
-          <a:ln/>
-        </p:spPr>
-        <p:txBody>
-          <a:bodyPr/>
-          <a:lstStyle>
-            <a:lvl1pPr>
-              <a:defRPr/>
-            </a:lvl1pPr>
-          </a:lstStyle>
-          <a:p>
-            <a:pPr>
-              <a:defRPr/>
-            </a:pPr>
-            <a:endParaRPr lang="en-US" altLang="en-US"/>
-          </a:p>
-        </p:txBody>
-      </p:sp>
-      <p:sp>
-        <p:nvSpPr>
-          <p:cNvPr id="6" name="Rectangle 5"/>
-          <p:cNvSpPr>
-            <a:spLocks noGrp="1" noChangeArrowheads="1"/>
-          </p:cNvSpPr>
-          <p:nvPr>
-            <p:ph type="ftr" sz="quarter" idx="11"/>
-          </p:nvPr>
-        </p:nvSpPr>
-        <p:spPr>
-          <a:ln/>
-        </p:spPr>
-        <p:txBody>
-          <a:bodyPr/>
-          <a:lstStyle>
-            <a:lvl1pPr>
-              <a:defRPr/>
-            </a:lvl1pPr>
-          </a:lstStyle>
-          <a:p>
-            <a:pPr>
-              <a:defRPr/>
-            </a:pPr>
-            <a:endParaRPr lang="en-US" altLang="en-US"/>
-          </a:p>
-        </p:txBody>
-      </p:sp>
-      <p:sp>
-        <p:nvSpPr>
-          <p:cNvPr id="7" name="Rectangle 6"/>
-          <p:cNvSpPr>
-            <a:spLocks noGrp="1" noChangeArrowheads="1"/>
-          </p:cNvSpPr>
-          <p:nvPr>
-            <p:ph type="sldNum" sz="quarter" idx="12"/>
-          </p:nvPr>
-        </p:nvSpPr>
-        <p:spPr>
-          <a:ln/>
-        </p:spPr>
-        <p:txBody>
-          <a:bodyPr/>
-          <a:lstStyle>
-            <a:lvl1pPr>
-              <a:defRPr/>
-            </a:lvl1pPr>
-          </a:lstStyle>
-          <a:p>
-            <a:pPr>
-              <a:defRPr/>
-            </a:pPr>
-            <a:fld id="{C32513D1-9D20-433B-A882-D5BAC238F127}" type="slidenum">
-              <a:rPr lang="en-US" altLang="en-US"/>
-              <a:pPr>
-                <a:defRPr/>
-              </a:pPr>
-              <a:t>‹nº›</a:t>
-            </a:fld>
-            <a:endParaRPr lang="en-US" altLang="en-US"/>
-          </a:p>
-        </p:txBody>
-      </p:sp>
-    </p:spTree>
-    <p:extLst>
-      <p:ext uri="{BB962C8B-B14F-4D97-AF65-F5344CB8AC3E}">
-        <p14:creationId xmlns:p14="http://schemas.microsoft.com/office/powerpoint/2010/main" val="1553314564"/>
-      </p:ext>
-    </p:extLst>
-  </p:cSld>
-  <p:clrMapOvr>
-    <a:masterClrMapping/>
-  </p:clrMapOvr>
-</p:sldLayout>
-</file>
-
-<file path=ppt/slideLayouts/slideLayout2.xml><?xml version="1.0" encoding="utf-8"?>
-<p:sldLayout xmlns:a="http://schemas.openxmlformats.org/drawingml/2006/main" xmlns:r="http://schemas.openxmlformats.org/officeDocument/2006/relationships" xmlns:p="http://schemas.openxmlformats.org/presentationml/2006/main" type="obj" preserve="1">
-  <p:cSld name="Título e Conteúdo">
-    <p:spTree>
-      <p:nvGrpSpPr>
-        <p:cNvPr id="1" name=""/>
-        <p:cNvGrpSpPr/>
-        <p:nvPr/>
-      </p:nvGrpSpPr>
-      <p:grpSpPr>
-        <a:xfrm>
-          <a:off x="0" y="0"/>
-          <a:ext cx="0" cy="0"/>
-          <a:chOff x="0" y="0"/>
-          <a:chExt cx="0" cy="0"/>
-        </a:xfrm>
-      </p:grpSpPr>
-      <p:sp>
-        <p:nvSpPr>
-          <p:cNvPr id="2" name="Título 1"/>
-          <p:cNvSpPr>
-            <a:spLocks noGrp="1"/>
-          </p:cNvSpPr>
-          <p:nvPr>
-            <p:ph type="title"/>
-          </p:nvPr>
-        </p:nvSpPr>
-        <p:spPr/>
-        <p:txBody>
-          <a:bodyPr/>
-          <a:lstStyle/>
-          <a:p>
-            <a:r>
-              <a:rPr lang="pt-BR" smtClean="0"/>
-              <a:t>Clique para editar o título mestre</a:t>
-            </a:r>
-            <a:endParaRPr lang="pt-BR"/>
-          </a:p>
-        </p:txBody>
-      </p:sp>
-      <p:sp>
-        <p:nvSpPr>
-          <p:cNvPr id="3" name="Espaço Reservado para Conteúdo 2"/>
-          <p:cNvSpPr>
-            <a:spLocks noGrp="1"/>
-          </p:cNvSpPr>
-          <p:nvPr>
-            <p:ph idx="1"/>
-          </p:nvPr>
-        </p:nvSpPr>
-        <p:spPr/>
-        <p:txBody>
-          <a:bodyPr/>
-          <a:lstStyle/>
-          <a:p>
-            <a:pPr lvl="0"/>
-            <a:r>
-              <a:rPr lang="pt-BR" smtClean="0"/>
-              <a:t>Editar estilos de texto Mestre</a:t>
-            </a:r>
-          </a:p>
-          <a:p>
-            <a:pPr lvl="1"/>
-            <a:r>
-              <a:rPr lang="pt-BR" smtClean="0"/>
-              <a:t>Segundo nível</a:t>
-            </a:r>
-          </a:p>
-          <a:p>
-            <a:pPr lvl="2"/>
-            <a:r>
-              <a:rPr lang="pt-BR" smtClean="0"/>
-              <a:t>Terceiro nível</a:t>
-            </a:r>
-          </a:p>
-          <a:p>
-            <a:pPr lvl="3"/>
-            <a:r>
-              <a:rPr lang="pt-BR" smtClean="0"/>
-              <a:t>Quarto nível</a:t>
-            </a:r>
-          </a:p>
-          <a:p>
-            <a:pPr lvl="4"/>
-            <a:r>
-              <a:rPr lang="pt-BR" smtClean="0"/>
-              <a:t>Quinto nível</a:t>
-            </a:r>
-            <a:endParaRPr lang="pt-BR"/>
-          </a:p>
-        </p:txBody>
-      </p:sp>
-      <p:sp>
-        <p:nvSpPr>
-          <p:cNvPr id="4" name="Espaço Reservado para Data 3"/>
-          <p:cNvSpPr>
-            <a:spLocks noGrp="1"/>
-          </p:cNvSpPr>
-          <p:nvPr>
-            <p:ph type="dt" sz="half" idx="10"/>
-          </p:nvPr>
-        </p:nvSpPr>
-        <p:spPr/>
-        <p:txBody>
-          <a:bodyPr/>
-          <a:lstStyle/>
-          <a:p>
-            <a:fld id="{D93F3B81-8E2D-4AC2-95C8-8566A11C3BEF}" type="datetimeFigureOut">
-              <a:rPr lang="pt-BR" smtClean="0"/>
-              <a:t>08/02/2016</a:t>
-            </a:fld>
-            <a:endParaRPr lang="pt-BR"/>
-          </a:p>
-        </p:txBody>
-      </p:sp>
-      <p:sp>
-        <p:nvSpPr>
-          <p:cNvPr id="5" name="Espaço Reservado para Rodapé 4"/>
-          <p:cNvSpPr>
-            <a:spLocks noGrp="1"/>
-          </p:cNvSpPr>
-          <p:nvPr>
-            <p:ph type="ftr" sz="quarter" idx="11"/>
-          </p:nvPr>
-        </p:nvSpPr>
-        <p:spPr/>
-        <p:txBody>
-          <a:bodyPr/>
-          <a:lstStyle/>
-          <a:p>
-            <a:endParaRPr lang="pt-BR"/>
-          </a:p>
-        </p:txBody>
-      </p:sp>
-      <p:sp>
-        <p:nvSpPr>
-          <p:cNvPr id="6" name="Espaço Reservado para Número de Slide 5"/>
-          <p:cNvSpPr>
-            <a:spLocks noGrp="1"/>
-          </p:cNvSpPr>
-          <p:nvPr>
-            <p:ph type="sldNum" sz="quarter" idx="12"/>
-          </p:nvPr>
-        </p:nvSpPr>
-        <p:spPr/>
-        <p:txBody>
-          <a:bodyPr/>
-          <a:lstStyle/>
-          <a:p>
-            <a:fld id="{01501243-B93D-449E-B503-2E36AA8905BB}" type="slidenum">
-              <a:rPr lang="pt-BR" smtClean="0"/>
-              <a:t>‹nº›</a:t>
-            </a:fld>
-            <a:endParaRPr lang="pt-BR"/>
-          </a:p>
-        </p:txBody>
-      </p:sp>
-    </p:spTree>
-    <p:extLst>
-      <p:ext uri="{BB962C8B-B14F-4D97-AF65-F5344CB8AC3E}">
-        <p14:creationId xmlns:p14="http://schemas.microsoft.com/office/powerpoint/2010/main" val="2240126947"/>
-      </p:ext>
-    </p:extLst>
-  </p:cSld>
-  <p:clrMapOvr>
-    <a:masterClrMapping/>
-  </p:clrMapOvr>
-</p:sldLayout>
-</file>
-
-<file path=ppt/slideLayouts/slideLayout3.xml><?xml version="1.0" encoding="utf-8"?>
-<p:sldLayout xmlns:a="http://schemas.openxmlformats.org/drawingml/2006/main" xmlns:r="http://schemas.openxmlformats.org/officeDocument/2006/relationships" xmlns:p="http://schemas.openxmlformats.org/presentationml/2006/main" type="blank" preserve="1">
-  <p:cSld name="Em branco">
-    <p:spTree>
-      <p:nvGrpSpPr>
-        <p:cNvPr id="1" name=""/>
-        <p:cNvGrpSpPr/>
-        <p:nvPr/>
-      </p:nvGrpSpPr>
-      <p:grpSpPr>
-        <a:xfrm>
-          <a:off x="0" y="0"/>
-          <a:ext cx="0" cy="0"/>
-          <a:chOff x="0" y="0"/>
-          <a:chExt cx="0" cy="0"/>
-        </a:xfrm>
-      </p:grpSpPr>
-      <p:sp>
-        <p:nvSpPr>
-          <p:cNvPr id="2" name="Espaço Reservado para Data 1"/>
-          <p:cNvSpPr>
-            <a:spLocks noGrp="1"/>
-          </p:cNvSpPr>
-          <p:nvPr>
-            <p:ph type="dt" sz="half" idx="10"/>
-          </p:nvPr>
-        </p:nvSpPr>
-        <p:spPr/>
-        <p:txBody>
-          <a:bodyPr/>
-          <a:lstStyle/>
-          <a:p>
-            <a:fld id="{D93F3B81-8E2D-4AC2-95C8-8566A11C3BEF}" type="datetimeFigureOut">
-              <a:rPr lang="pt-BR" smtClean="0"/>
-              <a:t>08/02/2016</a:t>
-            </a:fld>
-            <a:endParaRPr lang="pt-BR"/>
-          </a:p>
-        </p:txBody>
-      </p:sp>
-      <p:sp>
-        <p:nvSpPr>
-          <p:cNvPr id="3" name="Espaço Reservado para Rodapé 2"/>
-          <p:cNvSpPr>
-            <a:spLocks noGrp="1"/>
-          </p:cNvSpPr>
-          <p:nvPr>
-            <p:ph type="ftr" sz="quarter" idx="11"/>
-          </p:nvPr>
-        </p:nvSpPr>
-        <p:spPr/>
-        <p:txBody>
-          <a:bodyPr/>
-          <a:lstStyle/>
-          <a:p>
-            <a:endParaRPr lang="pt-BR"/>
-          </a:p>
-        </p:txBody>
-      </p:sp>
-      <p:sp>
-        <p:nvSpPr>
-          <p:cNvPr id="4" name="Espaço Reservado para Número de Slide 3"/>
-          <p:cNvSpPr>
-            <a:spLocks noGrp="1"/>
-          </p:cNvSpPr>
-          <p:nvPr>
-            <p:ph type="sldNum" sz="quarter" idx="12"/>
-          </p:nvPr>
-        </p:nvSpPr>
-        <p:spPr/>
-        <p:txBody>
-          <a:bodyPr/>
-          <a:lstStyle/>
-          <a:p>
-            <a:fld id="{01501243-B93D-449E-B503-2E36AA8905BB}" type="slidenum">
-              <a:rPr lang="pt-BR" smtClean="0"/>
-              <a:t>‹nº›</a:t>
-            </a:fld>
-            <a:endParaRPr lang="pt-BR"/>
-          </a:p>
-        </p:txBody>
-      </p:sp>
-    </p:spTree>
-    <p:extLst>
-      <p:ext uri="{BB962C8B-B14F-4D97-AF65-F5344CB8AC3E}">
-        <p14:creationId xmlns:p14="http://schemas.microsoft.com/office/powerpoint/2010/main" val="100317533"/>
-      </p:ext>
-    </p:extLst>
-  </p:cSld>
-  <p:clrMapOvr>
-    <a:masterClrMapping/>
-  </p:clrMapOvr>
-</p:sldLayout>
-</file>
-
-<file path=ppt/slideLayouts/slideLayout4.xml><?xml version="1.0" encoding="utf-8"?>
-<p:sldLayout xmlns:a="http://schemas.openxmlformats.org/drawingml/2006/main" xmlns:r="http://schemas.openxmlformats.org/officeDocument/2006/relationships" xmlns:p="http://schemas.openxmlformats.org/presentationml/2006/main" type="title" preserve="1">
-  <p:cSld name="Title Slide">
-    <p:spTree>
-      <p:nvGrpSpPr>
-        <p:cNvPr id="1" name=""/>
-        <p:cNvGrpSpPr/>
-        <p:nvPr/>
-      </p:nvGrpSpPr>
-      <p:grpSpPr>
-        <a:xfrm>
-          <a:off x="0" y="0"/>
-          <a:ext cx="0" cy="0"/>
-          <a:chOff x="0" y="0"/>
-          <a:chExt cx="0" cy="0"/>
-        </a:xfrm>
-      </p:grpSpPr>
-      <p:sp>
-        <p:nvSpPr>
-          <p:cNvPr id="4" name="Text Box 18"/>
-          <p:cNvSpPr txBox="1">
-            <a:spLocks noChangeArrowheads="1"/>
-          </p:cNvSpPr>
-          <p:nvPr userDrawn="1"/>
-        </p:nvSpPr>
-        <p:spPr bwMode="auto">
-          <a:xfrm rot="19237452">
-            <a:off x="6194135" y="517803"/>
-            <a:ext cx="184731" cy="369332"/>
-          </a:xfrm>
-          <a:prstGeom prst="rect">
-            <a:avLst/>
-          </a:prstGeom>
-          <a:noFill/>
-          <a:ln>
-            <a:noFill/>
-          </a:ln>
-          <a:effectLst/>
-          <a:extLst>
-            <a:ext uri="{909E8E84-426E-40DD-AFC4-6F175D3DCCD1}">
-              <a14:hiddenFill xmlns:a14="http://schemas.microsoft.com/office/drawing/2010/main">
-                <a:solidFill>
-                  <a:schemeClr val="accent1"/>
-                </a:solidFill>
-              </a14:hiddenFill>
-            </a:ext>
-            <a:ext uri="{91240B29-F687-4F45-9708-019B960494DF}">
-              <a14:hiddenLine xmlns:a14="http://schemas.microsoft.com/office/drawing/2010/main" w="9525">
-                <a:solidFill>
-                  <a:schemeClr val="tx1"/>
-                </a:solidFill>
-                <a:miter lim="800000"/>
-                <a:headEnd/>
-                <a:tailEnd/>
-              </a14:hiddenLine>
-            </a:ext>
-            <a:ext uri="{AF507438-7753-43E0-B8FC-AC1667EBCBE1}">
-              <a14:hiddenEffects xmlns:a14="http://schemas.microsoft.com/office/drawing/2010/main">
-                <a:effectLst>
-                  <a:outerShdw dist="35921" dir="2700000" algn="ctr" rotWithShape="0">
-                    <a:schemeClr val="bg2"/>
-                  </a:outerShdw>
-                </a:effectLst>
-              </a14:hiddenEffects>
-            </a:ext>
-          </a:extLst>
-        </p:spPr>
-        <p:txBody>
-          <a:bodyPr wrap="none">
-            <a:spAutoFit/>
-          </a:bodyPr>
-          <a:lstStyle>
-            <a:lvl1pPr>
-              <a:defRPr>
-                <a:solidFill>
-                  <a:schemeClr val="tx1"/>
-                </a:solidFill>
-                <a:latin typeface="Arial" panose="020B0604020202020204" pitchFamily="34" charset="0"/>
-              </a:defRPr>
-            </a:lvl1pPr>
-            <a:lvl2pPr marL="742950" indent="-285750">
-              <a:defRPr>
-                <a:solidFill>
-                  <a:schemeClr val="tx1"/>
-                </a:solidFill>
-                <a:latin typeface="Arial" panose="020B0604020202020204" pitchFamily="34" charset="0"/>
-              </a:defRPr>
-            </a:lvl2pPr>
-            <a:lvl3pPr marL="1143000" indent="-228600">
-              <a:defRPr>
-                <a:solidFill>
-                  <a:schemeClr val="tx1"/>
-                </a:solidFill>
-                <a:latin typeface="Arial" panose="020B0604020202020204" pitchFamily="34" charset="0"/>
-              </a:defRPr>
-            </a:lvl3pPr>
-            <a:lvl4pPr marL="1600200" indent="-228600">
-              <a:defRPr>
-                <a:solidFill>
-                  <a:schemeClr val="tx1"/>
-                </a:solidFill>
-                <a:latin typeface="Arial" panose="020B0604020202020204" pitchFamily="34" charset="0"/>
-              </a:defRPr>
-            </a:lvl4pPr>
-            <a:lvl5pPr marL="2057400" indent="-228600">
-              <a:defRPr>
-                <a:solidFill>
-                  <a:schemeClr val="tx1"/>
-                </a:solidFill>
-                <a:latin typeface="Arial" panose="020B0604020202020204" pitchFamily="34" charset="0"/>
-              </a:defRPr>
-            </a:lvl5pPr>
-            <a:lvl6pPr marL="2514600" indent="-228600" eaLnBrk="0" fontAlgn="base" hangingPunct="0">
-              <a:spcBef>
-                <a:spcPct val="0"/>
-              </a:spcBef>
-              <a:spcAft>
-                <a:spcPct val="0"/>
-              </a:spcAft>
-              <a:defRPr>
-                <a:solidFill>
-                  <a:schemeClr val="tx1"/>
-                </a:solidFill>
-                <a:latin typeface="Arial" panose="020B0604020202020204" pitchFamily="34" charset="0"/>
-              </a:defRPr>
-            </a:lvl6pPr>
-            <a:lvl7pPr marL="2971800" indent="-228600" eaLnBrk="0" fontAlgn="base" hangingPunct="0">
-              <a:spcBef>
-                <a:spcPct val="0"/>
-              </a:spcBef>
-              <a:spcAft>
-                <a:spcPct val="0"/>
-              </a:spcAft>
-              <a:defRPr>
-                <a:solidFill>
-                  <a:schemeClr val="tx1"/>
-                </a:solidFill>
-                <a:latin typeface="Arial" panose="020B0604020202020204" pitchFamily="34" charset="0"/>
-              </a:defRPr>
-            </a:lvl7pPr>
-            <a:lvl8pPr marL="3429000" indent="-228600" eaLnBrk="0" fontAlgn="base" hangingPunct="0">
-              <a:spcBef>
-                <a:spcPct val="0"/>
-              </a:spcBef>
-              <a:spcAft>
-                <a:spcPct val="0"/>
-              </a:spcAft>
-              <a:defRPr>
-                <a:solidFill>
-                  <a:schemeClr val="tx1"/>
-                </a:solidFill>
-                <a:latin typeface="Arial" panose="020B0604020202020204" pitchFamily="34" charset="0"/>
-              </a:defRPr>
-            </a:lvl8pPr>
-            <a:lvl9pPr marL="3886200" indent="-228600" eaLnBrk="0" fontAlgn="base" hangingPunct="0">
-              <a:spcBef>
-                <a:spcPct val="0"/>
-              </a:spcBef>
-              <a:spcAft>
-                <a:spcPct val="0"/>
-              </a:spcAft>
-              <a:defRPr>
-                <a:solidFill>
-                  <a:schemeClr val="tx1"/>
-                </a:solidFill>
-                <a:latin typeface="Arial" panose="020B0604020202020204" pitchFamily="34" charset="0"/>
-              </a:defRPr>
-            </a:lvl9pPr>
-          </a:lstStyle>
-          <a:p>
-            <a:pPr eaLnBrk="1" hangingPunct="1"/>
-            <a:endParaRPr lang="en-GB" altLang="en-US" sz="1800"/>
-          </a:p>
-        </p:txBody>
-      </p:sp>
-      <p:sp>
-        <p:nvSpPr>
-          <p:cNvPr id="3074" name="Rectangle 2"/>
-          <p:cNvSpPr>
-            <a:spLocks noGrp="1" noChangeArrowheads="1"/>
-          </p:cNvSpPr>
-          <p:nvPr>
-            <p:ph type="ctrTitle"/>
-          </p:nvPr>
-        </p:nvSpPr>
-        <p:spPr>
-          <a:xfrm>
-            <a:off x="914400" y="1196975"/>
-            <a:ext cx="10363200" cy="1470025"/>
-          </a:xfrm>
-        </p:spPr>
-        <p:txBody>
-          <a:bodyPr/>
-          <a:lstStyle>
-            <a:lvl1pPr>
-              <a:defRPr b="1"/>
-            </a:lvl1pPr>
-          </a:lstStyle>
-          <a:p>
-            <a:pPr lvl="0"/>
-            <a:r>
-              <a:rPr lang="en-US" altLang="en-US" noProof="0" smtClean="0"/>
-              <a:t>Click to edit Master title style</a:t>
-            </a:r>
-          </a:p>
-        </p:txBody>
-      </p:sp>
-      <p:sp>
-        <p:nvSpPr>
-          <p:cNvPr id="3075" name="Rectangle 3"/>
-          <p:cNvSpPr>
-            <a:spLocks noGrp="1" noChangeArrowheads="1"/>
-          </p:cNvSpPr>
-          <p:nvPr>
-            <p:ph type="subTitle" idx="1"/>
-          </p:nvPr>
-        </p:nvSpPr>
-        <p:spPr>
-          <a:xfrm>
-            <a:off x="1828800" y="2952750"/>
-            <a:ext cx="8534400" cy="1752600"/>
-          </a:xfrm>
-        </p:spPr>
-        <p:txBody>
-          <a:bodyPr/>
-          <a:lstStyle>
-            <a:lvl1pPr marL="0" indent="0" algn="ctr">
-              <a:buFontTx/>
-              <a:buNone/>
-              <a:defRPr/>
-            </a:lvl1pPr>
-          </a:lstStyle>
-          <a:p>
-            <a:pPr lvl="0"/>
-            <a:r>
-              <a:rPr lang="en-US" altLang="en-US" noProof="0" smtClean="0"/>
-              <a:t>Click to edit Master subtitle style</a:t>
-            </a:r>
-          </a:p>
-        </p:txBody>
-      </p:sp>
-      <p:sp>
-        <p:nvSpPr>
-          <p:cNvPr id="5" name="Rectangle 4"/>
-          <p:cNvSpPr>
-            <a:spLocks noGrp="1" noChangeArrowheads="1"/>
-          </p:cNvSpPr>
-          <p:nvPr>
-            <p:ph type="dt" sz="half" idx="10"/>
-          </p:nvPr>
-        </p:nvSpPr>
-        <p:spPr/>
-        <p:txBody>
-          <a:bodyPr/>
-          <a:lstStyle>
-            <a:lvl1pPr>
-              <a:defRPr smtClean="0"/>
-            </a:lvl1pPr>
-          </a:lstStyle>
-          <a:p>
-            <a:pPr>
-              <a:defRPr/>
-            </a:pPr>
-            <a:endParaRPr lang="en-US" altLang="en-US"/>
-          </a:p>
-        </p:txBody>
-      </p:sp>
-      <p:sp>
-        <p:nvSpPr>
-          <p:cNvPr id="6" name="Rectangle 5"/>
-          <p:cNvSpPr>
-            <a:spLocks noGrp="1" noChangeArrowheads="1"/>
-          </p:cNvSpPr>
-          <p:nvPr>
-            <p:ph type="ftr" sz="quarter" idx="11"/>
-          </p:nvPr>
-        </p:nvSpPr>
-        <p:spPr/>
-        <p:txBody>
-          <a:bodyPr/>
-          <a:lstStyle>
-            <a:lvl1pPr>
-              <a:defRPr smtClean="0"/>
-            </a:lvl1pPr>
-          </a:lstStyle>
-          <a:p>
-            <a:pPr>
-              <a:defRPr/>
-            </a:pPr>
-            <a:endParaRPr lang="en-US" altLang="en-US"/>
-          </a:p>
-        </p:txBody>
-      </p:sp>
-      <p:sp>
-        <p:nvSpPr>
-          <p:cNvPr id="7" name="Rectangle 6"/>
-          <p:cNvSpPr>
-            <a:spLocks noGrp="1" noChangeArrowheads="1"/>
-          </p:cNvSpPr>
-          <p:nvPr>
-            <p:ph type="sldNum" sz="quarter" idx="12"/>
-          </p:nvPr>
-        </p:nvSpPr>
-        <p:spPr/>
-        <p:txBody>
-          <a:bodyPr/>
-          <a:lstStyle>
-            <a:lvl1pPr>
-              <a:defRPr smtClean="0"/>
-            </a:lvl1pPr>
-          </a:lstStyle>
-          <a:p>
-            <a:pPr>
-              <a:defRPr/>
-            </a:pPr>
-            <a:fld id="{167478A2-FA94-4F03-B717-30DDCD87A30E}" type="slidenum">
-              <a:rPr lang="en-US" altLang="en-US"/>
-              <a:pPr>
-                <a:defRPr/>
-              </a:pPr>
-              <a:t>‹nº›</a:t>
-            </a:fld>
-            <a:endParaRPr lang="en-US" altLang="en-US"/>
-          </a:p>
-        </p:txBody>
-      </p:sp>
-    </p:spTree>
-    <p:extLst>
-      <p:ext uri="{BB962C8B-B14F-4D97-AF65-F5344CB8AC3E}">
-        <p14:creationId xmlns:p14="http://schemas.microsoft.com/office/powerpoint/2010/main" val="3609638757"/>
-      </p:ext>
-    </p:extLst>
-  </p:cSld>
-  <p:clrMapOvr>
-    <a:masterClrMapping/>
-  </p:clrMapOvr>
-</p:sldLayout>
-</file>
-
-<file path=ppt/slideLayouts/slideLayout5.xml><?xml version="1.0" encoding="utf-8"?>
-<p:sldLayout xmlns:a="http://schemas.openxmlformats.org/drawingml/2006/main" xmlns:r="http://schemas.openxmlformats.org/officeDocument/2006/relationships" xmlns:p="http://schemas.openxmlformats.org/presentationml/2006/main" type="obj" preserve="1">
-  <p:cSld name="Title and Content">
-    <p:spTree>
-      <p:nvGrpSpPr>
-        <p:cNvPr id="1" name=""/>
-        <p:cNvGrpSpPr/>
-        <p:nvPr/>
-      </p:nvGrpSpPr>
-      <p:grpSpPr>
-        <a:xfrm>
-          <a:off x="0" y="0"/>
-          <a:ext cx="0" cy="0"/>
-          <a:chOff x="0" y="0"/>
-          <a:chExt cx="0" cy="0"/>
-        </a:xfrm>
-      </p:grpSpPr>
-      <p:sp>
-        <p:nvSpPr>
-          <p:cNvPr id="2" name="Title 1"/>
-          <p:cNvSpPr>
-            <a:spLocks noGrp="1"/>
-          </p:cNvSpPr>
-          <p:nvPr>
-            <p:ph type="title"/>
-          </p:nvPr>
-        </p:nvSpPr>
-        <p:spPr/>
-        <p:txBody>
-          <a:bodyPr/>
-          <a:lstStyle/>
-          <a:p>
-            <a:r>
-              <a:rPr lang="en-US" smtClean="0"/>
-              <a:t>Click to edit Master title style</a:t>
-            </a:r>
-            <a:endParaRPr lang="en-GB"/>
-          </a:p>
-        </p:txBody>
-      </p:sp>
-      <p:sp>
-        <p:nvSpPr>
-          <p:cNvPr id="3" name="Content Placeholder 2"/>
-          <p:cNvSpPr>
-            <a:spLocks noGrp="1"/>
-          </p:cNvSpPr>
-          <p:nvPr>
-            <p:ph idx="1"/>
-          </p:nvPr>
-        </p:nvSpPr>
-        <p:spPr/>
-        <p:txBody>
-          <a:bodyPr/>
-          <a:lstStyle/>
-          <a:p>
-            <a:pPr lvl="0"/>
-            <a:r>
-              <a:rPr lang="en-US" smtClean="0"/>
-              <a:t>Click to edit Master text styles</a:t>
-            </a:r>
-          </a:p>
-          <a:p>
-            <a:pPr lvl="1"/>
-            <a:r>
-              <a:rPr lang="en-US" smtClean="0"/>
-              <a:t>Second level</a:t>
-            </a:r>
-          </a:p>
-          <a:p>
-            <a:pPr lvl="2"/>
-            <a:r>
-              <a:rPr lang="en-US" smtClean="0"/>
-              <a:t>Third level</a:t>
-            </a:r>
-          </a:p>
-          <a:p>
-            <a:pPr lvl="3"/>
-            <a:r>
-              <a:rPr lang="en-US" smtClean="0"/>
-              <a:t>Fourth level</a:t>
-            </a:r>
-          </a:p>
-          <a:p>
-            <a:pPr lvl="4"/>
-            <a:r>
-              <a:rPr lang="en-US" smtClean="0"/>
-              <a:t>Fifth level</a:t>
-            </a:r>
-            <a:endParaRPr lang="en-GB"/>
-          </a:p>
-        </p:txBody>
-      </p:sp>
-      <p:sp>
-        <p:nvSpPr>
-          <p:cNvPr id="4" name="Rectangle 4"/>
-          <p:cNvSpPr>
-            <a:spLocks noGrp="1" noChangeArrowheads="1"/>
-          </p:cNvSpPr>
-          <p:nvPr>
-            <p:ph type="dt" sz="half" idx="10"/>
-          </p:nvPr>
-        </p:nvSpPr>
-        <p:spPr>
-          <a:ln/>
-        </p:spPr>
-        <p:txBody>
-          <a:bodyPr/>
-          <a:lstStyle>
-            <a:lvl1pPr>
-              <a:defRPr/>
-            </a:lvl1pPr>
-          </a:lstStyle>
-          <a:p>
-            <a:pPr>
-              <a:defRPr/>
-            </a:pPr>
-            <a:endParaRPr lang="en-US" altLang="en-US"/>
-          </a:p>
-        </p:txBody>
-      </p:sp>
-      <p:sp>
-        <p:nvSpPr>
-          <p:cNvPr id="5" name="Rectangle 5"/>
-          <p:cNvSpPr>
-            <a:spLocks noGrp="1" noChangeArrowheads="1"/>
-          </p:cNvSpPr>
-          <p:nvPr>
-            <p:ph type="ftr" sz="quarter" idx="11"/>
-          </p:nvPr>
-        </p:nvSpPr>
-        <p:spPr>
-          <a:ln/>
-        </p:spPr>
-        <p:txBody>
-          <a:bodyPr/>
-          <a:lstStyle>
-            <a:lvl1pPr>
-              <a:defRPr/>
-            </a:lvl1pPr>
-          </a:lstStyle>
-          <a:p>
-            <a:pPr>
-              <a:defRPr/>
-            </a:pPr>
-            <a:endParaRPr lang="en-US" altLang="en-US"/>
-          </a:p>
-        </p:txBody>
-      </p:sp>
-      <p:sp>
-        <p:nvSpPr>
-          <p:cNvPr id="6" name="Rectangle 6"/>
-          <p:cNvSpPr>
-            <a:spLocks noGrp="1" noChangeArrowheads="1"/>
-          </p:cNvSpPr>
-          <p:nvPr>
-            <p:ph type="sldNum" sz="quarter" idx="12"/>
-          </p:nvPr>
-        </p:nvSpPr>
-        <p:spPr>
-          <a:ln/>
-        </p:spPr>
-        <p:txBody>
-          <a:bodyPr/>
-          <a:lstStyle>
-            <a:lvl1pPr>
-              <a:defRPr/>
-            </a:lvl1pPr>
-          </a:lstStyle>
-          <a:p>
-            <a:pPr>
-              <a:defRPr/>
-            </a:pPr>
-            <a:fld id="{22D54903-346A-4AB7-976D-B9666E1AE8F5}" type="slidenum">
-              <a:rPr lang="en-US" altLang="en-US"/>
-              <a:pPr>
-                <a:defRPr/>
-              </a:pPr>
-              <a:t>‹nº›</a:t>
-            </a:fld>
-            <a:endParaRPr lang="en-US" altLang="en-US"/>
-          </a:p>
-        </p:txBody>
-      </p:sp>
-    </p:spTree>
-    <p:extLst>
-      <p:ext uri="{BB962C8B-B14F-4D97-AF65-F5344CB8AC3E}">
-        <p14:creationId xmlns:p14="http://schemas.microsoft.com/office/powerpoint/2010/main" val="3863314366"/>
-      </p:ext>
-    </p:extLst>
-  </p:cSld>
-  <p:clrMapOvr>
-    <a:masterClrMapping/>
-  </p:clrMapOvr>
-</p:sldLayout>
-</file>
-
-<file path=ppt/slideLayouts/slideLayout6.xml><?xml version="1.0" encoding="utf-8"?>
-<p:sldLayout xmlns:a="http://schemas.openxmlformats.org/drawingml/2006/main" xmlns:r="http://schemas.openxmlformats.org/officeDocument/2006/relationships" xmlns:p="http://schemas.openxmlformats.org/presentationml/2006/main" type="secHead" preserve="1">
-  <p:cSld name="Section Header">
-    <p:spTree>
-      <p:nvGrpSpPr>
-        <p:cNvPr id="1" name=""/>
-        <p:cNvGrpSpPr/>
-        <p:nvPr/>
-      </p:nvGrpSpPr>
-      <p:grpSpPr>
-        <a:xfrm>
-          <a:off x="0" y="0"/>
-          <a:ext cx="0" cy="0"/>
-          <a:chOff x="0" y="0"/>
-          <a:chExt cx="0" cy="0"/>
-        </a:xfrm>
-      </p:grpSpPr>
-      <p:sp>
-        <p:nvSpPr>
-          <p:cNvPr id="2" name="Title 1"/>
-          <p:cNvSpPr>
-            <a:spLocks noGrp="1"/>
-          </p:cNvSpPr>
-          <p:nvPr>
-            <p:ph type="title"/>
-          </p:nvPr>
-        </p:nvSpPr>
-        <p:spPr>
-          <a:xfrm>
-            <a:off x="831851" y="1709739"/>
-            <a:ext cx="10515600" cy="2852737"/>
-          </a:xfrm>
-        </p:spPr>
-        <p:txBody>
-          <a:bodyPr anchor="b"/>
-          <a:lstStyle>
-            <a:lvl1pPr>
-              <a:defRPr sz="6000"/>
-            </a:lvl1pPr>
-          </a:lstStyle>
-          <a:p>
-            <a:r>
-              <a:rPr lang="en-US" smtClean="0"/>
-              <a:t>Click to edit Master title style</a:t>
-            </a:r>
-            <a:endParaRPr lang="en-GB"/>
-          </a:p>
-        </p:txBody>
-      </p:sp>
-      <p:sp>
-        <p:nvSpPr>
-          <p:cNvPr id="3" name="Text Placeholder 2"/>
-          <p:cNvSpPr>
-            <a:spLocks noGrp="1"/>
-          </p:cNvSpPr>
-          <p:nvPr>
-            <p:ph type="body" idx="1"/>
-          </p:nvPr>
-        </p:nvSpPr>
-        <p:spPr>
-          <a:xfrm>
-            <a:off x="831851" y="4589464"/>
-            <a:ext cx="10515600" cy="1500187"/>
-          </a:xfrm>
-        </p:spPr>
-        <p:txBody>
-          <a:bodyPr/>
-          <a:lstStyle>
-            <a:lvl1pPr marL="0" indent="0">
-              <a:buNone/>
-              <a:defRPr sz="2400"/>
-            </a:lvl1pPr>
-            <a:lvl2pPr marL="457200" indent="0">
-              <a:buNone/>
-              <a:defRPr sz="2000"/>
-            </a:lvl2pPr>
-            <a:lvl3pPr marL="914400" indent="0">
-              <a:buNone/>
-              <a:defRPr sz="1800"/>
-            </a:lvl3pPr>
-            <a:lvl4pPr marL="1371600" indent="0">
-              <a:buNone/>
-              <a:defRPr sz="1600"/>
-            </a:lvl4pPr>
-            <a:lvl5pPr marL="1828800" indent="0">
-              <a:buNone/>
-              <a:defRPr sz="1600"/>
-            </a:lvl5pPr>
-            <a:lvl6pPr marL="2286000" indent="0">
-              <a:buNone/>
-              <a:defRPr sz="1600"/>
-            </a:lvl6pPr>
-            <a:lvl7pPr marL="2743200" indent="0">
-              <a:buNone/>
-              <a:defRPr sz="1600"/>
-            </a:lvl7pPr>
-            <a:lvl8pPr marL="3200400" indent="0">
-              <a:buNone/>
-              <a:defRPr sz="1600"/>
-            </a:lvl8pPr>
-            <a:lvl9pPr marL="3657600" indent="0">
-              <a:buNone/>
-              <a:defRPr sz="1600"/>
-            </a:lvl9pPr>
-          </a:lstStyle>
-          <a:p>
-            <a:pPr lvl="0"/>
-            <a:r>
-              <a:rPr lang="en-US" smtClean="0"/>
-              <a:t>Click to edit Master text styles</a:t>
-            </a:r>
-          </a:p>
-        </p:txBody>
-      </p:sp>
-      <p:sp>
-        <p:nvSpPr>
-          <p:cNvPr id="4" name="Rectangle 4"/>
-          <p:cNvSpPr>
-            <a:spLocks noGrp="1" noChangeArrowheads="1"/>
-          </p:cNvSpPr>
-          <p:nvPr>
-            <p:ph type="dt" sz="half" idx="10"/>
-          </p:nvPr>
-        </p:nvSpPr>
-        <p:spPr>
-          <a:ln/>
-        </p:spPr>
-        <p:txBody>
-          <a:bodyPr/>
-          <a:lstStyle>
-            <a:lvl1pPr>
-              <a:defRPr/>
-            </a:lvl1pPr>
-          </a:lstStyle>
-          <a:p>
-            <a:pPr>
-              <a:defRPr/>
-            </a:pPr>
-            <a:endParaRPr lang="en-US" altLang="en-US"/>
-          </a:p>
-        </p:txBody>
-      </p:sp>
-      <p:sp>
-        <p:nvSpPr>
-          <p:cNvPr id="5" name="Rectangle 5"/>
-          <p:cNvSpPr>
-            <a:spLocks noGrp="1" noChangeArrowheads="1"/>
-          </p:cNvSpPr>
-          <p:nvPr>
-            <p:ph type="ftr" sz="quarter" idx="11"/>
-          </p:nvPr>
-        </p:nvSpPr>
-        <p:spPr>
-          <a:ln/>
-        </p:spPr>
-        <p:txBody>
-          <a:bodyPr/>
-          <a:lstStyle>
-            <a:lvl1pPr>
-              <a:defRPr/>
-            </a:lvl1pPr>
-          </a:lstStyle>
-          <a:p>
-            <a:pPr>
-              <a:defRPr/>
-            </a:pPr>
-            <a:endParaRPr lang="en-US" altLang="en-US"/>
-          </a:p>
-        </p:txBody>
-      </p:sp>
-      <p:sp>
-        <p:nvSpPr>
-          <p:cNvPr id="6" name="Rectangle 6"/>
-          <p:cNvSpPr>
-            <a:spLocks noGrp="1" noChangeArrowheads="1"/>
-          </p:cNvSpPr>
-          <p:nvPr>
-            <p:ph type="sldNum" sz="quarter" idx="12"/>
-          </p:nvPr>
-        </p:nvSpPr>
-        <p:spPr>
-          <a:ln/>
-        </p:spPr>
-        <p:txBody>
-          <a:bodyPr/>
-          <a:lstStyle>
-            <a:lvl1pPr>
-              <a:defRPr/>
-            </a:lvl1pPr>
-          </a:lstStyle>
-          <a:p>
-            <a:pPr>
-              <a:defRPr/>
-            </a:pPr>
-            <a:fld id="{6C3FA813-607D-4C19-8682-EFBB02BBB8E8}" type="slidenum">
-              <a:rPr lang="en-US" altLang="en-US"/>
-              <a:pPr>
-                <a:defRPr/>
-              </a:pPr>
-              <a:t>‹nº›</a:t>
-            </a:fld>
-            <a:endParaRPr lang="en-US" altLang="en-US"/>
-          </a:p>
-        </p:txBody>
-      </p:sp>
-    </p:spTree>
-    <p:extLst>
-      <p:ext uri="{BB962C8B-B14F-4D97-AF65-F5344CB8AC3E}">
-        <p14:creationId xmlns:p14="http://schemas.microsoft.com/office/powerpoint/2010/main" val="3089154402"/>
-      </p:ext>
-    </p:extLst>
-  </p:cSld>
-  <p:clrMapOvr>
-    <a:masterClrMapping/>
-  </p:clrMapOvr>
-</p:sldLayout>
-</file>
-
-<file path=ppt/slideLayouts/slideLayout7.xml><?xml version="1.0" encoding="utf-8"?>
-<p:sldLayout xmlns:a="http://schemas.openxmlformats.org/drawingml/2006/main" xmlns:r="http://schemas.openxmlformats.org/officeDocument/2006/relationships" xmlns:p="http://schemas.openxmlformats.org/presentationml/2006/main" type="twoObj" preserve="1">
-  <p:cSld name="Two Content">
-    <p:spTree>
-      <p:nvGrpSpPr>
-        <p:cNvPr id="1" name=""/>
-        <p:cNvGrpSpPr/>
-        <p:nvPr/>
-      </p:nvGrpSpPr>
-      <p:grpSpPr>
-        <a:xfrm>
-          <a:off x="0" y="0"/>
-          <a:ext cx="0" cy="0"/>
-          <a:chOff x="0" y="0"/>
-          <a:chExt cx="0" cy="0"/>
-        </a:xfrm>
-      </p:grpSpPr>
-      <p:sp>
-        <p:nvSpPr>
-          <p:cNvPr id="2" name="Title 1"/>
-          <p:cNvSpPr>
-            <a:spLocks noGrp="1"/>
-          </p:cNvSpPr>
-          <p:nvPr>
-            <p:ph type="title"/>
-          </p:nvPr>
-        </p:nvSpPr>
-        <p:spPr/>
-        <p:txBody>
-          <a:bodyPr/>
-          <a:lstStyle/>
-          <a:p>
-            <a:r>
-              <a:rPr lang="en-US" smtClean="0"/>
-              <a:t>Click to edit Master title style</a:t>
-            </a:r>
-            <a:endParaRPr lang="en-GB"/>
-          </a:p>
-        </p:txBody>
-      </p:sp>
-      <p:sp>
-        <p:nvSpPr>
-          <p:cNvPr id="3" name="Content Placeholder 2"/>
-          <p:cNvSpPr>
-            <a:spLocks noGrp="1"/>
-          </p:cNvSpPr>
-          <p:nvPr>
-            <p:ph sz="half" idx="1"/>
-          </p:nvPr>
-        </p:nvSpPr>
-        <p:spPr>
-          <a:xfrm>
-            <a:off x="609600" y="1066801"/>
-            <a:ext cx="5384800" cy="3700463"/>
-          </a:xfrm>
-        </p:spPr>
-        <p:txBody>
-          <a:bodyPr/>
-          <a:lstStyle/>
-          <a:p>
-            <a:pPr lvl="0"/>
-            <a:r>
-              <a:rPr lang="en-US" smtClean="0"/>
-              <a:t>Click to edit Master text styles</a:t>
-            </a:r>
-          </a:p>
-          <a:p>
-            <a:pPr lvl="1"/>
-            <a:r>
-              <a:rPr lang="en-US" smtClean="0"/>
-              <a:t>Second level</a:t>
-            </a:r>
-          </a:p>
-          <a:p>
-            <a:pPr lvl="2"/>
-            <a:r>
-              <a:rPr lang="en-US" smtClean="0"/>
-              <a:t>Third level</a:t>
-            </a:r>
-          </a:p>
-          <a:p>
-            <a:pPr lvl="3"/>
-            <a:r>
-              <a:rPr lang="en-US" smtClean="0"/>
-              <a:t>Fourth level</a:t>
-            </a:r>
-          </a:p>
-          <a:p>
-            <a:pPr lvl="4"/>
-            <a:r>
-              <a:rPr lang="en-US" smtClean="0"/>
-              <a:t>Fifth level</a:t>
-            </a:r>
-            <a:endParaRPr lang="en-GB"/>
-          </a:p>
-        </p:txBody>
-      </p:sp>
-      <p:sp>
-        <p:nvSpPr>
-          <p:cNvPr id="4" name="Content Placeholder 3"/>
-          <p:cNvSpPr>
-            <a:spLocks noGrp="1"/>
-          </p:cNvSpPr>
-          <p:nvPr>
-            <p:ph sz="half" idx="2"/>
-          </p:nvPr>
-        </p:nvSpPr>
-        <p:spPr>
-          <a:xfrm>
-            <a:off x="6197600" y="1066801"/>
-            <a:ext cx="5384800" cy="3700463"/>
-          </a:xfrm>
-        </p:spPr>
-        <p:txBody>
-          <a:bodyPr/>
-          <a:lstStyle/>
-          <a:p>
-            <a:pPr lvl="0"/>
-            <a:r>
-              <a:rPr lang="en-US" smtClean="0"/>
-              <a:t>Click to edit Master text styles</a:t>
-            </a:r>
-          </a:p>
-          <a:p>
-            <a:pPr lvl="1"/>
-            <a:r>
-              <a:rPr lang="en-US" smtClean="0"/>
-              <a:t>Second level</a:t>
-            </a:r>
-          </a:p>
-          <a:p>
-            <a:pPr lvl="2"/>
-            <a:r>
-              <a:rPr lang="en-US" smtClean="0"/>
-              <a:t>Third level</a:t>
-            </a:r>
-          </a:p>
-          <a:p>
-            <a:pPr lvl="3"/>
-            <a:r>
-              <a:rPr lang="en-US" smtClean="0"/>
-              <a:t>Fourth level</a:t>
-            </a:r>
-          </a:p>
-          <a:p>
-            <a:pPr lvl="4"/>
-            <a:r>
-              <a:rPr lang="en-US" smtClean="0"/>
-              <a:t>Fifth level</a:t>
-            </a:r>
-            <a:endParaRPr lang="en-GB"/>
-          </a:p>
-        </p:txBody>
-      </p:sp>
-      <p:sp>
-        <p:nvSpPr>
-          <p:cNvPr id="5" name="Rectangle 4"/>
-          <p:cNvSpPr>
-            <a:spLocks noGrp="1" noChangeArrowheads="1"/>
-          </p:cNvSpPr>
-          <p:nvPr>
-            <p:ph type="dt" sz="half" idx="10"/>
-          </p:nvPr>
-        </p:nvSpPr>
-        <p:spPr>
-          <a:ln/>
-        </p:spPr>
-        <p:txBody>
-          <a:bodyPr/>
-          <a:lstStyle>
-            <a:lvl1pPr>
-              <a:defRPr/>
-            </a:lvl1pPr>
-          </a:lstStyle>
-          <a:p>
-            <a:pPr>
-              <a:defRPr/>
-            </a:pPr>
-            <a:endParaRPr lang="en-US" altLang="en-US"/>
-          </a:p>
-        </p:txBody>
-      </p:sp>
-      <p:sp>
-        <p:nvSpPr>
-          <p:cNvPr id="6" name="Rectangle 5"/>
-          <p:cNvSpPr>
-            <a:spLocks noGrp="1" noChangeArrowheads="1"/>
-          </p:cNvSpPr>
-          <p:nvPr>
-            <p:ph type="ftr" sz="quarter" idx="11"/>
-          </p:nvPr>
-        </p:nvSpPr>
-        <p:spPr>
-          <a:ln/>
-        </p:spPr>
-        <p:txBody>
-          <a:bodyPr/>
-          <a:lstStyle>
-            <a:lvl1pPr>
-              <a:defRPr/>
-            </a:lvl1pPr>
-          </a:lstStyle>
-          <a:p>
-            <a:pPr>
-              <a:defRPr/>
-            </a:pPr>
-            <a:endParaRPr lang="en-US" altLang="en-US"/>
-          </a:p>
-        </p:txBody>
-      </p:sp>
-      <p:sp>
-        <p:nvSpPr>
-          <p:cNvPr id="7" name="Rectangle 6"/>
-          <p:cNvSpPr>
-            <a:spLocks noGrp="1" noChangeArrowheads="1"/>
-          </p:cNvSpPr>
-          <p:nvPr>
-            <p:ph type="sldNum" sz="quarter" idx="12"/>
-          </p:nvPr>
-        </p:nvSpPr>
-        <p:spPr>
-          <a:ln/>
-        </p:spPr>
-        <p:txBody>
-          <a:bodyPr/>
-          <a:lstStyle>
-            <a:lvl1pPr>
-              <a:defRPr/>
-            </a:lvl1pPr>
-          </a:lstStyle>
-          <a:p>
-            <a:pPr>
-              <a:defRPr/>
-            </a:pPr>
-            <a:fld id="{17F6032C-628E-40EC-B836-5F8C4AD4D840}" type="slidenum">
-              <a:rPr lang="en-US" altLang="en-US"/>
-              <a:pPr>
-                <a:defRPr/>
-              </a:pPr>
-              <a:t>‹nº›</a:t>
-            </a:fld>
-            <a:endParaRPr lang="en-US" altLang="en-US"/>
-          </a:p>
-        </p:txBody>
-      </p:sp>
-    </p:spTree>
-    <p:extLst>
-      <p:ext uri="{BB962C8B-B14F-4D97-AF65-F5344CB8AC3E}">
-        <p14:creationId xmlns:p14="http://schemas.microsoft.com/office/powerpoint/2010/main" val="4217104739"/>
-      </p:ext>
-    </p:extLst>
-  </p:cSld>
-  <p:clrMapOvr>
-    <a:masterClrMapping/>
-  </p:clrMapOvr>
-</p:sldLayout>
-</file>
-
-<file path=ppt/slideLayouts/slideLayout8.xml><?xml version="1.0" encoding="utf-8"?>
-<p:sldLayout xmlns:a="http://schemas.openxmlformats.org/drawingml/2006/main" xmlns:r="http://schemas.openxmlformats.org/officeDocument/2006/relationships" xmlns:p="http://schemas.openxmlformats.org/presentationml/2006/main" type="twoTxTwoObj" preserve="1">
-  <p:cSld name="Comparison">
-    <p:spTree>
-      <p:nvGrpSpPr>
-        <p:cNvPr id="1" name=""/>
-        <p:cNvGrpSpPr/>
-        <p:nvPr/>
-      </p:nvGrpSpPr>
-      <p:grpSpPr>
-        <a:xfrm>
-          <a:off x="0" y="0"/>
-          <a:ext cx="0" cy="0"/>
-          <a:chOff x="0" y="0"/>
-          <a:chExt cx="0" cy="0"/>
-        </a:xfrm>
-      </p:grpSpPr>
-      <p:sp>
-        <p:nvSpPr>
-          <p:cNvPr id="2" name="Title 1"/>
-          <p:cNvSpPr>
-            <a:spLocks noGrp="1"/>
-          </p:cNvSpPr>
-          <p:nvPr>
-            <p:ph type="title"/>
-          </p:nvPr>
-        </p:nvSpPr>
-        <p:spPr>
-          <a:xfrm>
-            <a:off x="840317" y="365126"/>
-            <a:ext cx="10515600" cy="1325563"/>
-          </a:xfrm>
-        </p:spPr>
-        <p:txBody>
-          <a:bodyPr/>
-          <a:lstStyle/>
-          <a:p>
-            <a:r>
-              <a:rPr lang="en-US" smtClean="0"/>
-              <a:t>Click to edit Master title style</a:t>
-            </a:r>
-            <a:endParaRPr lang="en-GB"/>
-          </a:p>
-        </p:txBody>
-      </p:sp>
-      <p:sp>
-        <p:nvSpPr>
-          <p:cNvPr id="3" name="Text Placeholder 2"/>
-          <p:cNvSpPr>
-            <a:spLocks noGrp="1"/>
-          </p:cNvSpPr>
-          <p:nvPr>
-            <p:ph type="body" idx="1"/>
-          </p:nvPr>
-        </p:nvSpPr>
-        <p:spPr>
-          <a:xfrm>
-            <a:off x="840318" y="1681163"/>
-            <a:ext cx="5158316" cy="823912"/>
-          </a:xfrm>
-        </p:spPr>
-        <p:txBody>
-          <a:bodyPr anchor="b"/>
-          <a:lstStyle>
-            <a:lvl1pPr marL="0" indent="0">
-              <a:buNone/>
-              <a:defRPr sz="2400" b="1"/>
-            </a:lvl1pPr>
-            <a:lvl2pPr marL="457200" indent="0">
-              <a:buNone/>
-              <a:defRPr sz="2000" b="1"/>
-            </a:lvl2pPr>
-            <a:lvl3pPr marL="914400" indent="0">
-              <a:buNone/>
-              <a:defRPr sz="1800" b="1"/>
-            </a:lvl3pPr>
-            <a:lvl4pPr marL="1371600" indent="0">
-              <a:buNone/>
-              <a:defRPr sz="1600" b="1"/>
-            </a:lvl4pPr>
-            <a:lvl5pPr marL="1828800" indent="0">
-              <a:buNone/>
-              <a:defRPr sz="1600" b="1"/>
-            </a:lvl5pPr>
-            <a:lvl6pPr marL="2286000" indent="0">
-              <a:buNone/>
-              <a:defRPr sz="1600" b="1"/>
-            </a:lvl6pPr>
-            <a:lvl7pPr marL="2743200" indent="0">
-              <a:buNone/>
-              <a:defRPr sz="1600" b="1"/>
-            </a:lvl7pPr>
-            <a:lvl8pPr marL="3200400" indent="0">
-              <a:buNone/>
-              <a:defRPr sz="1600" b="1"/>
-            </a:lvl8pPr>
-            <a:lvl9pPr marL="3657600" indent="0">
-              <a:buNone/>
-              <a:defRPr sz="1600" b="1"/>
-            </a:lvl9pPr>
-          </a:lstStyle>
-          <a:p>
-            <a:pPr lvl="0"/>
-            <a:r>
-              <a:rPr lang="en-US" smtClean="0"/>
-              <a:t>Click to edit Master text styles</a:t>
-            </a:r>
-          </a:p>
-        </p:txBody>
-      </p:sp>
-      <p:sp>
-        <p:nvSpPr>
-          <p:cNvPr id="4" name="Content Placeholder 3"/>
-          <p:cNvSpPr>
-            <a:spLocks noGrp="1"/>
-          </p:cNvSpPr>
-          <p:nvPr>
-            <p:ph sz="half" idx="2"/>
-          </p:nvPr>
-        </p:nvSpPr>
-        <p:spPr>
-          <a:xfrm>
-            <a:off x="840318" y="2505075"/>
-            <a:ext cx="5158316" cy="3684588"/>
-          </a:xfrm>
-        </p:spPr>
-        <p:txBody>
-          <a:bodyPr/>
-          <a:lstStyle/>
-          <a:p>
-            <a:pPr lvl="0"/>
-            <a:r>
-              <a:rPr lang="en-US" smtClean="0"/>
-              <a:t>Click to edit Master text styles</a:t>
-            </a:r>
-          </a:p>
-          <a:p>
-            <a:pPr lvl="1"/>
-            <a:r>
-              <a:rPr lang="en-US" smtClean="0"/>
-              <a:t>Second level</a:t>
-            </a:r>
-          </a:p>
-          <a:p>
-            <a:pPr lvl="2"/>
-            <a:r>
-              <a:rPr lang="en-US" smtClean="0"/>
-              <a:t>Third level</a:t>
-            </a:r>
-          </a:p>
-          <a:p>
-            <a:pPr lvl="3"/>
-            <a:r>
-              <a:rPr lang="en-US" smtClean="0"/>
-              <a:t>Fourth level</a:t>
-            </a:r>
-          </a:p>
-          <a:p>
-            <a:pPr lvl="4"/>
-            <a:r>
-              <a:rPr lang="en-US" smtClean="0"/>
-              <a:t>Fifth level</a:t>
-            </a:r>
-            <a:endParaRPr lang="en-GB"/>
-          </a:p>
-        </p:txBody>
-      </p:sp>
-      <p:sp>
-        <p:nvSpPr>
-          <p:cNvPr id="5" name="Text Placeholder 4"/>
-          <p:cNvSpPr>
-            <a:spLocks noGrp="1"/>
-          </p:cNvSpPr>
-          <p:nvPr>
-            <p:ph type="body" sz="quarter" idx="3"/>
-          </p:nvPr>
-        </p:nvSpPr>
-        <p:spPr>
-          <a:xfrm>
-            <a:off x="6172200" y="1681163"/>
-            <a:ext cx="5183717" cy="823912"/>
-          </a:xfrm>
-        </p:spPr>
-        <p:txBody>
-          <a:bodyPr anchor="b"/>
-          <a:lstStyle>
-            <a:lvl1pPr marL="0" indent="0">
-              <a:buNone/>
-              <a:defRPr sz="2400" b="1"/>
-            </a:lvl1pPr>
-            <a:lvl2pPr marL="457200" indent="0">
-              <a:buNone/>
-              <a:defRPr sz="2000" b="1"/>
-            </a:lvl2pPr>
-            <a:lvl3pPr marL="914400" indent="0">
-              <a:buNone/>
-              <a:defRPr sz="1800" b="1"/>
-            </a:lvl3pPr>
-            <a:lvl4pPr marL="1371600" indent="0">
-              <a:buNone/>
-              <a:defRPr sz="1600" b="1"/>
-            </a:lvl4pPr>
-            <a:lvl5pPr marL="1828800" indent="0">
-              <a:buNone/>
-              <a:defRPr sz="1600" b="1"/>
-            </a:lvl5pPr>
-            <a:lvl6pPr marL="2286000" indent="0">
-              <a:buNone/>
-              <a:defRPr sz="1600" b="1"/>
-            </a:lvl6pPr>
-            <a:lvl7pPr marL="2743200" indent="0">
-              <a:buNone/>
-              <a:defRPr sz="1600" b="1"/>
-            </a:lvl7pPr>
-            <a:lvl8pPr marL="3200400" indent="0">
-              <a:buNone/>
-              <a:defRPr sz="1600" b="1"/>
-            </a:lvl8pPr>
-            <a:lvl9pPr marL="3657600" indent="0">
-              <a:buNone/>
-              <a:defRPr sz="1600" b="1"/>
-            </a:lvl9pPr>
-          </a:lstStyle>
-          <a:p>
-            <a:pPr lvl="0"/>
-            <a:r>
-              <a:rPr lang="en-US" smtClean="0"/>
-              <a:t>Click to edit Master text styles</a:t>
-            </a:r>
-          </a:p>
-        </p:txBody>
-      </p:sp>
-      <p:sp>
-        <p:nvSpPr>
-          <p:cNvPr id="6" name="Content Placeholder 5"/>
-          <p:cNvSpPr>
-            <a:spLocks noGrp="1"/>
-          </p:cNvSpPr>
-          <p:nvPr>
-            <p:ph sz="quarter" idx="4"/>
-          </p:nvPr>
-        </p:nvSpPr>
-        <p:spPr>
-          <a:xfrm>
-            <a:off x="6172200" y="2505075"/>
-            <a:ext cx="5183717" cy="3684588"/>
-          </a:xfrm>
-        </p:spPr>
-        <p:txBody>
-          <a:bodyPr/>
-          <a:lstStyle/>
-          <a:p>
-            <a:pPr lvl="0"/>
-            <a:r>
-              <a:rPr lang="en-US" smtClean="0"/>
-              <a:t>Click to edit Master text styles</a:t>
-            </a:r>
-          </a:p>
-          <a:p>
-            <a:pPr lvl="1"/>
-            <a:r>
-              <a:rPr lang="en-US" smtClean="0"/>
-              <a:t>Second level</a:t>
-            </a:r>
-          </a:p>
-          <a:p>
-            <a:pPr lvl="2"/>
-            <a:r>
-              <a:rPr lang="en-US" smtClean="0"/>
-              <a:t>Third level</a:t>
-            </a:r>
-          </a:p>
-          <a:p>
-            <a:pPr lvl="3"/>
-            <a:r>
-              <a:rPr lang="en-US" smtClean="0"/>
-              <a:t>Fourth level</a:t>
-            </a:r>
-          </a:p>
-          <a:p>
-            <a:pPr lvl="4"/>
-            <a:r>
-              <a:rPr lang="en-US" smtClean="0"/>
-              <a:t>Fifth level</a:t>
-            </a:r>
-            <a:endParaRPr lang="en-GB"/>
-          </a:p>
-        </p:txBody>
-      </p:sp>
-      <p:sp>
-        <p:nvSpPr>
-          <p:cNvPr id="7" name="Rectangle 4"/>
-          <p:cNvSpPr>
-            <a:spLocks noGrp="1" noChangeArrowheads="1"/>
-          </p:cNvSpPr>
-          <p:nvPr>
-            <p:ph type="dt" sz="half" idx="10"/>
-          </p:nvPr>
-        </p:nvSpPr>
-        <p:spPr>
-          <a:ln/>
-        </p:spPr>
-        <p:txBody>
-          <a:bodyPr/>
-          <a:lstStyle>
-            <a:lvl1pPr>
-              <a:defRPr/>
-            </a:lvl1pPr>
-          </a:lstStyle>
-          <a:p>
-            <a:pPr>
-              <a:defRPr/>
-            </a:pPr>
-            <a:endParaRPr lang="en-US" altLang="en-US"/>
-          </a:p>
-        </p:txBody>
-      </p:sp>
-      <p:sp>
-        <p:nvSpPr>
-          <p:cNvPr id="8" name="Rectangle 5"/>
-          <p:cNvSpPr>
-            <a:spLocks noGrp="1" noChangeArrowheads="1"/>
-          </p:cNvSpPr>
-          <p:nvPr>
-            <p:ph type="ftr" sz="quarter" idx="11"/>
-          </p:nvPr>
-        </p:nvSpPr>
-        <p:spPr>
-          <a:ln/>
-        </p:spPr>
-        <p:txBody>
-          <a:bodyPr/>
-          <a:lstStyle>
-            <a:lvl1pPr>
-              <a:defRPr/>
-            </a:lvl1pPr>
-          </a:lstStyle>
-          <a:p>
-            <a:pPr>
-              <a:defRPr/>
-            </a:pPr>
-            <a:endParaRPr lang="en-US" altLang="en-US"/>
-          </a:p>
-        </p:txBody>
-      </p:sp>
-      <p:sp>
-        <p:nvSpPr>
-          <p:cNvPr id="9" name="Rectangle 6"/>
-          <p:cNvSpPr>
-            <a:spLocks noGrp="1" noChangeArrowheads="1"/>
-          </p:cNvSpPr>
-          <p:nvPr>
-            <p:ph type="sldNum" sz="quarter" idx="12"/>
-          </p:nvPr>
-        </p:nvSpPr>
-        <p:spPr>
-          <a:ln/>
-        </p:spPr>
-        <p:txBody>
-          <a:bodyPr/>
-          <a:lstStyle>
-            <a:lvl1pPr>
-              <a:defRPr/>
-            </a:lvl1pPr>
-          </a:lstStyle>
-          <a:p>
-            <a:pPr>
-              <a:defRPr/>
-            </a:pPr>
-            <a:fld id="{9BC75788-4A84-4057-9FB4-D9F39D02A615}" type="slidenum">
-              <a:rPr lang="en-US" altLang="en-US"/>
-              <a:pPr>
-                <a:defRPr/>
-              </a:pPr>
-              <a:t>‹nº›</a:t>
-            </a:fld>
-            <a:endParaRPr lang="en-US" altLang="en-US"/>
-          </a:p>
-        </p:txBody>
-      </p:sp>
-    </p:spTree>
-    <p:extLst>
-      <p:ext uri="{BB962C8B-B14F-4D97-AF65-F5344CB8AC3E}">
-        <p14:creationId xmlns:p14="http://schemas.microsoft.com/office/powerpoint/2010/main" val="3451409337"/>
-      </p:ext>
-    </p:extLst>
-  </p:cSld>
-  <p:clrMapOvr>
-    <a:masterClrMapping/>
-  </p:clrMapOvr>
-</p:sldLayout>
-</file>
-
-<file path=ppt/slideLayouts/slideLayout9.xml><?xml version="1.0" encoding="utf-8"?>
-<p:sldLayout xmlns:a="http://schemas.openxmlformats.org/drawingml/2006/main" xmlns:r="http://schemas.openxmlformats.org/officeDocument/2006/relationships" xmlns:p="http://schemas.openxmlformats.org/presentationml/2006/main" type="titleOnly" preserve="1">
-  <p:cSld name="Title Only">
-    <p:spTree>
-      <p:nvGrpSpPr>
-        <p:cNvPr id="1" name=""/>
-        <p:cNvGrpSpPr/>
-        <p:nvPr/>
-      </p:nvGrpSpPr>
-      <p:grpSpPr>
-        <a:xfrm>
-          <a:off x="0" y="0"/>
-          <a:ext cx="0" cy="0"/>
-          <a:chOff x="0" y="0"/>
-          <a:chExt cx="0" cy="0"/>
-        </a:xfrm>
-      </p:grpSpPr>
-      <p:sp>
-        <p:nvSpPr>
-          <p:cNvPr id="2" name="Title 1"/>
-          <p:cNvSpPr>
-            <a:spLocks noGrp="1"/>
-          </p:cNvSpPr>
-          <p:nvPr>
-            <p:ph type="title"/>
-          </p:nvPr>
-        </p:nvSpPr>
-        <p:spPr/>
-        <p:txBody>
-          <a:bodyPr/>
-          <a:lstStyle/>
-          <a:p>
-            <a:r>
-              <a:rPr lang="en-US" smtClean="0"/>
-              <a:t>Click to edit Master title style</a:t>
-            </a:r>
-            <a:endParaRPr lang="en-GB"/>
-          </a:p>
-        </p:txBody>
-      </p:sp>
-      <p:sp>
-        <p:nvSpPr>
-          <p:cNvPr id="3" name="Rectangle 4"/>
-          <p:cNvSpPr>
-            <a:spLocks noGrp="1" noChangeArrowheads="1"/>
-          </p:cNvSpPr>
-          <p:nvPr>
-            <p:ph type="dt" sz="half" idx="10"/>
-          </p:nvPr>
-        </p:nvSpPr>
-        <p:spPr>
-          <a:ln/>
-        </p:spPr>
-        <p:txBody>
-          <a:bodyPr/>
-          <a:lstStyle>
-            <a:lvl1pPr>
-              <a:defRPr/>
-            </a:lvl1pPr>
-          </a:lstStyle>
-          <a:p>
-            <a:pPr>
-              <a:defRPr/>
-            </a:pPr>
-            <a:endParaRPr lang="en-US" altLang="en-US"/>
-          </a:p>
-        </p:txBody>
-      </p:sp>
-      <p:sp>
-        <p:nvSpPr>
-          <p:cNvPr id="4" name="Rectangle 5"/>
-          <p:cNvSpPr>
-            <a:spLocks noGrp="1" noChangeArrowheads="1"/>
-          </p:cNvSpPr>
-          <p:nvPr>
-            <p:ph type="ftr" sz="quarter" idx="11"/>
-          </p:nvPr>
-        </p:nvSpPr>
-        <p:spPr>
-          <a:ln/>
-        </p:spPr>
-        <p:txBody>
-          <a:bodyPr/>
-          <a:lstStyle>
-            <a:lvl1pPr>
-              <a:defRPr/>
-            </a:lvl1pPr>
-          </a:lstStyle>
-          <a:p>
-            <a:pPr>
-              <a:defRPr/>
-            </a:pPr>
-            <a:endParaRPr lang="en-US" altLang="en-US"/>
-          </a:p>
-        </p:txBody>
-      </p:sp>
-      <p:sp>
-        <p:nvSpPr>
-          <p:cNvPr id="5" name="Rectangle 6"/>
-          <p:cNvSpPr>
-            <a:spLocks noGrp="1" noChangeArrowheads="1"/>
-          </p:cNvSpPr>
-          <p:nvPr>
-            <p:ph type="sldNum" sz="quarter" idx="12"/>
-          </p:nvPr>
-        </p:nvSpPr>
-        <p:spPr>
-          <a:ln/>
-        </p:spPr>
-        <p:txBody>
-          <a:bodyPr/>
-          <a:lstStyle>
-            <a:lvl1pPr>
-              <a:defRPr/>
-            </a:lvl1pPr>
-          </a:lstStyle>
-          <a:p>
-            <a:pPr>
-              <a:defRPr/>
-            </a:pPr>
-            <a:fld id="{695A8DAC-66ED-4C85-B624-2173B82090F2}" type="slidenum">
-              <a:rPr lang="en-US" altLang="en-US"/>
-              <a:pPr>
-                <a:defRPr/>
-              </a:pPr>
-              <a:t>‹nº›</a:t>
-            </a:fld>
-            <a:endParaRPr lang="en-US" altLang="en-US"/>
-          </a:p>
-        </p:txBody>
-      </p:sp>
-    </p:spTree>
-    <p:extLst>
-      <p:ext uri="{BB962C8B-B14F-4D97-AF65-F5344CB8AC3E}">
-        <p14:creationId xmlns:p14="http://schemas.microsoft.com/office/powerpoint/2010/main" val="911935221"/>
-      </p:ext>
-    </p:extLst>
-  </p:cSld>
-  <p:clrMapOvr>
-    <a:masterClrMapping/>
-  </p:clrMapOvr>
-</p:sldLayout>
-</file>
-
 <file path=ppt/slideMasters/slideMaster1.xml><?xml version="1.0" encoding="utf-8"?>
-<p:sldMaster xmlns:a="http://schemas.openxmlformats.org/drawingml/2006/main" xmlns:r="http://schemas.openxmlformats.org/officeDocument/2006/relationships" xmlns:p="http://schemas.openxmlformats.org/presentationml/2006/main">
-  <p:cSld>
-    <p:bg>
-      <p:bgRef idx="1001">
-        <a:schemeClr val="bg1"/>
-      </p:bgRef>
-    </p:bg>
-    <p:spTree>
-      <p:nvGrpSpPr>
-        <p:cNvPr id="1" name=""/>
-        <p:cNvGrpSpPr/>
-        <p:nvPr/>
-      </p:nvGrpSpPr>
-      <p:grpSpPr>
-        <a:xfrm>
-          <a:off x="0" y="0"/>
-          <a:ext cx="0" cy="0"/>
-          <a:chOff x="0" y="0"/>
-          <a:chExt cx="0" cy="0"/>
-        </a:xfrm>
-      </p:grpSpPr>
-      <p:sp>
-        <p:nvSpPr>
-          <p:cNvPr id="2" name="Espaço Reservado para Título 1"/>
-          <p:cNvSpPr>
-            <a:spLocks noGrp="1"/>
-          </p:cNvSpPr>
-          <p:nvPr>
-            <p:ph type="title"/>
-          </p:nvPr>
-        </p:nvSpPr>
-        <p:spPr>
-          <a:xfrm>
-            <a:off x="838200" y="365125"/>
-            <a:ext cx="10515600" cy="1325563"/>
-          </a:xfrm>
-          <a:prstGeom prst="rect">
-            <a:avLst/>
-          </a:prstGeom>
-        </p:spPr>
-        <p:txBody>
-          <a:bodyPr vert="horz" lIns="91440" tIns="45720" rIns="91440" bIns="45720" rtlCol="0" anchor="ctr">
-            <a:normAutofit/>
-          </a:bodyPr>
-          <a:lstStyle/>
-          <a:p>
-            <a:r>
-              <a:rPr lang="pt-BR" smtClean="0"/>
-              <a:t>Clique para editar o título mestre</a:t>
-            </a:r>
-            <a:endParaRPr lang="pt-BR"/>
-          </a:p>
-        </p:txBody>
-      </p:sp>
-      <p:sp>
-        <p:nvSpPr>
-          <p:cNvPr id="3" name="Espaço Reservado para Texto 2"/>
-          <p:cNvSpPr>
-            <a:spLocks noGrp="1"/>
-          </p:cNvSpPr>
-          <p:nvPr>
-            <p:ph type="body" idx="1"/>
-          </p:nvPr>
-        </p:nvSpPr>
-        <p:spPr>
-          <a:xfrm>
-            <a:off x="838200" y="1825625"/>
-            <a:ext cx="10515600" cy="4351338"/>
-          </a:xfrm>
-          <a:prstGeom prst="rect">
-            <a:avLst/>
-          </a:prstGeom>
-        </p:spPr>
-        <p:txBody>
-          <a:bodyPr vert="horz" lIns="91440" tIns="45720" rIns="91440" bIns="45720" rtlCol="0">
-            <a:normAutofit/>
-          </a:bodyPr>
-          <a:lstStyle/>
-          <a:p>
-            <a:pPr lvl="0"/>
-            <a:r>
-              <a:rPr lang="pt-BR" smtClean="0"/>
-              <a:t>Editar estilos de texto Mestre</a:t>
-            </a:r>
-          </a:p>
-          <a:p>
-            <a:pPr lvl="1"/>
-            <a:r>
-              <a:rPr lang="pt-BR" smtClean="0"/>
-              <a:t>Segundo nível</a:t>
-            </a:r>
-          </a:p>
-          <a:p>
-            <a:pPr lvl="2"/>
-            <a:r>
-              <a:rPr lang="pt-BR" smtClean="0"/>
-              <a:t>Terceiro nível</a:t>
-            </a:r>
-          </a:p>
-          <a:p>
-            <a:pPr lvl="3"/>
-            <a:r>
-              <a:rPr lang="pt-BR" smtClean="0"/>
-              <a:t>Quarto nível</a:t>
-            </a:r>
-          </a:p>
-          <a:p>
-            <a:pPr lvl="4"/>
-            <a:r>
-              <a:rPr lang="pt-BR" smtClean="0"/>
-              <a:t>Quinto nível</a:t>
-            </a:r>
-            <a:endParaRPr lang="pt-BR"/>
-          </a:p>
-        </p:txBody>
-      </p:sp>
-      <p:sp>
-        <p:nvSpPr>
-          <p:cNvPr id="4" name="Espaço Reservado para Data 3"/>
-          <p:cNvSpPr>
-            <a:spLocks noGrp="1"/>
-          </p:cNvSpPr>
-          <p:nvPr>
-            <p:ph type="dt" sz="half" idx="2"/>
-          </p:nvPr>
-        </p:nvSpPr>
-        <p:spPr>
-          <a:xfrm>
-            <a:off x="838200" y="6356350"/>
-            <a:ext cx="2743200" cy="365125"/>
-          </a:xfrm>
-          <a:prstGeom prst="rect">
-            <a:avLst/>
-          </a:prstGeom>
-        </p:spPr>
-        <p:txBody>
-          <a:bodyPr vert="horz" lIns="91440" tIns="45720" rIns="91440" bIns="45720" rtlCol="0" anchor="ctr"/>
-          <a:lstStyle>
-            <a:lvl1pPr algn="l">
-              <a:defRPr sz="1200">
-                <a:solidFill>
-                  <a:schemeClr val="tx1">
-                    <a:tint val="75000"/>
-                  </a:schemeClr>
-                </a:solidFill>
-              </a:defRPr>
-            </a:lvl1pPr>
-          </a:lstStyle>
-          <a:p>
-            <a:fld id="{D93F3B81-8E2D-4AC2-95C8-8566A11C3BEF}" type="datetimeFigureOut">
-              <a:rPr lang="pt-BR" smtClean="0"/>
-              <a:t>08/02/2016</a:t>
-            </a:fld>
-            <a:endParaRPr lang="pt-BR"/>
-          </a:p>
-        </p:txBody>
-      </p:sp>
-      <p:sp>
-        <p:nvSpPr>
-          <p:cNvPr id="5" name="Espaço Reservado para Rodapé 4"/>
-          <p:cNvSpPr>
-            <a:spLocks noGrp="1"/>
-          </p:cNvSpPr>
-          <p:nvPr>
-            <p:ph type="ftr" sz="quarter" idx="3"/>
-          </p:nvPr>
-        </p:nvSpPr>
-        <p:spPr>
-          <a:xfrm>
-            <a:off x="4038600" y="6356350"/>
-            <a:ext cx="4114800" cy="365125"/>
-          </a:xfrm>
-          <a:prstGeom prst="rect">
-            <a:avLst/>
-          </a:prstGeom>
-        </p:spPr>
-        <p:txBody>
-          <a:bodyPr vert="horz" lIns="91440" tIns="45720" rIns="91440" bIns="45720" rtlCol="0" anchor="ctr"/>
-          <a:lstStyle>
-            <a:lvl1pPr algn="ctr">
-              <a:defRPr sz="1200">
-                <a:solidFill>
-                  <a:schemeClr val="tx1">
-                    <a:tint val="75000"/>
-                  </a:schemeClr>
-                </a:solidFill>
-              </a:defRPr>
-            </a:lvl1pPr>
-          </a:lstStyle>
-          <a:p>
-            <a:endParaRPr lang="pt-BR"/>
-          </a:p>
-        </p:txBody>
-      </p:sp>
-      <p:sp>
-        <p:nvSpPr>
-          <p:cNvPr id="6" name="Espaço Reservado para Número de Slide 5"/>
-          <p:cNvSpPr>
-            <a:spLocks noGrp="1"/>
-          </p:cNvSpPr>
-          <p:nvPr>
-            <p:ph type="sldNum" sz="quarter" idx="4"/>
-          </p:nvPr>
-        </p:nvSpPr>
-        <p:spPr>
-          <a:xfrm>
-            <a:off x="8610600" y="6356350"/>
-            <a:ext cx="2743200" cy="365125"/>
-          </a:xfrm>
-          <a:prstGeom prst="rect">
-            <a:avLst/>
-          </a:prstGeom>
-        </p:spPr>
-        <p:txBody>
-          <a:bodyPr vert="horz" lIns="91440" tIns="45720" rIns="91440" bIns="45720" rtlCol="0" anchor="ctr"/>
-          <a:lstStyle>
-            <a:lvl1pPr algn="r">
-              <a:defRPr sz="1200">
-                <a:solidFill>
-                  <a:schemeClr val="tx1">
-                    <a:tint val="75000"/>
-                  </a:schemeClr>
-                </a:solidFill>
-              </a:defRPr>
-            </a:lvl1pPr>
-          </a:lstStyle>
-          <a:p>
-            <a:fld id="{01501243-B93D-449E-B503-2E36AA8905BB}" type="slidenum">
-              <a:rPr lang="pt-BR" smtClean="0"/>
-              <a:t>‹nº›</a:t>
-            </a:fld>
-            <a:endParaRPr lang="pt-BR"/>
-          </a:p>
-        </p:txBody>
-      </p:sp>
-    </p:spTree>
-    <p:extLst>
-      <p:ext uri="{BB962C8B-B14F-4D97-AF65-F5344CB8AC3E}">
-        <p14:creationId xmlns:p14="http://schemas.microsoft.com/office/powerpoint/2010/main" val="4006022285"/>
-      </p:ext>
-    </p:extLst>
-  </p:cSld>
-  <p:clrMap bg1="lt1" tx1="dk1" bg2="lt2" tx2="dk2" accent1="accent1" accent2="accent2" accent3="accent3" accent4="accent4" accent5="accent5" accent6="accent6" hlink="hlink" folHlink="folHlink"/>
-  <p:sldLayoutIdLst>
-    <p:sldLayoutId id="2147483733" r:id="rId1"/>
-    <p:sldLayoutId id="2147483734" r:id="rId2"/>
-    <p:sldLayoutId id="2147483739" r:id="rId3"/>
-  </p:sldLayoutIdLst>
-  <p:txStyles>
-    <p:titleStyle>
-      <a:lvl1pPr algn="l" defTabSz="914400" rtl="0" eaLnBrk="1" latinLnBrk="0" hangingPunct="1">
-        <a:lnSpc>
-          <a:spcPct val="90000"/>
-        </a:lnSpc>
-        <a:spcBef>
-          <a:spcPct val="0"/>
-        </a:spcBef>
-        <a:buNone/>
-        <a:defRPr sz="4400" kern="1200">
-          <a:solidFill>
-            <a:schemeClr val="tx1"/>
-          </a:solidFill>
-          <a:latin typeface="+mj-lt"/>
-          <a:ea typeface="+mj-ea"/>
-          <a:cs typeface="+mj-cs"/>
-        </a:defRPr>
-      </a:lvl1pPr>
-    </p:titleStyle>
-    <p:bodyStyle>
-      <a:lvl1pPr marL="228600" indent="-228600" algn="l" defTabSz="914400" rtl="0" eaLnBrk="1" latinLnBrk="0" hangingPunct="1">
-        <a:lnSpc>
-          <a:spcPct val="90000"/>
-        </a:lnSpc>
-        <a:spcBef>
-          <a:spcPts val="1000"/>
-        </a:spcBef>
-        <a:buFont typeface="Arial" panose="020B0604020202020204" pitchFamily="34" charset="0"/>
-        <a:buChar char="•"/>
-        <a:defRPr sz="2800" kern="1200">
-          <a:solidFill>
-            <a:schemeClr val="tx1"/>
-          </a:solidFill>
-          <a:latin typeface="+mn-lt"/>
-          <a:ea typeface="+mn-ea"/>
-          <a:cs typeface="+mn-cs"/>
-        </a:defRPr>
-      </a:lvl1pPr>
-      <a:lvl2pPr marL="685800" indent="-228600" algn="l" defTabSz="914400" rtl="0" eaLnBrk="1" latinLnBrk="0" hangingPunct="1">
-        <a:lnSpc>
-          <a:spcPct val="90000"/>
-        </a:lnSpc>
-        <a:spcBef>
-          <a:spcPts val="500"/>
-        </a:spcBef>
-        <a:buFont typeface="Arial" panose="020B0604020202020204" pitchFamily="34" charset="0"/>
-        <a:buChar char="•"/>
-        <a:defRPr sz="2400" kern="1200">
-          <a:solidFill>
-            <a:schemeClr val="tx1"/>
-          </a:solidFill>
-          <a:latin typeface="+mn-lt"/>
-          <a:ea typeface="+mn-ea"/>
-          <a:cs typeface="+mn-cs"/>
-        </a:defRPr>
-      </a:lvl2pPr>
-      <a:lvl3pPr marL="1143000" indent="-228600" algn="l" defTabSz="914400" rtl="0" eaLnBrk="1" latinLnBrk="0" hangingPunct="1">
-        <a:lnSpc>
-          <a:spcPct val="90000"/>
-        </a:lnSpc>
-        <a:spcBef>
-          <a:spcPts val="500"/>
-        </a:spcBef>
-        <a:buFont typeface="Arial" panose="020B0604020202020204" pitchFamily="34" charset="0"/>
-        <a:buChar char="•"/>
-        <a:defRPr sz="2000" kern="1200">
-          <a:solidFill>
-            <a:schemeClr val="tx1"/>
-          </a:solidFill>
-          <a:latin typeface="+mn-lt"/>
-          <a:ea typeface="+mn-ea"/>
-          <a:cs typeface="+mn-cs"/>
-        </a:defRPr>
-      </a:lvl3pPr>
-      <a:lvl4pPr marL="1600200" indent="-228600" algn="l" defTabSz="914400" rtl="0" eaLnBrk="1" latinLnBrk="0" hangingPunct="1">
-        <a:lnSpc>
-          <a:spcPct val="90000"/>
-        </a:lnSpc>
-        <a:spcBef>
-          <a:spcPts val="500"/>
-        </a:spcBef>
-        <a:buFont typeface="Arial" panose="020B0604020202020204" pitchFamily="34" charset="0"/>
-        <a:buChar char="•"/>
-        <a:defRPr sz="1800" kern="1200">
-          <a:solidFill>
-            <a:schemeClr val="tx1"/>
-          </a:solidFill>
-          <a:latin typeface="+mn-lt"/>
-          <a:ea typeface="+mn-ea"/>
-          <a:cs typeface="+mn-cs"/>
-        </a:defRPr>
-      </a:lvl4pPr>
-      <a:lvl5pPr marL="2057400" indent="-228600" algn="l" defTabSz="914400" rtl="0" eaLnBrk="1" latinLnBrk="0" hangingPunct="1">
-        <a:lnSpc>
-          <a:spcPct val="90000"/>
-        </a:lnSpc>
-        <a:spcBef>
-          <a:spcPts val="500"/>
-        </a:spcBef>
-        <a:buFont typeface="Arial" panose="020B0604020202020204" pitchFamily="34" charset="0"/>
-        <a:buChar char="•"/>
-        <a:defRPr sz="1800" kern="1200">
-          <a:solidFill>
-            <a:schemeClr val="tx1"/>
-          </a:solidFill>
-          <a:latin typeface="+mn-lt"/>
-          <a:ea typeface="+mn-ea"/>
-          <a:cs typeface="+mn-cs"/>
-        </a:defRPr>
-      </a:lvl5pPr>
-      <a:lvl6pPr marL="2514600" indent="-228600" algn="l" defTabSz="914400" rtl="0" eaLnBrk="1" latinLnBrk="0" hangingPunct="1">
-        <a:lnSpc>
-          <a:spcPct val="90000"/>
-        </a:lnSpc>
-        <a:spcBef>
-          <a:spcPts val="500"/>
-        </a:spcBef>
-        <a:buFont typeface="Arial" panose="020B0604020202020204" pitchFamily="34" charset="0"/>
-        <a:buChar char="•"/>
-        <a:defRPr sz="1800" kern="1200">
-          <a:solidFill>
-            <a:schemeClr val="tx1"/>
-          </a:solidFill>
-          <a:latin typeface="+mn-lt"/>
-          <a:ea typeface="+mn-ea"/>
-          <a:cs typeface="+mn-cs"/>
-        </a:defRPr>
-      </a:lvl6pPr>
-      <a:lvl7pPr marL="2971800" indent="-228600" algn="l" defTabSz="914400" rtl="0" eaLnBrk="1" latinLnBrk="0" hangingPunct="1">
-        <a:lnSpc>
-          <a:spcPct val="90000"/>
-        </a:lnSpc>
-        <a:spcBef>
-          <a:spcPts val="500"/>
-        </a:spcBef>
-        <a:buFont typeface="Arial" panose="020B0604020202020204" pitchFamily="34" charset="0"/>
-        <a:buChar char="•"/>
-        <a:defRPr sz="1800" kern="1200">
-          <a:solidFill>
-            <a:schemeClr val="tx1"/>
-          </a:solidFill>
-          <a:latin typeface="+mn-lt"/>
-          <a:ea typeface="+mn-ea"/>
-          <a:cs typeface="+mn-cs"/>
-        </a:defRPr>
-      </a:lvl7pPr>
-      <a:lvl8pPr marL="3429000" indent="-228600" algn="l" defTabSz="914400" rtl="0" eaLnBrk="1" latinLnBrk="0" hangingPunct="1">
-        <a:lnSpc>
-          <a:spcPct val="90000"/>
-        </a:lnSpc>
-        <a:spcBef>
-          <a:spcPts val="500"/>
-        </a:spcBef>
-        <a:buFont typeface="Arial" panose="020B0604020202020204" pitchFamily="34" charset="0"/>
-        <a:buChar char="•"/>
-        <a:defRPr sz="1800" kern="1200">
-          <a:solidFill>
-            <a:schemeClr val="tx1"/>
-          </a:solidFill>
-          <a:latin typeface="+mn-lt"/>
-          <a:ea typeface="+mn-ea"/>
-          <a:cs typeface="+mn-cs"/>
-        </a:defRPr>
-      </a:lvl8pPr>
-      <a:lvl9pPr marL="3886200" indent="-228600" algn="l" defTabSz="914400" rtl="0" eaLnBrk="1" latinLnBrk="0" hangingPunct="1">
-        <a:lnSpc>
-          <a:spcPct val="90000"/>
-        </a:lnSpc>
-        <a:spcBef>
-          <a:spcPts val="500"/>
-        </a:spcBef>
-        <a:buFont typeface="Arial" panose="020B0604020202020204" pitchFamily="34" charset="0"/>
-        <a:buChar char="•"/>
-        <a:defRPr sz="1800" kern="1200">
-          <a:solidFill>
-            <a:schemeClr val="tx1"/>
-          </a:solidFill>
-          <a:latin typeface="+mn-lt"/>
-          <a:ea typeface="+mn-ea"/>
-          <a:cs typeface="+mn-cs"/>
-        </a:defRPr>
-      </a:lvl9pPr>
-    </p:bodyStyle>
-    <p:otherStyle>
-      <a:defPPr>
-        <a:defRPr lang="pt-BR"/>
-      </a:defPPr>
-      <a:lvl1pPr marL="0" algn="l" defTabSz="914400" rtl="0" eaLnBrk="1" latinLnBrk="0" hangingPunct="1">
-        <a:defRPr sz="1800" kern="1200">
-          <a:solidFill>
-            <a:schemeClr val="tx1"/>
-          </a:solidFill>
-          <a:latin typeface="+mn-lt"/>
-          <a:ea typeface="+mn-ea"/>
-          <a:cs typeface="+mn-cs"/>
-        </a:defRPr>
-      </a:lvl1pPr>
-      <a:lvl2pPr marL="457200" algn="l" defTabSz="914400" rtl="0" eaLnBrk="1" latinLnBrk="0" hangingPunct="1">
-        <a:defRPr sz="1800" kern="1200">
-          <a:solidFill>
-            <a:schemeClr val="tx1"/>
-          </a:solidFill>
-          <a:latin typeface="+mn-lt"/>
-          <a:ea typeface="+mn-ea"/>
-          <a:cs typeface="+mn-cs"/>
-        </a:defRPr>
-      </a:lvl2pPr>
-      <a:lvl3pPr marL="914400" algn="l" defTabSz="914400" rtl="0" eaLnBrk="1" latinLnBrk="0" hangingPunct="1">
-        <a:defRPr sz="1800" kern="1200">
-          <a:solidFill>
-            <a:schemeClr val="tx1"/>
-          </a:solidFill>
-          <a:latin typeface="+mn-lt"/>
-          <a:ea typeface="+mn-ea"/>
-          <a:cs typeface="+mn-cs"/>
-        </a:defRPr>
-      </a:lvl3pPr>
-      <a:lvl4pPr marL="1371600" algn="l" defTabSz="914400" rtl="0" eaLnBrk="1" latinLnBrk="0" hangingPunct="1">
-        <a:defRPr sz="1800" kern="1200">
-          <a:solidFill>
-            <a:schemeClr val="tx1"/>
-          </a:solidFill>
-          <a:latin typeface="+mn-lt"/>
-          <a:ea typeface="+mn-ea"/>
-          <a:cs typeface="+mn-cs"/>
-        </a:defRPr>
-      </a:lvl4pPr>
-      <a:lvl5pPr marL="1828800" algn="l" defTabSz="914400" rtl="0" eaLnBrk="1" latinLnBrk="0" hangingPunct="1">
-        <a:defRPr sz="1800" kern="1200">
-          <a:solidFill>
-            <a:schemeClr val="tx1"/>
-          </a:solidFill>
-          <a:latin typeface="+mn-lt"/>
-          <a:ea typeface="+mn-ea"/>
-          <a:cs typeface="+mn-cs"/>
-        </a:defRPr>
-      </a:lvl5pPr>
-      <a:lvl6pPr marL="2286000" algn="l" defTabSz="914400" rtl="0" eaLnBrk="1" latinLnBrk="0" hangingPunct="1">
-        <a:defRPr sz="1800" kern="1200">
-          <a:solidFill>
-            <a:schemeClr val="tx1"/>
-          </a:solidFill>
-          <a:latin typeface="+mn-lt"/>
-          <a:ea typeface="+mn-ea"/>
-          <a:cs typeface="+mn-cs"/>
-        </a:defRPr>
-      </a:lvl6pPr>
-      <a:lvl7pPr marL="2743200" algn="l" defTabSz="914400" rtl="0" eaLnBrk="1" latinLnBrk="0" hangingPunct="1">
-        <a:defRPr sz="1800" kern="1200">
-          <a:solidFill>
-            <a:schemeClr val="tx1"/>
-          </a:solidFill>
-          <a:latin typeface="+mn-lt"/>
-          <a:ea typeface="+mn-ea"/>
-          <a:cs typeface="+mn-cs"/>
-        </a:defRPr>
-      </a:lvl7pPr>
-      <a:lvl8pPr marL="3200400" algn="l" defTabSz="914400" rtl="0" eaLnBrk="1" latinLnBrk="0" hangingPunct="1">
-        <a:defRPr sz="1800" kern="1200">
-          <a:solidFill>
-            <a:schemeClr val="tx1"/>
-          </a:solidFill>
-          <a:latin typeface="+mn-lt"/>
-          <a:ea typeface="+mn-ea"/>
-          <a:cs typeface="+mn-cs"/>
-        </a:defRPr>
-      </a:lvl8pPr>
-      <a:lvl9pPr marL="3657600" algn="l" defTabSz="914400" rtl="0" eaLnBrk="1" latinLnBrk="0" hangingPunct="1">
-        <a:defRPr sz="1800" kern="1200">
-          <a:solidFill>
-            <a:schemeClr val="tx1"/>
-          </a:solidFill>
-          <a:latin typeface="+mn-lt"/>
-          <a:ea typeface="+mn-ea"/>
-          <a:cs typeface="+mn-cs"/>
-        </a:defRPr>
-      </a:lvl9pPr>
-    </p:otherStyle>
-  </p:txStyles>
-</p:sldMaster>
-</file>
-
-<file path=ppt/slideMasters/slideMaster2.xml><?xml version="1.0" encoding="utf-8"?>
 <p:sldMaster xmlns:a="http://schemas.openxmlformats.org/drawingml/2006/main" xmlns:r="http://schemas.openxmlformats.org/officeDocument/2006/relationships" xmlns:p="http://schemas.openxmlformats.org/presentationml/2006/main">
   <p:cSld>
     <p:bg>
@@ -9836,6 +8865,14 @@
 <file path=ppt/slides/slide1.xml><?xml version="1.0" encoding="utf-8"?>
 <p:sld xmlns:a="http://schemas.openxmlformats.org/drawingml/2006/main" xmlns:r="http://schemas.openxmlformats.org/officeDocument/2006/relationships" xmlns:p="http://schemas.openxmlformats.org/presentationml/2006/main">
   <p:cSld>
+    <p:bg>
+      <p:bgPr>
+        <a:solidFill>
+          <a:srgbClr val="5D5B60"/>
+        </a:solidFill>
+        <a:effectLst/>
+      </p:bgPr>
+    </p:bg>
     <p:spTree>
       <p:nvGrpSpPr>
         <p:cNvPr id="1" name=""/>
@@ -9852,62 +8889,43 @@
       </p:grpSpPr>
       <p:pic>
         <p:nvPicPr>
-          <p:cNvPr id="1026" name="Picture 2" descr="https://scontent-mia1-1.xx.fbcdn.net/hphotos-xlp1/t31.0-8/11057385_929222770526456_694643434077968816_o.jpg"/>
+          <p:cNvPr id="2" name="Imagem 1"/>
           <p:cNvPicPr>
-            <a:picLocks noChangeAspect="1" noChangeArrowheads="1"/>
+            <a:picLocks noChangeAspect="1"/>
           </p:cNvPicPr>
           <p:nvPr/>
         </p:nvPicPr>
-        <p:blipFill rotWithShape="1">
-          <a:blip r:embed="rId2">
-            <a:extLst>
-              <a:ext uri="{28A0092B-C50C-407E-A947-70E740481C1C}">
-                <a14:useLocalDpi xmlns:a14="http://schemas.microsoft.com/office/drawing/2010/main" val="0"/>
-              </a:ext>
-            </a:extLst>
-          </a:blip>
-          <a:srcRect l="17777" r="11035"/>
-          <a:stretch/>
+        <p:blipFill>
+          <a:blip r:embed="rId2"/>
+          <a:stretch>
+            <a:fillRect/>
+          </a:stretch>
         </p:blipFill>
-        <p:spPr bwMode="auto">
+        <p:spPr>
           <a:xfrm>
-            <a:off x="-57872" y="0"/>
-            <a:ext cx="12246016" cy="6858000"/>
+            <a:off x="0" y="0"/>
+            <a:ext cx="6858000" cy="6858000"/>
+          </a:xfrm>
+          <a:prstGeom prst="rect">
+            <a:avLst/>
+          </a:prstGeom>
+        </p:spPr>
+      </p:pic>
+      <p:sp>
+        <p:nvSpPr>
+          <p:cNvPr id="3" name="CaixaDeTexto 2"/>
+          <p:cNvSpPr txBox="1"/>
+          <p:nvPr/>
+        </p:nvSpPr>
+        <p:spPr>
+          <a:xfrm>
+            <a:off x="7366000" y="5626100"/>
+            <a:ext cx="4648200" cy="923330"/>
           </a:xfrm>
           <a:prstGeom prst="rect">
             <a:avLst/>
           </a:prstGeom>
           <a:noFill/>
-          <a:extLst>
-            <a:ext uri="{909E8E84-426E-40DD-AFC4-6F175D3DCCD1}">
-              <a14:hiddenFill xmlns:a14="http://schemas.microsoft.com/office/drawing/2010/main">
-                <a:solidFill>
-                  <a:srgbClr val="FFFFFF"/>
-                </a:solidFill>
-              </a14:hiddenFill>
-            </a:ext>
-          </a:extLst>
-        </p:spPr>
-      </p:pic>
-      <p:sp>
-        <p:nvSpPr>
-          <p:cNvPr id="4" name="CaixaDeTexto 3"/>
-          <p:cNvSpPr txBox="1"/>
-          <p:nvPr/>
-        </p:nvSpPr>
-        <p:spPr>
-          <a:xfrm>
-            <a:off x="-57871" y="0"/>
-            <a:ext cx="12249872" cy="1200329"/>
-          </a:xfrm>
-          <a:prstGeom prst="rect">
-            <a:avLst/>
-          </a:prstGeom>
-          <a:solidFill>
-            <a:schemeClr val="tx1">
-              <a:alpha val="50000"/>
-            </a:schemeClr>
-          </a:solidFill>
         </p:spPr>
         <p:txBody>
           <a:bodyPr wrap="square" rtlCol="0">
@@ -9915,84 +8933,19 @@
           </a:bodyPr>
           <a:lstStyle/>
           <a:p>
-            <a:pPr algn="r"/>
             <a:r>
-              <a:rPr lang="pt-BR" sz="4400" b="1" dirty="0" smtClean="0">
-                <a:solidFill>
-                  <a:schemeClr val="bg1"/>
-                </a:solidFill>
-                <a:latin typeface="Kozuka Gothic Pr6N L" panose="020B0200000000000000" pitchFamily="34" charset="-128"/>
-                <a:ea typeface="Kozuka Gothic Pr6N L" panose="020B0200000000000000" pitchFamily="34" charset="-128"/>
-                <a:cs typeface="Arial" panose="020B0604020202020204" pitchFamily="34" charset="0"/>
-              </a:rPr>
-              <a:t>Aceleradora de Pessoas</a:t>
+              <a:rPr lang="pt-BR" dirty="0" smtClean="0"/>
+              <a:t>Guilherme Silva</a:t>
             </a:r>
           </a:p>
           <a:p>
-            <a:pPr algn="r"/>
             <a:r>
-              <a:rPr lang="pt-BR" sz="2800" b="1" dirty="0" smtClean="0">
-                <a:solidFill>
-                  <a:schemeClr val="accent4"/>
-                </a:solidFill>
-                <a:latin typeface="Kozuka Gothic Pr6N L" panose="020B0200000000000000" pitchFamily="34" charset="-128"/>
-                <a:ea typeface="Kozuka Gothic Pr6N L" panose="020B0200000000000000" pitchFamily="34" charset="-128"/>
-                <a:cs typeface="Arial" panose="020B0604020202020204" pitchFamily="34" charset="0"/>
-              </a:rPr>
-              <a:t>1º </a:t>
+              <a:rPr lang="pt-BR" dirty="0" smtClean="0"/>
+              <a:t>Bruno Bittencourt</a:t>
             </a:r>
-            <a:r>
-              <a:rPr lang="pt-BR" sz="2800" b="1" dirty="0" err="1" smtClean="0">
-                <a:solidFill>
-                  <a:schemeClr val="accent4"/>
-                </a:solidFill>
-                <a:latin typeface="Kozuka Gothic Pr6N L" panose="020B0200000000000000" pitchFamily="34" charset="-128"/>
-                <a:ea typeface="Kozuka Gothic Pr6N L" panose="020B0200000000000000" pitchFamily="34" charset="-128"/>
-                <a:cs typeface="Arial" panose="020B0604020202020204" pitchFamily="34" charset="0"/>
-              </a:rPr>
-              <a:t>Hangout</a:t>
-            </a:r>
-            <a:r>
-              <a:rPr lang="pt-BR" sz="2800" b="1" dirty="0" smtClean="0">
-                <a:solidFill>
-                  <a:schemeClr val="accent4"/>
-                </a:solidFill>
-                <a:latin typeface="Kozuka Gothic Pr6N L" panose="020B0200000000000000" pitchFamily="34" charset="-128"/>
-                <a:ea typeface="Kozuka Gothic Pr6N L" panose="020B0200000000000000" pitchFamily="34" charset="-128"/>
-                <a:cs typeface="Arial" panose="020B0604020202020204" pitchFamily="34" charset="0"/>
-              </a:rPr>
-              <a:t> – 16 de </a:t>
-            </a:r>
-            <a:r>
-              <a:rPr lang="pt-BR" sz="2800" b="1" dirty="0" err="1" smtClean="0">
-                <a:solidFill>
-                  <a:schemeClr val="accent4"/>
-                </a:solidFill>
-                <a:latin typeface="Kozuka Gothic Pr6N L" panose="020B0200000000000000" pitchFamily="34" charset="-128"/>
-                <a:ea typeface="Kozuka Gothic Pr6N L" panose="020B0200000000000000" pitchFamily="34" charset="-128"/>
-                <a:cs typeface="Arial" panose="020B0604020202020204" pitchFamily="34" charset="0"/>
-              </a:rPr>
-              <a:t>fev</a:t>
-            </a:r>
-            <a:r>
-              <a:rPr lang="pt-BR" sz="2800" b="1" dirty="0" smtClean="0">
-                <a:solidFill>
-                  <a:schemeClr val="accent4"/>
-                </a:solidFill>
-                <a:latin typeface="Kozuka Gothic Pr6N L" panose="020B0200000000000000" pitchFamily="34" charset="-128"/>
-                <a:ea typeface="Kozuka Gothic Pr6N L" panose="020B0200000000000000" pitchFamily="34" charset="-128"/>
-                <a:cs typeface="Arial" panose="020B0604020202020204" pitchFamily="34" charset="0"/>
-              </a:rPr>
-              <a:t> de 2016</a:t>
-            </a:r>
-            <a:endParaRPr lang="pt-BR" b="1" dirty="0">
-              <a:solidFill>
-                <a:schemeClr val="accent4"/>
-              </a:solidFill>
-              <a:latin typeface="Kozuka Gothic Pr6N L" panose="020B0200000000000000" pitchFamily="34" charset="-128"/>
-              <a:ea typeface="Kozuka Gothic Pr6N L" panose="020B0200000000000000" pitchFamily="34" charset="-128"/>
-              <a:cs typeface="Arial" panose="020B0604020202020204" pitchFamily="34" charset="0"/>
-            </a:endParaRPr>
+          </a:p>
+          <a:p>
+            <a:endParaRPr lang="pt-BR" dirty="0"/>
           </a:p>
         </p:txBody>
       </p:sp>
@@ -10034,7 +8987,7 @@
         </p:nvSpPr>
         <p:spPr>
           <a:xfrm>
-            <a:off x="1449805" y="1702597"/>
+            <a:off x="1106905" y="1359697"/>
             <a:ext cx="1713053" cy="1620455"/>
           </a:xfrm>
           <a:prstGeom prst="ellipse">
@@ -10078,7 +9031,7 @@
         </p:nvSpPr>
         <p:spPr>
           <a:xfrm>
-            <a:off x="5447004" y="2639407"/>
+            <a:off x="5408904" y="2652107"/>
             <a:ext cx="1713053" cy="1620455"/>
           </a:xfrm>
           <a:prstGeom prst="ellipse">
@@ -10138,16 +9091,14 @@
           </a:prstGeom>
         </p:spPr>
         <p:style>
-          <a:lnRef idx="2">
-            <a:schemeClr val="accent1">
-              <a:shade val="50000"/>
-            </a:schemeClr>
+          <a:lnRef idx="0">
+            <a:schemeClr val="accent2"/>
           </a:lnRef>
-          <a:fillRef idx="1003">
-            <a:schemeClr val="lt2"/>
+          <a:fillRef idx="3">
+            <a:schemeClr val="accent2"/>
           </a:fillRef>
-          <a:effectRef idx="0">
-            <a:schemeClr val="accent1"/>
+          <a:effectRef idx="3">
+            <a:schemeClr val="accent2"/>
           </a:effectRef>
           <a:fontRef idx="minor">
             <a:schemeClr val="lt1"/>
@@ -10161,14 +9112,14 @@
             <a:r>
               <a:rPr lang="pt-BR" sz="8800" dirty="0" smtClean="0">
                 <a:solidFill>
-                  <a:schemeClr val="bg1"/>
+                  <a:schemeClr val="tx1"/>
                 </a:solidFill>
               </a:rPr>
               <a:t>3</a:t>
             </a:r>
             <a:endParaRPr lang="pt-BR" sz="8800" dirty="0">
               <a:solidFill>
-                <a:schemeClr val="bg1"/>
+                <a:schemeClr val="tx1"/>
               </a:solidFill>
             </a:endParaRPr>
           </a:p>
@@ -10182,7 +9133,7 @@
         </p:nvSpPr>
         <p:spPr>
           <a:xfrm>
-            <a:off x="631267" y="3632727"/>
+            <a:off x="97867" y="3251727"/>
             <a:ext cx="3865944" cy="1384995"/>
           </a:xfrm>
           <a:prstGeom prst="rect">
@@ -10275,36 +9226,6 @@
       </p:sp>
       <p:sp>
         <p:nvSpPr>
-          <p:cNvPr id="7" name="CaixaDeTexto 6"/>
-          <p:cNvSpPr txBox="1"/>
-          <p:nvPr/>
-        </p:nvSpPr>
-        <p:spPr>
-          <a:xfrm>
-            <a:off x="562708" y="6447692"/>
-            <a:ext cx="2271071" cy="369332"/>
-          </a:xfrm>
-          <a:prstGeom prst="rect">
-            <a:avLst/>
-          </a:prstGeom>
-          <a:noFill/>
-        </p:spPr>
-        <p:txBody>
-          <a:bodyPr wrap="none" rtlCol="0">
-            <a:spAutoFit/>
-          </a:bodyPr>
-          <a:lstStyle/>
-          <a:p>
-            <a:r>
-              <a:rPr lang="pt-BR" dirty="0" smtClean="0"/>
-              <a:t>Aceleradora de Pessoas</a:t>
-            </a:r>
-            <a:endParaRPr lang="pt-BR" dirty="0"/>
-          </a:p>
-        </p:txBody>
-      </p:sp>
-      <p:sp>
-        <p:nvSpPr>
           <p:cNvPr id="11" name="CaixaDeTexto 10"/>
           <p:cNvSpPr txBox="1"/>
           <p:nvPr/>
@@ -10312,7 +9233,7 @@
         <p:spPr>
           <a:xfrm>
             <a:off x="-57871" y="0"/>
-            <a:ext cx="12249872" cy="1200329"/>
+            <a:ext cx="12249872" cy="769441"/>
           </a:xfrm>
           <a:prstGeom prst="rect">
             <a:avLst/>
@@ -10329,7 +9250,6 @@
           </a:bodyPr>
           <a:lstStyle/>
           <a:p>
-            <a:pPr algn="r"/>
             <a:r>
               <a:rPr lang="pt-BR" sz="4400" b="1" dirty="0" smtClean="0">
                 <a:solidFill>
@@ -10339,13 +9259,54 @@
                 <a:ea typeface="Kozuka Gothic Pr6N L" panose="020B0200000000000000" pitchFamily="34" charset="-128"/>
                 <a:cs typeface="Arial" panose="020B0604020202020204" pitchFamily="34" charset="0"/>
               </a:rPr>
-              <a:t>Aceleradora de Pessoas</a:t>
+              <a:t>Aceleradora de </a:t>
             </a:r>
-          </a:p>
+            <a:r>
+              <a:rPr lang="pt-BR" sz="4400" b="1" dirty="0" smtClean="0">
+                <a:solidFill>
+                  <a:schemeClr val="bg1"/>
+                </a:solidFill>
+                <a:latin typeface="Kozuka Gothic Pr6N L" panose="020B0200000000000000" pitchFamily="34" charset="-128"/>
+                <a:ea typeface="Kozuka Gothic Pr6N L" panose="020B0200000000000000" pitchFamily="34" charset="-128"/>
+                <a:cs typeface="Arial" panose="020B0604020202020204" pitchFamily="34" charset="0"/>
+              </a:rPr>
+              <a:t>Pessoas</a:t>
+            </a:r>
+            <a:endParaRPr lang="pt-BR" sz="4400" b="1" dirty="0" smtClean="0">
+              <a:solidFill>
+                <a:schemeClr val="bg1"/>
+              </a:solidFill>
+              <a:latin typeface="Kozuka Gothic Pr6N L" panose="020B0200000000000000" pitchFamily="34" charset="-128"/>
+              <a:ea typeface="Kozuka Gothic Pr6N L" panose="020B0200000000000000" pitchFamily="34" charset="-128"/>
+              <a:cs typeface="Arial" panose="020B0604020202020204" pitchFamily="34" charset="0"/>
+            </a:endParaRPr>
+          </a:p>
+        </p:txBody>
+      </p:sp>
+      <p:sp>
+        <p:nvSpPr>
+          <p:cNvPr id="4" name="Retângulo 3"/>
+          <p:cNvSpPr/>
+          <p:nvPr/>
+        </p:nvSpPr>
+        <p:spPr>
+          <a:xfrm>
+            <a:off x="8501772" y="215168"/>
+            <a:ext cx="3595856" cy="369332"/>
+          </a:xfrm>
+          <a:prstGeom prst="rect">
+            <a:avLst/>
+          </a:prstGeom>
+        </p:spPr>
+        <p:txBody>
+          <a:bodyPr wrap="none">
+            <a:spAutoFit/>
+          </a:bodyPr>
+          <a:lstStyle/>
           <a:p>
             <a:pPr algn="r"/>
             <a:r>
-              <a:rPr lang="pt-BR" sz="2800" b="1" dirty="0" smtClean="0">
+              <a:rPr lang="pt-BR" b="1" dirty="0">
                 <a:solidFill>
                   <a:schemeClr val="accent4"/>
                 </a:solidFill>
@@ -10356,7 +9317,7 @@
               <a:t>1º </a:t>
             </a:r>
             <a:r>
-              <a:rPr lang="pt-BR" sz="2800" b="1" dirty="0" err="1" smtClean="0">
+              <a:rPr lang="pt-BR" b="1" dirty="0" err="1">
                 <a:solidFill>
                   <a:schemeClr val="accent4"/>
                 </a:solidFill>
@@ -10367,7 +9328,7 @@
               <a:t>Hangout</a:t>
             </a:r>
             <a:r>
-              <a:rPr lang="pt-BR" sz="2800" b="1" dirty="0" smtClean="0">
+              <a:rPr lang="pt-BR" b="1" dirty="0">
                 <a:solidFill>
                   <a:schemeClr val="accent4"/>
                 </a:solidFill>
@@ -10378,7 +9339,7 @@
               <a:t> – 16 de </a:t>
             </a:r>
             <a:r>
-              <a:rPr lang="pt-BR" sz="2800" b="1" dirty="0" err="1" smtClean="0">
+              <a:rPr lang="pt-BR" b="1" dirty="0" err="1">
                 <a:solidFill>
                   <a:schemeClr val="accent4"/>
                 </a:solidFill>
@@ -10389,7 +9350,7 @@
               <a:t>fev</a:t>
             </a:r>
             <a:r>
-              <a:rPr lang="pt-BR" sz="2800" b="1" dirty="0" smtClean="0">
+              <a:rPr lang="pt-BR" b="1" dirty="0">
                 <a:solidFill>
                   <a:schemeClr val="accent4"/>
                 </a:solidFill>
@@ -13624,14 +12585,14 @@
           <p:nvPr>
             <p:extLst>
               <p:ext uri="{D42A27DB-BD31-4B8C-83A1-F6EECF244321}">
-                <p14:modId xmlns:p14="http://schemas.microsoft.com/office/powerpoint/2010/main" val="126534828"/>
+                <p14:modId xmlns:p14="http://schemas.microsoft.com/office/powerpoint/2010/main" val="2979196730"/>
               </p:ext>
             </p:extLst>
           </p:nvPr>
         </p:nvGraphicFramePr>
         <p:xfrm>
-          <a:off x="2452145" y="938217"/>
-          <a:ext cx="9163290" cy="6308203"/>
+          <a:off x="1883501" y="951291"/>
+          <a:ext cx="9731655" cy="6768727"/>
         </p:xfrm>
         <a:graphic>
           <a:graphicData uri="http://schemas.openxmlformats.org/drawingml/2006/diagram">
@@ -13653,267 +12614,6 @@
 </file>
 
 <file path=ppt/theme/theme1.xml><?xml version="1.0" encoding="utf-8"?>
-<a:theme xmlns:a="http://schemas.openxmlformats.org/drawingml/2006/main" name="Tema do Office">
-  <a:themeElements>
-    <a:clrScheme name="Office">
-      <a:dk1>
-        <a:sysClr val="windowText" lastClr="000000"/>
-      </a:dk1>
-      <a:lt1>
-        <a:sysClr val="window" lastClr="FFFFFF"/>
-      </a:lt1>
-      <a:dk2>
-        <a:srgbClr val="44546A"/>
-      </a:dk2>
-      <a:lt2>
-        <a:srgbClr val="E7E6E6"/>
-      </a:lt2>
-      <a:accent1>
-        <a:srgbClr val="5B9BD5"/>
-      </a:accent1>
-      <a:accent2>
-        <a:srgbClr val="ED7D31"/>
-      </a:accent2>
-      <a:accent3>
-        <a:srgbClr val="A5A5A5"/>
-      </a:accent3>
-      <a:accent4>
-        <a:srgbClr val="FFC000"/>
-      </a:accent4>
-      <a:accent5>
-        <a:srgbClr val="4472C4"/>
-      </a:accent5>
-      <a:accent6>
-        <a:srgbClr val="70AD47"/>
-      </a:accent6>
-      <a:hlink>
-        <a:srgbClr val="0563C1"/>
-      </a:hlink>
-      <a:folHlink>
-        <a:srgbClr val="954F72"/>
-      </a:folHlink>
-    </a:clrScheme>
-    <a:fontScheme name="Office">
-      <a:majorFont>
-        <a:latin typeface="Calibri Light" panose="020F0302020204030204"/>
-        <a:ea typeface=""/>
-        <a:cs typeface=""/>
-        <a:font script="Jpan" typeface="游ゴシック Light"/>
-        <a:font script="Hang" typeface="맑은 고딕"/>
-        <a:font script="Hans" typeface="等线 Light"/>
-        <a:font script="Hant" typeface="新細明體"/>
-        <a:font script="Arab" typeface="Times New Roman"/>
-        <a:font script="Hebr" typeface="Times New Roman"/>
-        <a:font script="Thai" typeface="Angsana New"/>
-        <a:font script="Ethi" typeface="Nyala"/>
-        <a:font script="Beng" typeface="Vrinda"/>
-        <a:font script="Gujr" typeface="Shruti"/>
-        <a:font script="Khmr" typeface="MoolBoran"/>
-        <a:font script="Knda" typeface="Tunga"/>
-        <a:font script="Guru" typeface="Raavi"/>
-        <a:font script="Cans" typeface="Euphemia"/>
-        <a:font script="Cher" typeface="Plantagenet Cherokee"/>
-        <a:font script="Yiii" typeface="Microsoft Yi Baiti"/>
-        <a:font script="Tibt" typeface="Microsoft Himalaya"/>
-        <a:font script="Thaa" typeface="MV Boli"/>
-        <a:font script="Deva" typeface="Mangal"/>
-        <a:font script="Telu" typeface="Gautami"/>
-        <a:font script="Taml" typeface="Latha"/>
-        <a:font script="Syrc" typeface="Estrangelo Edessa"/>
-        <a:font script="Orya" typeface="Kalinga"/>
-        <a:font script="Mlym" typeface="Kartika"/>
-        <a:font script="Laoo" typeface="DokChampa"/>
-        <a:font script="Sinh" typeface="Iskoola Pota"/>
-        <a:font script="Mong" typeface="Mongolian Baiti"/>
-        <a:font script="Viet" typeface="Times New Roman"/>
-        <a:font script="Uigh" typeface="Microsoft Uighur"/>
-        <a:font script="Geor" typeface="Sylfaen"/>
-      </a:majorFont>
-      <a:minorFont>
-        <a:latin typeface="Calibri" panose="020F0502020204030204"/>
-        <a:ea typeface=""/>
-        <a:cs typeface=""/>
-        <a:font script="Jpan" typeface="游ゴシック"/>
-        <a:font script="Hang" typeface="맑은 고딕"/>
-        <a:font script="Hans" typeface="等线"/>
-        <a:font script="Hant" typeface="新細明體"/>
-        <a:font script="Arab" typeface="Arial"/>
-        <a:font script="Hebr" typeface="Arial"/>
-        <a:font script="Thai" typeface="Cordia New"/>
-        <a:font script="Ethi" typeface="Nyala"/>
-        <a:font script="Beng" typeface="Vrinda"/>
-        <a:font script="Gujr" typeface="Shruti"/>
-        <a:font script="Khmr" typeface="DaunPenh"/>
-        <a:font script="Knda" typeface="Tunga"/>
-        <a:font script="Guru" typeface="Raavi"/>
-        <a:font script="Cans" typeface="Euphemia"/>
-        <a:font script="Cher" typeface="Plantagenet Cherokee"/>
-        <a:font script="Yiii" typeface="Microsoft Yi Baiti"/>
-        <a:font script="Tibt" typeface="Microsoft Himalaya"/>
-        <a:font script="Thaa" typeface="MV Boli"/>
-        <a:font script="Deva" typeface="Mangal"/>
-        <a:font script="Telu" typeface="Gautami"/>
-        <a:font script="Taml" typeface="Latha"/>
-        <a:font script="Syrc" typeface="Estrangelo Edessa"/>
-        <a:font script="Orya" typeface="Kalinga"/>
-        <a:font script="Mlym" typeface="Kartika"/>
-        <a:font script="Laoo" typeface="DokChampa"/>
-        <a:font script="Sinh" typeface="Iskoola Pota"/>
-        <a:font script="Mong" typeface="Mongolian Baiti"/>
-        <a:font script="Viet" typeface="Arial"/>
-        <a:font script="Uigh" typeface="Microsoft Uighur"/>
-        <a:font script="Geor" typeface="Sylfaen"/>
-      </a:minorFont>
-    </a:fontScheme>
-    <a:fmtScheme name="Office">
-      <a:fillStyleLst>
-        <a:solidFill>
-          <a:schemeClr val="phClr"/>
-        </a:solidFill>
-        <a:gradFill rotWithShape="1">
-          <a:gsLst>
-            <a:gs pos="0">
-              <a:schemeClr val="phClr">
-                <a:lumMod val="110000"/>
-                <a:satMod val="105000"/>
-                <a:tint val="67000"/>
-              </a:schemeClr>
-            </a:gs>
-            <a:gs pos="50000">
-              <a:schemeClr val="phClr">
-                <a:lumMod val="105000"/>
-                <a:satMod val="103000"/>
-                <a:tint val="73000"/>
-              </a:schemeClr>
-            </a:gs>
-            <a:gs pos="100000">
-              <a:schemeClr val="phClr">
-                <a:lumMod val="105000"/>
-                <a:satMod val="109000"/>
-                <a:tint val="81000"/>
-              </a:schemeClr>
-            </a:gs>
-          </a:gsLst>
-          <a:lin ang="5400000" scaled="0"/>
-        </a:gradFill>
-        <a:gradFill rotWithShape="1">
-          <a:gsLst>
-            <a:gs pos="0">
-              <a:schemeClr val="phClr">
-                <a:satMod val="103000"/>
-                <a:lumMod val="102000"/>
-                <a:tint val="94000"/>
-              </a:schemeClr>
-            </a:gs>
-            <a:gs pos="50000">
-              <a:schemeClr val="phClr">
-                <a:satMod val="110000"/>
-                <a:lumMod val="100000"/>
-                <a:shade val="100000"/>
-              </a:schemeClr>
-            </a:gs>
-            <a:gs pos="100000">
-              <a:schemeClr val="phClr">
-                <a:lumMod val="99000"/>
-                <a:satMod val="120000"/>
-                <a:shade val="78000"/>
-              </a:schemeClr>
-            </a:gs>
-          </a:gsLst>
-          <a:lin ang="5400000" scaled="0"/>
-        </a:gradFill>
-      </a:fillStyleLst>
-      <a:lnStyleLst>
-        <a:ln w="6350" cap="flat" cmpd="sng" algn="ctr">
-          <a:solidFill>
-            <a:schemeClr val="phClr"/>
-          </a:solidFill>
-          <a:prstDash val="solid"/>
-          <a:miter lim="800000"/>
-        </a:ln>
-        <a:ln w="12700" cap="flat" cmpd="sng" algn="ctr">
-          <a:solidFill>
-            <a:schemeClr val="phClr"/>
-          </a:solidFill>
-          <a:prstDash val="solid"/>
-          <a:miter lim="800000"/>
-        </a:ln>
-        <a:ln w="19050" cap="flat" cmpd="sng" algn="ctr">
-          <a:solidFill>
-            <a:schemeClr val="phClr"/>
-          </a:solidFill>
-          <a:prstDash val="solid"/>
-          <a:miter lim="800000"/>
-        </a:ln>
-      </a:lnStyleLst>
-      <a:effectStyleLst>
-        <a:effectStyle>
-          <a:effectLst/>
-        </a:effectStyle>
-        <a:effectStyle>
-          <a:effectLst/>
-        </a:effectStyle>
-        <a:effectStyle>
-          <a:effectLst>
-            <a:outerShdw blurRad="57150" dist="19050" dir="5400000" algn="ctr" rotWithShape="0">
-              <a:srgbClr val="000000">
-                <a:alpha val="63000"/>
-              </a:srgbClr>
-            </a:outerShdw>
-          </a:effectLst>
-        </a:effectStyle>
-      </a:effectStyleLst>
-      <a:bgFillStyleLst>
-        <a:solidFill>
-          <a:schemeClr val="phClr"/>
-        </a:solidFill>
-        <a:solidFill>
-          <a:schemeClr val="phClr">
-            <a:tint val="95000"/>
-            <a:satMod val="170000"/>
-          </a:schemeClr>
-        </a:solidFill>
-        <a:gradFill rotWithShape="1">
-          <a:gsLst>
-            <a:gs pos="0">
-              <a:schemeClr val="phClr">
-                <a:tint val="93000"/>
-                <a:satMod val="150000"/>
-                <a:shade val="98000"/>
-                <a:lumMod val="102000"/>
-              </a:schemeClr>
-            </a:gs>
-            <a:gs pos="50000">
-              <a:schemeClr val="phClr">
-                <a:tint val="98000"/>
-                <a:satMod val="130000"/>
-                <a:shade val="90000"/>
-                <a:lumMod val="103000"/>
-              </a:schemeClr>
-            </a:gs>
-            <a:gs pos="100000">
-              <a:schemeClr val="phClr">
-                <a:shade val="63000"/>
-                <a:satMod val="120000"/>
-              </a:schemeClr>
-            </a:gs>
-          </a:gsLst>
-          <a:lin ang="5400000" scaled="0"/>
-        </a:gradFill>
-      </a:bgFillStyleLst>
-    </a:fmtScheme>
-  </a:themeElements>
-  <a:objectDefaults/>
-  <a:extraClrSchemeLst/>
-  <a:extLst>
-    <a:ext uri="{05A4C25C-085E-4340-85A3-A5531E510DB2}">
-      <thm15:themeFamily xmlns:thm15="http://schemas.microsoft.com/office/thememl/2012/main" name="Office Theme" id="{62F939B6-93AF-4DB8-9C6B-D6C7DFDC589F}" vid="{4A3C46E8-61CC-4603-A589-7422A47A8E4A}"/>
-    </a:ext>
-  </a:extLst>
-</a:theme>
-</file>
-
-<file path=ppt/theme/theme2.xml><?xml version="1.0" encoding="utf-8"?>
 <a:theme xmlns:a="http://schemas.openxmlformats.org/drawingml/2006/main" name="Default Design">
   <a:themeElements>
     <a:clrScheme name="">
@@ -14771,7 +13471,7 @@
 </a:theme>
 </file>
 
-<file path=ppt/theme/theme3.xml><?xml version="1.0" encoding="utf-8"?>
+<file path=ppt/theme/theme2.xml><?xml version="1.0" encoding="utf-8"?>
 <a:theme xmlns:a="http://schemas.openxmlformats.org/drawingml/2006/main" name="Tema do Office">
   <a:themeElements>
     <a:clrScheme name="Office">

--- a/Institucional.pptx
+++ b/Institucional.pptx
@@ -3,18 +3,21 @@
 <p:presentation xmlns:a="http://schemas.openxmlformats.org/drawingml/2006/main" xmlns:r="http://schemas.openxmlformats.org/officeDocument/2006/relationships" xmlns:p="http://schemas.openxmlformats.org/presentationml/2006/main" saveSubsetFonts="1">
   <p:sldMasterIdLst>
     <p:sldMasterId id="2147483748" r:id="rId1"/>
+    <p:sldMasterId id="2147483762" r:id="rId2"/>
   </p:sldMasterIdLst>
   <p:notesMasterIdLst>
-    <p:notesMasterId r:id="rId9"/>
+    <p:notesMasterId r:id="rId12"/>
   </p:notesMasterIdLst>
   <p:sldIdLst>
-    <p:sldId id="256" r:id="rId2"/>
-    <p:sldId id="257" r:id="rId3"/>
-    <p:sldId id="265" r:id="rId4"/>
-    <p:sldId id="266" r:id="rId5"/>
-    <p:sldId id="267" r:id="rId6"/>
-    <p:sldId id="268" r:id="rId7"/>
-    <p:sldId id="271" r:id="rId8"/>
+    <p:sldId id="256" r:id="rId3"/>
+    <p:sldId id="257" r:id="rId4"/>
+    <p:sldId id="265" r:id="rId5"/>
+    <p:sldId id="266" r:id="rId6"/>
+    <p:sldId id="267" r:id="rId7"/>
+    <p:sldId id="268" r:id="rId8"/>
+    <p:sldId id="271" r:id="rId9"/>
+    <p:sldId id="272" r:id="rId10"/>
+    <p:sldId id="273" r:id="rId11"/>
   </p:sldIdLst>
   <p:sldSz cx="12192000" cy="6858000"/>
   <p:notesSz cx="6858000" cy="9144000"/>
@@ -115,22 +118,35 @@
   </p:defaultTextStyle>
   <p:extLst>
     <p:ext uri="{EFAFB233-063F-42B5-8137-9DF3F51BA10A}">
-      <p15:sldGuideLst xmlns:p15="http://schemas.microsoft.com/office/powerpoint/2012/main"/>
+      <p15:sldGuideLst xmlns:p15="http://schemas.microsoft.com/office/powerpoint/2012/main" xmlns=""/>
     </p:ext>
   </p:extLst>
 </p:presentation>
 </file>
 
 <file path=ppt/diagrams/colors1.xml><?xml version="1.0" encoding="utf-8"?>
-<dgm:colorsDef xmlns:dgm="http://schemas.openxmlformats.org/drawingml/2006/diagram" xmlns:a="http://schemas.openxmlformats.org/drawingml/2006/main" uniqueId="urn:microsoft.com/office/officeart/2005/8/colors/accent1_2">
+<dgm:colorsDef xmlns:dgm="http://schemas.openxmlformats.org/drawingml/2006/diagram" xmlns:a="http://schemas.openxmlformats.org/drawingml/2006/main" uniqueId="urn:microsoft.com/office/officeart/2005/8/colors/colorful5">
   <dgm:title val=""/>
   <dgm:desc val=""/>
   <dgm:catLst>
-    <dgm:cat type="accent1" pri="11200"/>
+    <dgm:cat type="colorful" pri="10500"/>
   </dgm:catLst>
   <dgm:styleLbl name="node0">
     <dgm:fillClrLst meth="repeat">
-      <a:schemeClr val="accent1"/>
+      <a:schemeClr val="accent4"/>
+    </dgm:fillClrLst>
+    <dgm:linClrLst meth="repeat">
+      <a:schemeClr val="lt1"/>
+    </dgm:linClrLst>
+    <dgm:effectClrLst/>
+    <dgm:txLinClrLst/>
+    <dgm:txFillClrLst/>
+    <dgm:txEffectClrLst/>
+  </dgm:styleLbl>
+  <dgm:styleLbl name="node1">
+    <dgm:fillClrLst>
+      <a:schemeClr val="accent5"/>
+      <a:schemeClr val="accent6"/>
     </dgm:fillClrLst>
     <dgm:linClrLst meth="repeat">
       <a:schemeClr val="lt1"/>
@@ -141,23 +157,13 @@
     <dgm:txEffectClrLst/>
   </dgm:styleLbl>
   <dgm:styleLbl name="alignNode1">
-    <dgm:fillClrLst meth="repeat">
-      <a:schemeClr val="accent1"/>
+    <dgm:fillClrLst>
+      <a:schemeClr val="accent5"/>
+      <a:schemeClr val="accent6"/>
     </dgm:fillClrLst>
-    <dgm:linClrLst meth="repeat">
-      <a:schemeClr val="accent1"/>
-    </dgm:linClrLst>
-    <dgm:effectClrLst/>
-    <dgm:txLinClrLst/>
-    <dgm:txFillClrLst/>
-    <dgm:txEffectClrLst/>
-  </dgm:styleLbl>
-  <dgm:styleLbl name="node1">
-    <dgm:fillClrLst meth="repeat">
-      <a:schemeClr val="accent1"/>
-    </dgm:fillClrLst>
-    <dgm:linClrLst meth="repeat">
-      <a:schemeClr val="lt1"/>
+    <dgm:linClrLst>
+      <a:schemeClr val="accent5"/>
+      <a:schemeClr val="accent6"/>
     </dgm:linClrLst>
     <dgm:effectClrLst/>
     <dgm:txLinClrLst/>
@@ -165,8 +171,9 @@
     <dgm:txEffectClrLst/>
   </dgm:styleLbl>
   <dgm:styleLbl name="lnNode1">
-    <dgm:fillClrLst meth="repeat">
-      <a:schemeClr val="accent1"/>
+    <dgm:fillClrLst>
+      <a:schemeClr val="accent5"/>
+      <a:schemeClr val="accent6"/>
     </dgm:fillClrLst>
     <dgm:linClrLst meth="repeat">
       <a:schemeClr val="lt1"/>
@@ -177,8 +184,11 @@
     <dgm:txEffectClrLst/>
   </dgm:styleLbl>
   <dgm:styleLbl name="vennNode1">
-    <dgm:fillClrLst meth="repeat">
-      <a:schemeClr val="accent1">
+    <dgm:fillClrLst>
+      <a:schemeClr val="accent5">
+        <a:alpha val="50000"/>
+      </a:schemeClr>
+      <a:schemeClr val="accent6">
         <a:alpha val="50000"/>
       </a:schemeClr>
     </dgm:fillClrLst>
@@ -191,8 +201,8 @@
     <dgm:txEffectClrLst/>
   </dgm:styleLbl>
   <dgm:styleLbl name="node2">
-    <dgm:fillClrLst meth="repeat">
-      <a:schemeClr val="accent1"/>
+    <dgm:fillClrLst>
+      <a:schemeClr val="accent6"/>
     </dgm:fillClrLst>
     <dgm:linClrLst meth="repeat">
       <a:schemeClr val="lt1"/>
@@ -203,7 +213,7 @@
     <dgm:txEffectClrLst/>
   </dgm:styleLbl>
   <dgm:styleLbl name="node3">
-    <dgm:fillClrLst meth="repeat">
+    <dgm:fillClrLst>
       <a:schemeClr val="accent1"/>
     </dgm:fillClrLst>
     <dgm:linClrLst meth="repeat">
@@ -215,8 +225,8 @@
     <dgm:txEffectClrLst/>
   </dgm:styleLbl>
   <dgm:styleLbl name="node4">
-    <dgm:fillClrLst meth="repeat">
-      <a:schemeClr val="accent1"/>
+    <dgm:fillClrLst>
+      <a:schemeClr val="accent2"/>
     </dgm:fillClrLst>
     <dgm:linClrLst meth="repeat">
       <a:schemeClr val="lt1"/>
@@ -227,8 +237,11 @@
     <dgm:txEffectClrLst/>
   </dgm:styleLbl>
   <dgm:styleLbl name="fgImgPlace1">
-    <dgm:fillClrLst meth="repeat">
-      <a:schemeClr val="accent1">
+    <dgm:fillClrLst>
+      <a:schemeClr val="accent5">
+        <a:tint val="50000"/>
+      </a:schemeClr>
+      <a:schemeClr val="accent6">
         <a:tint val="50000"/>
       </a:schemeClr>
     </dgm:fillClrLst>
@@ -243,9 +256,12 @@
     <dgm:txEffectClrLst/>
   </dgm:styleLbl>
   <dgm:styleLbl name="alignImgPlace1">
-    <dgm:fillClrLst meth="repeat">
-      <a:schemeClr val="accent1">
+    <dgm:fillClrLst>
+      <a:schemeClr val="accent5">
         <a:tint val="50000"/>
+      </a:schemeClr>
+      <a:schemeClr val="accent6">
+        <a:tint val="20000"/>
       </a:schemeClr>
     </dgm:fillClrLst>
     <dgm:linClrLst meth="repeat">
@@ -259,9 +275,12 @@
     <dgm:txEffectClrLst/>
   </dgm:styleLbl>
   <dgm:styleLbl name="bgImgPlace1">
-    <dgm:fillClrLst meth="repeat">
-      <a:schemeClr val="accent1">
+    <dgm:fillClrLst>
+      <a:schemeClr val="accent5">
         <a:tint val="50000"/>
+      </a:schemeClr>
+      <a:schemeClr val="accent6">
+        <a:tint val="20000"/>
       </a:schemeClr>
     </dgm:fillClrLst>
     <dgm:linClrLst meth="repeat">
@@ -275,15 +294,12 @@
     <dgm:txEffectClrLst/>
   </dgm:styleLbl>
   <dgm:styleLbl name="sibTrans2D1">
-    <dgm:fillClrLst meth="repeat">
-      <a:schemeClr val="accent1">
-        <a:tint val="60000"/>
-      </a:schemeClr>
+    <dgm:fillClrLst>
+      <a:schemeClr val="accent5"/>
+      <a:schemeClr val="accent6"/>
     </dgm:fillClrLst>
     <dgm:linClrLst meth="repeat">
-      <a:schemeClr val="accent1">
-        <a:tint val="60000"/>
-      </a:schemeClr>
+      <a:schemeClr val="lt1"/>
     </dgm:linClrLst>
     <dgm:effectClrLst/>
     <dgm:txLinClrLst/>
@@ -291,43 +307,40 @@
     <dgm:txEffectClrLst/>
   </dgm:styleLbl>
   <dgm:styleLbl name="fgSibTrans2D1">
-    <dgm:fillClrLst meth="repeat">
-      <a:schemeClr val="accent1">
-        <a:tint val="60000"/>
-      </a:schemeClr>
+    <dgm:fillClrLst>
+      <a:schemeClr val="accent5"/>
+      <a:schemeClr val="accent6"/>
     </dgm:fillClrLst>
     <dgm:linClrLst meth="repeat">
-      <a:schemeClr val="accent1">
-        <a:tint val="60000"/>
-      </a:schemeClr>
+      <a:schemeClr val="lt1"/>
     </dgm:linClrLst>
     <dgm:effectClrLst/>
     <dgm:txLinClrLst/>
-    <dgm:txFillClrLst/>
+    <dgm:txFillClrLst meth="repeat">
+      <a:schemeClr val="lt1"/>
+    </dgm:txFillClrLst>
     <dgm:txEffectClrLst/>
   </dgm:styleLbl>
   <dgm:styleLbl name="bgSibTrans2D1">
-    <dgm:fillClrLst meth="repeat">
-      <a:schemeClr val="accent1">
-        <a:tint val="60000"/>
-      </a:schemeClr>
+    <dgm:fillClrLst>
+      <a:schemeClr val="accent5"/>
+      <a:schemeClr val="accent6"/>
     </dgm:fillClrLst>
     <dgm:linClrLst meth="repeat">
-      <a:schemeClr val="accent1">
-        <a:tint val="60000"/>
-      </a:schemeClr>
+      <a:schemeClr val="lt1"/>
     </dgm:linClrLst>
     <dgm:effectClrLst/>
     <dgm:txLinClrLst/>
-    <dgm:txFillClrLst/>
+    <dgm:txFillClrLst meth="repeat">
+      <a:schemeClr val="lt1"/>
+    </dgm:txFillClrLst>
     <dgm:txEffectClrLst/>
   </dgm:styleLbl>
   <dgm:styleLbl name="sibTrans1D1">
-    <dgm:fillClrLst meth="repeat">
-      <a:schemeClr val="accent1"/>
-    </dgm:fillClrLst>
-    <dgm:linClrLst meth="repeat">
-      <a:schemeClr val="accent1"/>
+    <dgm:fillClrLst/>
+    <dgm:linClrLst>
+      <a:schemeClr val="accent5"/>
+      <a:schemeClr val="accent6"/>
     </dgm:linClrLst>
     <dgm:effectClrLst/>
     <dgm:txLinClrLst/>
@@ -338,10 +351,10 @@
   </dgm:styleLbl>
   <dgm:styleLbl name="callout">
     <dgm:fillClrLst meth="repeat">
-      <a:schemeClr val="accent1"/>
+      <a:schemeClr val="accent5"/>
     </dgm:fillClrLst>
     <dgm:linClrLst meth="repeat">
-      <a:schemeClr val="accent1">
+      <a:schemeClr val="accent5">
         <a:tint val="50000"/>
       </a:schemeClr>
     </dgm:linClrLst>
@@ -354,10 +367,12 @@
   </dgm:styleLbl>
   <dgm:styleLbl name="asst0">
     <dgm:fillClrLst meth="repeat">
-      <a:schemeClr val="accent1"/>
+      <a:schemeClr val="accent5"/>
     </dgm:fillClrLst>
     <dgm:linClrLst meth="repeat">
-      <a:schemeClr val="lt1"/>
+      <a:schemeClr val="lt1">
+        <a:shade val="80000"/>
+      </a:schemeClr>
     </dgm:linClrLst>
     <dgm:effectClrLst/>
     <dgm:txLinClrLst/>
@@ -366,10 +381,12 @@
   </dgm:styleLbl>
   <dgm:styleLbl name="asst1">
     <dgm:fillClrLst meth="repeat">
-      <a:schemeClr val="accent1"/>
+      <a:schemeClr val="accent6"/>
     </dgm:fillClrLst>
     <dgm:linClrLst meth="repeat">
-      <a:schemeClr val="lt1"/>
+      <a:schemeClr val="lt1">
+        <a:shade val="80000"/>
+      </a:schemeClr>
     </dgm:linClrLst>
     <dgm:effectClrLst/>
     <dgm:txLinClrLst/>
@@ -377,7 +394,7 @@
     <dgm:txEffectClrLst/>
   </dgm:styleLbl>
   <dgm:styleLbl name="asst2">
-    <dgm:fillClrLst meth="repeat">
+    <dgm:fillClrLst>
       <a:schemeClr val="accent1"/>
     </dgm:fillClrLst>
     <dgm:linClrLst meth="repeat">
@@ -389,8 +406,8 @@
     <dgm:txEffectClrLst/>
   </dgm:styleLbl>
   <dgm:styleLbl name="asst3">
-    <dgm:fillClrLst meth="repeat">
-      <a:schemeClr val="accent1"/>
+    <dgm:fillClrLst>
+      <a:schemeClr val="accent2"/>
     </dgm:fillClrLst>
     <dgm:linClrLst meth="repeat">
       <a:schemeClr val="lt1"/>
@@ -401,8 +418,8 @@
     <dgm:txEffectClrLst/>
   </dgm:styleLbl>
   <dgm:styleLbl name="asst4">
-    <dgm:fillClrLst meth="repeat">
-      <a:schemeClr val="accent1"/>
+    <dgm:fillClrLst>
+      <a:schemeClr val="accent3"/>
     </dgm:fillClrLst>
     <dgm:linClrLst meth="repeat">
       <a:schemeClr val="lt1"/>
@@ -414,14 +431,10 @@
   </dgm:styleLbl>
   <dgm:styleLbl name="parChTrans2D1">
     <dgm:fillClrLst meth="repeat">
-      <a:schemeClr val="accent1">
-        <a:tint val="60000"/>
-      </a:schemeClr>
+      <a:schemeClr val="accent5"/>
     </dgm:fillClrLst>
     <dgm:linClrLst meth="repeat">
-      <a:schemeClr val="accent1">
-        <a:tint val="60000"/>
-      </a:schemeClr>
+      <a:schemeClr val="lt1"/>
     </dgm:linClrLst>
     <dgm:effectClrLst/>
     <dgm:txLinClrLst/>
@@ -432,30 +445,26 @@
   </dgm:styleLbl>
   <dgm:styleLbl name="parChTrans2D2">
     <dgm:fillClrLst meth="repeat">
-      <a:schemeClr val="accent1"/>
+      <a:schemeClr val="accent6"/>
     </dgm:fillClrLst>
     <dgm:linClrLst meth="repeat">
-      <a:schemeClr val="accent1"/>
+      <a:schemeClr val="lt1"/>
     </dgm:linClrLst>
     <dgm:effectClrLst/>
     <dgm:txLinClrLst/>
-    <dgm:txFillClrLst meth="repeat">
-      <a:schemeClr val="lt1"/>
-    </dgm:txFillClrLst>
+    <dgm:txFillClrLst/>
     <dgm:txEffectClrLst/>
   </dgm:styleLbl>
   <dgm:styleLbl name="parChTrans2D3">
     <dgm:fillClrLst meth="repeat">
-      <a:schemeClr val="accent1"/>
+      <a:schemeClr val="accent6"/>
     </dgm:fillClrLst>
     <dgm:linClrLst meth="repeat">
-      <a:schemeClr val="accent1"/>
+      <a:schemeClr val="lt1"/>
     </dgm:linClrLst>
     <dgm:effectClrLst/>
     <dgm:txLinClrLst/>
-    <dgm:txFillClrLst meth="repeat">
-      <a:schemeClr val="lt1"/>
-    </dgm:txFillClrLst>
+    <dgm:txFillClrLst/>
     <dgm:txEffectClrLst/>
   </dgm:styleLbl>
   <dgm:styleLbl name="parChTrans2D4">
@@ -463,7 +472,7 @@
       <a:schemeClr val="accent1"/>
     </dgm:fillClrLst>
     <dgm:linClrLst meth="repeat">
-      <a:schemeClr val="accent1"/>
+      <a:schemeClr val="lt1"/>
     </dgm:linClrLst>
     <dgm:effectClrLst/>
     <dgm:txLinClrLst/>
@@ -474,12 +483,10 @@
   </dgm:styleLbl>
   <dgm:styleLbl name="parChTrans1D1">
     <dgm:fillClrLst meth="repeat">
-      <a:schemeClr val="accent1"/>
+      <a:schemeClr val="accent5"/>
     </dgm:fillClrLst>
     <dgm:linClrLst meth="repeat">
-      <a:schemeClr val="accent1">
-        <a:shade val="60000"/>
-      </a:schemeClr>
+      <a:schemeClr val="accent5"/>
     </dgm:linClrLst>
     <dgm:effectClrLst/>
     <dgm:txLinClrLst/>
@@ -490,12 +497,12 @@
   </dgm:styleLbl>
   <dgm:styleLbl name="parChTrans1D2">
     <dgm:fillClrLst meth="repeat">
-      <a:schemeClr val="accent1"/>
+      <a:schemeClr val="accent6">
+        <a:tint val="90000"/>
+      </a:schemeClr>
     </dgm:fillClrLst>
     <dgm:linClrLst meth="repeat">
-      <a:schemeClr val="accent1">
-        <a:shade val="60000"/>
-      </a:schemeClr>
+      <a:schemeClr val="accent6"/>
     </dgm:linClrLst>
     <dgm:effectClrLst/>
     <dgm:txLinClrLst/>
@@ -506,12 +513,12 @@
   </dgm:styleLbl>
   <dgm:styleLbl name="parChTrans1D3">
     <dgm:fillClrLst meth="repeat">
-      <a:schemeClr val="accent1"/>
+      <a:schemeClr val="accent6">
+        <a:tint val="70000"/>
+      </a:schemeClr>
     </dgm:fillClrLst>
     <dgm:linClrLst meth="repeat">
-      <a:schemeClr val="accent1">
-        <a:shade val="80000"/>
-      </a:schemeClr>
+      <a:schemeClr val="accent1"/>
     </dgm:linClrLst>
     <dgm:effectClrLst/>
     <dgm:txLinClrLst/>
@@ -522,12 +529,12 @@
   </dgm:styleLbl>
   <dgm:styleLbl name="parChTrans1D4">
     <dgm:fillClrLst meth="repeat">
-      <a:schemeClr val="accent1"/>
+      <a:schemeClr val="accent6">
+        <a:tint val="50000"/>
+      </a:schemeClr>
     </dgm:fillClrLst>
     <dgm:linClrLst meth="repeat">
-      <a:schemeClr val="accent1">
-        <a:shade val="80000"/>
-      </a:schemeClr>
+      <a:schemeClr val="accent2"/>
     </dgm:linClrLst>
     <dgm:effectClrLst/>
     <dgm:txLinClrLst/>
@@ -542,8 +549,9 @@
         <a:alpha val="90000"/>
       </a:schemeClr>
     </dgm:fillClrLst>
-    <dgm:linClrLst meth="repeat">
-      <a:schemeClr val="accent1"/>
+    <dgm:linClrLst>
+      <a:schemeClr val="accent5"/>
+      <a:schemeClr val="accent6"/>
     </dgm:linClrLst>
     <dgm:effectClrLst/>
     <dgm:txLinClrLst/>
@@ -558,8 +566,9 @@
         <a:alpha val="90000"/>
       </a:schemeClr>
     </dgm:fillClrLst>
-    <dgm:linClrLst meth="repeat">
-      <a:schemeClr val="accent1"/>
+    <dgm:linClrLst>
+      <a:schemeClr val="accent5"/>
+      <a:schemeClr val="accent6"/>
     </dgm:linClrLst>
     <dgm:effectClrLst/>
     <dgm:txLinClrLst/>
@@ -574,8 +583,9 @@
         <a:alpha val="90000"/>
       </a:schemeClr>
     </dgm:fillClrLst>
-    <dgm:linClrLst meth="repeat">
-      <a:schemeClr val="accent1"/>
+    <dgm:linClrLst>
+      <a:schemeClr val="accent5"/>
+      <a:schemeClr val="accent6"/>
     </dgm:linClrLst>
     <dgm:effectClrLst/>
     <dgm:txLinClrLst/>
@@ -591,7 +601,7 @@
       </a:schemeClr>
     </dgm:fillClrLst>
     <dgm:linClrLst meth="repeat">
-      <a:schemeClr val="accent1"/>
+      <a:schemeClr val="accent5"/>
     </dgm:linClrLst>
     <dgm:effectClrLst/>
     <dgm:txLinClrLst/>
@@ -606,8 +616,9 @@
         <a:alpha val="90000"/>
       </a:schemeClr>
     </dgm:fillClrLst>
-    <dgm:linClrLst meth="repeat">
-      <a:schemeClr val="accent1"/>
+    <dgm:linClrLst>
+      <a:schemeClr val="accent5"/>
+      <a:schemeClr val="accent6"/>
     </dgm:linClrLst>
     <dgm:effectClrLst/>
     <dgm:txLinClrLst/>
@@ -620,8 +631,9 @@
     <dgm:fillClrLst meth="repeat">
       <a:schemeClr val="lt1"/>
     </dgm:fillClrLst>
-    <dgm:linClrLst meth="repeat">
-      <a:schemeClr val="accent1"/>
+    <dgm:linClrLst>
+      <a:schemeClr val="accent5"/>
+      <a:schemeClr val="accent6"/>
     </dgm:linClrLst>
     <dgm:effectClrLst/>
     <dgm:txLinClrLst/>
@@ -634,8 +646,9 @@
     <dgm:fillClrLst meth="repeat">
       <a:schemeClr val="lt1"/>
     </dgm:fillClrLst>
-    <dgm:linClrLst meth="repeat">
-      <a:schemeClr val="accent1"/>
+    <dgm:linClrLst>
+      <a:schemeClr val="accent5"/>
+      <a:schemeClr val="accent6"/>
     </dgm:linClrLst>
     <dgm:effectClrLst/>
     <dgm:txLinClrLst/>
@@ -648,8 +661,9 @@
     <dgm:fillClrLst meth="repeat">
       <a:schemeClr val="lt1"/>
     </dgm:fillClrLst>
-    <dgm:linClrLst meth="repeat">
-      <a:schemeClr val="accent1"/>
+    <dgm:linClrLst>
+      <a:schemeClr val="accent5"/>
+      <a:schemeClr val="accent6"/>
     </dgm:linClrLst>
     <dgm:effectClrLst/>
     <dgm:txLinClrLst/>
@@ -659,16 +673,24 @@
     <dgm:txEffectClrLst/>
   </dgm:styleLbl>
   <dgm:styleLbl name="fgAccFollowNode1">
-    <dgm:fillClrLst meth="repeat">
-      <a:schemeClr val="accent1">
+    <dgm:fillClrLst>
+      <a:schemeClr val="accent5">
+        <a:tint val="40000"/>
         <a:alpha val="90000"/>
+      </a:schemeClr>
+      <a:schemeClr val="accent6">
         <a:tint val="40000"/>
+        <a:alpha val="90000"/>
       </a:schemeClr>
     </dgm:fillClrLst>
-    <dgm:linClrLst meth="repeat">
-      <a:schemeClr val="accent1">
+    <dgm:linClrLst>
+      <a:schemeClr val="accent5">
+        <a:tint val="40000"/>
         <a:alpha val="90000"/>
+      </a:schemeClr>
+      <a:schemeClr val="accent5">
         <a:tint val="40000"/>
+        <a:alpha val="90000"/>
       </a:schemeClr>
     </dgm:linClrLst>
     <dgm:effectClrLst/>
@@ -679,16 +701,24 @@
     <dgm:txEffectClrLst/>
   </dgm:styleLbl>
   <dgm:styleLbl name="alignAccFollowNode1">
-    <dgm:fillClrLst meth="repeat">
-      <a:schemeClr val="accent1">
+    <dgm:fillClrLst>
+      <a:schemeClr val="accent5">
+        <a:tint val="40000"/>
         <a:alpha val="90000"/>
+      </a:schemeClr>
+      <a:schemeClr val="accent6">
         <a:tint val="40000"/>
+        <a:alpha val="90000"/>
       </a:schemeClr>
     </dgm:fillClrLst>
-    <dgm:linClrLst meth="repeat">
-      <a:schemeClr val="accent1">
+    <dgm:linClrLst>
+      <a:schemeClr val="accent5">
+        <a:tint val="40000"/>
         <a:alpha val="90000"/>
+      </a:schemeClr>
+      <a:schemeClr val="accent6">
         <a:tint val="40000"/>
+        <a:alpha val="90000"/>
       </a:schemeClr>
     </dgm:linClrLst>
     <dgm:effectClrLst/>
@@ -699,16 +729,24 @@
     <dgm:txEffectClrLst/>
   </dgm:styleLbl>
   <dgm:styleLbl name="bgAccFollowNode1">
-    <dgm:fillClrLst meth="repeat">
-      <a:schemeClr val="accent1">
+    <dgm:fillClrLst>
+      <a:schemeClr val="accent5">
+        <a:tint val="40000"/>
         <a:alpha val="90000"/>
+      </a:schemeClr>
+      <a:schemeClr val="accent6">
         <a:tint val="40000"/>
+        <a:alpha val="90000"/>
       </a:schemeClr>
     </dgm:fillClrLst>
-    <dgm:linClrLst meth="repeat">
-      <a:schemeClr val="accent1">
+    <dgm:linClrLst>
+      <a:schemeClr val="accent5">
+        <a:tint val="40000"/>
         <a:alpha val="90000"/>
+      </a:schemeClr>
+      <a:schemeClr val="accent6">
         <a:tint val="40000"/>
+        <a:alpha val="90000"/>
       </a:schemeClr>
     </dgm:linClrLst>
     <dgm:effectClrLst/>
@@ -724,8 +762,8 @@
         <a:alpha val="90000"/>
       </a:schemeClr>
     </dgm:fillClrLst>
-    <dgm:linClrLst meth="repeat">
-      <a:schemeClr val="accent1"/>
+    <dgm:linClrLst>
+      <a:schemeClr val="accent4"/>
     </dgm:linClrLst>
     <dgm:effectClrLst/>
     <dgm:txLinClrLst/>
@@ -740,8 +778,8 @@
         <a:alpha val="90000"/>
       </a:schemeClr>
     </dgm:fillClrLst>
-    <dgm:linClrLst meth="repeat">
-      <a:schemeClr val="accent1"/>
+    <dgm:linClrLst>
+      <a:schemeClr val="accent6"/>
     </dgm:linClrLst>
     <dgm:effectClrLst/>
     <dgm:txLinClrLst/>
@@ -756,7 +794,7 @@
         <a:alpha val="90000"/>
       </a:schemeClr>
     </dgm:fillClrLst>
-    <dgm:linClrLst meth="repeat">
+    <dgm:linClrLst>
       <a:schemeClr val="accent1"/>
     </dgm:linClrLst>
     <dgm:effectClrLst/>
@@ -772,8 +810,8 @@
         <a:alpha val="90000"/>
       </a:schemeClr>
     </dgm:fillClrLst>
-    <dgm:linClrLst meth="repeat">
-      <a:schemeClr val="accent1"/>
+    <dgm:linClrLst>
+      <a:schemeClr val="accent2"/>
     </dgm:linClrLst>
     <dgm:effectClrLst/>
     <dgm:txLinClrLst/>
@@ -784,12 +822,12 @@
   </dgm:styleLbl>
   <dgm:styleLbl name="bgShp">
     <dgm:fillClrLst meth="repeat">
-      <a:schemeClr val="accent1">
+      <a:schemeClr val="accent5">
         <a:tint val="40000"/>
       </a:schemeClr>
     </dgm:fillClrLst>
     <dgm:linClrLst meth="repeat">
-      <a:schemeClr val="accent1"/>
+      <a:schemeClr val="dk1"/>
     </dgm:linClrLst>
     <dgm:effectClrLst/>
     <dgm:txLinClrLst/>
@@ -800,12 +838,12 @@
   </dgm:styleLbl>
   <dgm:styleLbl name="dkBgShp">
     <dgm:fillClrLst meth="repeat">
-      <a:schemeClr val="accent1">
-        <a:shade val="80000"/>
+      <a:schemeClr val="accent5">
+        <a:shade val="90000"/>
       </a:schemeClr>
     </dgm:fillClrLst>
     <dgm:linClrLst meth="repeat">
-      <a:schemeClr val="accent1"/>
+      <a:schemeClr val="dk1"/>
     </dgm:linClrLst>
     <dgm:effectClrLst/>
     <dgm:txLinClrLst/>
@@ -816,13 +854,13 @@
   </dgm:styleLbl>
   <dgm:styleLbl name="trBgShp">
     <dgm:fillClrLst meth="repeat">
-      <a:schemeClr val="accent1">
+      <a:schemeClr val="accent5">
         <a:tint val="50000"/>
         <a:alpha val="40000"/>
       </a:schemeClr>
     </dgm:fillClrLst>
     <dgm:linClrLst meth="repeat">
-      <a:schemeClr val="accent1"/>
+      <a:schemeClr val="accent5"/>
     </dgm:linClrLst>
     <dgm:effectClrLst/>
     <dgm:txLinClrLst/>
@@ -833,8 +871,8 @@
   </dgm:styleLbl>
   <dgm:styleLbl name="fgShp">
     <dgm:fillClrLst meth="repeat">
-      <a:schemeClr val="accent1">
-        <a:tint val="60000"/>
+      <a:schemeClr val="accent5">
+        <a:tint val="40000"/>
       </a:schemeClr>
     </dgm:fillClrLst>
     <dgm:linClrLst meth="repeat">
@@ -872,7 +910,7 @@
 <dgm:dataModel xmlns:dgm="http://schemas.openxmlformats.org/drawingml/2006/diagram" xmlns:a="http://schemas.openxmlformats.org/drawingml/2006/main">
   <dgm:ptLst>
     <dgm:pt modelId="{33AD95BC-04AC-4C9D-A1BF-A848AF08870A}" type="doc">
-      <dgm:prSet loTypeId="urn:microsoft.com/office/officeart/2009/3/layout/StepUpProcess" loCatId="process" qsTypeId="urn:microsoft.com/office/officeart/2005/8/quickstyle/simple1" qsCatId="simple" csTypeId="urn:microsoft.com/office/officeart/2005/8/colors/accent1_2" csCatId="accent1" phldr="1"/>
+      <dgm:prSet loTypeId="urn:microsoft.com/office/officeart/2005/8/layout/hProcess9" loCatId="process" qsTypeId="urn:microsoft.com/office/officeart/2005/8/quickstyle/simple1" qsCatId="simple" csTypeId="urn:microsoft.com/office/officeart/2005/8/colors/colorful5" csCatId="colorful" phldr="1"/>
       <dgm:spPr/>
       <dgm:t>
         <a:bodyPr/>
@@ -1067,13 +1105,11 @@
         </a:p>
       </dgm:t>
     </dgm:pt>
-    <dgm:pt modelId="{26EC71AF-9B19-43B5-B324-13184C2F1B88}" type="pres">
-      <dgm:prSet presAssocID="{33AD95BC-04AC-4C9D-A1BF-A848AF08870A}" presName="rootnode" presStyleCnt="0">
+    <dgm:pt modelId="{88B13068-8133-499A-9B2E-1E0D62310F7F}" type="pres">
+      <dgm:prSet presAssocID="{33AD95BC-04AC-4C9D-A1BF-A848AF08870A}" presName="CompostProcess" presStyleCnt="0">
         <dgm:presLayoutVars>
-          <dgm:chMax/>
-          <dgm:chPref/>
           <dgm:dir/>
-          <dgm:animLvl val="lvl"/>
+          <dgm:resizeHandles val="exact"/>
         </dgm:presLayoutVars>
       </dgm:prSet>
       <dgm:spPr/>
@@ -1081,23 +1117,35 @@
         <a:bodyPr/>
         <a:lstStyle/>
         <a:p>
-          <a:endParaRPr lang="pt-BR"/>
+          <a:endParaRPr lang="en-US"/>
         </a:p>
       </dgm:t>
     </dgm:pt>
-    <dgm:pt modelId="{B057D1AE-3A2D-439E-9D07-02A1E6442063}" type="pres">
-      <dgm:prSet presAssocID="{7A23EF24-F0A3-4A4A-B8A9-3AD68A0CA865}" presName="composite" presStyleCnt="0"/>
+    <dgm:pt modelId="{42D84297-EE45-43CA-8F57-B335DE2EA067}" type="pres">
+      <dgm:prSet presAssocID="{33AD95BC-04AC-4C9D-A1BF-A848AF08870A}" presName="arrow" presStyleLbl="bgShp" presStyleIdx="0" presStyleCnt="1"/>
       <dgm:spPr/>
+      <dgm:t>
+        <a:bodyPr/>
+        <a:lstStyle/>
+        <a:p>
+          <a:endParaRPr lang="en-US"/>
+        </a:p>
+      </dgm:t>
     </dgm:pt>
-    <dgm:pt modelId="{E165E5C8-0C54-47AA-B5EB-E663B49250DE}" type="pres">
-      <dgm:prSet presAssocID="{7A23EF24-F0A3-4A4A-B8A9-3AD68A0CA865}" presName="LShape" presStyleLbl="alignNode1" presStyleIdx="0" presStyleCnt="9"/>
+    <dgm:pt modelId="{21EC0AD3-E6AA-4050-B070-799AE2D54880}" type="pres">
+      <dgm:prSet presAssocID="{33AD95BC-04AC-4C9D-A1BF-A848AF08870A}" presName="linearProcess" presStyleCnt="0"/>
       <dgm:spPr/>
+      <dgm:t>
+        <a:bodyPr/>
+        <a:lstStyle/>
+        <a:p>
+          <a:endParaRPr lang="en-US"/>
+        </a:p>
+      </dgm:t>
     </dgm:pt>
-    <dgm:pt modelId="{1988534B-E989-458B-B992-F2549F4E0592}" type="pres">
-      <dgm:prSet presAssocID="{7A23EF24-F0A3-4A4A-B8A9-3AD68A0CA865}" presName="ParentText" presStyleLbl="revTx" presStyleIdx="0" presStyleCnt="5">
+    <dgm:pt modelId="{0182BEBC-9981-49C0-B9ED-1F11543CFB0B}" type="pres">
+      <dgm:prSet presAssocID="{7A23EF24-F0A3-4A4A-B8A9-3AD68A0CA865}" presName="textNode" presStyleLbl="node1" presStyleIdx="0" presStyleCnt="5">
         <dgm:presLayoutVars>
-          <dgm:chMax val="0"/>
-          <dgm:chPref val="0"/>
           <dgm:bulletEnabled val="1"/>
         </dgm:presLayoutVars>
       </dgm:prSet>
@@ -1106,35 +1154,24 @@
         <a:bodyPr/>
         <a:lstStyle/>
         <a:p>
-          <a:endParaRPr lang="pt-BR"/>
+          <a:endParaRPr lang="en-US"/>
         </a:p>
       </dgm:t>
     </dgm:pt>
-    <dgm:pt modelId="{6DDE3387-FAD8-475F-8638-CF8E5A5AC626}" type="pres">
-      <dgm:prSet presAssocID="{7A23EF24-F0A3-4A4A-B8A9-3AD68A0CA865}" presName="Triangle" presStyleLbl="alignNode1" presStyleIdx="1" presStyleCnt="9"/>
-      <dgm:spPr/>
-    </dgm:pt>
-    <dgm:pt modelId="{35325B96-6C4D-4A6B-B1A0-ED92BE0CDC91}" type="pres">
+    <dgm:pt modelId="{3EF72C81-C437-475F-B621-BD910FBCFACF}" type="pres">
       <dgm:prSet presAssocID="{99B6C9D7-B220-4DFB-91F3-A8A123786F9C}" presName="sibTrans" presStyleCnt="0"/>
       <dgm:spPr/>
+      <dgm:t>
+        <a:bodyPr/>
+        <a:lstStyle/>
+        <a:p>
+          <a:endParaRPr lang="en-US"/>
+        </a:p>
+      </dgm:t>
     </dgm:pt>
-    <dgm:pt modelId="{693A5CF9-966A-45BF-BC2E-E56073D053D3}" type="pres">
-      <dgm:prSet presAssocID="{99B6C9D7-B220-4DFB-91F3-A8A123786F9C}" presName="space" presStyleCnt="0"/>
-      <dgm:spPr/>
-    </dgm:pt>
-    <dgm:pt modelId="{AF36DB52-D430-4C77-B369-F526FD09BD4F}" type="pres">
-      <dgm:prSet presAssocID="{C2B21BD2-1CC6-4851-9755-31A6335F2D27}" presName="composite" presStyleCnt="0"/>
-      <dgm:spPr/>
-    </dgm:pt>
-    <dgm:pt modelId="{8377AB99-3DE2-45FC-B3AC-74FDA40606E8}" type="pres">
-      <dgm:prSet presAssocID="{C2B21BD2-1CC6-4851-9755-31A6335F2D27}" presName="LShape" presStyleLbl="alignNode1" presStyleIdx="2" presStyleCnt="9"/>
-      <dgm:spPr/>
-    </dgm:pt>
-    <dgm:pt modelId="{D869A63C-05BC-44A7-8BC0-6901C4CA1492}" type="pres">
-      <dgm:prSet presAssocID="{C2B21BD2-1CC6-4851-9755-31A6335F2D27}" presName="ParentText" presStyleLbl="revTx" presStyleIdx="1" presStyleCnt="5">
+    <dgm:pt modelId="{F9729B91-535E-45C1-A48C-DA70FD3E3A1A}" type="pres">
+      <dgm:prSet presAssocID="{C2B21BD2-1CC6-4851-9755-31A6335F2D27}" presName="textNode" presStyleLbl="node1" presStyleIdx="1" presStyleCnt="5">
         <dgm:presLayoutVars>
-          <dgm:chMax val="0"/>
-          <dgm:chPref val="0"/>
           <dgm:bulletEnabled val="1"/>
         </dgm:presLayoutVars>
       </dgm:prSet>
@@ -1143,35 +1180,24 @@
         <a:bodyPr/>
         <a:lstStyle/>
         <a:p>
-          <a:endParaRPr lang="pt-BR"/>
+          <a:endParaRPr lang="en-US"/>
         </a:p>
       </dgm:t>
     </dgm:pt>
-    <dgm:pt modelId="{ABCF60BB-3D69-432B-9D68-7057E943F7B6}" type="pres">
-      <dgm:prSet presAssocID="{C2B21BD2-1CC6-4851-9755-31A6335F2D27}" presName="Triangle" presStyleLbl="alignNode1" presStyleIdx="3" presStyleCnt="9"/>
-      <dgm:spPr/>
-    </dgm:pt>
-    <dgm:pt modelId="{2298DFF8-B0DC-4F8F-93D0-DC738F903D19}" type="pres">
+    <dgm:pt modelId="{7F449664-5499-48D8-A587-418D71B02947}" type="pres">
       <dgm:prSet presAssocID="{1B833879-9C97-42A3-A06F-43A3D1BE2C96}" presName="sibTrans" presStyleCnt="0"/>
       <dgm:spPr/>
+      <dgm:t>
+        <a:bodyPr/>
+        <a:lstStyle/>
+        <a:p>
+          <a:endParaRPr lang="en-US"/>
+        </a:p>
+      </dgm:t>
     </dgm:pt>
-    <dgm:pt modelId="{1F33AA1E-1ED1-4A7B-9E8C-369071F53DAC}" type="pres">
-      <dgm:prSet presAssocID="{1B833879-9C97-42A3-A06F-43A3D1BE2C96}" presName="space" presStyleCnt="0"/>
-      <dgm:spPr/>
-    </dgm:pt>
-    <dgm:pt modelId="{C205D90F-EFDC-4833-AC75-9A2AB68C708C}" type="pres">
-      <dgm:prSet presAssocID="{78862ABC-67F6-469F-9312-BE89DA2868F8}" presName="composite" presStyleCnt="0"/>
-      <dgm:spPr/>
-    </dgm:pt>
-    <dgm:pt modelId="{06A284FD-3ECB-4AA6-845E-4C33BABEF7B3}" type="pres">
-      <dgm:prSet presAssocID="{78862ABC-67F6-469F-9312-BE89DA2868F8}" presName="LShape" presStyleLbl="alignNode1" presStyleIdx="4" presStyleCnt="9"/>
-      <dgm:spPr/>
-    </dgm:pt>
-    <dgm:pt modelId="{D8ACBEC7-6CF6-4CD8-9259-1E03D812F516}" type="pres">
-      <dgm:prSet presAssocID="{78862ABC-67F6-469F-9312-BE89DA2868F8}" presName="ParentText" presStyleLbl="revTx" presStyleIdx="2" presStyleCnt="5">
+    <dgm:pt modelId="{8D38DCC3-0AC0-4910-8A46-CDDAB05465F4}" type="pres">
+      <dgm:prSet presAssocID="{78862ABC-67F6-469F-9312-BE89DA2868F8}" presName="textNode" presStyleLbl="node1" presStyleIdx="2" presStyleCnt="5">
         <dgm:presLayoutVars>
-          <dgm:chMax val="0"/>
-          <dgm:chPref val="0"/>
           <dgm:bulletEnabled val="1"/>
         </dgm:presLayoutVars>
       </dgm:prSet>
@@ -1180,35 +1206,24 @@
         <a:bodyPr/>
         <a:lstStyle/>
         <a:p>
-          <a:endParaRPr lang="pt-BR"/>
+          <a:endParaRPr lang="en-US"/>
         </a:p>
       </dgm:t>
     </dgm:pt>
-    <dgm:pt modelId="{A93B3CBE-C4A3-42EB-8ECE-1C3DC236F318}" type="pres">
-      <dgm:prSet presAssocID="{78862ABC-67F6-469F-9312-BE89DA2868F8}" presName="Triangle" presStyleLbl="alignNode1" presStyleIdx="5" presStyleCnt="9"/>
-      <dgm:spPr/>
-    </dgm:pt>
-    <dgm:pt modelId="{FCDD0A61-EDCC-4D9C-910E-F6F3EBC35D1A}" type="pres">
+    <dgm:pt modelId="{84FC226B-657E-4BAB-8E96-E3A5C8BC81D3}" type="pres">
       <dgm:prSet presAssocID="{A5DFDB98-4387-4A0B-9F4B-DD13CA451585}" presName="sibTrans" presStyleCnt="0"/>
       <dgm:spPr/>
+      <dgm:t>
+        <a:bodyPr/>
+        <a:lstStyle/>
+        <a:p>
+          <a:endParaRPr lang="en-US"/>
+        </a:p>
+      </dgm:t>
     </dgm:pt>
-    <dgm:pt modelId="{3C074481-9FA6-4D1D-8DD6-D8364BC1667D}" type="pres">
-      <dgm:prSet presAssocID="{A5DFDB98-4387-4A0B-9F4B-DD13CA451585}" presName="space" presStyleCnt="0"/>
-      <dgm:spPr/>
-    </dgm:pt>
-    <dgm:pt modelId="{297D9A23-777B-479A-B4FA-91F67D8097E9}" type="pres">
-      <dgm:prSet presAssocID="{DC563ACC-F8B8-4D9B-9536-4F48B1BC5C22}" presName="composite" presStyleCnt="0"/>
-      <dgm:spPr/>
-    </dgm:pt>
-    <dgm:pt modelId="{6CA23A21-5F61-4485-ADA3-89CCE5F7EF39}" type="pres">
-      <dgm:prSet presAssocID="{DC563ACC-F8B8-4D9B-9536-4F48B1BC5C22}" presName="LShape" presStyleLbl="alignNode1" presStyleIdx="6" presStyleCnt="9"/>
-      <dgm:spPr/>
-    </dgm:pt>
-    <dgm:pt modelId="{35EC254E-F92F-49EE-BE65-ED43904C06B0}" type="pres">
-      <dgm:prSet presAssocID="{DC563ACC-F8B8-4D9B-9536-4F48B1BC5C22}" presName="ParentText" presStyleLbl="revTx" presStyleIdx="3" presStyleCnt="5">
+    <dgm:pt modelId="{9194ED45-4CDD-45D8-B521-B70CF5A2D7F8}" type="pres">
+      <dgm:prSet presAssocID="{DC563ACC-F8B8-4D9B-9536-4F48B1BC5C22}" presName="textNode" presStyleLbl="node1" presStyleIdx="3" presStyleCnt="5">
         <dgm:presLayoutVars>
-          <dgm:chMax val="0"/>
-          <dgm:chPref val="0"/>
           <dgm:bulletEnabled val="1"/>
         </dgm:presLayoutVars>
       </dgm:prSet>
@@ -1217,35 +1232,24 @@
         <a:bodyPr/>
         <a:lstStyle/>
         <a:p>
-          <a:endParaRPr lang="pt-BR"/>
+          <a:endParaRPr lang="en-US"/>
         </a:p>
       </dgm:t>
     </dgm:pt>
-    <dgm:pt modelId="{2942DC04-2A0C-4DBE-AABD-D712D1C4D6F0}" type="pres">
-      <dgm:prSet presAssocID="{DC563ACC-F8B8-4D9B-9536-4F48B1BC5C22}" presName="Triangle" presStyleLbl="alignNode1" presStyleIdx="7" presStyleCnt="9"/>
-      <dgm:spPr/>
-    </dgm:pt>
-    <dgm:pt modelId="{977E80C0-DB71-4B07-A7DA-850AB6335758}" type="pres">
+    <dgm:pt modelId="{8A75E869-C482-41CB-A946-38B5E8A95EAD}" type="pres">
       <dgm:prSet presAssocID="{8E340BB7-23E6-4016-898F-F739ABAC7F8F}" presName="sibTrans" presStyleCnt="0"/>
       <dgm:spPr/>
+      <dgm:t>
+        <a:bodyPr/>
+        <a:lstStyle/>
+        <a:p>
+          <a:endParaRPr lang="en-US"/>
+        </a:p>
+      </dgm:t>
     </dgm:pt>
-    <dgm:pt modelId="{ADA8601F-5E19-413A-A712-BB942225BCAF}" type="pres">
-      <dgm:prSet presAssocID="{8E340BB7-23E6-4016-898F-F739ABAC7F8F}" presName="space" presStyleCnt="0"/>
-      <dgm:spPr/>
-    </dgm:pt>
-    <dgm:pt modelId="{3F998195-BBFB-4895-829D-343841AF0205}" type="pres">
-      <dgm:prSet presAssocID="{6213ABF1-921A-402D-8E47-346581013F04}" presName="composite" presStyleCnt="0"/>
-      <dgm:spPr/>
-    </dgm:pt>
-    <dgm:pt modelId="{96513201-0F71-4213-AFCF-025EEF9A9479}" type="pres">
-      <dgm:prSet presAssocID="{6213ABF1-921A-402D-8E47-346581013F04}" presName="LShape" presStyleLbl="alignNode1" presStyleIdx="8" presStyleCnt="9"/>
-      <dgm:spPr/>
-    </dgm:pt>
-    <dgm:pt modelId="{B39D3830-3D21-4EFA-BB68-48F6B9A7B27B}" type="pres">
-      <dgm:prSet presAssocID="{6213ABF1-921A-402D-8E47-346581013F04}" presName="ParentText" presStyleLbl="revTx" presStyleIdx="4" presStyleCnt="5">
+    <dgm:pt modelId="{C0205760-BE29-40C1-87A9-6551C62F8F16}" type="pres">
+      <dgm:prSet presAssocID="{6213ABF1-921A-402D-8E47-346581013F04}" presName="textNode" presStyleLbl="node1" presStyleIdx="4" presStyleCnt="5">
         <dgm:presLayoutVars>
-          <dgm:chMax val="0"/>
-          <dgm:chPref val="0"/>
           <dgm:bulletEnabled val="1"/>
         </dgm:presLayoutVars>
       </dgm:prSet>
@@ -1254,87 +1258,108 @@
         <a:bodyPr/>
         <a:lstStyle/>
         <a:p>
-          <a:endParaRPr lang="pt-BR"/>
+          <a:endParaRPr lang="en-US"/>
         </a:p>
       </dgm:t>
     </dgm:pt>
   </dgm:ptLst>
   <dgm:cxnLst>
-    <dgm:cxn modelId="{5A385D82-B0A4-4A53-8A29-8A6B3EE1AFCD}" type="presOf" srcId="{78862ABC-67F6-469F-9312-BE89DA2868F8}" destId="{D8ACBEC7-6CF6-4CD8-9259-1E03D812F516}" srcOrd="0" destOrd="0" presId="urn:microsoft.com/office/officeart/2009/3/layout/StepUpProcess"/>
+    <dgm:cxn modelId="{BF169006-73E3-4560-A216-336D9B9CAEE8}" srcId="{33AD95BC-04AC-4C9D-A1BF-A848AF08870A}" destId="{7A23EF24-F0A3-4A4A-B8A9-3AD68A0CA865}" srcOrd="0" destOrd="0" parTransId="{8F50654C-02A0-4871-B110-0A0C3A8A8C58}" sibTransId="{99B6C9D7-B220-4DFB-91F3-A8A123786F9C}"/>
+    <dgm:cxn modelId="{853805CC-BB75-481B-99B5-D2FFD0775AFB}" srcId="{33AD95BC-04AC-4C9D-A1BF-A848AF08870A}" destId="{C2B21BD2-1CC6-4851-9755-31A6335F2D27}" srcOrd="1" destOrd="0" parTransId="{AB6BC6D7-C02A-40C7-9F89-1408AFEC63CF}" sibTransId="{1B833879-9C97-42A3-A06F-43A3D1BE2C96}"/>
     <dgm:cxn modelId="{59D0191B-05C3-47F6-BC18-092DF82AEA4E}" srcId="{33AD95BC-04AC-4C9D-A1BF-A848AF08870A}" destId="{6213ABF1-921A-402D-8E47-346581013F04}" srcOrd="4" destOrd="0" parTransId="{1CEA60A9-A592-4FAE-986F-A88F4FA67C27}" sibTransId="{DD08AFCC-BB1D-4E54-845F-ADFDA23795DF}"/>
-    <dgm:cxn modelId="{2DE7BFDA-5B66-4D70-9715-0E6D5EE93296}" type="presOf" srcId="{DC563ACC-F8B8-4D9B-9536-4F48B1BC5C22}" destId="{35EC254E-F92F-49EE-BE65-ED43904C06B0}" srcOrd="0" destOrd="0" presId="urn:microsoft.com/office/officeart/2009/3/layout/StepUpProcess"/>
-    <dgm:cxn modelId="{62241738-CD89-4009-8899-73BA0999469B}" type="presOf" srcId="{33AD95BC-04AC-4C9D-A1BF-A848AF08870A}" destId="{26EC71AF-9B19-43B5-B324-13184C2F1B88}" srcOrd="0" destOrd="0" presId="urn:microsoft.com/office/officeart/2009/3/layout/StepUpProcess"/>
-    <dgm:cxn modelId="{16492845-6335-4C49-AFEC-9C29285A750D}" type="presOf" srcId="{6213ABF1-921A-402D-8E47-346581013F04}" destId="{B39D3830-3D21-4EFA-BB68-48F6B9A7B27B}" srcOrd="0" destOrd="0" presId="urn:microsoft.com/office/officeart/2009/3/layout/StepUpProcess"/>
+    <dgm:cxn modelId="{17F27C24-3F3B-4B7B-81BF-4E496A852E10}" type="presOf" srcId="{78862ABC-67F6-469F-9312-BE89DA2868F8}" destId="{8D38DCC3-0AC0-4910-8A46-CDDAB05465F4}" srcOrd="0" destOrd="0" presId="urn:microsoft.com/office/officeart/2005/8/layout/hProcess9"/>
+    <dgm:cxn modelId="{7BD634B1-D322-4132-93AD-7E67A5FBFC7E}" srcId="{33AD95BC-04AC-4C9D-A1BF-A848AF08870A}" destId="{DC563ACC-F8B8-4D9B-9536-4F48B1BC5C22}" srcOrd="3" destOrd="0" parTransId="{3630FC5E-999A-4BE9-991B-3DF8F3731355}" sibTransId="{8E340BB7-23E6-4016-898F-F739ABAC7F8F}"/>
+    <dgm:cxn modelId="{50F2AFC6-618A-4B16-B9A6-9AF08BD4F681}" type="presOf" srcId="{C2B21BD2-1CC6-4851-9755-31A6335F2D27}" destId="{F9729B91-535E-45C1-A48C-DA70FD3E3A1A}" srcOrd="0" destOrd="0" presId="urn:microsoft.com/office/officeart/2005/8/layout/hProcess9"/>
+    <dgm:cxn modelId="{55F66B98-8739-4CC1-B2DA-D99D20B5A64F}" type="presOf" srcId="{33AD95BC-04AC-4C9D-A1BF-A848AF08870A}" destId="{88B13068-8133-499A-9B2E-1E0D62310F7F}" srcOrd="0" destOrd="0" presId="urn:microsoft.com/office/officeart/2005/8/layout/hProcess9"/>
+    <dgm:cxn modelId="{B97E8DC4-0BCE-45C7-90B6-243F56729C83}" type="presOf" srcId="{7A23EF24-F0A3-4A4A-B8A9-3AD68A0CA865}" destId="{0182BEBC-9981-49C0-B9ED-1F11543CFB0B}" srcOrd="0" destOrd="0" presId="urn:microsoft.com/office/officeart/2005/8/layout/hProcess9"/>
+    <dgm:cxn modelId="{9FE18D44-2A1B-4DB8-85B3-79E4C5D3F6EC}" type="presOf" srcId="{6213ABF1-921A-402D-8E47-346581013F04}" destId="{C0205760-BE29-40C1-87A9-6551C62F8F16}" srcOrd="0" destOrd="0" presId="urn:microsoft.com/office/officeart/2005/8/layout/hProcess9"/>
+    <dgm:cxn modelId="{7268FF49-3026-47CA-B7DE-E07C53A8C9EE}" type="presOf" srcId="{DC563ACC-F8B8-4D9B-9536-4F48B1BC5C22}" destId="{9194ED45-4CDD-45D8-B521-B70CF5A2D7F8}" srcOrd="0" destOrd="0" presId="urn:microsoft.com/office/officeart/2005/8/layout/hProcess9"/>
     <dgm:cxn modelId="{0B645BC5-08F5-4BAA-93B0-0A9D63C6BD6A}" srcId="{33AD95BC-04AC-4C9D-A1BF-A848AF08870A}" destId="{78862ABC-67F6-469F-9312-BE89DA2868F8}" srcOrd="2" destOrd="0" parTransId="{F5CA9C11-610C-44A1-B699-51A92DBFF798}" sibTransId="{A5DFDB98-4387-4A0B-9F4B-DD13CA451585}"/>
-    <dgm:cxn modelId="{7BD634B1-D322-4132-93AD-7E67A5FBFC7E}" srcId="{33AD95BC-04AC-4C9D-A1BF-A848AF08870A}" destId="{DC563ACC-F8B8-4D9B-9536-4F48B1BC5C22}" srcOrd="3" destOrd="0" parTransId="{3630FC5E-999A-4BE9-991B-3DF8F3731355}" sibTransId="{8E340BB7-23E6-4016-898F-F739ABAC7F8F}"/>
-    <dgm:cxn modelId="{908B7BBC-97A9-4A2C-B2B8-0AF77ECCB678}" type="presOf" srcId="{C2B21BD2-1CC6-4851-9755-31A6335F2D27}" destId="{D869A63C-05BC-44A7-8BC0-6901C4CA1492}" srcOrd="0" destOrd="0" presId="urn:microsoft.com/office/officeart/2009/3/layout/StepUpProcess"/>
-    <dgm:cxn modelId="{BF169006-73E3-4560-A216-336D9B9CAEE8}" srcId="{33AD95BC-04AC-4C9D-A1BF-A848AF08870A}" destId="{7A23EF24-F0A3-4A4A-B8A9-3AD68A0CA865}" srcOrd="0" destOrd="0" parTransId="{8F50654C-02A0-4871-B110-0A0C3A8A8C58}" sibTransId="{99B6C9D7-B220-4DFB-91F3-A8A123786F9C}"/>
-    <dgm:cxn modelId="{56D5415D-16A8-4A42-A286-26F8F653293A}" type="presOf" srcId="{7A23EF24-F0A3-4A4A-B8A9-3AD68A0CA865}" destId="{1988534B-E989-458B-B992-F2549F4E0592}" srcOrd="0" destOrd="0" presId="urn:microsoft.com/office/officeart/2009/3/layout/StepUpProcess"/>
-    <dgm:cxn modelId="{853805CC-BB75-481B-99B5-D2FFD0775AFB}" srcId="{33AD95BC-04AC-4C9D-A1BF-A848AF08870A}" destId="{C2B21BD2-1CC6-4851-9755-31A6335F2D27}" srcOrd="1" destOrd="0" parTransId="{AB6BC6D7-C02A-40C7-9F89-1408AFEC63CF}" sibTransId="{1B833879-9C97-42A3-A06F-43A3D1BE2C96}"/>
-    <dgm:cxn modelId="{05B183CD-69C5-49E3-9DC0-F5D14A2C3C2F}" type="presParOf" srcId="{26EC71AF-9B19-43B5-B324-13184C2F1B88}" destId="{B057D1AE-3A2D-439E-9D07-02A1E6442063}" srcOrd="0" destOrd="0" presId="urn:microsoft.com/office/officeart/2009/3/layout/StepUpProcess"/>
-    <dgm:cxn modelId="{8EDA1733-2944-43B2-B210-AD24B78829AC}" type="presParOf" srcId="{B057D1AE-3A2D-439E-9D07-02A1E6442063}" destId="{E165E5C8-0C54-47AA-B5EB-E663B49250DE}" srcOrd="0" destOrd="0" presId="urn:microsoft.com/office/officeart/2009/3/layout/StepUpProcess"/>
-    <dgm:cxn modelId="{26B6BDBB-E614-4822-A320-440629144474}" type="presParOf" srcId="{B057D1AE-3A2D-439E-9D07-02A1E6442063}" destId="{1988534B-E989-458B-B992-F2549F4E0592}" srcOrd="1" destOrd="0" presId="urn:microsoft.com/office/officeart/2009/3/layout/StepUpProcess"/>
-    <dgm:cxn modelId="{CAD243FB-F605-4BFE-AA57-7967FA62C2FC}" type="presParOf" srcId="{B057D1AE-3A2D-439E-9D07-02A1E6442063}" destId="{6DDE3387-FAD8-475F-8638-CF8E5A5AC626}" srcOrd="2" destOrd="0" presId="urn:microsoft.com/office/officeart/2009/3/layout/StepUpProcess"/>
-    <dgm:cxn modelId="{F94EF614-FD9D-485A-9645-7A26BED520D5}" type="presParOf" srcId="{26EC71AF-9B19-43B5-B324-13184C2F1B88}" destId="{35325B96-6C4D-4A6B-B1A0-ED92BE0CDC91}" srcOrd="1" destOrd="0" presId="urn:microsoft.com/office/officeart/2009/3/layout/StepUpProcess"/>
-    <dgm:cxn modelId="{F843EB0E-6156-437D-857A-BE04579019DE}" type="presParOf" srcId="{35325B96-6C4D-4A6B-B1A0-ED92BE0CDC91}" destId="{693A5CF9-966A-45BF-BC2E-E56073D053D3}" srcOrd="0" destOrd="0" presId="urn:microsoft.com/office/officeart/2009/3/layout/StepUpProcess"/>
-    <dgm:cxn modelId="{282F520C-C8EC-49BB-B417-540FC811D4BD}" type="presParOf" srcId="{26EC71AF-9B19-43B5-B324-13184C2F1B88}" destId="{AF36DB52-D430-4C77-B369-F526FD09BD4F}" srcOrd="2" destOrd="0" presId="urn:microsoft.com/office/officeart/2009/3/layout/StepUpProcess"/>
-    <dgm:cxn modelId="{3ABB9306-C33F-4770-8160-5DB770019C53}" type="presParOf" srcId="{AF36DB52-D430-4C77-B369-F526FD09BD4F}" destId="{8377AB99-3DE2-45FC-B3AC-74FDA40606E8}" srcOrd="0" destOrd="0" presId="urn:microsoft.com/office/officeart/2009/3/layout/StepUpProcess"/>
-    <dgm:cxn modelId="{099AF6A1-C0CF-43D8-A73B-A6D9FEC5CF32}" type="presParOf" srcId="{AF36DB52-D430-4C77-B369-F526FD09BD4F}" destId="{D869A63C-05BC-44A7-8BC0-6901C4CA1492}" srcOrd="1" destOrd="0" presId="urn:microsoft.com/office/officeart/2009/3/layout/StepUpProcess"/>
-    <dgm:cxn modelId="{728AD754-15A5-4FEB-8CAE-46DD874F2028}" type="presParOf" srcId="{AF36DB52-D430-4C77-B369-F526FD09BD4F}" destId="{ABCF60BB-3D69-432B-9D68-7057E943F7B6}" srcOrd="2" destOrd="0" presId="urn:microsoft.com/office/officeart/2009/3/layout/StepUpProcess"/>
-    <dgm:cxn modelId="{9AEC9C9C-6F55-4EA3-B171-99D360E6B1E9}" type="presParOf" srcId="{26EC71AF-9B19-43B5-B324-13184C2F1B88}" destId="{2298DFF8-B0DC-4F8F-93D0-DC738F903D19}" srcOrd="3" destOrd="0" presId="urn:microsoft.com/office/officeart/2009/3/layout/StepUpProcess"/>
-    <dgm:cxn modelId="{DDFABD54-A0FC-415C-85E6-DDDEFEBDFD39}" type="presParOf" srcId="{2298DFF8-B0DC-4F8F-93D0-DC738F903D19}" destId="{1F33AA1E-1ED1-4A7B-9E8C-369071F53DAC}" srcOrd="0" destOrd="0" presId="urn:microsoft.com/office/officeart/2009/3/layout/StepUpProcess"/>
-    <dgm:cxn modelId="{5BF734DC-E67B-4F01-B093-AA1F32F04FED}" type="presParOf" srcId="{26EC71AF-9B19-43B5-B324-13184C2F1B88}" destId="{C205D90F-EFDC-4833-AC75-9A2AB68C708C}" srcOrd="4" destOrd="0" presId="urn:microsoft.com/office/officeart/2009/3/layout/StepUpProcess"/>
-    <dgm:cxn modelId="{103E79EC-7F15-4F60-BDFF-E61B969A0CBD}" type="presParOf" srcId="{C205D90F-EFDC-4833-AC75-9A2AB68C708C}" destId="{06A284FD-3ECB-4AA6-845E-4C33BABEF7B3}" srcOrd="0" destOrd="0" presId="urn:microsoft.com/office/officeart/2009/3/layout/StepUpProcess"/>
-    <dgm:cxn modelId="{8DDF5A83-455D-48AF-84C8-F2774D362769}" type="presParOf" srcId="{C205D90F-EFDC-4833-AC75-9A2AB68C708C}" destId="{D8ACBEC7-6CF6-4CD8-9259-1E03D812F516}" srcOrd="1" destOrd="0" presId="urn:microsoft.com/office/officeart/2009/3/layout/StepUpProcess"/>
-    <dgm:cxn modelId="{36668698-2F1D-4353-960E-82064FFF518E}" type="presParOf" srcId="{C205D90F-EFDC-4833-AC75-9A2AB68C708C}" destId="{A93B3CBE-C4A3-42EB-8ECE-1C3DC236F318}" srcOrd="2" destOrd="0" presId="urn:microsoft.com/office/officeart/2009/3/layout/StepUpProcess"/>
-    <dgm:cxn modelId="{4DE54FF6-DABF-48A6-9160-93EC2BA8A84A}" type="presParOf" srcId="{26EC71AF-9B19-43B5-B324-13184C2F1B88}" destId="{FCDD0A61-EDCC-4D9C-910E-F6F3EBC35D1A}" srcOrd="5" destOrd="0" presId="urn:microsoft.com/office/officeart/2009/3/layout/StepUpProcess"/>
-    <dgm:cxn modelId="{A693FCFD-E89B-427D-832E-E64A61E716E1}" type="presParOf" srcId="{FCDD0A61-EDCC-4D9C-910E-F6F3EBC35D1A}" destId="{3C074481-9FA6-4D1D-8DD6-D8364BC1667D}" srcOrd="0" destOrd="0" presId="urn:microsoft.com/office/officeart/2009/3/layout/StepUpProcess"/>
-    <dgm:cxn modelId="{4B53BD83-2E9F-443B-8ADD-67BDFEFDB4DF}" type="presParOf" srcId="{26EC71AF-9B19-43B5-B324-13184C2F1B88}" destId="{297D9A23-777B-479A-B4FA-91F67D8097E9}" srcOrd="6" destOrd="0" presId="urn:microsoft.com/office/officeart/2009/3/layout/StepUpProcess"/>
-    <dgm:cxn modelId="{E9A4034B-FC18-4F4B-8479-9BE7875F87DF}" type="presParOf" srcId="{297D9A23-777B-479A-B4FA-91F67D8097E9}" destId="{6CA23A21-5F61-4485-ADA3-89CCE5F7EF39}" srcOrd="0" destOrd="0" presId="urn:microsoft.com/office/officeart/2009/3/layout/StepUpProcess"/>
-    <dgm:cxn modelId="{01819EEF-F170-4F35-9ECD-7F0D7D5C0DF9}" type="presParOf" srcId="{297D9A23-777B-479A-B4FA-91F67D8097E9}" destId="{35EC254E-F92F-49EE-BE65-ED43904C06B0}" srcOrd="1" destOrd="0" presId="urn:microsoft.com/office/officeart/2009/3/layout/StepUpProcess"/>
-    <dgm:cxn modelId="{939DA7AF-B18B-4DB7-966E-65A9756CA1C8}" type="presParOf" srcId="{297D9A23-777B-479A-B4FA-91F67D8097E9}" destId="{2942DC04-2A0C-4DBE-AABD-D712D1C4D6F0}" srcOrd="2" destOrd="0" presId="urn:microsoft.com/office/officeart/2009/3/layout/StepUpProcess"/>
-    <dgm:cxn modelId="{F01C0174-5F25-48F1-8A76-DE8BF5DF3A3D}" type="presParOf" srcId="{26EC71AF-9B19-43B5-B324-13184C2F1B88}" destId="{977E80C0-DB71-4B07-A7DA-850AB6335758}" srcOrd="7" destOrd="0" presId="urn:microsoft.com/office/officeart/2009/3/layout/StepUpProcess"/>
-    <dgm:cxn modelId="{FD0145FC-3E49-4385-9B86-9FBBA476B380}" type="presParOf" srcId="{977E80C0-DB71-4B07-A7DA-850AB6335758}" destId="{ADA8601F-5E19-413A-A712-BB942225BCAF}" srcOrd="0" destOrd="0" presId="urn:microsoft.com/office/officeart/2009/3/layout/StepUpProcess"/>
-    <dgm:cxn modelId="{DECEA45D-6FEC-4DE7-976E-65F18D8A1385}" type="presParOf" srcId="{26EC71AF-9B19-43B5-B324-13184C2F1B88}" destId="{3F998195-BBFB-4895-829D-343841AF0205}" srcOrd="8" destOrd="0" presId="urn:microsoft.com/office/officeart/2009/3/layout/StepUpProcess"/>
-    <dgm:cxn modelId="{91DE98C0-80BC-4725-9BBC-5B46301D118A}" type="presParOf" srcId="{3F998195-BBFB-4895-829D-343841AF0205}" destId="{96513201-0F71-4213-AFCF-025EEF9A9479}" srcOrd="0" destOrd="0" presId="urn:microsoft.com/office/officeart/2009/3/layout/StepUpProcess"/>
-    <dgm:cxn modelId="{77C38B4D-BF63-47EA-B55F-7BEF05116FF5}" type="presParOf" srcId="{3F998195-BBFB-4895-829D-343841AF0205}" destId="{B39D3830-3D21-4EFA-BB68-48F6B9A7B27B}" srcOrd="1" destOrd="0" presId="urn:microsoft.com/office/officeart/2009/3/layout/StepUpProcess"/>
+    <dgm:cxn modelId="{0AE35DE3-A9D5-44F2-84A8-99B7C36AAE98}" type="presParOf" srcId="{88B13068-8133-499A-9B2E-1E0D62310F7F}" destId="{42D84297-EE45-43CA-8F57-B335DE2EA067}" srcOrd="0" destOrd="0" presId="urn:microsoft.com/office/officeart/2005/8/layout/hProcess9"/>
+    <dgm:cxn modelId="{FEB80852-3E5B-4BBB-B31E-F2643C97E9E2}" type="presParOf" srcId="{88B13068-8133-499A-9B2E-1E0D62310F7F}" destId="{21EC0AD3-E6AA-4050-B070-799AE2D54880}" srcOrd="1" destOrd="0" presId="urn:microsoft.com/office/officeart/2005/8/layout/hProcess9"/>
+    <dgm:cxn modelId="{01E91F7C-0D71-4BA3-B2DA-B92CA91B6677}" type="presParOf" srcId="{21EC0AD3-E6AA-4050-B070-799AE2D54880}" destId="{0182BEBC-9981-49C0-B9ED-1F11543CFB0B}" srcOrd="0" destOrd="0" presId="urn:microsoft.com/office/officeart/2005/8/layout/hProcess9"/>
+    <dgm:cxn modelId="{A40D3EDA-5542-42D9-A6C0-68DA54B423BD}" type="presParOf" srcId="{21EC0AD3-E6AA-4050-B070-799AE2D54880}" destId="{3EF72C81-C437-475F-B621-BD910FBCFACF}" srcOrd="1" destOrd="0" presId="urn:microsoft.com/office/officeart/2005/8/layout/hProcess9"/>
+    <dgm:cxn modelId="{A2A2F00A-C721-47CB-808A-1148A818FCCE}" type="presParOf" srcId="{21EC0AD3-E6AA-4050-B070-799AE2D54880}" destId="{F9729B91-535E-45C1-A48C-DA70FD3E3A1A}" srcOrd="2" destOrd="0" presId="urn:microsoft.com/office/officeart/2005/8/layout/hProcess9"/>
+    <dgm:cxn modelId="{F2BBE1EC-13D0-45E5-AF95-52CA7324D328}" type="presParOf" srcId="{21EC0AD3-E6AA-4050-B070-799AE2D54880}" destId="{7F449664-5499-48D8-A587-418D71B02947}" srcOrd="3" destOrd="0" presId="urn:microsoft.com/office/officeart/2005/8/layout/hProcess9"/>
+    <dgm:cxn modelId="{F107509E-E4D4-4E78-9C41-731B3E1C9DCD}" type="presParOf" srcId="{21EC0AD3-E6AA-4050-B070-799AE2D54880}" destId="{8D38DCC3-0AC0-4910-8A46-CDDAB05465F4}" srcOrd="4" destOrd="0" presId="urn:microsoft.com/office/officeart/2005/8/layout/hProcess9"/>
+    <dgm:cxn modelId="{5EF39501-444A-4072-8101-37BB649C40D2}" type="presParOf" srcId="{21EC0AD3-E6AA-4050-B070-799AE2D54880}" destId="{84FC226B-657E-4BAB-8E96-E3A5C8BC81D3}" srcOrd="5" destOrd="0" presId="urn:microsoft.com/office/officeart/2005/8/layout/hProcess9"/>
+    <dgm:cxn modelId="{0865592D-3FBB-4A2F-A6EE-C3E738AD666B}" type="presParOf" srcId="{21EC0AD3-E6AA-4050-B070-799AE2D54880}" destId="{9194ED45-4CDD-45D8-B521-B70CF5A2D7F8}" srcOrd="6" destOrd="0" presId="urn:microsoft.com/office/officeart/2005/8/layout/hProcess9"/>
+    <dgm:cxn modelId="{B1F59F5C-9B7C-442C-BFD5-67ACBDDDCDF1}" type="presParOf" srcId="{21EC0AD3-E6AA-4050-B070-799AE2D54880}" destId="{8A75E869-C482-41CB-A946-38B5E8A95EAD}" srcOrd="7" destOrd="0" presId="urn:microsoft.com/office/officeart/2005/8/layout/hProcess9"/>
+    <dgm:cxn modelId="{FCB1A89D-D060-4E72-8487-41F7CA3426F8}" type="presParOf" srcId="{21EC0AD3-E6AA-4050-B070-799AE2D54880}" destId="{C0205760-BE29-40C1-87A9-6551C62F8F16}" srcOrd="8" destOrd="0" presId="urn:microsoft.com/office/officeart/2005/8/layout/hProcess9"/>
   </dgm:cxnLst>
   <dgm:bg/>
   <dgm:whole/>
   <dgm:extLst>
     <a:ext uri="http://schemas.microsoft.com/office/drawing/2008/diagram">
-      <dsp:dataModelExt xmlns:dsp="http://schemas.microsoft.com/office/drawing/2008/diagram" relId="rId12" minVer="http://schemas.openxmlformats.org/drawingml/2006/diagram"/>
+      <dsp:dataModelExt xmlns:dsp="http://schemas.microsoft.com/office/drawing/2008/diagram" xmlns="" relId="rId12" minVer="http://schemas.openxmlformats.org/drawingml/2006/diagram"/>
     </a:ext>
   </dgm:extLst>
 </dgm:dataModel>
 </file>
 
 <file path=ppt/diagrams/drawing1.xml><?xml version="1.0" encoding="utf-8"?>
-<dsp:drawing xmlns:dgm="http://schemas.openxmlformats.org/drawingml/2006/diagram" xmlns:dsp="http://schemas.microsoft.com/office/drawing/2008/diagram" xmlns:a="http://schemas.openxmlformats.org/drawingml/2006/main">
+<dsp:drawing xmlns:dgm="http://schemas.openxmlformats.org/drawingml/2006/diagram" xmlns:a="http://schemas.openxmlformats.org/drawingml/2006/main" xmlns:dsp="http://schemas.microsoft.com/office/drawing/2008/diagram">
   <dsp:spTree>
     <dsp:nvGrpSpPr>
       <dsp:cNvPr id="0" name=""/>
       <dsp:cNvGrpSpPr/>
     </dsp:nvGrpSpPr>
     <dsp:grpSpPr/>
-    <dsp:sp modelId="{E165E5C8-0C54-47AA-B5EB-E663B49250DE}">
+    <dsp:sp modelId="{42D84297-EE45-43CA-8F57-B335DE2EA067}">
       <dsp:nvSpPr>
         <dsp:cNvPr id="0" name=""/>
         <dsp:cNvSpPr/>
       </dsp:nvSpPr>
       <dsp:spPr>
-        <a:xfrm rot="5400000">
-          <a:off x="364467" y="3208997"/>
-          <a:ext cx="1076942" cy="1792008"/>
+        <a:xfrm>
+          <a:off x="732541" y="0"/>
+          <a:ext cx="8302138" cy="3988675"/>
         </a:xfrm>
-        <a:prstGeom prst="corner">
-          <a:avLst>
-            <a:gd name="adj1" fmla="val 16120"/>
-            <a:gd name="adj2" fmla="val 16110"/>
-          </a:avLst>
+        <a:prstGeom prst="rightArrow">
+          <a:avLst/>
         </a:prstGeom>
         <a:solidFill>
-          <a:schemeClr val="accent1">
+          <a:schemeClr val="accent5">
+            <a:tint val="40000"/>
+            <a:hueOff val="0"/>
+            <a:satOff val="0"/>
+            <a:lumOff val="0"/>
+            <a:alphaOff val="0"/>
+          </a:schemeClr>
+        </a:solidFill>
+        <a:ln>
+          <a:noFill/>
+        </a:ln>
+        <a:effectLst/>
+      </dsp:spPr>
+      <dsp:style>
+        <a:lnRef idx="0">
+          <a:scrgbClr r="0" g="0" b="0"/>
+        </a:lnRef>
+        <a:fillRef idx="1">
+          <a:scrgbClr r="0" g="0" b="0"/>
+        </a:fillRef>
+        <a:effectRef idx="0">
+          <a:scrgbClr r="0" g="0" b="0"/>
+        </a:effectRef>
+        <a:fontRef idx="minor"/>
+      </dsp:style>
+    </dsp:sp>
+    <dsp:sp modelId="{0182BEBC-9981-49C0-B9ED-1F11543CFB0B}">
+      <dsp:nvSpPr>
+        <dsp:cNvPr id="0" name=""/>
+        <dsp:cNvSpPr/>
+      </dsp:nvSpPr>
+      <dsp:spPr>
+        <a:xfrm>
+          <a:off x="4292" y="1196602"/>
+          <a:ext cx="1876661" cy="1595470"/>
+        </a:xfrm>
+        <a:prstGeom prst="roundRect">
+          <a:avLst/>
+        </a:prstGeom>
+        <a:solidFill>
+          <a:schemeClr val="accent5">
             <a:hueOff val="0"/>
             <a:satOff val="0"/>
             <a:lumOff val="0"/>
@@ -1343,7 +1368,7 @@
         </a:solidFill>
         <a:ln w="12700" cap="flat" cmpd="sng" algn="ctr">
           <a:solidFill>
-            <a:schemeClr val="accent1">
+            <a:schemeClr val="lt1">
               <a:hueOff val="0"/>
               <a:satOff val="0"/>
               <a:lumOff val="0"/>
@@ -1369,45 +1394,13 @@
           <a:schemeClr val="lt1"/>
         </a:fontRef>
       </dsp:style>
-    </dsp:sp>
-    <dsp:sp modelId="{1988534B-E989-458B-B992-F2549F4E0592}">
-      <dsp:nvSpPr>
-        <dsp:cNvPr id="0" name=""/>
-        <dsp:cNvSpPr/>
-      </dsp:nvSpPr>
-      <dsp:spPr>
-        <a:xfrm>
-          <a:off x="184698" y="3744421"/>
-          <a:ext cx="1617835" cy="1418127"/>
-        </a:xfrm>
-        <a:prstGeom prst="rect">
-          <a:avLst/>
-        </a:prstGeom>
-        <a:noFill/>
-        <a:ln>
-          <a:noFill/>
-        </a:ln>
-        <a:effectLst/>
-      </dsp:spPr>
-      <dsp:style>
-        <a:lnRef idx="0">
-          <a:scrgbClr r="0" g="0" b="0"/>
-        </a:lnRef>
-        <a:fillRef idx="0">
-          <a:scrgbClr r="0" g="0" b="0"/>
-        </a:fillRef>
-        <a:effectRef idx="0">
-          <a:scrgbClr r="0" g="0" b="0"/>
-        </a:effectRef>
-        <a:fontRef idx="minor"/>
-      </dsp:style>
       <dsp:txBody>
-        <a:bodyPr spcFirstLastPara="0" vert="horz" wrap="square" lIns="68580" tIns="68580" rIns="68580" bIns="68580" numCol="1" spcCol="1270" anchor="t" anchorCtr="0">
+        <a:bodyPr spcFirstLastPara="0" vert="horz" wrap="square" lIns="76200" tIns="76200" rIns="76200" bIns="76200" numCol="1" spcCol="1270" anchor="ctr" anchorCtr="0">
           <a:noAutofit/>
         </a:bodyPr>
         <a:lstStyle/>
         <a:p>
-          <a:pPr lvl="0" algn="l" defTabSz="800100">
+          <a:pPr lvl="0" algn="ctr" defTabSz="889000">
             <a:lnSpc>
               <a:spcPct val="90000"/>
             </a:lnSpc>
@@ -1419,43 +1412,41 @@
             </a:spcAft>
           </a:pPr>
           <a:r>
-            <a:rPr lang="pt-BR" sz="1800" kern="1200" dirty="0" smtClean="0"/>
+            <a:rPr lang="pt-BR" sz="2000" kern="1200" dirty="0" smtClean="0"/>
             <a:t>Seleção Inicial (parceiros)</a:t>
           </a:r>
-          <a:endParaRPr lang="pt-BR" sz="1800" kern="1200" dirty="0"/>
+          <a:endParaRPr lang="pt-BR" sz="2000" kern="1200" dirty="0"/>
         </a:p>
       </dsp:txBody>
       <dsp:txXfrm>
-        <a:off x="184698" y="3744421"/>
-        <a:ext cx="1617835" cy="1418127"/>
+        <a:off x="4292" y="1196602"/>
+        <a:ext cx="1876661" cy="1595470"/>
       </dsp:txXfrm>
     </dsp:sp>
-    <dsp:sp modelId="{6DDE3387-FAD8-475F-8638-CF8E5A5AC626}">
+    <dsp:sp modelId="{F9729B91-535E-45C1-A48C-DA70FD3E3A1A}">
       <dsp:nvSpPr>
         <dsp:cNvPr id="0" name=""/>
         <dsp:cNvSpPr/>
       </dsp:nvSpPr>
       <dsp:spPr>
         <a:xfrm>
-          <a:off x="1497282" y="3077067"/>
-          <a:ext cx="305251" cy="305251"/>
+          <a:off x="1974786" y="1196602"/>
+          <a:ext cx="1876661" cy="1595470"/>
         </a:xfrm>
-        <a:prstGeom prst="triangle">
-          <a:avLst>
-            <a:gd name="adj" fmla="val 100000"/>
-          </a:avLst>
+        <a:prstGeom prst="roundRect">
+          <a:avLst/>
         </a:prstGeom>
         <a:solidFill>
-          <a:schemeClr val="accent1">
-            <a:hueOff val="0"/>
-            <a:satOff val="0"/>
-            <a:lumOff val="0"/>
+          <a:schemeClr val="accent5">
+            <a:hueOff val="2997838"/>
+            <a:satOff val="18583"/>
+            <a:lumOff val="-1128"/>
             <a:alphaOff val="0"/>
           </a:schemeClr>
         </a:solidFill>
         <a:ln w="12700" cap="flat" cmpd="sng" algn="ctr">
           <a:solidFill>
-            <a:schemeClr val="accent1">
+            <a:schemeClr val="lt1">
               <a:hueOff val="0"/>
               <a:satOff val="0"/>
               <a:lumOff val="0"/>
@@ -1481,34 +1472,59 @@
           <a:schemeClr val="lt1"/>
         </a:fontRef>
       </dsp:style>
+      <dsp:txBody>
+        <a:bodyPr spcFirstLastPara="0" vert="horz" wrap="square" lIns="76200" tIns="76200" rIns="76200" bIns="76200" numCol="1" spcCol="1270" anchor="ctr" anchorCtr="0">
+          <a:noAutofit/>
+        </a:bodyPr>
+        <a:lstStyle/>
+        <a:p>
+          <a:pPr lvl="0" algn="ctr" defTabSz="889000">
+            <a:lnSpc>
+              <a:spcPct val="90000"/>
+            </a:lnSpc>
+            <a:spcBef>
+              <a:spcPct val="0"/>
+            </a:spcBef>
+            <a:spcAft>
+              <a:spcPct val="35000"/>
+            </a:spcAft>
+          </a:pPr>
+          <a:r>
+            <a:rPr lang="pt-BR" sz="2000" kern="1200" dirty="0" smtClean="0"/>
+            <a:t>Seleção Aceleradora</a:t>
+          </a:r>
+          <a:endParaRPr lang="pt-BR" sz="2000" kern="1200" dirty="0"/>
+        </a:p>
+      </dsp:txBody>
+      <dsp:txXfrm>
+        <a:off x="1974786" y="1196602"/>
+        <a:ext cx="1876661" cy="1595470"/>
+      </dsp:txXfrm>
     </dsp:sp>
-    <dsp:sp modelId="{8377AB99-3DE2-45FC-B3AC-74FDA40606E8}">
+    <dsp:sp modelId="{8D38DCC3-0AC0-4910-8A46-CDDAB05465F4}">
       <dsp:nvSpPr>
         <dsp:cNvPr id="0" name=""/>
         <dsp:cNvSpPr/>
       </dsp:nvSpPr>
       <dsp:spPr>
-        <a:xfrm rot="5400000">
-          <a:off x="2345013" y="2718909"/>
-          <a:ext cx="1076942" cy="1792008"/>
+        <a:xfrm>
+          <a:off x="3945280" y="1196602"/>
+          <a:ext cx="1876661" cy="1595470"/>
         </a:xfrm>
-        <a:prstGeom prst="corner">
-          <a:avLst>
-            <a:gd name="adj1" fmla="val 16120"/>
-            <a:gd name="adj2" fmla="val 16110"/>
-          </a:avLst>
+        <a:prstGeom prst="roundRect">
+          <a:avLst/>
         </a:prstGeom>
         <a:solidFill>
-          <a:schemeClr val="accent1">
-            <a:hueOff val="0"/>
-            <a:satOff val="0"/>
-            <a:lumOff val="0"/>
+          <a:schemeClr val="accent5">
+            <a:hueOff val="5995675"/>
+            <a:satOff val="37165"/>
+            <a:lumOff val="-2255"/>
             <a:alphaOff val="0"/>
           </a:schemeClr>
         </a:solidFill>
         <a:ln w="12700" cap="flat" cmpd="sng" algn="ctr">
           <a:solidFill>
-            <a:schemeClr val="accent1">
+            <a:schemeClr val="lt1">
               <a:hueOff val="0"/>
               <a:satOff val="0"/>
               <a:lumOff val="0"/>
@@ -1534,45 +1550,13 @@
           <a:schemeClr val="lt1"/>
         </a:fontRef>
       </dsp:style>
-    </dsp:sp>
-    <dsp:sp modelId="{D869A63C-05BC-44A7-8BC0-6901C4CA1492}">
-      <dsp:nvSpPr>
-        <dsp:cNvPr id="0" name=""/>
-        <dsp:cNvSpPr/>
-      </dsp:nvSpPr>
-      <dsp:spPr>
-        <a:xfrm>
-          <a:off x="2165245" y="3254333"/>
-          <a:ext cx="1617835" cy="1418127"/>
-        </a:xfrm>
-        <a:prstGeom prst="rect">
-          <a:avLst/>
-        </a:prstGeom>
-        <a:noFill/>
-        <a:ln>
-          <a:noFill/>
-        </a:ln>
-        <a:effectLst/>
-      </dsp:spPr>
-      <dsp:style>
-        <a:lnRef idx="0">
-          <a:scrgbClr r="0" g="0" b="0"/>
-        </a:lnRef>
-        <a:fillRef idx="0">
-          <a:scrgbClr r="0" g="0" b="0"/>
-        </a:fillRef>
-        <a:effectRef idx="0">
-          <a:scrgbClr r="0" g="0" b="0"/>
-        </a:effectRef>
-        <a:fontRef idx="minor"/>
-      </dsp:style>
       <dsp:txBody>
-        <a:bodyPr spcFirstLastPara="0" vert="horz" wrap="square" lIns="68580" tIns="68580" rIns="68580" bIns="68580" numCol="1" spcCol="1270" anchor="t" anchorCtr="0">
+        <a:bodyPr spcFirstLastPara="0" vert="horz" wrap="square" lIns="76200" tIns="76200" rIns="76200" bIns="76200" numCol="1" spcCol="1270" anchor="ctr" anchorCtr="0">
           <a:noAutofit/>
         </a:bodyPr>
         <a:lstStyle/>
         <a:p>
-          <a:pPr lvl="0" algn="l" defTabSz="800100">
+          <a:pPr lvl="0" algn="ctr" defTabSz="889000">
             <a:lnSpc>
               <a:spcPct val="90000"/>
             </a:lnSpc>
@@ -1584,43 +1568,41 @@
             </a:spcAft>
           </a:pPr>
           <a:r>
-            <a:rPr lang="pt-BR" sz="1800" kern="1200" dirty="0" smtClean="0"/>
-            <a:t>Seleção Aceleradora</a:t>
+            <a:rPr lang="pt-BR" sz="2000" kern="1200" dirty="0" err="1" smtClean="0"/>
+            <a:t>Crowdfunding</a:t>
           </a:r>
-          <a:endParaRPr lang="pt-BR" sz="1800" kern="1200" dirty="0"/>
+          <a:endParaRPr lang="pt-BR" sz="2000" kern="1200" dirty="0"/>
         </a:p>
       </dsp:txBody>
       <dsp:txXfrm>
-        <a:off x="2165245" y="3254333"/>
-        <a:ext cx="1617835" cy="1418127"/>
+        <a:off x="3945280" y="1196602"/>
+        <a:ext cx="1876661" cy="1595470"/>
       </dsp:txXfrm>
     </dsp:sp>
-    <dsp:sp modelId="{ABCF60BB-3D69-432B-9D68-7057E943F7B6}">
+    <dsp:sp modelId="{9194ED45-4CDD-45D8-B521-B70CF5A2D7F8}">
       <dsp:nvSpPr>
         <dsp:cNvPr id="0" name=""/>
         <dsp:cNvSpPr/>
       </dsp:nvSpPr>
       <dsp:spPr>
         <a:xfrm>
-          <a:off x="3477828" y="2586979"/>
-          <a:ext cx="305251" cy="305251"/>
+          <a:off x="5915774" y="1196602"/>
+          <a:ext cx="1876661" cy="1595470"/>
         </a:xfrm>
-        <a:prstGeom prst="triangle">
-          <a:avLst>
-            <a:gd name="adj" fmla="val 100000"/>
-          </a:avLst>
+        <a:prstGeom prst="roundRect">
+          <a:avLst/>
         </a:prstGeom>
         <a:solidFill>
-          <a:schemeClr val="accent1">
-            <a:hueOff val="0"/>
-            <a:satOff val="0"/>
-            <a:lumOff val="0"/>
+          <a:schemeClr val="accent5">
+            <a:hueOff val="8993513"/>
+            <a:satOff val="55748"/>
+            <a:lumOff val="-3383"/>
             <a:alphaOff val="0"/>
           </a:schemeClr>
         </a:solidFill>
         <a:ln w="12700" cap="flat" cmpd="sng" algn="ctr">
           <a:solidFill>
-            <a:schemeClr val="accent1">
+            <a:schemeClr val="lt1">
               <a:hueOff val="0"/>
               <a:satOff val="0"/>
               <a:lumOff val="0"/>
@@ -1646,34 +1628,59 @@
           <a:schemeClr val="lt1"/>
         </a:fontRef>
       </dsp:style>
+      <dsp:txBody>
+        <a:bodyPr spcFirstLastPara="0" vert="horz" wrap="square" lIns="76200" tIns="76200" rIns="76200" bIns="76200" numCol="1" spcCol="1270" anchor="ctr" anchorCtr="0">
+          <a:noAutofit/>
+        </a:bodyPr>
+        <a:lstStyle/>
+        <a:p>
+          <a:pPr lvl="0" algn="ctr" defTabSz="889000">
+            <a:lnSpc>
+              <a:spcPct val="90000"/>
+            </a:lnSpc>
+            <a:spcBef>
+              <a:spcPct val="0"/>
+            </a:spcBef>
+            <a:spcAft>
+              <a:spcPct val="35000"/>
+            </a:spcAft>
+          </a:pPr>
+          <a:r>
+            <a:rPr lang="pt-BR" sz="2000" kern="1200" dirty="0" smtClean="0"/>
+            <a:t>Apoio</a:t>
+          </a:r>
+          <a:endParaRPr lang="pt-BR" sz="2000" kern="1200" dirty="0"/>
+        </a:p>
+      </dsp:txBody>
+      <dsp:txXfrm>
+        <a:off x="5915774" y="1196602"/>
+        <a:ext cx="1876661" cy="1595470"/>
+      </dsp:txXfrm>
     </dsp:sp>
-    <dsp:sp modelId="{06A284FD-3ECB-4AA6-845E-4C33BABEF7B3}">
+    <dsp:sp modelId="{C0205760-BE29-40C1-87A9-6551C62F8F16}">
       <dsp:nvSpPr>
         <dsp:cNvPr id="0" name=""/>
         <dsp:cNvSpPr/>
       </dsp:nvSpPr>
       <dsp:spPr>
-        <a:xfrm rot="5400000">
-          <a:off x="4325560" y="2228820"/>
-          <a:ext cx="1076942" cy="1792008"/>
+        <a:xfrm>
+          <a:off x="7886268" y="1196602"/>
+          <a:ext cx="1876661" cy="1595470"/>
         </a:xfrm>
-        <a:prstGeom prst="corner">
-          <a:avLst>
-            <a:gd name="adj1" fmla="val 16120"/>
-            <a:gd name="adj2" fmla="val 16110"/>
-          </a:avLst>
+        <a:prstGeom prst="roundRect">
+          <a:avLst/>
         </a:prstGeom>
         <a:solidFill>
-          <a:schemeClr val="accent1">
-            <a:hueOff val="0"/>
-            <a:satOff val="0"/>
-            <a:lumOff val="0"/>
+          <a:schemeClr val="accent5">
+            <a:hueOff val="11991350"/>
+            <a:satOff val="74331"/>
+            <a:lumOff val="-4510"/>
             <a:alphaOff val="0"/>
           </a:schemeClr>
         </a:solidFill>
         <a:ln w="12700" cap="flat" cmpd="sng" algn="ctr">
           <a:solidFill>
-            <a:schemeClr val="accent1">
+            <a:schemeClr val="lt1">
               <a:hueOff val="0"/>
               <a:satOff val="0"/>
               <a:lumOff val="0"/>
@@ -1699,45 +1706,13 @@
           <a:schemeClr val="lt1"/>
         </a:fontRef>
       </dsp:style>
-    </dsp:sp>
-    <dsp:sp modelId="{D8ACBEC7-6CF6-4CD8-9259-1E03D812F516}">
-      <dsp:nvSpPr>
-        <dsp:cNvPr id="0" name=""/>
-        <dsp:cNvSpPr/>
-      </dsp:nvSpPr>
-      <dsp:spPr>
-        <a:xfrm>
-          <a:off x="4145791" y="2764245"/>
-          <a:ext cx="1617835" cy="1418127"/>
-        </a:xfrm>
-        <a:prstGeom prst="rect">
-          <a:avLst/>
-        </a:prstGeom>
-        <a:noFill/>
-        <a:ln>
-          <a:noFill/>
-        </a:ln>
-        <a:effectLst/>
-      </dsp:spPr>
-      <dsp:style>
-        <a:lnRef idx="0">
-          <a:scrgbClr r="0" g="0" b="0"/>
-        </a:lnRef>
-        <a:fillRef idx="0">
-          <a:scrgbClr r="0" g="0" b="0"/>
-        </a:fillRef>
-        <a:effectRef idx="0">
-          <a:scrgbClr r="0" g="0" b="0"/>
-        </a:effectRef>
-        <a:fontRef idx="minor"/>
-      </dsp:style>
       <dsp:txBody>
-        <a:bodyPr spcFirstLastPara="0" vert="horz" wrap="square" lIns="68580" tIns="68580" rIns="68580" bIns="68580" numCol="1" spcCol="1270" anchor="t" anchorCtr="0">
+        <a:bodyPr spcFirstLastPara="0" vert="horz" wrap="square" lIns="76200" tIns="76200" rIns="76200" bIns="76200" numCol="1" spcCol="1270" anchor="ctr" anchorCtr="0">
           <a:noAutofit/>
         </a:bodyPr>
         <a:lstStyle/>
         <a:p>
-          <a:pPr lvl="0" algn="l" defTabSz="800100">
+          <a:pPr lvl="0" algn="ctr" defTabSz="889000">
             <a:lnSpc>
               <a:spcPct val="90000"/>
             </a:lnSpc>
@@ -1749,345 +1724,15 @@
             </a:spcAft>
           </a:pPr>
           <a:r>
-            <a:rPr lang="pt-BR" sz="1800" kern="1200" dirty="0" err="1" smtClean="0"/>
-            <a:t>Crowdfunding</a:t>
+            <a:rPr lang="pt-BR" sz="2000" kern="1200" dirty="0" smtClean="0"/>
+            <a:t>Retorno</a:t>
           </a:r>
-          <a:endParaRPr lang="pt-BR" sz="1800" kern="1200" dirty="0"/>
+          <a:endParaRPr lang="pt-BR" sz="2000" kern="1200" dirty="0"/>
         </a:p>
       </dsp:txBody>
       <dsp:txXfrm>
-        <a:off x="4145791" y="2764245"/>
-        <a:ext cx="1617835" cy="1418127"/>
-      </dsp:txXfrm>
-    </dsp:sp>
-    <dsp:sp modelId="{A93B3CBE-C4A3-42EB-8ECE-1C3DC236F318}">
-      <dsp:nvSpPr>
-        <dsp:cNvPr id="0" name=""/>
-        <dsp:cNvSpPr/>
-      </dsp:nvSpPr>
-      <dsp:spPr>
-        <a:xfrm>
-          <a:off x="5458375" y="2096891"/>
-          <a:ext cx="305251" cy="305251"/>
-        </a:xfrm>
-        <a:prstGeom prst="triangle">
-          <a:avLst>
-            <a:gd name="adj" fmla="val 100000"/>
-          </a:avLst>
-        </a:prstGeom>
-        <a:solidFill>
-          <a:schemeClr val="accent1">
-            <a:hueOff val="0"/>
-            <a:satOff val="0"/>
-            <a:lumOff val="0"/>
-            <a:alphaOff val="0"/>
-          </a:schemeClr>
-        </a:solidFill>
-        <a:ln w="12700" cap="flat" cmpd="sng" algn="ctr">
-          <a:solidFill>
-            <a:schemeClr val="accent1">
-              <a:hueOff val="0"/>
-              <a:satOff val="0"/>
-              <a:lumOff val="0"/>
-              <a:alphaOff val="0"/>
-            </a:schemeClr>
-          </a:solidFill>
-          <a:prstDash val="solid"/>
-          <a:miter lim="800000"/>
-        </a:ln>
-        <a:effectLst/>
-      </dsp:spPr>
-      <dsp:style>
-        <a:lnRef idx="2">
-          <a:scrgbClr r="0" g="0" b="0"/>
-        </a:lnRef>
-        <a:fillRef idx="1">
-          <a:scrgbClr r="0" g="0" b="0"/>
-        </a:fillRef>
-        <a:effectRef idx="0">
-          <a:scrgbClr r="0" g="0" b="0"/>
-        </a:effectRef>
-        <a:fontRef idx="minor">
-          <a:schemeClr val="lt1"/>
-        </a:fontRef>
-      </dsp:style>
-    </dsp:sp>
-    <dsp:sp modelId="{6CA23A21-5F61-4485-ADA3-89CCE5F7EF39}">
-      <dsp:nvSpPr>
-        <dsp:cNvPr id="0" name=""/>
-        <dsp:cNvSpPr/>
-      </dsp:nvSpPr>
-      <dsp:spPr>
-        <a:xfrm rot="5400000">
-          <a:off x="6306107" y="1738732"/>
-          <a:ext cx="1076942" cy="1792008"/>
-        </a:xfrm>
-        <a:prstGeom prst="corner">
-          <a:avLst>
-            <a:gd name="adj1" fmla="val 16120"/>
-            <a:gd name="adj2" fmla="val 16110"/>
-          </a:avLst>
-        </a:prstGeom>
-        <a:solidFill>
-          <a:schemeClr val="accent1">
-            <a:hueOff val="0"/>
-            <a:satOff val="0"/>
-            <a:lumOff val="0"/>
-            <a:alphaOff val="0"/>
-          </a:schemeClr>
-        </a:solidFill>
-        <a:ln w="12700" cap="flat" cmpd="sng" algn="ctr">
-          <a:solidFill>
-            <a:schemeClr val="accent1">
-              <a:hueOff val="0"/>
-              <a:satOff val="0"/>
-              <a:lumOff val="0"/>
-              <a:alphaOff val="0"/>
-            </a:schemeClr>
-          </a:solidFill>
-          <a:prstDash val="solid"/>
-          <a:miter lim="800000"/>
-        </a:ln>
-        <a:effectLst/>
-      </dsp:spPr>
-      <dsp:style>
-        <a:lnRef idx="2">
-          <a:scrgbClr r="0" g="0" b="0"/>
-        </a:lnRef>
-        <a:fillRef idx="1">
-          <a:scrgbClr r="0" g="0" b="0"/>
-        </a:fillRef>
-        <a:effectRef idx="0">
-          <a:scrgbClr r="0" g="0" b="0"/>
-        </a:effectRef>
-        <a:fontRef idx="minor">
-          <a:schemeClr val="lt1"/>
-        </a:fontRef>
-      </dsp:style>
-    </dsp:sp>
-    <dsp:sp modelId="{35EC254E-F92F-49EE-BE65-ED43904C06B0}">
-      <dsp:nvSpPr>
-        <dsp:cNvPr id="0" name=""/>
-        <dsp:cNvSpPr/>
-      </dsp:nvSpPr>
-      <dsp:spPr>
-        <a:xfrm>
-          <a:off x="6126338" y="2274157"/>
-          <a:ext cx="1617835" cy="1418127"/>
-        </a:xfrm>
-        <a:prstGeom prst="rect">
-          <a:avLst/>
-        </a:prstGeom>
-        <a:noFill/>
-        <a:ln>
-          <a:noFill/>
-        </a:ln>
-        <a:effectLst/>
-      </dsp:spPr>
-      <dsp:style>
-        <a:lnRef idx="0">
-          <a:scrgbClr r="0" g="0" b="0"/>
-        </a:lnRef>
-        <a:fillRef idx="0">
-          <a:scrgbClr r="0" g="0" b="0"/>
-        </a:fillRef>
-        <a:effectRef idx="0">
-          <a:scrgbClr r="0" g="0" b="0"/>
-        </a:effectRef>
-        <a:fontRef idx="minor"/>
-      </dsp:style>
-      <dsp:txBody>
-        <a:bodyPr spcFirstLastPara="0" vert="horz" wrap="square" lIns="68580" tIns="68580" rIns="68580" bIns="68580" numCol="1" spcCol="1270" anchor="t" anchorCtr="0">
-          <a:noAutofit/>
-        </a:bodyPr>
-        <a:lstStyle/>
-        <a:p>
-          <a:pPr lvl="0" algn="l" defTabSz="800100">
-            <a:lnSpc>
-              <a:spcPct val="90000"/>
-            </a:lnSpc>
-            <a:spcBef>
-              <a:spcPct val="0"/>
-            </a:spcBef>
-            <a:spcAft>
-              <a:spcPct val="35000"/>
-            </a:spcAft>
-          </a:pPr>
-          <a:r>
-            <a:rPr lang="pt-BR" sz="1800" kern="1200" dirty="0" smtClean="0"/>
-            <a:t>Apoio</a:t>
-          </a:r>
-          <a:endParaRPr lang="pt-BR" sz="1800" kern="1200" dirty="0"/>
-        </a:p>
-      </dsp:txBody>
-      <dsp:txXfrm>
-        <a:off x="6126338" y="2274157"/>
-        <a:ext cx="1617835" cy="1418127"/>
-      </dsp:txXfrm>
-    </dsp:sp>
-    <dsp:sp modelId="{2942DC04-2A0C-4DBE-AABD-D712D1C4D6F0}">
-      <dsp:nvSpPr>
-        <dsp:cNvPr id="0" name=""/>
-        <dsp:cNvSpPr/>
-      </dsp:nvSpPr>
-      <dsp:spPr>
-        <a:xfrm>
-          <a:off x="7438922" y="1606803"/>
-          <a:ext cx="305251" cy="305251"/>
-        </a:xfrm>
-        <a:prstGeom prst="triangle">
-          <a:avLst>
-            <a:gd name="adj" fmla="val 100000"/>
-          </a:avLst>
-        </a:prstGeom>
-        <a:solidFill>
-          <a:schemeClr val="accent1">
-            <a:hueOff val="0"/>
-            <a:satOff val="0"/>
-            <a:lumOff val="0"/>
-            <a:alphaOff val="0"/>
-          </a:schemeClr>
-        </a:solidFill>
-        <a:ln w="12700" cap="flat" cmpd="sng" algn="ctr">
-          <a:solidFill>
-            <a:schemeClr val="accent1">
-              <a:hueOff val="0"/>
-              <a:satOff val="0"/>
-              <a:lumOff val="0"/>
-              <a:alphaOff val="0"/>
-            </a:schemeClr>
-          </a:solidFill>
-          <a:prstDash val="solid"/>
-          <a:miter lim="800000"/>
-        </a:ln>
-        <a:effectLst/>
-      </dsp:spPr>
-      <dsp:style>
-        <a:lnRef idx="2">
-          <a:scrgbClr r="0" g="0" b="0"/>
-        </a:lnRef>
-        <a:fillRef idx="1">
-          <a:scrgbClr r="0" g="0" b="0"/>
-        </a:fillRef>
-        <a:effectRef idx="0">
-          <a:scrgbClr r="0" g="0" b="0"/>
-        </a:effectRef>
-        <a:fontRef idx="minor">
-          <a:schemeClr val="lt1"/>
-        </a:fontRef>
-      </dsp:style>
-    </dsp:sp>
-    <dsp:sp modelId="{96513201-0F71-4213-AFCF-025EEF9A9479}">
-      <dsp:nvSpPr>
-        <dsp:cNvPr id="0" name=""/>
-        <dsp:cNvSpPr/>
-      </dsp:nvSpPr>
-      <dsp:spPr>
-        <a:xfrm rot="5400000">
-          <a:off x="8286653" y="1248644"/>
-          <a:ext cx="1076942" cy="1792008"/>
-        </a:xfrm>
-        <a:prstGeom prst="corner">
-          <a:avLst>
-            <a:gd name="adj1" fmla="val 16120"/>
-            <a:gd name="adj2" fmla="val 16110"/>
-          </a:avLst>
-        </a:prstGeom>
-        <a:solidFill>
-          <a:schemeClr val="accent1">
-            <a:hueOff val="0"/>
-            <a:satOff val="0"/>
-            <a:lumOff val="0"/>
-            <a:alphaOff val="0"/>
-          </a:schemeClr>
-        </a:solidFill>
-        <a:ln w="12700" cap="flat" cmpd="sng" algn="ctr">
-          <a:solidFill>
-            <a:schemeClr val="accent1">
-              <a:hueOff val="0"/>
-              <a:satOff val="0"/>
-              <a:lumOff val="0"/>
-              <a:alphaOff val="0"/>
-            </a:schemeClr>
-          </a:solidFill>
-          <a:prstDash val="solid"/>
-          <a:miter lim="800000"/>
-        </a:ln>
-        <a:effectLst/>
-      </dsp:spPr>
-      <dsp:style>
-        <a:lnRef idx="2">
-          <a:scrgbClr r="0" g="0" b="0"/>
-        </a:lnRef>
-        <a:fillRef idx="1">
-          <a:scrgbClr r="0" g="0" b="0"/>
-        </a:fillRef>
-        <a:effectRef idx="0">
-          <a:scrgbClr r="0" g="0" b="0"/>
-        </a:effectRef>
-        <a:fontRef idx="minor">
-          <a:schemeClr val="lt1"/>
-        </a:fontRef>
-      </dsp:style>
-    </dsp:sp>
-    <dsp:sp modelId="{B39D3830-3D21-4EFA-BB68-48F6B9A7B27B}">
-      <dsp:nvSpPr>
-        <dsp:cNvPr id="0" name=""/>
-        <dsp:cNvSpPr/>
-      </dsp:nvSpPr>
-      <dsp:spPr>
-        <a:xfrm>
-          <a:off x="8106885" y="1784069"/>
-          <a:ext cx="1617835" cy="1418127"/>
-        </a:xfrm>
-        <a:prstGeom prst="rect">
-          <a:avLst/>
-        </a:prstGeom>
-        <a:noFill/>
-        <a:ln>
-          <a:noFill/>
-        </a:ln>
-        <a:effectLst/>
-      </dsp:spPr>
-      <dsp:style>
-        <a:lnRef idx="0">
-          <a:scrgbClr r="0" g="0" b="0"/>
-        </a:lnRef>
-        <a:fillRef idx="0">
-          <a:scrgbClr r="0" g="0" b="0"/>
-        </a:fillRef>
-        <a:effectRef idx="0">
-          <a:scrgbClr r="0" g="0" b="0"/>
-        </a:effectRef>
-        <a:fontRef idx="minor"/>
-      </dsp:style>
-      <dsp:txBody>
-        <a:bodyPr spcFirstLastPara="0" vert="horz" wrap="square" lIns="68580" tIns="68580" rIns="68580" bIns="68580" numCol="1" spcCol="1270" anchor="t" anchorCtr="0">
-          <a:noAutofit/>
-        </a:bodyPr>
-        <a:lstStyle/>
-        <a:p>
-          <a:pPr lvl="0" algn="l" defTabSz="800100">
-            <a:lnSpc>
-              <a:spcPct val="90000"/>
-            </a:lnSpc>
-            <a:spcBef>
-              <a:spcPct val="0"/>
-            </a:spcBef>
-            <a:spcAft>
-              <a:spcPct val="35000"/>
-            </a:spcAft>
-          </a:pPr>
-          <a:r>
-            <a:rPr lang="pt-BR" sz="1800" kern="1200" dirty="0" smtClean="0"/>
-            <a:t>Retorno</a:t>
-          </a:r>
-          <a:endParaRPr lang="pt-BR" sz="1800" kern="1200" dirty="0"/>
-        </a:p>
-      </dsp:txBody>
-      <dsp:txXfrm>
-        <a:off x="8106885" y="1784069"/>
-        <a:ext cx="1617835" cy="1418127"/>
+        <a:off x="7886268" y="1196602"/>
+        <a:ext cx="1876661" cy="1595470"/>
       </dsp:txXfrm>
     </dsp:sp>
   </dsp:spTree>
@@ -2095,31 +1740,16 @@
 </file>
 
 <file path=ppt/diagrams/layout1.xml><?xml version="1.0" encoding="utf-8"?>
-<dgm:layoutDef xmlns:dgm="http://schemas.openxmlformats.org/drawingml/2006/diagram" xmlns:a="http://schemas.openxmlformats.org/drawingml/2006/main" uniqueId="urn:microsoft.com/office/officeart/2009/3/layout/StepUpProcess">
+<dgm:layoutDef xmlns:dgm="http://schemas.openxmlformats.org/drawingml/2006/diagram" xmlns:a="http://schemas.openxmlformats.org/drawingml/2006/main" uniqueId="urn:microsoft.com/office/officeart/2005/8/layout/hProcess9">
   <dgm:title val=""/>
   <dgm:desc val=""/>
   <dgm:catLst>
-    <dgm:cat type="process" pri="1300"/>
+    <dgm:cat type="process" pri="5000"/>
+    <dgm:cat type="convert" pri="13000"/>
   </dgm:catLst>
-  <dgm:sampData>
+  <dgm:sampData useDef="1">
     <dgm:dataModel>
-      <dgm:ptLst>
-        <dgm:pt modelId="0" type="doc"/>
-        <dgm:pt modelId="10">
-          <dgm:prSet phldr="1"/>
-        </dgm:pt>
-        <dgm:pt modelId="20">
-          <dgm:prSet phldr="1"/>
-        </dgm:pt>
-        <dgm:pt modelId="30">
-          <dgm:prSet phldr="1"/>
-        </dgm:pt>
-      </dgm:ptLst>
-      <dgm:cxnLst>
-        <dgm:cxn modelId="60" srcId="0" destId="10" srcOrd="0" destOrd="0"/>
-        <dgm:cxn modelId="70" srcId="0" destId="20" srcOrd="1" destOrd="0"/>
-        <dgm:cxn modelId="80" srcId="0" destId="30" srcOrd="2" destOrd="0"/>
-      </dgm:cxnLst>
+      <dgm:ptLst/>
       <dgm:bg/>
       <dgm:whole/>
     </dgm:dataModel>
@@ -2128,16 +1758,12 @@
     <dgm:dataModel>
       <dgm:ptLst>
         <dgm:pt modelId="0" type="doc"/>
-        <dgm:pt modelId="10">
-          <dgm:prSet phldr="1"/>
-        </dgm:pt>
-        <dgm:pt modelId="20">
-          <dgm:prSet phldr="1"/>
-        </dgm:pt>
+        <dgm:pt modelId="1"/>
+        <dgm:pt modelId="2"/>
       </dgm:ptLst>
       <dgm:cxnLst>
-        <dgm:cxn modelId="60" srcId="0" destId="10" srcOrd="0" destOrd="0"/>
-        <dgm:cxn modelId="70" srcId="0" destId="20" srcOrd="1" destOrd="0"/>
+        <dgm:cxn modelId="3" srcId="0" destId="1" srcOrd="0" destOrd="0"/>
+        <dgm:cxn modelId="4" srcId="0" destId="2" srcOrd="1" destOrd="0"/>
       </dgm:cxnLst>
       <dgm:bg/>
       <dgm:whole/>
@@ -2147,201 +1773,122 @@
     <dgm:dataModel>
       <dgm:ptLst>
         <dgm:pt modelId="0" type="doc"/>
-        <dgm:pt modelId="10">
-          <dgm:prSet phldr="1"/>
-        </dgm:pt>
-        <dgm:pt modelId="20">
-          <dgm:prSet phldr="1"/>
-        </dgm:pt>
-        <dgm:pt modelId="30">
-          <dgm:prSet phldr="1"/>
-        </dgm:pt>
-        <dgm:pt modelId="40">
-          <dgm:prSet phldr="1"/>
-        </dgm:pt>
+        <dgm:pt modelId="1"/>
+        <dgm:pt modelId="2"/>
+        <dgm:pt modelId="3"/>
+        <dgm:pt modelId="4"/>
       </dgm:ptLst>
       <dgm:cxnLst>
-        <dgm:cxn modelId="60" srcId="0" destId="10" srcOrd="0" destOrd="0"/>
-        <dgm:cxn modelId="70" srcId="0" destId="20" srcOrd="1" destOrd="0"/>
-        <dgm:cxn modelId="80" srcId="0" destId="30" srcOrd="2" destOrd="0"/>
-        <dgm:cxn modelId="90" srcId="0" destId="40" srcOrd="3" destOrd="0"/>
+        <dgm:cxn modelId="5" srcId="0" destId="1" srcOrd="0" destOrd="0"/>
+        <dgm:cxn modelId="6" srcId="0" destId="2" srcOrd="1" destOrd="0"/>
+        <dgm:cxn modelId="7" srcId="0" destId="3" srcOrd="2" destOrd="0"/>
+        <dgm:cxn modelId="8" srcId="0" destId="4" srcOrd="3" destOrd="0"/>
       </dgm:cxnLst>
       <dgm:bg/>
       <dgm:whole/>
     </dgm:dataModel>
   </dgm:clrData>
-  <dgm:layoutNode name="rootnode">
+  <dgm:layoutNode name="CompostProcess">
     <dgm:varLst>
-      <dgm:chMax/>
-      <dgm:chPref/>
       <dgm:dir/>
-      <dgm:animLvl val="lvl"/>
+      <dgm:resizeHandles val="exact"/>
     </dgm:varLst>
-    <dgm:choose name="Name0">
-      <dgm:if name="Name1" func="var" arg="dir" op="equ" val="norm">
-        <dgm:alg type="snake">
-          <dgm:param type="grDir" val="bL"/>
-          <dgm:param type="flowDir" val="row"/>
-          <dgm:param type="off" val="off"/>
-          <dgm:param type="bkpt" val="fixed"/>
-          <dgm:param type="bkPtFixedVal" val="1"/>
-        </dgm:alg>
-      </dgm:if>
-      <dgm:else name="Name2">
-        <dgm:alg type="snake">
-          <dgm:param type="grDir" val="bR"/>
-          <dgm:param type="flowDir" val="row"/>
-          <dgm:param type="off" val="off"/>
-          <dgm:param type="bkpt" val="fixed"/>
-          <dgm:param type="bkPtFixedVal" val="1"/>
-        </dgm:alg>
-      </dgm:else>
-    </dgm:choose>
+    <dgm:alg type="composite">
+      <dgm:param type="horzAlign" val="ctr"/>
+      <dgm:param type="vertAlign" val="mid"/>
+    </dgm:alg>
     <dgm:shape xmlns:r="http://schemas.openxmlformats.org/officeDocument/2006/relationships" r:blip="">
       <dgm:adjLst/>
     </dgm:shape>
+    <dgm:presOf/>
     <dgm:constrLst>
-      <dgm:constr type="alignOff" forName="rootnode" val="1"/>
-      <dgm:constr type="primFontSz" for="des" ptType="node" op="equ" val="65"/>
-      <dgm:constr type="w" for="ch" forName="composite" refType="w"/>
-      <dgm:constr type="h" for="ch" forName="composite" refType="h"/>
-      <dgm:constr type="sp" refType="h" refFor="ch" refForName="composite" op="equ" fact="-0.765"/>
-      <dgm:constr type="w" for="ch" forName="sibTrans" refType="w" fact="0.103"/>
-      <dgm:constr type="h" for="ch" forName="sibTrans" refType="h" fact="0.103"/>
+      <dgm:constr type="w" for="ch" forName="arrow" refType="w" fact="0.85"/>
+      <dgm:constr type="h" for="ch" forName="arrow" refType="h"/>
+      <dgm:constr type="ctrX" for="ch" forName="arrow" refType="w" fact="0.5"/>
+      <dgm:constr type="ctrY" for="ch" forName="arrow" refType="h" fact="0.5"/>
+      <dgm:constr type="w" for="ch" forName="linearProcess" refType="w"/>
+      <dgm:constr type="h" for="ch" forName="linearProcess" refType="h" fact="0.4"/>
+      <dgm:constr type="ctrX" for="ch" forName="linearProcess" refType="w" fact="0.5"/>
+      <dgm:constr type="ctrY" for="ch" forName="linearProcess" refType="h" fact="0.5"/>
     </dgm:constrLst>
-    <dgm:forEach name="nodesForEach" axis="ch" ptType="node">
-      <dgm:layoutNode name="composite">
-        <dgm:alg type="composite">
-          <dgm:param type="ar" val="0.861"/>
-        </dgm:alg>
-        <dgm:shape xmlns:r="http://schemas.openxmlformats.org/officeDocument/2006/relationships" r:blip="">
-          <dgm:adjLst/>
-        </dgm:shape>
-        <dgm:choose name="Name3">
-          <dgm:if name="Name4" func="var" arg="dir" op="equ" val="norm">
-            <dgm:constrLst>
-              <dgm:constr type="l" for="ch" forName="LShape" refType="w" fact="0"/>
-              <dgm:constr type="t" for="ch" forName="LShape" refType="h" fact="0.2347"/>
-              <dgm:constr type="w" for="ch" forName="LShape" refType="w" fact="0.998"/>
-              <dgm:constr type="h" for="ch" forName="LShape" refType="h" fact="0.5164"/>
-              <dgm:constr type="r" for="ch" forName="ParentText" refType="w"/>
-              <dgm:constr type="t" for="ch" forName="ParentText" refType="h" fact="0.32"/>
-              <dgm:constr type="w" for="ch" forName="ParentText" refType="w" fact="0.901"/>
-              <dgm:constr type="h" for="ch" forName="ParentText" refType="h" fact="0.68"/>
-              <dgm:constr type="l" for="ch" forName="Triangle" refType="w" fact="0.83"/>
-              <dgm:constr type="t" for="ch" forName="Triangle" refType="h" fact="0"/>
-              <dgm:constr type="w" for="ch" forName="Triangle" refType="w" fact="0.17"/>
-              <dgm:constr type="h" for="ch" forName="Triangle" refType="w" refFor="ch" refForName="Triangle"/>
-            </dgm:constrLst>
-          </dgm:if>
-          <dgm:else name="Name5">
-            <dgm:constrLst>
-              <dgm:constr type="l" for="ch" forName="LShape" refType="w" fact="0.002"/>
-              <dgm:constr type="t" for="ch" forName="LShape" refType="h" fact="0.2347"/>
-              <dgm:constr type="w" for="ch" forName="LShape" refType="w"/>
-              <dgm:constr type="h" for="ch" forName="LShape" refType="h" fact="0.5164"/>
-              <dgm:constr type="l" for="ch" forName="ParentText" refType="w" fact="0"/>
-              <dgm:constr type="t" for="ch" forName="ParentText" refType="h" fact="0.32"/>
-              <dgm:constr type="w" for="ch" forName="ParentText" refType="w" fact="0.902"/>
-              <dgm:constr type="h" for="ch" forName="ParentText" refType="h" fact="0.68"/>
-              <dgm:constr type="l" for="ch" forName="Triangle" refType="w" fact="0"/>
-              <dgm:constr type="t" for="ch" forName="Triangle" refType="h" fact="0"/>
-              <dgm:constr type="w" for="ch" forName="Triangle" refType="w" fact="0.17"/>
-              <dgm:constr type="h" for="ch" forName="Triangle" refType="w" refFor="ch" refForName="Triangle"/>
-            </dgm:constrLst>
-          </dgm:else>
-        </dgm:choose>
-        <dgm:layoutNode name="LShape" styleLbl="alignNode1">
-          <dgm:alg type="sp"/>
-          <dgm:choose name="Name6">
-            <dgm:if name="Name7" func="var" arg="dir" op="equ" val="norm">
-              <dgm:shape xmlns:r="http://schemas.openxmlformats.org/officeDocument/2006/relationships" rot="90" type="corner" r:blip="">
-                <dgm:adjLst>
-                  <dgm:adj idx="1" val="0.1612"/>
-                  <dgm:adj idx="2" val="0.1611"/>
-                </dgm:adjLst>
-              </dgm:shape>
-            </dgm:if>
-            <dgm:else name="Name8">
-              <dgm:shape xmlns:r="http://schemas.openxmlformats.org/officeDocument/2006/relationships" rot="180" type="corner" r:blip="">
-                <dgm:adjLst>
-                  <dgm:adj idx="1" val="0.1612"/>
-                  <dgm:adj idx="2" val="0.1611"/>
-                </dgm:adjLst>
-              </dgm:shape>
-            </dgm:else>
-          </dgm:choose>
-          <dgm:presOf/>
-        </dgm:layoutNode>
-        <dgm:layoutNode name="ParentText" styleLbl="revTx">
+    <dgm:ruleLst/>
+    <dgm:layoutNode name="arrow" styleLbl="bgShp">
+      <dgm:alg type="sp"/>
+      <dgm:choose name="Name0">
+        <dgm:if name="Name1" func="var" arg="dir" op="equ" val="norm">
+          <dgm:shape xmlns:r="http://schemas.openxmlformats.org/officeDocument/2006/relationships" type="rightArrow" r:blip="">
+            <dgm:adjLst/>
+          </dgm:shape>
+        </dgm:if>
+        <dgm:else name="Name2">
+          <dgm:shape xmlns:r="http://schemas.openxmlformats.org/officeDocument/2006/relationships" type="leftArrow" r:blip="">
+            <dgm:adjLst/>
+          </dgm:shape>
+        </dgm:else>
+      </dgm:choose>
+      <dgm:presOf/>
+      <dgm:constrLst/>
+      <dgm:ruleLst/>
+    </dgm:layoutNode>
+    <dgm:layoutNode name="linearProcess">
+      <dgm:choose name="Name3">
+        <dgm:if name="Name4" func="var" arg="dir" op="equ" val="norm">
+          <dgm:alg type="lin"/>
+        </dgm:if>
+        <dgm:else name="Name5">
+          <dgm:alg type="lin">
+            <dgm:param type="linDir" val="fromR"/>
+          </dgm:alg>
+        </dgm:else>
+      </dgm:choose>
+      <dgm:shape xmlns:r="http://schemas.openxmlformats.org/officeDocument/2006/relationships" r:blip="">
+        <dgm:adjLst/>
+      </dgm:shape>
+      <dgm:presOf/>
+      <dgm:constrLst>
+        <dgm:constr type="userA" for="ch" ptType="node" refType="w"/>
+        <dgm:constr type="h" for="ch" ptType="node" refType="h"/>
+        <dgm:constr type="w" for="ch" ptType="node" op="equ"/>
+        <dgm:constr type="w" for="ch" forName="sibTrans" refType="w" fact="0.05"/>
+        <dgm:constr type="primFontSz" for="ch" ptType="node" op="equ" val="65"/>
+      </dgm:constrLst>
+      <dgm:ruleLst/>
+      <dgm:forEach name="Name6" axis="ch" ptType="node">
+        <dgm:layoutNode name="textNode" styleLbl="node1">
           <dgm:varLst>
-            <dgm:chMax val="0"/>
-            <dgm:chPref val="0"/>
             <dgm:bulletEnabled val="1"/>
           </dgm:varLst>
-          <dgm:alg type="tx">
-            <dgm:param type="parTxLTRAlign" val="l"/>
-            <dgm:param type="txAnchorVert" val="t"/>
-          </dgm:alg>
-          <dgm:shape xmlns:r="http://schemas.openxmlformats.org/officeDocument/2006/relationships" type="rect" r:blip="">
+          <dgm:alg type="tx"/>
+          <dgm:shape xmlns:r="http://schemas.openxmlformats.org/officeDocument/2006/relationships" type="roundRect" r:blip="">
             <dgm:adjLst/>
           </dgm:shape>
           <dgm:presOf axis="desOrSelf" ptType="node"/>
           <dgm:constrLst>
+            <dgm:constr type="userA"/>
+            <dgm:constr type="w" refType="userA" fact="0.3"/>
+            <dgm:constr type="tMarg" refType="primFontSz" fact="0.3"/>
+            <dgm:constr type="bMarg" refType="primFontSz" fact="0.3"/>
             <dgm:constr type="lMarg" refType="primFontSz" fact="0.3"/>
             <dgm:constr type="rMarg" refType="primFontSz" fact="0.3"/>
-            <dgm:constr type="tMarg" refType="primFontSz" fact="0.3"/>
-            <dgm:constr type="bMarg" refType="primFontSz" fact="0.3"/>
           </dgm:constrLst>
           <dgm:ruleLst>
+            <dgm:rule type="w" val="NaN" fact="1" max="NaN"/>
             <dgm:rule type="primFontSz" val="5" fact="NaN" max="NaN"/>
           </dgm:ruleLst>
         </dgm:layoutNode>
-        <dgm:choose name="Name9">
-          <dgm:if name="Name10" axis="followSib" ptType="node" func="cnt" op="gte" val="1">
-            <dgm:layoutNode name="Triangle" styleLbl="alignNode1">
-              <dgm:alg type="sp"/>
-              <dgm:choose name="Name11">
-                <dgm:if name="Name12" func="var" arg="dir" op="equ" val="norm">
-                  <dgm:shape xmlns:r="http://schemas.openxmlformats.org/officeDocument/2006/relationships" type="triangle" r:blip="">
-                    <dgm:adjLst>
-                      <dgm:adj idx="1" val="1"/>
-                    </dgm:adjLst>
-                  </dgm:shape>
-                </dgm:if>
-                <dgm:else name="Name13">
-                  <dgm:shape xmlns:r="http://schemas.openxmlformats.org/officeDocument/2006/relationships" rot="90" type="triangle" r:blip="">
-                    <dgm:adjLst>
-                      <dgm:adj idx="1" val="1"/>
-                    </dgm:adjLst>
-                  </dgm:shape>
-                </dgm:else>
-              </dgm:choose>
-              <dgm:presOf/>
-            </dgm:layoutNode>
-          </dgm:if>
-          <dgm:else name="Name14"/>
-        </dgm:choose>
-      </dgm:layoutNode>
-      <dgm:forEach name="sibTransForEach" axis="followSib" ptType="sibTrans" cnt="1">
-        <dgm:layoutNode name="sibTrans">
-          <dgm:alg type="composite">
-            <dgm:param type="ar" val="0.861"/>
-          </dgm:alg>
-          <dgm:constrLst>
-            <dgm:constr type="w" for="ch" forName="space" refType="w"/>
-            <dgm:constr type="h" for="ch" forName="space" refType="w"/>
-          </dgm:constrLst>
-          <dgm:layoutNode name="space" styleLbl="alignNode1">
+        <dgm:forEach name="Name7" axis="followSib" ptType="sibTrans" cnt="1">
+          <dgm:layoutNode name="sibTrans">
             <dgm:alg type="sp"/>
             <dgm:shape xmlns:r="http://schemas.openxmlformats.org/officeDocument/2006/relationships" r:blip="">
               <dgm:adjLst/>
             </dgm:shape>
             <dgm:presOf/>
+            <dgm:constrLst/>
+            <dgm:ruleLst/>
           </dgm:layoutNode>
-        </dgm:layoutNode>
+        </dgm:forEach>
       </dgm:forEach>
-    </dgm:forEach>
+    </dgm:layoutNode>
   </dgm:layoutNode>
 </dgm:layoutDef>
 </file>
@@ -3462,7 +3009,8 @@
           <a:p>
             <a:fld id="{347C514D-1D14-408D-B465-EC37EFD988CF}" type="datetimeFigureOut">
               <a:rPr lang="pt-BR" smtClean="0"/>
-              <a:t>13/02/2016</a:t>
+              <a:pPr/>
+              <a:t>15/2/2016</a:t>
             </a:fld>
             <a:endParaRPr lang="pt-BR"/>
           </a:p>
@@ -3621,6 +3169,7 @@
           <a:p>
             <a:fld id="{474DB4FF-4194-4DEE-9728-21F4EDEA0465}" type="slidenum">
               <a:rPr lang="pt-BR" smtClean="0"/>
+              <a:pPr/>
               <a:t>‹nº›</a:t>
             </a:fld>
             <a:endParaRPr lang="pt-BR"/>
@@ -3630,7 +3179,7 @@
     </p:spTree>
     <p:extLst>
       <p:ext uri="{BB962C8B-B14F-4D97-AF65-F5344CB8AC3E}">
-        <p14:creationId xmlns:p14="http://schemas.microsoft.com/office/powerpoint/2010/main" val="2759230732"/>
+        <p14:creationId xmlns:p14="http://schemas.microsoft.com/office/powerpoint/2010/main" xmlns="" val="2759230732"/>
       </p:ext>
     </p:extLst>
   </p:cSld>
@@ -3964,7 +3513,7 @@
     </p:spTree>
     <p:extLst>
       <p:ext uri="{BB962C8B-B14F-4D97-AF65-F5344CB8AC3E}">
-        <p14:creationId xmlns:p14="http://schemas.microsoft.com/office/powerpoint/2010/main" val="921423735"/>
+        <p14:creationId xmlns:p14="http://schemas.microsoft.com/office/powerpoint/2010/main" xmlns="" val="921423735"/>
       </p:ext>
     </p:extLst>
   </p:cSld>
@@ -4208,7 +3757,7 @@
     </p:spTree>
     <p:extLst>
       <p:ext uri="{BB962C8B-B14F-4D97-AF65-F5344CB8AC3E}">
-        <p14:creationId xmlns:p14="http://schemas.microsoft.com/office/powerpoint/2010/main" val="1324179418"/>
+        <p14:creationId xmlns:p14="http://schemas.microsoft.com/office/powerpoint/2010/main" xmlns="" val="1324179418"/>
       </p:ext>
     </p:extLst>
   </p:cSld>
@@ -4452,7 +4001,7 @@
     </p:spTree>
     <p:extLst>
       <p:ext uri="{BB962C8B-B14F-4D97-AF65-F5344CB8AC3E}">
-        <p14:creationId xmlns:p14="http://schemas.microsoft.com/office/powerpoint/2010/main" val="3886547288"/>
+        <p14:creationId xmlns:p14="http://schemas.microsoft.com/office/powerpoint/2010/main" xmlns="" val="3886547288"/>
       </p:ext>
     </p:extLst>
   </p:cSld>
@@ -4696,7 +4245,7 @@
     </p:spTree>
     <p:extLst>
       <p:ext uri="{BB962C8B-B14F-4D97-AF65-F5344CB8AC3E}">
-        <p14:creationId xmlns:p14="http://schemas.microsoft.com/office/powerpoint/2010/main" val="3985380415"/>
+        <p14:creationId xmlns:p14="http://schemas.microsoft.com/office/powerpoint/2010/main" xmlns="" val="3985380415"/>
       </p:ext>
     </p:extLst>
   </p:cSld>
@@ -4940,7 +4489,7 @@
     </p:spTree>
     <p:extLst>
       <p:ext uri="{BB962C8B-B14F-4D97-AF65-F5344CB8AC3E}">
-        <p14:creationId xmlns:p14="http://schemas.microsoft.com/office/powerpoint/2010/main" val="3161393700"/>
+        <p14:creationId xmlns:p14="http://schemas.microsoft.com/office/powerpoint/2010/main" xmlns="" val="3161393700"/>
       </p:ext>
     </p:extLst>
   </p:cSld>
@@ -4990,14 +4539,14 @@
           <a:effectLst/>
           <a:extLst>
             <a:ext uri="{909E8E84-426E-40DD-AFC4-6F175D3DCCD1}">
-              <a14:hiddenFill xmlns:a14="http://schemas.microsoft.com/office/drawing/2010/main">
+              <a14:hiddenFill xmlns:a14="http://schemas.microsoft.com/office/drawing/2010/main" xmlns="">
                 <a:solidFill>
                   <a:schemeClr val="accent1"/>
                 </a:solidFill>
               </a14:hiddenFill>
             </a:ext>
             <a:ext uri="{91240B29-F687-4F45-9708-019B960494DF}">
-              <a14:hiddenLine xmlns:a14="http://schemas.microsoft.com/office/drawing/2010/main" w="9525">
+              <a14:hiddenLine xmlns:a14="http://schemas.microsoft.com/office/drawing/2010/main" xmlns="" w="9525">
                 <a:solidFill>
                   <a:schemeClr val="tx1"/>
                 </a:solidFill>
@@ -5007,7 +4556,7 @@
               </a14:hiddenLine>
             </a:ext>
             <a:ext uri="{AF507438-7753-43E0-B8FC-AC1667EBCBE1}">
-              <a14:hiddenEffects xmlns:a14="http://schemas.microsoft.com/office/drawing/2010/main">
+              <a14:hiddenEffects xmlns:a14="http://schemas.microsoft.com/office/drawing/2010/main" xmlns="">
                 <a:effectLst>
                   <a:outerShdw dist="35921" dir="2700000" algn="ctr" rotWithShape="0">
                     <a:schemeClr val="bg2"/>
@@ -5279,7 +4828,7 @@
     </p:spTree>
     <p:extLst>
       <p:ext uri="{BB962C8B-B14F-4D97-AF65-F5344CB8AC3E}">
-        <p14:creationId xmlns:p14="http://schemas.microsoft.com/office/powerpoint/2010/main" val="3609638757"/>
+        <p14:creationId xmlns:p14="http://schemas.microsoft.com/office/powerpoint/2010/main" xmlns="" val="3609638757"/>
       </p:ext>
     </p:extLst>
   </p:cSld>
@@ -5475,7 +5024,7 @@
     </p:spTree>
     <p:extLst>
       <p:ext uri="{BB962C8B-B14F-4D97-AF65-F5344CB8AC3E}">
-        <p14:creationId xmlns:p14="http://schemas.microsoft.com/office/powerpoint/2010/main" val="3797568057"/>
+        <p14:creationId xmlns:p14="http://schemas.microsoft.com/office/powerpoint/2010/main" xmlns="" val="3797568057"/>
       </p:ext>
     </p:extLst>
   </p:cSld>
@@ -5681,7 +5230,7 @@
     </p:spTree>
     <p:extLst>
       <p:ext uri="{BB962C8B-B14F-4D97-AF65-F5344CB8AC3E}">
-        <p14:creationId xmlns:p14="http://schemas.microsoft.com/office/powerpoint/2010/main" val="4097588366"/>
+        <p14:creationId xmlns:p14="http://schemas.microsoft.com/office/powerpoint/2010/main" xmlns="" val="4097588366"/>
       </p:ext>
     </p:extLst>
   </p:cSld>
@@ -5855,7 +5404,7 @@
     </p:spTree>
     <p:extLst>
       <p:ext uri="{BB962C8B-B14F-4D97-AF65-F5344CB8AC3E}">
-        <p14:creationId xmlns:p14="http://schemas.microsoft.com/office/powerpoint/2010/main" val="2619340813"/>
+        <p14:creationId xmlns:p14="http://schemas.microsoft.com/office/powerpoint/2010/main" xmlns="" val="2619340813"/>
       </p:ext>
     </p:extLst>
   </p:cSld>
@@ -6118,9 +5667,1679 @@
     </p:spTree>
     <p:extLst>
       <p:ext uri="{BB962C8B-B14F-4D97-AF65-F5344CB8AC3E}">
-        <p14:creationId xmlns:p14="http://schemas.microsoft.com/office/powerpoint/2010/main" val="1553314564"/>
+        <p14:creationId xmlns:p14="http://schemas.microsoft.com/office/powerpoint/2010/main" xmlns="" val="1553314564"/>
       </p:ext>
     </p:extLst>
+  </p:cSld>
+  <p:clrMapOvr>
+    <a:masterClrMapping/>
+  </p:clrMapOvr>
+</p:sldLayout>
+</file>
+
+<file path=ppt/slideLayouts/slideLayout14.xml><?xml version="1.0" encoding="utf-8"?>
+<p:sldLayout xmlns:a="http://schemas.openxmlformats.org/drawingml/2006/main" xmlns:r="http://schemas.openxmlformats.org/officeDocument/2006/relationships" xmlns:p="http://schemas.openxmlformats.org/presentationml/2006/main" type="title" preserve="1">
+  <p:cSld name="Slide de título">
+    <p:spTree>
+      <p:nvGrpSpPr>
+        <p:cNvPr id="1" name=""/>
+        <p:cNvGrpSpPr/>
+        <p:nvPr/>
+      </p:nvGrpSpPr>
+      <p:grpSpPr>
+        <a:xfrm>
+          <a:off x="0" y="0"/>
+          <a:ext cx="0" cy="0"/>
+          <a:chOff x="0" y="0"/>
+          <a:chExt cx="0" cy="0"/>
+        </a:xfrm>
+      </p:grpSpPr>
+      <p:sp>
+        <p:nvSpPr>
+          <p:cNvPr id="2" name="Título 1"/>
+          <p:cNvSpPr>
+            <a:spLocks noGrp="1"/>
+          </p:cNvSpPr>
+          <p:nvPr>
+            <p:ph type="ctrTitle"/>
+          </p:nvPr>
+        </p:nvSpPr>
+        <p:spPr>
+          <a:xfrm>
+            <a:off x="914400" y="2130425"/>
+            <a:ext cx="10363200" cy="1470025"/>
+          </a:xfrm>
+          <a:prstGeom prst="rect">
+            <a:avLst/>
+          </a:prstGeom>
+        </p:spPr>
+        <p:txBody>
+          <a:bodyPr/>
+          <a:lstStyle/>
+          <a:p>
+            <a:r>
+              <a:rPr lang="pt-BR" smtClean="0"/>
+              <a:t>Clique para editar o estilo do título mestre</a:t>
+            </a:r>
+            <a:endParaRPr lang="en-US"/>
+          </a:p>
+        </p:txBody>
+      </p:sp>
+      <p:sp>
+        <p:nvSpPr>
+          <p:cNvPr id="3" name="Subtítulo 2"/>
+          <p:cNvSpPr>
+            <a:spLocks noGrp="1"/>
+          </p:cNvSpPr>
+          <p:nvPr>
+            <p:ph type="subTitle" idx="1"/>
+          </p:nvPr>
+        </p:nvSpPr>
+        <p:spPr>
+          <a:xfrm>
+            <a:off x="1828800" y="3886200"/>
+            <a:ext cx="8534400" cy="1752600"/>
+          </a:xfrm>
+          <a:prstGeom prst="rect">
+            <a:avLst/>
+          </a:prstGeom>
+        </p:spPr>
+        <p:txBody>
+          <a:bodyPr/>
+          <a:lstStyle>
+            <a:lvl1pPr marL="0" indent="0" algn="ctr">
+              <a:buNone/>
+              <a:defRPr>
+                <a:solidFill>
+                  <a:schemeClr val="tx1">
+                    <a:tint val="75000"/>
+                  </a:schemeClr>
+                </a:solidFill>
+              </a:defRPr>
+            </a:lvl1pPr>
+            <a:lvl2pPr marL="457200" indent="0" algn="ctr">
+              <a:buNone/>
+              <a:defRPr>
+                <a:solidFill>
+                  <a:schemeClr val="tx1">
+                    <a:tint val="75000"/>
+                  </a:schemeClr>
+                </a:solidFill>
+              </a:defRPr>
+            </a:lvl2pPr>
+            <a:lvl3pPr marL="914400" indent="0" algn="ctr">
+              <a:buNone/>
+              <a:defRPr>
+                <a:solidFill>
+                  <a:schemeClr val="tx1">
+                    <a:tint val="75000"/>
+                  </a:schemeClr>
+                </a:solidFill>
+              </a:defRPr>
+            </a:lvl3pPr>
+            <a:lvl4pPr marL="1371600" indent="0" algn="ctr">
+              <a:buNone/>
+              <a:defRPr>
+                <a:solidFill>
+                  <a:schemeClr val="tx1">
+                    <a:tint val="75000"/>
+                  </a:schemeClr>
+                </a:solidFill>
+              </a:defRPr>
+            </a:lvl4pPr>
+            <a:lvl5pPr marL="1828800" indent="0" algn="ctr">
+              <a:buNone/>
+              <a:defRPr>
+                <a:solidFill>
+                  <a:schemeClr val="tx1">
+                    <a:tint val="75000"/>
+                  </a:schemeClr>
+                </a:solidFill>
+              </a:defRPr>
+            </a:lvl5pPr>
+            <a:lvl6pPr marL="2286000" indent="0" algn="ctr">
+              <a:buNone/>
+              <a:defRPr>
+                <a:solidFill>
+                  <a:schemeClr val="tx1">
+                    <a:tint val="75000"/>
+                  </a:schemeClr>
+                </a:solidFill>
+              </a:defRPr>
+            </a:lvl6pPr>
+            <a:lvl7pPr marL="2743200" indent="0" algn="ctr">
+              <a:buNone/>
+              <a:defRPr>
+                <a:solidFill>
+                  <a:schemeClr val="tx1">
+                    <a:tint val="75000"/>
+                  </a:schemeClr>
+                </a:solidFill>
+              </a:defRPr>
+            </a:lvl7pPr>
+            <a:lvl8pPr marL="3200400" indent="0" algn="ctr">
+              <a:buNone/>
+              <a:defRPr>
+                <a:solidFill>
+                  <a:schemeClr val="tx1">
+                    <a:tint val="75000"/>
+                  </a:schemeClr>
+                </a:solidFill>
+              </a:defRPr>
+            </a:lvl8pPr>
+            <a:lvl9pPr marL="3657600" indent="0" algn="ctr">
+              <a:buNone/>
+              <a:defRPr>
+                <a:solidFill>
+                  <a:schemeClr val="tx1">
+                    <a:tint val="75000"/>
+                  </a:schemeClr>
+                </a:solidFill>
+              </a:defRPr>
+            </a:lvl9pPr>
+          </a:lstStyle>
+          <a:p>
+            <a:r>
+              <a:rPr lang="pt-BR" smtClean="0"/>
+              <a:t>Clique para editar o estilo do subtítulo mestre</a:t>
+            </a:r>
+            <a:endParaRPr lang="en-US"/>
+          </a:p>
+        </p:txBody>
+      </p:sp>
+      <p:sp>
+        <p:nvSpPr>
+          <p:cNvPr id="4" name="Espaço Reservado para Data 3"/>
+          <p:cNvSpPr>
+            <a:spLocks noGrp="1"/>
+          </p:cNvSpPr>
+          <p:nvPr>
+            <p:ph type="dt" sz="half" idx="10"/>
+          </p:nvPr>
+        </p:nvSpPr>
+        <p:spPr>
+          <a:xfrm>
+            <a:off x="609600" y="6356350"/>
+            <a:ext cx="2844800" cy="365125"/>
+          </a:xfrm>
+          <a:prstGeom prst="rect">
+            <a:avLst/>
+          </a:prstGeom>
+        </p:spPr>
+        <p:txBody>
+          <a:bodyPr/>
+          <a:lstStyle/>
+          <a:p>
+            <a:fld id="{EE9AA643-A44D-4BF4-8521-FD5A4D8F2AF0}" type="datetimeFigureOut">
+              <a:rPr lang="en-US" smtClean="0"/>
+              <a:t>2/15/2016</a:t>
+            </a:fld>
+            <a:endParaRPr lang="en-US"/>
+          </a:p>
+        </p:txBody>
+      </p:sp>
+      <p:sp>
+        <p:nvSpPr>
+          <p:cNvPr id="5" name="Espaço Reservado para Rodapé 4"/>
+          <p:cNvSpPr>
+            <a:spLocks noGrp="1"/>
+          </p:cNvSpPr>
+          <p:nvPr>
+            <p:ph type="ftr" sz="quarter" idx="11"/>
+          </p:nvPr>
+        </p:nvSpPr>
+        <p:spPr>
+          <a:xfrm>
+            <a:off x="4165600" y="6356350"/>
+            <a:ext cx="3860800" cy="365125"/>
+          </a:xfrm>
+          <a:prstGeom prst="rect">
+            <a:avLst/>
+          </a:prstGeom>
+        </p:spPr>
+        <p:txBody>
+          <a:bodyPr/>
+          <a:lstStyle/>
+          <a:p>
+            <a:endParaRPr lang="en-US"/>
+          </a:p>
+        </p:txBody>
+      </p:sp>
+      <p:sp>
+        <p:nvSpPr>
+          <p:cNvPr id="6" name="Espaço Reservado para Número de Slide 5"/>
+          <p:cNvSpPr>
+            <a:spLocks noGrp="1"/>
+          </p:cNvSpPr>
+          <p:nvPr>
+            <p:ph type="sldNum" sz="quarter" idx="12"/>
+          </p:nvPr>
+        </p:nvSpPr>
+        <p:spPr>
+          <a:xfrm>
+            <a:off x="8737600" y="6356350"/>
+            <a:ext cx="2844800" cy="365125"/>
+          </a:xfrm>
+          <a:prstGeom prst="rect">
+            <a:avLst/>
+          </a:prstGeom>
+        </p:spPr>
+        <p:txBody>
+          <a:bodyPr/>
+          <a:lstStyle/>
+          <a:p>
+            <a:fld id="{6489A335-20A0-4B33-AF47-5F38777C366C}" type="slidenum">
+              <a:rPr lang="en-US" smtClean="0"/>
+              <a:t>‹nº›</a:t>
+            </a:fld>
+            <a:endParaRPr lang="en-US"/>
+          </a:p>
+        </p:txBody>
+      </p:sp>
+    </p:spTree>
+  </p:cSld>
+  <p:clrMapOvr>
+    <a:masterClrMapping/>
+  </p:clrMapOvr>
+</p:sldLayout>
+</file>
+
+<file path=ppt/slideLayouts/slideLayout15.xml><?xml version="1.0" encoding="utf-8"?>
+<p:sldLayout xmlns:a="http://schemas.openxmlformats.org/drawingml/2006/main" xmlns:r="http://schemas.openxmlformats.org/officeDocument/2006/relationships" xmlns:p="http://schemas.openxmlformats.org/presentationml/2006/main" type="obj" preserve="1">
+  <p:cSld name="Título e conteúdo">
+    <p:spTree>
+      <p:nvGrpSpPr>
+        <p:cNvPr id="1" name=""/>
+        <p:cNvGrpSpPr/>
+        <p:nvPr/>
+      </p:nvGrpSpPr>
+      <p:grpSpPr>
+        <a:xfrm>
+          <a:off x="0" y="0"/>
+          <a:ext cx="0" cy="0"/>
+          <a:chOff x="0" y="0"/>
+          <a:chExt cx="0" cy="0"/>
+        </a:xfrm>
+      </p:grpSpPr>
+      <p:sp>
+        <p:nvSpPr>
+          <p:cNvPr id="2" name="Título 1"/>
+          <p:cNvSpPr>
+            <a:spLocks noGrp="1"/>
+          </p:cNvSpPr>
+          <p:nvPr>
+            <p:ph type="title"/>
+          </p:nvPr>
+        </p:nvSpPr>
+        <p:spPr>
+          <a:xfrm>
+            <a:off x="609600" y="274638"/>
+            <a:ext cx="10972800" cy="1143000"/>
+          </a:xfrm>
+          <a:prstGeom prst="rect">
+            <a:avLst/>
+          </a:prstGeom>
+        </p:spPr>
+        <p:txBody>
+          <a:bodyPr/>
+          <a:lstStyle/>
+          <a:p>
+            <a:r>
+              <a:rPr lang="pt-BR" smtClean="0"/>
+              <a:t>Clique para editar o estilo do título mestre</a:t>
+            </a:r>
+            <a:endParaRPr lang="en-US"/>
+          </a:p>
+        </p:txBody>
+      </p:sp>
+      <p:sp>
+        <p:nvSpPr>
+          <p:cNvPr id="3" name="Espaço Reservado para Conteúdo 2"/>
+          <p:cNvSpPr>
+            <a:spLocks noGrp="1"/>
+          </p:cNvSpPr>
+          <p:nvPr>
+            <p:ph idx="1"/>
+          </p:nvPr>
+        </p:nvSpPr>
+        <p:spPr>
+          <a:xfrm>
+            <a:off x="609600" y="1600200"/>
+            <a:ext cx="10972800" cy="4525963"/>
+          </a:xfrm>
+          <a:prstGeom prst="rect">
+            <a:avLst/>
+          </a:prstGeom>
+        </p:spPr>
+        <p:txBody>
+          <a:bodyPr/>
+          <a:lstStyle/>
+          <a:p>
+            <a:pPr lvl="0"/>
+            <a:r>
+              <a:rPr lang="pt-BR" smtClean="0"/>
+              <a:t>Clique para editar os estilos do texto mestre</a:t>
+            </a:r>
+          </a:p>
+          <a:p>
+            <a:pPr lvl="1"/>
+            <a:r>
+              <a:rPr lang="pt-BR" smtClean="0"/>
+              <a:t>Segundo nível</a:t>
+            </a:r>
+          </a:p>
+          <a:p>
+            <a:pPr lvl="2"/>
+            <a:r>
+              <a:rPr lang="pt-BR" smtClean="0"/>
+              <a:t>Terceiro nível</a:t>
+            </a:r>
+          </a:p>
+          <a:p>
+            <a:pPr lvl="3"/>
+            <a:r>
+              <a:rPr lang="pt-BR" smtClean="0"/>
+              <a:t>Quarto nível</a:t>
+            </a:r>
+          </a:p>
+          <a:p>
+            <a:pPr lvl="4"/>
+            <a:r>
+              <a:rPr lang="pt-BR" smtClean="0"/>
+              <a:t>Quinto nível</a:t>
+            </a:r>
+            <a:endParaRPr lang="en-US"/>
+          </a:p>
+        </p:txBody>
+      </p:sp>
+      <p:sp>
+        <p:nvSpPr>
+          <p:cNvPr id="4" name="Espaço Reservado para Data 3"/>
+          <p:cNvSpPr>
+            <a:spLocks noGrp="1"/>
+          </p:cNvSpPr>
+          <p:nvPr>
+            <p:ph type="dt" sz="half" idx="10"/>
+          </p:nvPr>
+        </p:nvSpPr>
+        <p:spPr>
+          <a:xfrm>
+            <a:off x="609600" y="6356350"/>
+            <a:ext cx="2844800" cy="365125"/>
+          </a:xfrm>
+          <a:prstGeom prst="rect">
+            <a:avLst/>
+          </a:prstGeom>
+        </p:spPr>
+        <p:txBody>
+          <a:bodyPr/>
+          <a:lstStyle/>
+          <a:p>
+            <a:fld id="{EE9AA643-A44D-4BF4-8521-FD5A4D8F2AF0}" type="datetimeFigureOut">
+              <a:rPr lang="en-US" smtClean="0"/>
+              <a:t>2/15/2016</a:t>
+            </a:fld>
+            <a:endParaRPr lang="en-US"/>
+          </a:p>
+        </p:txBody>
+      </p:sp>
+      <p:sp>
+        <p:nvSpPr>
+          <p:cNvPr id="5" name="Espaço Reservado para Rodapé 4"/>
+          <p:cNvSpPr>
+            <a:spLocks noGrp="1"/>
+          </p:cNvSpPr>
+          <p:nvPr>
+            <p:ph type="ftr" sz="quarter" idx="11"/>
+          </p:nvPr>
+        </p:nvSpPr>
+        <p:spPr>
+          <a:xfrm>
+            <a:off x="4165600" y="6356350"/>
+            <a:ext cx="3860800" cy="365125"/>
+          </a:xfrm>
+          <a:prstGeom prst="rect">
+            <a:avLst/>
+          </a:prstGeom>
+        </p:spPr>
+        <p:txBody>
+          <a:bodyPr/>
+          <a:lstStyle/>
+          <a:p>
+            <a:endParaRPr lang="en-US"/>
+          </a:p>
+        </p:txBody>
+      </p:sp>
+      <p:sp>
+        <p:nvSpPr>
+          <p:cNvPr id="6" name="Espaço Reservado para Número de Slide 5"/>
+          <p:cNvSpPr>
+            <a:spLocks noGrp="1"/>
+          </p:cNvSpPr>
+          <p:nvPr>
+            <p:ph type="sldNum" sz="quarter" idx="12"/>
+          </p:nvPr>
+        </p:nvSpPr>
+        <p:spPr>
+          <a:xfrm>
+            <a:off x="8737600" y="6356350"/>
+            <a:ext cx="2844800" cy="365125"/>
+          </a:xfrm>
+          <a:prstGeom prst="rect">
+            <a:avLst/>
+          </a:prstGeom>
+        </p:spPr>
+        <p:txBody>
+          <a:bodyPr/>
+          <a:lstStyle/>
+          <a:p>
+            <a:fld id="{6489A335-20A0-4B33-AF47-5F38777C366C}" type="slidenum">
+              <a:rPr lang="en-US" smtClean="0"/>
+              <a:t>‹nº›</a:t>
+            </a:fld>
+            <a:endParaRPr lang="en-US"/>
+          </a:p>
+        </p:txBody>
+      </p:sp>
+    </p:spTree>
+  </p:cSld>
+  <p:clrMapOvr>
+    <a:masterClrMapping/>
+  </p:clrMapOvr>
+</p:sldLayout>
+</file>
+
+<file path=ppt/slideLayouts/slideLayout16.xml><?xml version="1.0" encoding="utf-8"?>
+<p:sldLayout xmlns:a="http://schemas.openxmlformats.org/drawingml/2006/main" xmlns:r="http://schemas.openxmlformats.org/officeDocument/2006/relationships" xmlns:p="http://schemas.openxmlformats.org/presentationml/2006/main" type="secHead" preserve="1">
+  <p:cSld name="Cabeçalho da Seção">
+    <p:spTree>
+      <p:nvGrpSpPr>
+        <p:cNvPr id="1" name=""/>
+        <p:cNvGrpSpPr/>
+        <p:nvPr/>
+      </p:nvGrpSpPr>
+      <p:grpSpPr>
+        <a:xfrm>
+          <a:off x="0" y="0"/>
+          <a:ext cx="0" cy="0"/>
+          <a:chOff x="0" y="0"/>
+          <a:chExt cx="0" cy="0"/>
+        </a:xfrm>
+      </p:grpSpPr>
+      <p:sp>
+        <p:nvSpPr>
+          <p:cNvPr id="2" name="Título 1"/>
+          <p:cNvSpPr>
+            <a:spLocks noGrp="1"/>
+          </p:cNvSpPr>
+          <p:nvPr>
+            <p:ph type="title"/>
+          </p:nvPr>
+        </p:nvSpPr>
+        <p:spPr>
+          <a:xfrm>
+            <a:off x="963613" y="4406900"/>
+            <a:ext cx="10363200" cy="1362075"/>
+          </a:xfrm>
+          <a:prstGeom prst="rect">
+            <a:avLst/>
+          </a:prstGeom>
+        </p:spPr>
+        <p:txBody>
+          <a:bodyPr anchor="t"/>
+          <a:lstStyle>
+            <a:lvl1pPr algn="l">
+              <a:defRPr sz="4000" b="1" cap="all"/>
+            </a:lvl1pPr>
+          </a:lstStyle>
+          <a:p>
+            <a:r>
+              <a:rPr lang="pt-BR" smtClean="0"/>
+              <a:t>Clique para editar o estilo do título mestre</a:t>
+            </a:r>
+            <a:endParaRPr lang="en-US"/>
+          </a:p>
+        </p:txBody>
+      </p:sp>
+      <p:sp>
+        <p:nvSpPr>
+          <p:cNvPr id="3" name="Espaço Reservado para Texto 2"/>
+          <p:cNvSpPr>
+            <a:spLocks noGrp="1"/>
+          </p:cNvSpPr>
+          <p:nvPr>
+            <p:ph type="body" idx="1"/>
+          </p:nvPr>
+        </p:nvSpPr>
+        <p:spPr>
+          <a:xfrm>
+            <a:off x="963613" y="2906713"/>
+            <a:ext cx="10363200" cy="1500187"/>
+          </a:xfrm>
+          <a:prstGeom prst="rect">
+            <a:avLst/>
+          </a:prstGeom>
+        </p:spPr>
+        <p:txBody>
+          <a:bodyPr anchor="b"/>
+          <a:lstStyle>
+            <a:lvl1pPr marL="0" indent="0">
+              <a:buNone/>
+              <a:defRPr sz="2000">
+                <a:solidFill>
+                  <a:schemeClr val="tx1">
+                    <a:tint val="75000"/>
+                  </a:schemeClr>
+                </a:solidFill>
+              </a:defRPr>
+            </a:lvl1pPr>
+            <a:lvl2pPr marL="457200" indent="0">
+              <a:buNone/>
+              <a:defRPr sz="1800">
+                <a:solidFill>
+                  <a:schemeClr val="tx1">
+                    <a:tint val="75000"/>
+                  </a:schemeClr>
+                </a:solidFill>
+              </a:defRPr>
+            </a:lvl2pPr>
+            <a:lvl3pPr marL="914400" indent="0">
+              <a:buNone/>
+              <a:defRPr sz="1600">
+                <a:solidFill>
+                  <a:schemeClr val="tx1">
+                    <a:tint val="75000"/>
+                  </a:schemeClr>
+                </a:solidFill>
+              </a:defRPr>
+            </a:lvl3pPr>
+            <a:lvl4pPr marL="1371600" indent="0">
+              <a:buNone/>
+              <a:defRPr sz="1400">
+                <a:solidFill>
+                  <a:schemeClr val="tx1">
+                    <a:tint val="75000"/>
+                  </a:schemeClr>
+                </a:solidFill>
+              </a:defRPr>
+            </a:lvl4pPr>
+            <a:lvl5pPr marL="1828800" indent="0">
+              <a:buNone/>
+              <a:defRPr sz="1400">
+                <a:solidFill>
+                  <a:schemeClr val="tx1">
+                    <a:tint val="75000"/>
+                  </a:schemeClr>
+                </a:solidFill>
+              </a:defRPr>
+            </a:lvl5pPr>
+            <a:lvl6pPr marL="2286000" indent="0">
+              <a:buNone/>
+              <a:defRPr sz="1400">
+                <a:solidFill>
+                  <a:schemeClr val="tx1">
+                    <a:tint val="75000"/>
+                  </a:schemeClr>
+                </a:solidFill>
+              </a:defRPr>
+            </a:lvl6pPr>
+            <a:lvl7pPr marL="2743200" indent="0">
+              <a:buNone/>
+              <a:defRPr sz="1400">
+                <a:solidFill>
+                  <a:schemeClr val="tx1">
+                    <a:tint val="75000"/>
+                  </a:schemeClr>
+                </a:solidFill>
+              </a:defRPr>
+            </a:lvl7pPr>
+            <a:lvl8pPr marL="3200400" indent="0">
+              <a:buNone/>
+              <a:defRPr sz="1400">
+                <a:solidFill>
+                  <a:schemeClr val="tx1">
+                    <a:tint val="75000"/>
+                  </a:schemeClr>
+                </a:solidFill>
+              </a:defRPr>
+            </a:lvl8pPr>
+            <a:lvl9pPr marL="3657600" indent="0">
+              <a:buNone/>
+              <a:defRPr sz="1400">
+                <a:solidFill>
+                  <a:schemeClr val="tx1">
+                    <a:tint val="75000"/>
+                  </a:schemeClr>
+                </a:solidFill>
+              </a:defRPr>
+            </a:lvl9pPr>
+          </a:lstStyle>
+          <a:p>
+            <a:pPr lvl="0"/>
+            <a:r>
+              <a:rPr lang="pt-BR" smtClean="0"/>
+              <a:t>Clique para editar os estilos do texto mestre</a:t>
+            </a:r>
+          </a:p>
+        </p:txBody>
+      </p:sp>
+      <p:sp>
+        <p:nvSpPr>
+          <p:cNvPr id="4" name="Espaço Reservado para Data 3"/>
+          <p:cNvSpPr>
+            <a:spLocks noGrp="1"/>
+          </p:cNvSpPr>
+          <p:nvPr>
+            <p:ph type="dt" sz="half" idx="10"/>
+          </p:nvPr>
+        </p:nvSpPr>
+        <p:spPr>
+          <a:xfrm>
+            <a:off x="609600" y="6356350"/>
+            <a:ext cx="2844800" cy="365125"/>
+          </a:xfrm>
+          <a:prstGeom prst="rect">
+            <a:avLst/>
+          </a:prstGeom>
+        </p:spPr>
+        <p:txBody>
+          <a:bodyPr/>
+          <a:lstStyle/>
+          <a:p>
+            <a:fld id="{EE9AA643-A44D-4BF4-8521-FD5A4D8F2AF0}" type="datetimeFigureOut">
+              <a:rPr lang="en-US" smtClean="0"/>
+              <a:t>2/15/2016</a:t>
+            </a:fld>
+            <a:endParaRPr lang="en-US"/>
+          </a:p>
+        </p:txBody>
+      </p:sp>
+      <p:sp>
+        <p:nvSpPr>
+          <p:cNvPr id="5" name="Espaço Reservado para Rodapé 4"/>
+          <p:cNvSpPr>
+            <a:spLocks noGrp="1"/>
+          </p:cNvSpPr>
+          <p:nvPr>
+            <p:ph type="ftr" sz="quarter" idx="11"/>
+          </p:nvPr>
+        </p:nvSpPr>
+        <p:spPr>
+          <a:xfrm>
+            <a:off x="4165600" y="6356350"/>
+            <a:ext cx="3860800" cy="365125"/>
+          </a:xfrm>
+          <a:prstGeom prst="rect">
+            <a:avLst/>
+          </a:prstGeom>
+        </p:spPr>
+        <p:txBody>
+          <a:bodyPr/>
+          <a:lstStyle/>
+          <a:p>
+            <a:endParaRPr lang="en-US"/>
+          </a:p>
+        </p:txBody>
+      </p:sp>
+      <p:sp>
+        <p:nvSpPr>
+          <p:cNvPr id="6" name="Espaço Reservado para Número de Slide 5"/>
+          <p:cNvSpPr>
+            <a:spLocks noGrp="1"/>
+          </p:cNvSpPr>
+          <p:nvPr>
+            <p:ph type="sldNum" sz="quarter" idx="12"/>
+          </p:nvPr>
+        </p:nvSpPr>
+        <p:spPr>
+          <a:xfrm>
+            <a:off x="8737600" y="6356350"/>
+            <a:ext cx="2844800" cy="365125"/>
+          </a:xfrm>
+          <a:prstGeom prst="rect">
+            <a:avLst/>
+          </a:prstGeom>
+        </p:spPr>
+        <p:txBody>
+          <a:bodyPr/>
+          <a:lstStyle/>
+          <a:p>
+            <a:fld id="{6489A335-20A0-4B33-AF47-5F38777C366C}" type="slidenum">
+              <a:rPr lang="en-US" smtClean="0"/>
+              <a:t>‹nº›</a:t>
+            </a:fld>
+            <a:endParaRPr lang="en-US"/>
+          </a:p>
+        </p:txBody>
+      </p:sp>
+    </p:spTree>
+  </p:cSld>
+  <p:clrMapOvr>
+    <a:masterClrMapping/>
+  </p:clrMapOvr>
+</p:sldLayout>
+</file>
+
+<file path=ppt/slideLayouts/slideLayout17.xml><?xml version="1.0" encoding="utf-8"?>
+<p:sldLayout xmlns:a="http://schemas.openxmlformats.org/drawingml/2006/main" xmlns:r="http://schemas.openxmlformats.org/officeDocument/2006/relationships" xmlns:p="http://schemas.openxmlformats.org/presentationml/2006/main" type="twoObj" preserve="1">
+  <p:cSld name="Duas Partes de Conteúdo">
+    <p:spTree>
+      <p:nvGrpSpPr>
+        <p:cNvPr id="1" name=""/>
+        <p:cNvGrpSpPr/>
+        <p:nvPr/>
+      </p:nvGrpSpPr>
+      <p:grpSpPr>
+        <a:xfrm>
+          <a:off x="0" y="0"/>
+          <a:ext cx="0" cy="0"/>
+          <a:chOff x="0" y="0"/>
+          <a:chExt cx="0" cy="0"/>
+        </a:xfrm>
+      </p:grpSpPr>
+      <p:sp>
+        <p:nvSpPr>
+          <p:cNvPr id="2" name="Título 1"/>
+          <p:cNvSpPr>
+            <a:spLocks noGrp="1"/>
+          </p:cNvSpPr>
+          <p:nvPr>
+            <p:ph type="title"/>
+          </p:nvPr>
+        </p:nvSpPr>
+        <p:spPr>
+          <a:xfrm>
+            <a:off x="609600" y="274638"/>
+            <a:ext cx="10972800" cy="1143000"/>
+          </a:xfrm>
+          <a:prstGeom prst="rect">
+            <a:avLst/>
+          </a:prstGeom>
+        </p:spPr>
+        <p:txBody>
+          <a:bodyPr/>
+          <a:lstStyle/>
+          <a:p>
+            <a:r>
+              <a:rPr lang="pt-BR" smtClean="0"/>
+              <a:t>Clique para editar o estilo do título mestre</a:t>
+            </a:r>
+            <a:endParaRPr lang="en-US"/>
+          </a:p>
+        </p:txBody>
+      </p:sp>
+      <p:sp>
+        <p:nvSpPr>
+          <p:cNvPr id="3" name="Espaço Reservado para Conteúdo 2"/>
+          <p:cNvSpPr>
+            <a:spLocks noGrp="1"/>
+          </p:cNvSpPr>
+          <p:nvPr>
+            <p:ph sz="half" idx="1"/>
+          </p:nvPr>
+        </p:nvSpPr>
+        <p:spPr>
+          <a:xfrm>
+            <a:off x="609600" y="1600200"/>
+            <a:ext cx="5410200" cy="4525963"/>
+          </a:xfrm>
+          <a:prstGeom prst="rect">
+            <a:avLst/>
+          </a:prstGeom>
+        </p:spPr>
+        <p:txBody>
+          <a:bodyPr/>
+          <a:lstStyle>
+            <a:lvl1pPr>
+              <a:defRPr sz="2800"/>
+            </a:lvl1pPr>
+            <a:lvl2pPr>
+              <a:defRPr sz="2400"/>
+            </a:lvl2pPr>
+            <a:lvl3pPr>
+              <a:defRPr sz="2000"/>
+            </a:lvl3pPr>
+            <a:lvl4pPr>
+              <a:defRPr sz="1800"/>
+            </a:lvl4pPr>
+            <a:lvl5pPr>
+              <a:defRPr sz="1800"/>
+            </a:lvl5pPr>
+            <a:lvl6pPr>
+              <a:defRPr sz="1800"/>
+            </a:lvl6pPr>
+            <a:lvl7pPr>
+              <a:defRPr sz="1800"/>
+            </a:lvl7pPr>
+            <a:lvl8pPr>
+              <a:defRPr sz="1800"/>
+            </a:lvl8pPr>
+            <a:lvl9pPr>
+              <a:defRPr sz="1800"/>
+            </a:lvl9pPr>
+          </a:lstStyle>
+          <a:p>
+            <a:pPr lvl="0"/>
+            <a:r>
+              <a:rPr lang="pt-BR" smtClean="0"/>
+              <a:t>Clique para editar os estilos do texto mestre</a:t>
+            </a:r>
+          </a:p>
+          <a:p>
+            <a:pPr lvl="1"/>
+            <a:r>
+              <a:rPr lang="pt-BR" smtClean="0"/>
+              <a:t>Segundo nível</a:t>
+            </a:r>
+          </a:p>
+          <a:p>
+            <a:pPr lvl="2"/>
+            <a:r>
+              <a:rPr lang="pt-BR" smtClean="0"/>
+              <a:t>Terceiro nível</a:t>
+            </a:r>
+          </a:p>
+          <a:p>
+            <a:pPr lvl="3"/>
+            <a:r>
+              <a:rPr lang="pt-BR" smtClean="0"/>
+              <a:t>Quarto nível</a:t>
+            </a:r>
+          </a:p>
+          <a:p>
+            <a:pPr lvl="4"/>
+            <a:r>
+              <a:rPr lang="pt-BR" smtClean="0"/>
+              <a:t>Quinto nível</a:t>
+            </a:r>
+            <a:endParaRPr lang="en-US"/>
+          </a:p>
+        </p:txBody>
+      </p:sp>
+      <p:sp>
+        <p:nvSpPr>
+          <p:cNvPr id="4" name="Espaço Reservado para Conteúdo 3"/>
+          <p:cNvSpPr>
+            <a:spLocks noGrp="1"/>
+          </p:cNvSpPr>
+          <p:nvPr>
+            <p:ph sz="half" idx="2"/>
+          </p:nvPr>
+        </p:nvSpPr>
+        <p:spPr>
+          <a:xfrm>
+            <a:off x="6172200" y="1600200"/>
+            <a:ext cx="5410200" cy="4525963"/>
+          </a:xfrm>
+          <a:prstGeom prst="rect">
+            <a:avLst/>
+          </a:prstGeom>
+        </p:spPr>
+        <p:txBody>
+          <a:bodyPr/>
+          <a:lstStyle>
+            <a:lvl1pPr>
+              <a:defRPr sz="2800"/>
+            </a:lvl1pPr>
+            <a:lvl2pPr>
+              <a:defRPr sz="2400"/>
+            </a:lvl2pPr>
+            <a:lvl3pPr>
+              <a:defRPr sz="2000"/>
+            </a:lvl3pPr>
+            <a:lvl4pPr>
+              <a:defRPr sz="1800"/>
+            </a:lvl4pPr>
+            <a:lvl5pPr>
+              <a:defRPr sz="1800"/>
+            </a:lvl5pPr>
+            <a:lvl6pPr>
+              <a:defRPr sz="1800"/>
+            </a:lvl6pPr>
+            <a:lvl7pPr>
+              <a:defRPr sz="1800"/>
+            </a:lvl7pPr>
+            <a:lvl8pPr>
+              <a:defRPr sz="1800"/>
+            </a:lvl8pPr>
+            <a:lvl9pPr>
+              <a:defRPr sz="1800"/>
+            </a:lvl9pPr>
+          </a:lstStyle>
+          <a:p>
+            <a:pPr lvl="0"/>
+            <a:r>
+              <a:rPr lang="pt-BR" smtClean="0"/>
+              <a:t>Clique para editar os estilos do texto mestre</a:t>
+            </a:r>
+          </a:p>
+          <a:p>
+            <a:pPr lvl="1"/>
+            <a:r>
+              <a:rPr lang="pt-BR" smtClean="0"/>
+              <a:t>Segundo nível</a:t>
+            </a:r>
+          </a:p>
+          <a:p>
+            <a:pPr lvl="2"/>
+            <a:r>
+              <a:rPr lang="pt-BR" smtClean="0"/>
+              <a:t>Terceiro nível</a:t>
+            </a:r>
+          </a:p>
+          <a:p>
+            <a:pPr lvl="3"/>
+            <a:r>
+              <a:rPr lang="pt-BR" smtClean="0"/>
+              <a:t>Quarto nível</a:t>
+            </a:r>
+          </a:p>
+          <a:p>
+            <a:pPr lvl="4"/>
+            <a:r>
+              <a:rPr lang="pt-BR" smtClean="0"/>
+              <a:t>Quinto nível</a:t>
+            </a:r>
+            <a:endParaRPr lang="en-US"/>
+          </a:p>
+        </p:txBody>
+      </p:sp>
+      <p:sp>
+        <p:nvSpPr>
+          <p:cNvPr id="5" name="Espaço Reservado para Data 4"/>
+          <p:cNvSpPr>
+            <a:spLocks noGrp="1"/>
+          </p:cNvSpPr>
+          <p:nvPr>
+            <p:ph type="dt" sz="half" idx="10"/>
+          </p:nvPr>
+        </p:nvSpPr>
+        <p:spPr>
+          <a:xfrm>
+            <a:off x="609600" y="6356350"/>
+            <a:ext cx="2844800" cy="365125"/>
+          </a:xfrm>
+          <a:prstGeom prst="rect">
+            <a:avLst/>
+          </a:prstGeom>
+        </p:spPr>
+        <p:txBody>
+          <a:bodyPr/>
+          <a:lstStyle/>
+          <a:p>
+            <a:fld id="{EE9AA643-A44D-4BF4-8521-FD5A4D8F2AF0}" type="datetimeFigureOut">
+              <a:rPr lang="en-US" smtClean="0"/>
+              <a:t>2/15/2016</a:t>
+            </a:fld>
+            <a:endParaRPr lang="en-US"/>
+          </a:p>
+        </p:txBody>
+      </p:sp>
+      <p:sp>
+        <p:nvSpPr>
+          <p:cNvPr id="6" name="Espaço Reservado para Rodapé 5"/>
+          <p:cNvSpPr>
+            <a:spLocks noGrp="1"/>
+          </p:cNvSpPr>
+          <p:nvPr>
+            <p:ph type="ftr" sz="quarter" idx="11"/>
+          </p:nvPr>
+        </p:nvSpPr>
+        <p:spPr>
+          <a:xfrm>
+            <a:off x="4165600" y="6356350"/>
+            <a:ext cx="3860800" cy="365125"/>
+          </a:xfrm>
+          <a:prstGeom prst="rect">
+            <a:avLst/>
+          </a:prstGeom>
+        </p:spPr>
+        <p:txBody>
+          <a:bodyPr/>
+          <a:lstStyle/>
+          <a:p>
+            <a:endParaRPr lang="en-US"/>
+          </a:p>
+        </p:txBody>
+      </p:sp>
+      <p:sp>
+        <p:nvSpPr>
+          <p:cNvPr id="7" name="Espaço Reservado para Número de Slide 6"/>
+          <p:cNvSpPr>
+            <a:spLocks noGrp="1"/>
+          </p:cNvSpPr>
+          <p:nvPr>
+            <p:ph type="sldNum" sz="quarter" idx="12"/>
+          </p:nvPr>
+        </p:nvSpPr>
+        <p:spPr>
+          <a:xfrm>
+            <a:off x="8737600" y="6356350"/>
+            <a:ext cx="2844800" cy="365125"/>
+          </a:xfrm>
+          <a:prstGeom prst="rect">
+            <a:avLst/>
+          </a:prstGeom>
+        </p:spPr>
+        <p:txBody>
+          <a:bodyPr/>
+          <a:lstStyle/>
+          <a:p>
+            <a:fld id="{6489A335-20A0-4B33-AF47-5F38777C366C}" type="slidenum">
+              <a:rPr lang="en-US" smtClean="0"/>
+              <a:t>‹nº›</a:t>
+            </a:fld>
+            <a:endParaRPr lang="en-US"/>
+          </a:p>
+        </p:txBody>
+      </p:sp>
+    </p:spTree>
+  </p:cSld>
+  <p:clrMapOvr>
+    <a:masterClrMapping/>
+  </p:clrMapOvr>
+</p:sldLayout>
+</file>
+
+<file path=ppt/slideLayouts/slideLayout18.xml><?xml version="1.0" encoding="utf-8"?>
+<p:sldLayout xmlns:a="http://schemas.openxmlformats.org/drawingml/2006/main" xmlns:r="http://schemas.openxmlformats.org/officeDocument/2006/relationships" xmlns:p="http://schemas.openxmlformats.org/presentationml/2006/main" type="twoTxTwoObj" preserve="1">
+  <p:cSld name="Comparação">
+    <p:spTree>
+      <p:nvGrpSpPr>
+        <p:cNvPr id="1" name=""/>
+        <p:cNvGrpSpPr/>
+        <p:nvPr/>
+      </p:nvGrpSpPr>
+      <p:grpSpPr>
+        <a:xfrm>
+          <a:off x="0" y="0"/>
+          <a:ext cx="0" cy="0"/>
+          <a:chOff x="0" y="0"/>
+          <a:chExt cx="0" cy="0"/>
+        </a:xfrm>
+      </p:grpSpPr>
+      <p:sp>
+        <p:nvSpPr>
+          <p:cNvPr id="2" name="Título 1"/>
+          <p:cNvSpPr>
+            <a:spLocks noGrp="1"/>
+          </p:cNvSpPr>
+          <p:nvPr>
+            <p:ph type="title"/>
+          </p:nvPr>
+        </p:nvSpPr>
+        <p:spPr>
+          <a:xfrm>
+            <a:off x="609600" y="274638"/>
+            <a:ext cx="10972800" cy="1143000"/>
+          </a:xfrm>
+          <a:prstGeom prst="rect">
+            <a:avLst/>
+          </a:prstGeom>
+        </p:spPr>
+        <p:txBody>
+          <a:bodyPr/>
+          <a:lstStyle>
+            <a:lvl1pPr>
+              <a:defRPr/>
+            </a:lvl1pPr>
+          </a:lstStyle>
+          <a:p>
+            <a:r>
+              <a:rPr lang="pt-BR" smtClean="0"/>
+              <a:t>Clique para editar o estilo do título mestre</a:t>
+            </a:r>
+            <a:endParaRPr lang="en-US"/>
+          </a:p>
+        </p:txBody>
+      </p:sp>
+      <p:sp>
+        <p:nvSpPr>
+          <p:cNvPr id="3" name="Espaço Reservado para Texto 2"/>
+          <p:cNvSpPr>
+            <a:spLocks noGrp="1"/>
+          </p:cNvSpPr>
+          <p:nvPr>
+            <p:ph type="body" idx="1"/>
+          </p:nvPr>
+        </p:nvSpPr>
+        <p:spPr>
+          <a:xfrm>
+            <a:off x="609600" y="1535113"/>
+            <a:ext cx="5386388" cy="639762"/>
+          </a:xfrm>
+          <a:prstGeom prst="rect">
+            <a:avLst/>
+          </a:prstGeom>
+        </p:spPr>
+        <p:txBody>
+          <a:bodyPr anchor="b"/>
+          <a:lstStyle>
+            <a:lvl1pPr marL="0" indent="0">
+              <a:buNone/>
+              <a:defRPr sz="2400" b="1"/>
+            </a:lvl1pPr>
+            <a:lvl2pPr marL="457200" indent="0">
+              <a:buNone/>
+              <a:defRPr sz="2000" b="1"/>
+            </a:lvl2pPr>
+            <a:lvl3pPr marL="914400" indent="0">
+              <a:buNone/>
+              <a:defRPr sz="1800" b="1"/>
+            </a:lvl3pPr>
+            <a:lvl4pPr marL="1371600" indent="0">
+              <a:buNone/>
+              <a:defRPr sz="1600" b="1"/>
+            </a:lvl4pPr>
+            <a:lvl5pPr marL="1828800" indent="0">
+              <a:buNone/>
+              <a:defRPr sz="1600" b="1"/>
+            </a:lvl5pPr>
+            <a:lvl6pPr marL="2286000" indent="0">
+              <a:buNone/>
+              <a:defRPr sz="1600" b="1"/>
+            </a:lvl6pPr>
+            <a:lvl7pPr marL="2743200" indent="0">
+              <a:buNone/>
+              <a:defRPr sz="1600" b="1"/>
+            </a:lvl7pPr>
+            <a:lvl8pPr marL="3200400" indent="0">
+              <a:buNone/>
+              <a:defRPr sz="1600" b="1"/>
+            </a:lvl8pPr>
+            <a:lvl9pPr marL="3657600" indent="0">
+              <a:buNone/>
+              <a:defRPr sz="1600" b="1"/>
+            </a:lvl9pPr>
+          </a:lstStyle>
+          <a:p>
+            <a:pPr lvl="0"/>
+            <a:r>
+              <a:rPr lang="pt-BR" smtClean="0"/>
+              <a:t>Clique para editar os estilos do texto mestre</a:t>
+            </a:r>
+          </a:p>
+        </p:txBody>
+      </p:sp>
+      <p:sp>
+        <p:nvSpPr>
+          <p:cNvPr id="4" name="Espaço Reservado para Conteúdo 3"/>
+          <p:cNvSpPr>
+            <a:spLocks noGrp="1"/>
+          </p:cNvSpPr>
+          <p:nvPr>
+            <p:ph sz="half" idx="2"/>
+          </p:nvPr>
+        </p:nvSpPr>
+        <p:spPr>
+          <a:xfrm>
+            <a:off x="609600" y="2174875"/>
+            <a:ext cx="5386388" cy="3951288"/>
+          </a:xfrm>
+          <a:prstGeom prst="rect">
+            <a:avLst/>
+          </a:prstGeom>
+        </p:spPr>
+        <p:txBody>
+          <a:bodyPr/>
+          <a:lstStyle>
+            <a:lvl1pPr>
+              <a:defRPr sz="2400"/>
+            </a:lvl1pPr>
+            <a:lvl2pPr>
+              <a:defRPr sz="2000"/>
+            </a:lvl2pPr>
+            <a:lvl3pPr>
+              <a:defRPr sz="1800"/>
+            </a:lvl3pPr>
+            <a:lvl4pPr>
+              <a:defRPr sz="1600"/>
+            </a:lvl4pPr>
+            <a:lvl5pPr>
+              <a:defRPr sz="1600"/>
+            </a:lvl5pPr>
+            <a:lvl6pPr>
+              <a:defRPr sz="1600"/>
+            </a:lvl6pPr>
+            <a:lvl7pPr>
+              <a:defRPr sz="1600"/>
+            </a:lvl7pPr>
+            <a:lvl8pPr>
+              <a:defRPr sz="1600"/>
+            </a:lvl8pPr>
+            <a:lvl9pPr>
+              <a:defRPr sz="1600"/>
+            </a:lvl9pPr>
+          </a:lstStyle>
+          <a:p>
+            <a:pPr lvl="0"/>
+            <a:r>
+              <a:rPr lang="pt-BR" smtClean="0"/>
+              <a:t>Clique para editar os estilos do texto mestre</a:t>
+            </a:r>
+          </a:p>
+          <a:p>
+            <a:pPr lvl="1"/>
+            <a:r>
+              <a:rPr lang="pt-BR" smtClean="0"/>
+              <a:t>Segundo nível</a:t>
+            </a:r>
+          </a:p>
+          <a:p>
+            <a:pPr lvl="2"/>
+            <a:r>
+              <a:rPr lang="pt-BR" smtClean="0"/>
+              <a:t>Terceiro nível</a:t>
+            </a:r>
+          </a:p>
+          <a:p>
+            <a:pPr lvl="3"/>
+            <a:r>
+              <a:rPr lang="pt-BR" smtClean="0"/>
+              <a:t>Quarto nível</a:t>
+            </a:r>
+          </a:p>
+          <a:p>
+            <a:pPr lvl="4"/>
+            <a:r>
+              <a:rPr lang="pt-BR" smtClean="0"/>
+              <a:t>Quinto nível</a:t>
+            </a:r>
+            <a:endParaRPr lang="en-US"/>
+          </a:p>
+        </p:txBody>
+      </p:sp>
+      <p:sp>
+        <p:nvSpPr>
+          <p:cNvPr id="5" name="Espaço Reservado para Texto 4"/>
+          <p:cNvSpPr>
+            <a:spLocks noGrp="1"/>
+          </p:cNvSpPr>
+          <p:nvPr>
+            <p:ph type="body" sz="quarter" idx="3"/>
+          </p:nvPr>
+        </p:nvSpPr>
+        <p:spPr>
+          <a:xfrm>
+            <a:off x="6192838" y="1535113"/>
+            <a:ext cx="5389562" cy="639762"/>
+          </a:xfrm>
+          <a:prstGeom prst="rect">
+            <a:avLst/>
+          </a:prstGeom>
+        </p:spPr>
+        <p:txBody>
+          <a:bodyPr anchor="b"/>
+          <a:lstStyle>
+            <a:lvl1pPr marL="0" indent="0">
+              <a:buNone/>
+              <a:defRPr sz="2400" b="1"/>
+            </a:lvl1pPr>
+            <a:lvl2pPr marL="457200" indent="0">
+              <a:buNone/>
+              <a:defRPr sz="2000" b="1"/>
+            </a:lvl2pPr>
+            <a:lvl3pPr marL="914400" indent="0">
+              <a:buNone/>
+              <a:defRPr sz="1800" b="1"/>
+            </a:lvl3pPr>
+            <a:lvl4pPr marL="1371600" indent="0">
+              <a:buNone/>
+              <a:defRPr sz="1600" b="1"/>
+            </a:lvl4pPr>
+            <a:lvl5pPr marL="1828800" indent="0">
+              <a:buNone/>
+              <a:defRPr sz="1600" b="1"/>
+            </a:lvl5pPr>
+            <a:lvl6pPr marL="2286000" indent="0">
+              <a:buNone/>
+              <a:defRPr sz="1600" b="1"/>
+            </a:lvl6pPr>
+            <a:lvl7pPr marL="2743200" indent="0">
+              <a:buNone/>
+              <a:defRPr sz="1600" b="1"/>
+            </a:lvl7pPr>
+            <a:lvl8pPr marL="3200400" indent="0">
+              <a:buNone/>
+              <a:defRPr sz="1600" b="1"/>
+            </a:lvl8pPr>
+            <a:lvl9pPr marL="3657600" indent="0">
+              <a:buNone/>
+              <a:defRPr sz="1600" b="1"/>
+            </a:lvl9pPr>
+          </a:lstStyle>
+          <a:p>
+            <a:pPr lvl="0"/>
+            <a:r>
+              <a:rPr lang="pt-BR" smtClean="0"/>
+              <a:t>Clique para editar os estilos do texto mestre</a:t>
+            </a:r>
+          </a:p>
+        </p:txBody>
+      </p:sp>
+      <p:sp>
+        <p:nvSpPr>
+          <p:cNvPr id="6" name="Espaço Reservado para Conteúdo 5"/>
+          <p:cNvSpPr>
+            <a:spLocks noGrp="1"/>
+          </p:cNvSpPr>
+          <p:nvPr>
+            <p:ph sz="quarter" idx="4"/>
+          </p:nvPr>
+        </p:nvSpPr>
+        <p:spPr>
+          <a:xfrm>
+            <a:off x="6192838" y="2174875"/>
+            <a:ext cx="5389562" cy="3951288"/>
+          </a:xfrm>
+          <a:prstGeom prst="rect">
+            <a:avLst/>
+          </a:prstGeom>
+        </p:spPr>
+        <p:txBody>
+          <a:bodyPr/>
+          <a:lstStyle>
+            <a:lvl1pPr>
+              <a:defRPr sz="2400"/>
+            </a:lvl1pPr>
+            <a:lvl2pPr>
+              <a:defRPr sz="2000"/>
+            </a:lvl2pPr>
+            <a:lvl3pPr>
+              <a:defRPr sz="1800"/>
+            </a:lvl3pPr>
+            <a:lvl4pPr>
+              <a:defRPr sz="1600"/>
+            </a:lvl4pPr>
+            <a:lvl5pPr>
+              <a:defRPr sz="1600"/>
+            </a:lvl5pPr>
+            <a:lvl6pPr>
+              <a:defRPr sz="1600"/>
+            </a:lvl6pPr>
+            <a:lvl7pPr>
+              <a:defRPr sz="1600"/>
+            </a:lvl7pPr>
+            <a:lvl8pPr>
+              <a:defRPr sz="1600"/>
+            </a:lvl8pPr>
+            <a:lvl9pPr>
+              <a:defRPr sz="1600"/>
+            </a:lvl9pPr>
+          </a:lstStyle>
+          <a:p>
+            <a:pPr lvl="0"/>
+            <a:r>
+              <a:rPr lang="pt-BR" smtClean="0"/>
+              <a:t>Clique para editar os estilos do texto mestre</a:t>
+            </a:r>
+          </a:p>
+          <a:p>
+            <a:pPr lvl="1"/>
+            <a:r>
+              <a:rPr lang="pt-BR" smtClean="0"/>
+              <a:t>Segundo nível</a:t>
+            </a:r>
+          </a:p>
+          <a:p>
+            <a:pPr lvl="2"/>
+            <a:r>
+              <a:rPr lang="pt-BR" smtClean="0"/>
+              <a:t>Terceiro nível</a:t>
+            </a:r>
+          </a:p>
+          <a:p>
+            <a:pPr lvl="3"/>
+            <a:r>
+              <a:rPr lang="pt-BR" smtClean="0"/>
+              <a:t>Quarto nível</a:t>
+            </a:r>
+          </a:p>
+          <a:p>
+            <a:pPr lvl="4"/>
+            <a:r>
+              <a:rPr lang="pt-BR" smtClean="0"/>
+              <a:t>Quinto nível</a:t>
+            </a:r>
+            <a:endParaRPr lang="en-US"/>
+          </a:p>
+        </p:txBody>
+      </p:sp>
+      <p:sp>
+        <p:nvSpPr>
+          <p:cNvPr id="7" name="Espaço Reservado para Data 6"/>
+          <p:cNvSpPr>
+            <a:spLocks noGrp="1"/>
+          </p:cNvSpPr>
+          <p:nvPr>
+            <p:ph type="dt" sz="half" idx="10"/>
+          </p:nvPr>
+        </p:nvSpPr>
+        <p:spPr>
+          <a:xfrm>
+            <a:off x="609600" y="6356350"/>
+            <a:ext cx="2844800" cy="365125"/>
+          </a:xfrm>
+          <a:prstGeom prst="rect">
+            <a:avLst/>
+          </a:prstGeom>
+        </p:spPr>
+        <p:txBody>
+          <a:bodyPr/>
+          <a:lstStyle/>
+          <a:p>
+            <a:fld id="{EE9AA643-A44D-4BF4-8521-FD5A4D8F2AF0}" type="datetimeFigureOut">
+              <a:rPr lang="en-US" smtClean="0"/>
+              <a:t>2/15/2016</a:t>
+            </a:fld>
+            <a:endParaRPr lang="en-US"/>
+          </a:p>
+        </p:txBody>
+      </p:sp>
+      <p:sp>
+        <p:nvSpPr>
+          <p:cNvPr id="8" name="Espaço Reservado para Rodapé 7"/>
+          <p:cNvSpPr>
+            <a:spLocks noGrp="1"/>
+          </p:cNvSpPr>
+          <p:nvPr>
+            <p:ph type="ftr" sz="quarter" idx="11"/>
+          </p:nvPr>
+        </p:nvSpPr>
+        <p:spPr>
+          <a:xfrm>
+            <a:off x="4165600" y="6356350"/>
+            <a:ext cx="3860800" cy="365125"/>
+          </a:xfrm>
+          <a:prstGeom prst="rect">
+            <a:avLst/>
+          </a:prstGeom>
+        </p:spPr>
+        <p:txBody>
+          <a:bodyPr/>
+          <a:lstStyle/>
+          <a:p>
+            <a:endParaRPr lang="en-US"/>
+          </a:p>
+        </p:txBody>
+      </p:sp>
+      <p:sp>
+        <p:nvSpPr>
+          <p:cNvPr id="9" name="Espaço Reservado para Número de Slide 8"/>
+          <p:cNvSpPr>
+            <a:spLocks noGrp="1"/>
+          </p:cNvSpPr>
+          <p:nvPr>
+            <p:ph type="sldNum" sz="quarter" idx="12"/>
+          </p:nvPr>
+        </p:nvSpPr>
+        <p:spPr>
+          <a:xfrm>
+            <a:off x="8737600" y="6356350"/>
+            <a:ext cx="2844800" cy="365125"/>
+          </a:xfrm>
+          <a:prstGeom prst="rect">
+            <a:avLst/>
+          </a:prstGeom>
+        </p:spPr>
+        <p:txBody>
+          <a:bodyPr/>
+          <a:lstStyle/>
+          <a:p>
+            <a:fld id="{6489A335-20A0-4B33-AF47-5F38777C366C}" type="slidenum">
+              <a:rPr lang="en-US" smtClean="0"/>
+              <a:t>‹nº›</a:t>
+            </a:fld>
+            <a:endParaRPr lang="en-US"/>
+          </a:p>
+        </p:txBody>
+      </p:sp>
+    </p:spTree>
+  </p:cSld>
+  <p:clrMapOvr>
+    <a:masterClrMapping/>
+  </p:clrMapOvr>
+</p:sldLayout>
+</file>
+
+<file path=ppt/slideLayouts/slideLayout19.xml><?xml version="1.0" encoding="utf-8"?>
+<p:sldLayout xmlns:a="http://schemas.openxmlformats.org/drawingml/2006/main" xmlns:r="http://schemas.openxmlformats.org/officeDocument/2006/relationships" xmlns:p="http://schemas.openxmlformats.org/presentationml/2006/main" type="titleOnly" preserve="1">
+  <p:cSld name="Somente título">
+    <p:spTree>
+      <p:nvGrpSpPr>
+        <p:cNvPr id="1" name=""/>
+        <p:cNvGrpSpPr/>
+        <p:nvPr/>
+      </p:nvGrpSpPr>
+      <p:grpSpPr>
+        <a:xfrm>
+          <a:off x="0" y="0"/>
+          <a:ext cx="0" cy="0"/>
+          <a:chOff x="0" y="0"/>
+          <a:chExt cx="0" cy="0"/>
+        </a:xfrm>
+      </p:grpSpPr>
+      <p:sp>
+        <p:nvSpPr>
+          <p:cNvPr id="2" name="Título 1"/>
+          <p:cNvSpPr>
+            <a:spLocks noGrp="1"/>
+          </p:cNvSpPr>
+          <p:nvPr>
+            <p:ph type="title"/>
+          </p:nvPr>
+        </p:nvSpPr>
+        <p:spPr>
+          <a:xfrm>
+            <a:off x="609600" y="274638"/>
+            <a:ext cx="10972800" cy="1143000"/>
+          </a:xfrm>
+          <a:prstGeom prst="rect">
+            <a:avLst/>
+          </a:prstGeom>
+        </p:spPr>
+        <p:txBody>
+          <a:bodyPr/>
+          <a:lstStyle/>
+          <a:p>
+            <a:r>
+              <a:rPr lang="pt-BR" smtClean="0"/>
+              <a:t>Clique para editar o estilo do título mestre</a:t>
+            </a:r>
+            <a:endParaRPr lang="en-US"/>
+          </a:p>
+        </p:txBody>
+      </p:sp>
+      <p:sp>
+        <p:nvSpPr>
+          <p:cNvPr id="3" name="Espaço Reservado para Data 2"/>
+          <p:cNvSpPr>
+            <a:spLocks noGrp="1"/>
+          </p:cNvSpPr>
+          <p:nvPr>
+            <p:ph type="dt" sz="half" idx="10"/>
+          </p:nvPr>
+        </p:nvSpPr>
+        <p:spPr>
+          <a:xfrm>
+            <a:off x="609600" y="6356350"/>
+            <a:ext cx="2844800" cy="365125"/>
+          </a:xfrm>
+          <a:prstGeom prst="rect">
+            <a:avLst/>
+          </a:prstGeom>
+        </p:spPr>
+        <p:txBody>
+          <a:bodyPr/>
+          <a:lstStyle/>
+          <a:p>
+            <a:fld id="{EE9AA643-A44D-4BF4-8521-FD5A4D8F2AF0}" type="datetimeFigureOut">
+              <a:rPr lang="en-US" smtClean="0"/>
+              <a:t>2/15/2016</a:t>
+            </a:fld>
+            <a:endParaRPr lang="en-US"/>
+          </a:p>
+        </p:txBody>
+      </p:sp>
+      <p:sp>
+        <p:nvSpPr>
+          <p:cNvPr id="4" name="Espaço Reservado para Rodapé 3"/>
+          <p:cNvSpPr>
+            <a:spLocks noGrp="1"/>
+          </p:cNvSpPr>
+          <p:nvPr>
+            <p:ph type="ftr" sz="quarter" idx="11"/>
+          </p:nvPr>
+        </p:nvSpPr>
+        <p:spPr>
+          <a:xfrm>
+            <a:off x="4165600" y="6356350"/>
+            <a:ext cx="3860800" cy="365125"/>
+          </a:xfrm>
+          <a:prstGeom prst="rect">
+            <a:avLst/>
+          </a:prstGeom>
+        </p:spPr>
+        <p:txBody>
+          <a:bodyPr/>
+          <a:lstStyle/>
+          <a:p>
+            <a:endParaRPr lang="en-US"/>
+          </a:p>
+        </p:txBody>
+      </p:sp>
+      <p:sp>
+        <p:nvSpPr>
+          <p:cNvPr id="5" name="Espaço Reservado para Número de Slide 4"/>
+          <p:cNvSpPr>
+            <a:spLocks noGrp="1"/>
+          </p:cNvSpPr>
+          <p:nvPr>
+            <p:ph type="sldNum" sz="quarter" idx="12"/>
+          </p:nvPr>
+        </p:nvSpPr>
+        <p:spPr>
+          <a:xfrm>
+            <a:off x="8737600" y="6356350"/>
+            <a:ext cx="2844800" cy="365125"/>
+          </a:xfrm>
+          <a:prstGeom prst="rect">
+            <a:avLst/>
+          </a:prstGeom>
+        </p:spPr>
+        <p:txBody>
+          <a:bodyPr/>
+          <a:lstStyle/>
+          <a:p>
+            <a:fld id="{6489A335-20A0-4B33-AF47-5F38777C366C}" type="slidenum">
+              <a:rPr lang="en-US" smtClean="0"/>
+              <a:t>‹nº›</a:t>
+            </a:fld>
+            <a:endParaRPr lang="en-US"/>
+          </a:p>
+        </p:txBody>
+      </p:sp>
+    </p:spTree>
   </p:cSld>
   <p:clrMapOvr>
     <a:masterClrMapping/>
@@ -6314,9 +7533,1119 @@
     </p:spTree>
     <p:extLst>
       <p:ext uri="{BB962C8B-B14F-4D97-AF65-F5344CB8AC3E}">
-        <p14:creationId xmlns:p14="http://schemas.microsoft.com/office/powerpoint/2010/main" val="3863314366"/>
+        <p14:creationId xmlns:p14="http://schemas.microsoft.com/office/powerpoint/2010/main" xmlns="" val="3863314366"/>
       </p:ext>
     </p:extLst>
+  </p:cSld>
+  <p:clrMapOvr>
+    <a:masterClrMapping/>
+  </p:clrMapOvr>
+</p:sldLayout>
+</file>
+
+<file path=ppt/slideLayouts/slideLayout20.xml><?xml version="1.0" encoding="utf-8"?>
+<p:sldLayout xmlns:a="http://schemas.openxmlformats.org/drawingml/2006/main" xmlns:r="http://schemas.openxmlformats.org/officeDocument/2006/relationships" xmlns:p="http://schemas.openxmlformats.org/presentationml/2006/main" type="blank" preserve="1">
+  <p:cSld name="Em branco">
+    <p:spTree>
+      <p:nvGrpSpPr>
+        <p:cNvPr id="1" name=""/>
+        <p:cNvGrpSpPr/>
+        <p:nvPr/>
+      </p:nvGrpSpPr>
+      <p:grpSpPr>
+        <a:xfrm>
+          <a:off x="0" y="0"/>
+          <a:ext cx="0" cy="0"/>
+          <a:chOff x="0" y="0"/>
+          <a:chExt cx="0" cy="0"/>
+        </a:xfrm>
+      </p:grpSpPr>
+      <p:sp>
+        <p:nvSpPr>
+          <p:cNvPr id="2" name="Espaço Reservado para Data 1"/>
+          <p:cNvSpPr>
+            <a:spLocks noGrp="1"/>
+          </p:cNvSpPr>
+          <p:nvPr>
+            <p:ph type="dt" sz="half" idx="10"/>
+          </p:nvPr>
+        </p:nvSpPr>
+        <p:spPr>
+          <a:xfrm>
+            <a:off x="609600" y="6356350"/>
+            <a:ext cx="2844800" cy="365125"/>
+          </a:xfrm>
+          <a:prstGeom prst="rect">
+            <a:avLst/>
+          </a:prstGeom>
+        </p:spPr>
+        <p:txBody>
+          <a:bodyPr/>
+          <a:lstStyle/>
+          <a:p>
+            <a:fld id="{EE9AA643-A44D-4BF4-8521-FD5A4D8F2AF0}" type="datetimeFigureOut">
+              <a:rPr lang="en-US" smtClean="0"/>
+              <a:t>2/15/2016</a:t>
+            </a:fld>
+            <a:endParaRPr lang="en-US"/>
+          </a:p>
+        </p:txBody>
+      </p:sp>
+      <p:sp>
+        <p:nvSpPr>
+          <p:cNvPr id="3" name="Espaço Reservado para Rodapé 2"/>
+          <p:cNvSpPr>
+            <a:spLocks noGrp="1"/>
+          </p:cNvSpPr>
+          <p:nvPr>
+            <p:ph type="ftr" sz="quarter" idx="11"/>
+          </p:nvPr>
+        </p:nvSpPr>
+        <p:spPr>
+          <a:xfrm>
+            <a:off x="4165600" y="6356350"/>
+            <a:ext cx="3860800" cy="365125"/>
+          </a:xfrm>
+          <a:prstGeom prst="rect">
+            <a:avLst/>
+          </a:prstGeom>
+        </p:spPr>
+        <p:txBody>
+          <a:bodyPr/>
+          <a:lstStyle/>
+          <a:p>
+            <a:endParaRPr lang="en-US"/>
+          </a:p>
+        </p:txBody>
+      </p:sp>
+      <p:sp>
+        <p:nvSpPr>
+          <p:cNvPr id="4" name="Espaço Reservado para Número de Slide 3"/>
+          <p:cNvSpPr>
+            <a:spLocks noGrp="1"/>
+          </p:cNvSpPr>
+          <p:nvPr>
+            <p:ph type="sldNum" sz="quarter" idx="12"/>
+          </p:nvPr>
+        </p:nvSpPr>
+        <p:spPr>
+          <a:xfrm>
+            <a:off x="8737600" y="6356350"/>
+            <a:ext cx="2844800" cy="365125"/>
+          </a:xfrm>
+          <a:prstGeom prst="rect">
+            <a:avLst/>
+          </a:prstGeom>
+        </p:spPr>
+        <p:txBody>
+          <a:bodyPr/>
+          <a:lstStyle/>
+          <a:p>
+            <a:fld id="{6489A335-20A0-4B33-AF47-5F38777C366C}" type="slidenum">
+              <a:rPr lang="en-US" smtClean="0"/>
+              <a:t>‹nº›</a:t>
+            </a:fld>
+            <a:endParaRPr lang="en-US"/>
+          </a:p>
+        </p:txBody>
+      </p:sp>
+    </p:spTree>
+  </p:cSld>
+  <p:clrMapOvr>
+    <a:masterClrMapping/>
+  </p:clrMapOvr>
+</p:sldLayout>
+</file>
+
+<file path=ppt/slideLayouts/slideLayout21.xml><?xml version="1.0" encoding="utf-8"?>
+<p:sldLayout xmlns:a="http://schemas.openxmlformats.org/drawingml/2006/main" xmlns:r="http://schemas.openxmlformats.org/officeDocument/2006/relationships" xmlns:p="http://schemas.openxmlformats.org/presentationml/2006/main" type="objTx" preserve="1">
+  <p:cSld name="Conteúdo com Legenda">
+    <p:spTree>
+      <p:nvGrpSpPr>
+        <p:cNvPr id="1" name=""/>
+        <p:cNvGrpSpPr/>
+        <p:nvPr/>
+      </p:nvGrpSpPr>
+      <p:grpSpPr>
+        <a:xfrm>
+          <a:off x="0" y="0"/>
+          <a:ext cx="0" cy="0"/>
+          <a:chOff x="0" y="0"/>
+          <a:chExt cx="0" cy="0"/>
+        </a:xfrm>
+      </p:grpSpPr>
+      <p:sp>
+        <p:nvSpPr>
+          <p:cNvPr id="2" name="Título 1"/>
+          <p:cNvSpPr>
+            <a:spLocks noGrp="1"/>
+          </p:cNvSpPr>
+          <p:nvPr>
+            <p:ph type="title"/>
+          </p:nvPr>
+        </p:nvSpPr>
+        <p:spPr>
+          <a:xfrm>
+            <a:off x="609600" y="273050"/>
+            <a:ext cx="4011613" cy="1162050"/>
+          </a:xfrm>
+          <a:prstGeom prst="rect">
+            <a:avLst/>
+          </a:prstGeom>
+        </p:spPr>
+        <p:txBody>
+          <a:bodyPr anchor="b"/>
+          <a:lstStyle>
+            <a:lvl1pPr algn="l">
+              <a:defRPr sz="2000" b="1"/>
+            </a:lvl1pPr>
+          </a:lstStyle>
+          <a:p>
+            <a:r>
+              <a:rPr lang="pt-BR" smtClean="0"/>
+              <a:t>Clique para editar o estilo do título mestre</a:t>
+            </a:r>
+            <a:endParaRPr lang="en-US"/>
+          </a:p>
+        </p:txBody>
+      </p:sp>
+      <p:sp>
+        <p:nvSpPr>
+          <p:cNvPr id="3" name="Espaço Reservado para Conteúdo 2"/>
+          <p:cNvSpPr>
+            <a:spLocks noGrp="1"/>
+          </p:cNvSpPr>
+          <p:nvPr>
+            <p:ph idx="1"/>
+          </p:nvPr>
+        </p:nvSpPr>
+        <p:spPr>
+          <a:xfrm>
+            <a:off x="4767263" y="273050"/>
+            <a:ext cx="6815137" cy="5853113"/>
+          </a:xfrm>
+          <a:prstGeom prst="rect">
+            <a:avLst/>
+          </a:prstGeom>
+        </p:spPr>
+        <p:txBody>
+          <a:bodyPr/>
+          <a:lstStyle>
+            <a:lvl1pPr>
+              <a:defRPr sz="3200"/>
+            </a:lvl1pPr>
+            <a:lvl2pPr>
+              <a:defRPr sz="2800"/>
+            </a:lvl2pPr>
+            <a:lvl3pPr>
+              <a:defRPr sz="2400"/>
+            </a:lvl3pPr>
+            <a:lvl4pPr>
+              <a:defRPr sz="2000"/>
+            </a:lvl4pPr>
+            <a:lvl5pPr>
+              <a:defRPr sz="2000"/>
+            </a:lvl5pPr>
+            <a:lvl6pPr>
+              <a:defRPr sz="2000"/>
+            </a:lvl6pPr>
+            <a:lvl7pPr>
+              <a:defRPr sz="2000"/>
+            </a:lvl7pPr>
+            <a:lvl8pPr>
+              <a:defRPr sz="2000"/>
+            </a:lvl8pPr>
+            <a:lvl9pPr>
+              <a:defRPr sz="2000"/>
+            </a:lvl9pPr>
+          </a:lstStyle>
+          <a:p>
+            <a:pPr lvl="0"/>
+            <a:r>
+              <a:rPr lang="pt-BR" smtClean="0"/>
+              <a:t>Clique para editar os estilos do texto mestre</a:t>
+            </a:r>
+          </a:p>
+          <a:p>
+            <a:pPr lvl="1"/>
+            <a:r>
+              <a:rPr lang="pt-BR" smtClean="0"/>
+              <a:t>Segundo nível</a:t>
+            </a:r>
+          </a:p>
+          <a:p>
+            <a:pPr lvl="2"/>
+            <a:r>
+              <a:rPr lang="pt-BR" smtClean="0"/>
+              <a:t>Terceiro nível</a:t>
+            </a:r>
+          </a:p>
+          <a:p>
+            <a:pPr lvl="3"/>
+            <a:r>
+              <a:rPr lang="pt-BR" smtClean="0"/>
+              <a:t>Quarto nível</a:t>
+            </a:r>
+          </a:p>
+          <a:p>
+            <a:pPr lvl="4"/>
+            <a:r>
+              <a:rPr lang="pt-BR" smtClean="0"/>
+              <a:t>Quinto nível</a:t>
+            </a:r>
+            <a:endParaRPr lang="en-US"/>
+          </a:p>
+        </p:txBody>
+      </p:sp>
+      <p:sp>
+        <p:nvSpPr>
+          <p:cNvPr id="4" name="Espaço Reservado para Texto 3"/>
+          <p:cNvSpPr>
+            <a:spLocks noGrp="1"/>
+          </p:cNvSpPr>
+          <p:nvPr>
+            <p:ph type="body" sz="half" idx="2"/>
+          </p:nvPr>
+        </p:nvSpPr>
+        <p:spPr>
+          <a:xfrm>
+            <a:off x="609600" y="1435100"/>
+            <a:ext cx="4011613" cy="4691063"/>
+          </a:xfrm>
+          <a:prstGeom prst="rect">
+            <a:avLst/>
+          </a:prstGeom>
+        </p:spPr>
+        <p:txBody>
+          <a:bodyPr/>
+          <a:lstStyle>
+            <a:lvl1pPr marL="0" indent="0">
+              <a:buNone/>
+              <a:defRPr sz="1400"/>
+            </a:lvl1pPr>
+            <a:lvl2pPr marL="457200" indent="0">
+              <a:buNone/>
+              <a:defRPr sz="1200"/>
+            </a:lvl2pPr>
+            <a:lvl3pPr marL="914400" indent="0">
+              <a:buNone/>
+              <a:defRPr sz="1000"/>
+            </a:lvl3pPr>
+            <a:lvl4pPr marL="1371600" indent="0">
+              <a:buNone/>
+              <a:defRPr sz="900"/>
+            </a:lvl4pPr>
+            <a:lvl5pPr marL="1828800" indent="0">
+              <a:buNone/>
+              <a:defRPr sz="900"/>
+            </a:lvl5pPr>
+            <a:lvl6pPr marL="2286000" indent="0">
+              <a:buNone/>
+              <a:defRPr sz="900"/>
+            </a:lvl6pPr>
+            <a:lvl7pPr marL="2743200" indent="0">
+              <a:buNone/>
+              <a:defRPr sz="900"/>
+            </a:lvl7pPr>
+            <a:lvl8pPr marL="3200400" indent="0">
+              <a:buNone/>
+              <a:defRPr sz="900"/>
+            </a:lvl8pPr>
+            <a:lvl9pPr marL="3657600" indent="0">
+              <a:buNone/>
+              <a:defRPr sz="900"/>
+            </a:lvl9pPr>
+          </a:lstStyle>
+          <a:p>
+            <a:pPr lvl="0"/>
+            <a:r>
+              <a:rPr lang="pt-BR" smtClean="0"/>
+              <a:t>Clique para editar os estilos do texto mestre</a:t>
+            </a:r>
+          </a:p>
+        </p:txBody>
+      </p:sp>
+      <p:sp>
+        <p:nvSpPr>
+          <p:cNvPr id="5" name="Espaço Reservado para Data 4"/>
+          <p:cNvSpPr>
+            <a:spLocks noGrp="1"/>
+          </p:cNvSpPr>
+          <p:nvPr>
+            <p:ph type="dt" sz="half" idx="10"/>
+          </p:nvPr>
+        </p:nvSpPr>
+        <p:spPr>
+          <a:xfrm>
+            <a:off x="609600" y="6356350"/>
+            <a:ext cx="2844800" cy="365125"/>
+          </a:xfrm>
+          <a:prstGeom prst="rect">
+            <a:avLst/>
+          </a:prstGeom>
+        </p:spPr>
+        <p:txBody>
+          <a:bodyPr/>
+          <a:lstStyle/>
+          <a:p>
+            <a:fld id="{EE9AA643-A44D-4BF4-8521-FD5A4D8F2AF0}" type="datetimeFigureOut">
+              <a:rPr lang="en-US" smtClean="0"/>
+              <a:t>2/15/2016</a:t>
+            </a:fld>
+            <a:endParaRPr lang="en-US"/>
+          </a:p>
+        </p:txBody>
+      </p:sp>
+      <p:sp>
+        <p:nvSpPr>
+          <p:cNvPr id="6" name="Espaço Reservado para Rodapé 5"/>
+          <p:cNvSpPr>
+            <a:spLocks noGrp="1"/>
+          </p:cNvSpPr>
+          <p:nvPr>
+            <p:ph type="ftr" sz="quarter" idx="11"/>
+          </p:nvPr>
+        </p:nvSpPr>
+        <p:spPr>
+          <a:xfrm>
+            <a:off x="4165600" y="6356350"/>
+            <a:ext cx="3860800" cy="365125"/>
+          </a:xfrm>
+          <a:prstGeom prst="rect">
+            <a:avLst/>
+          </a:prstGeom>
+        </p:spPr>
+        <p:txBody>
+          <a:bodyPr/>
+          <a:lstStyle/>
+          <a:p>
+            <a:endParaRPr lang="en-US"/>
+          </a:p>
+        </p:txBody>
+      </p:sp>
+      <p:sp>
+        <p:nvSpPr>
+          <p:cNvPr id="7" name="Espaço Reservado para Número de Slide 6"/>
+          <p:cNvSpPr>
+            <a:spLocks noGrp="1"/>
+          </p:cNvSpPr>
+          <p:nvPr>
+            <p:ph type="sldNum" sz="quarter" idx="12"/>
+          </p:nvPr>
+        </p:nvSpPr>
+        <p:spPr>
+          <a:xfrm>
+            <a:off x="8737600" y="6356350"/>
+            <a:ext cx="2844800" cy="365125"/>
+          </a:xfrm>
+          <a:prstGeom prst="rect">
+            <a:avLst/>
+          </a:prstGeom>
+        </p:spPr>
+        <p:txBody>
+          <a:bodyPr/>
+          <a:lstStyle/>
+          <a:p>
+            <a:fld id="{6489A335-20A0-4B33-AF47-5F38777C366C}" type="slidenum">
+              <a:rPr lang="en-US" smtClean="0"/>
+              <a:t>‹nº›</a:t>
+            </a:fld>
+            <a:endParaRPr lang="en-US"/>
+          </a:p>
+        </p:txBody>
+      </p:sp>
+    </p:spTree>
+  </p:cSld>
+  <p:clrMapOvr>
+    <a:masterClrMapping/>
+  </p:clrMapOvr>
+</p:sldLayout>
+</file>
+
+<file path=ppt/slideLayouts/slideLayout22.xml><?xml version="1.0" encoding="utf-8"?>
+<p:sldLayout xmlns:a="http://schemas.openxmlformats.org/drawingml/2006/main" xmlns:r="http://schemas.openxmlformats.org/officeDocument/2006/relationships" xmlns:p="http://schemas.openxmlformats.org/presentationml/2006/main" type="picTx" preserve="1">
+  <p:cSld name="Imagem com Legenda">
+    <p:spTree>
+      <p:nvGrpSpPr>
+        <p:cNvPr id="1" name=""/>
+        <p:cNvGrpSpPr/>
+        <p:nvPr/>
+      </p:nvGrpSpPr>
+      <p:grpSpPr>
+        <a:xfrm>
+          <a:off x="0" y="0"/>
+          <a:ext cx="0" cy="0"/>
+          <a:chOff x="0" y="0"/>
+          <a:chExt cx="0" cy="0"/>
+        </a:xfrm>
+      </p:grpSpPr>
+      <p:sp>
+        <p:nvSpPr>
+          <p:cNvPr id="2" name="Título 1"/>
+          <p:cNvSpPr>
+            <a:spLocks noGrp="1"/>
+          </p:cNvSpPr>
+          <p:nvPr>
+            <p:ph type="title"/>
+          </p:nvPr>
+        </p:nvSpPr>
+        <p:spPr>
+          <a:xfrm>
+            <a:off x="2389188" y="4800600"/>
+            <a:ext cx="7315200" cy="566738"/>
+          </a:xfrm>
+          <a:prstGeom prst="rect">
+            <a:avLst/>
+          </a:prstGeom>
+        </p:spPr>
+        <p:txBody>
+          <a:bodyPr anchor="b"/>
+          <a:lstStyle>
+            <a:lvl1pPr algn="l">
+              <a:defRPr sz="2000" b="1"/>
+            </a:lvl1pPr>
+          </a:lstStyle>
+          <a:p>
+            <a:r>
+              <a:rPr lang="pt-BR" smtClean="0"/>
+              <a:t>Clique para editar o estilo do título mestre</a:t>
+            </a:r>
+            <a:endParaRPr lang="en-US"/>
+          </a:p>
+        </p:txBody>
+      </p:sp>
+      <p:sp>
+        <p:nvSpPr>
+          <p:cNvPr id="3" name="Espaço Reservado para Imagem 2"/>
+          <p:cNvSpPr>
+            <a:spLocks noGrp="1"/>
+          </p:cNvSpPr>
+          <p:nvPr>
+            <p:ph type="pic" idx="1"/>
+          </p:nvPr>
+        </p:nvSpPr>
+        <p:spPr>
+          <a:xfrm>
+            <a:off x="2389188" y="612775"/>
+            <a:ext cx="7315200" cy="4114800"/>
+          </a:xfrm>
+          <a:prstGeom prst="rect">
+            <a:avLst/>
+          </a:prstGeom>
+        </p:spPr>
+        <p:txBody>
+          <a:bodyPr/>
+          <a:lstStyle>
+            <a:lvl1pPr marL="0" indent="0">
+              <a:buNone/>
+              <a:defRPr sz="3200"/>
+            </a:lvl1pPr>
+            <a:lvl2pPr marL="457200" indent="0">
+              <a:buNone/>
+              <a:defRPr sz="2800"/>
+            </a:lvl2pPr>
+            <a:lvl3pPr marL="914400" indent="0">
+              <a:buNone/>
+              <a:defRPr sz="2400"/>
+            </a:lvl3pPr>
+            <a:lvl4pPr marL="1371600" indent="0">
+              <a:buNone/>
+              <a:defRPr sz="2000"/>
+            </a:lvl4pPr>
+            <a:lvl5pPr marL="1828800" indent="0">
+              <a:buNone/>
+              <a:defRPr sz="2000"/>
+            </a:lvl5pPr>
+            <a:lvl6pPr marL="2286000" indent="0">
+              <a:buNone/>
+              <a:defRPr sz="2000"/>
+            </a:lvl6pPr>
+            <a:lvl7pPr marL="2743200" indent="0">
+              <a:buNone/>
+              <a:defRPr sz="2000"/>
+            </a:lvl7pPr>
+            <a:lvl8pPr marL="3200400" indent="0">
+              <a:buNone/>
+              <a:defRPr sz="2000"/>
+            </a:lvl8pPr>
+            <a:lvl9pPr marL="3657600" indent="0">
+              <a:buNone/>
+              <a:defRPr sz="2000"/>
+            </a:lvl9pPr>
+          </a:lstStyle>
+          <a:p>
+            <a:endParaRPr lang="en-US"/>
+          </a:p>
+        </p:txBody>
+      </p:sp>
+      <p:sp>
+        <p:nvSpPr>
+          <p:cNvPr id="4" name="Espaço Reservado para Texto 3"/>
+          <p:cNvSpPr>
+            <a:spLocks noGrp="1"/>
+          </p:cNvSpPr>
+          <p:nvPr>
+            <p:ph type="body" sz="half" idx="2"/>
+          </p:nvPr>
+        </p:nvSpPr>
+        <p:spPr>
+          <a:xfrm>
+            <a:off x="2389188" y="5367338"/>
+            <a:ext cx="7315200" cy="804862"/>
+          </a:xfrm>
+          <a:prstGeom prst="rect">
+            <a:avLst/>
+          </a:prstGeom>
+        </p:spPr>
+        <p:txBody>
+          <a:bodyPr/>
+          <a:lstStyle>
+            <a:lvl1pPr marL="0" indent="0">
+              <a:buNone/>
+              <a:defRPr sz="1400"/>
+            </a:lvl1pPr>
+            <a:lvl2pPr marL="457200" indent="0">
+              <a:buNone/>
+              <a:defRPr sz="1200"/>
+            </a:lvl2pPr>
+            <a:lvl3pPr marL="914400" indent="0">
+              <a:buNone/>
+              <a:defRPr sz="1000"/>
+            </a:lvl3pPr>
+            <a:lvl4pPr marL="1371600" indent="0">
+              <a:buNone/>
+              <a:defRPr sz="900"/>
+            </a:lvl4pPr>
+            <a:lvl5pPr marL="1828800" indent="0">
+              <a:buNone/>
+              <a:defRPr sz="900"/>
+            </a:lvl5pPr>
+            <a:lvl6pPr marL="2286000" indent="0">
+              <a:buNone/>
+              <a:defRPr sz="900"/>
+            </a:lvl6pPr>
+            <a:lvl7pPr marL="2743200" indent="0">
+              <a:buNone/>
+              <a:defRPr sz="900"/>
+            </a:lvl7pPr>
+            <a:lvl8pPr marL="3200400" indent="0">
+              <a:buNone/>
+              <a:defRPr sz="900"/>
+            </a:lvl8pPr>
+            <a:lvl9pPr marL="3657600" indent="0">
+              <a:buNone/>
+              <a:defRPr sz="900"/>
+            </a:lvl9pPr>
+          </a:lstStyle>
+          <a:p>
+            <a:pPr lvl="0"/>
+            <a:r>
+              <a:rPr lang="pt-BR" smtClean="0"/>
+              <a:t>Clique para editar os estilos do texto mestre</a:t>
+            </a:r>
+          </a:p>
+        </p:txBody>
+      </p:sp>
+      <p:sp>
+        <p:nvSpPr>
+          <p:cNvPr id="5" name="Espaço Reservado para Data 4"/>
+          <p:cNvSpPr>
+            <a:spLocks noGrp="1"/>
+          </p:cNvSpPr>
+          <p:nvPr>
+            <p:ph type="dt" sz="half" idx="10"/>
+          </p:nvPr>
+        </p:nvSpPr>
+        <p:spPr>
+          <a:xfrm>
+            <a:off x="609600" y="6356350"/>
+            <a:ext cx="2844800" cy="365125"/>
+          </a:xfrm>
+          <a:prstGeom prst="rect">
+            <a:avLst/>
+          </a:prstGeom>
+        </p:spPr>
+        <p:txBody>
+          <a:bodyPr/>
+          <a:lstStyle/>
+          <a:p>
+            <a:fld id="{EE9AA643-A44D-4BF4-8521-FD5A4D8F2AF0}" type="datetimeFigureOut">
+              <a:rPr lang="en-US" smtClean="0"/>
+              <a:t>2/15/2016</a:t>
+            </a:fld>
+            <a:endParaRPr lang="en-US"/>
+          </a:p>
+        </p:txBody>
+      </p:sp>
+      <p:sp>
+        <p:nvSpPr>
+          <p:cNvPr id="6" name="Espaço Reservado para Rodapé 5"/>
+          <p:cNvSpPr>
+            <a:spLocks noGrp="1"/>
+          </p:cNvSpPr>
+          <p:nvPr>
+            <p:ph type="ftr" sz="quarter" idx="11"/>
+          </p:nvPr>
+        </p:nvSpPr>
+        <p:spPr>
+          <a:xfrm>
+            <a:off x="4165600" y="6356350"/>
+            <a:ext cx="3860800" cy="365125"/>
+          </a:xfrm>
+          <a:prstGeom prst="rect">
+            <a:avLst/>
+          </a:prstGeom>
+        </p:spPr>
+        <p:txBody>
+          <a:bodyPr/>
+          <a:lstStyle/>
+          <a:p>
+            <a:endParaRPr lang="en-US"/>
+          </a:p>
+        </p:txBody>
+      </p:sp>
+      <p:sp>
+        <p:nvSpPr>
+          <p:cNvPr id="7" name="Espaço Reservado para Número de Slide 6"/>
+          <p:cNvSpPr>
+            <a:spLocks noGrp="1"/>
+          </p:cNvSpPr>
+          <p:nvPr>
+            <p:ph type="sldNum" sz="quarter" idx="12"/>
+          </p:nvPr>
+        </p:nvSpPr>
+        <p:spPr>
+          <a:xfrm>
+            <a:off x="8737600" y="6356350"/>
+            <a:ext cx="2844800" cy="365125"/>
+          </a:xfrm>
+          <a:prstGeom prst="rect">
+            <a:avLst/>
+          </a:prstGeom>
+        </p:spPr>
+        <p:txBody>
+          <a:bodyPr/>
+          <a:lstStyle/>
+          <a:p>
+            <a:fld id="{6489A335-20A0-4B33-AF47-5F38777C366C}" type="slidenum">
+              <a:rPr lang="en-US" smtClean="0"/>
+              <a:t>‹nº›</a:t>
+            </a:fld>
+            <a:endParaRPr lang="en-US"/>
+          </a:p>
+        </p:txBody>
+      </p:sp>
+    </p:spTree>
+  </p:cSld>
+  <p:clrMapOvr>
+    <a:masterClrMapping/>
+  </p:clrMapOvr>
+</p:sldLayout>
+</file>
+
+<file path=ppt/slideLayouts/slideLayout23.xml><?xml version="1.0" encoding="utf-8"?>
+<p:sldLayout xmlns:a="http://schemas.openxmlformats.org/drawingml/2006/main" xmlns:r="http://schemas.openxmlformats.org/officeDocument/2006/relationships" xmlns:p="http://schemas.openxmlformats.org/presentationml/2006/main" type="vertTx" preserve="1">
+  <p:cSld name="Título e texto vertical">
+    <p:spTree>
+      <p:nvGrpSpPr>
+        <p:cNvPr id="1" name=""/>
+        <p:cNvGrpSpPr/>
+        <p:nvPr/>
+      </p:nvGrpSpPr>
+      <p:grpSpPr>
+        <a:xfrm>
+          <a:off x="0" y="0"/>
+          <a:ext cx="0" cy="0"/>
+          <a:chOff x="0" y="0"/>
+          <a:chExt cx="0" cy="0"/>
+        </a:xfrm>
+      </p:grpSpPr>
+      <p:sp>
+        <p:nvSpPr>
+          <p:cNvPr id="2" name="Título 1"/>
+          <p:cNvSpPr>
+            <a:spLocks noGrp="1"/>
+          </p:cNvSpPr>
+          <p:nvPr>
+            <p:ph type="title"/>
+          </p:nvPr>
+        </p:nvSpPr>
+        <p:spPr>
+          <a:xfrm>
+            <a:off x="609600" y="274638"/>
+            <a:ext cx="10972800" cy="1143000"/>
+          </a:xfrm>
+          <a:prstGeom prst="rect">
+            <a:avLst/>
+          </a:prstGeom>
+        </p:spPr>
+        <p:txBody>
+          <a:bodyPr/>
+          <a:lstStyle/>
+          <a:p>
+            <a:r>
+              <a:rPr lang="pt-BR" smtClean="0"/>
+              <a:t>Clique para editar o estilo do título mestre</a:t>
+            </a:r>
+            <a:endParaRPr lang="en-US"/>
+          </a:p>
+        </p:txBody>
+      </p:sp>
+      <p:sp>
+        <p:nvSpPr>
+          <p:cNvPr id="3" name="Espaço Reservado para Texto Vertical 2"/>
+          <p:cNvSpPr>
+            <a:spLocks noGrp="1"/>
+          </p:cNvSpPr>
+          <p:nvPr>
+            <p:ph type="body" orient="vert" idx="1"/>
+          </p:nvPr>
+        </p:nvSpPr>
+        <p:spPr>
+          <a:xfrm>
+            <a:off x="609600" y="1600200"/>
+            <a:ext cx="10972800" cy="4525963"/>
+          </a:xfrm>
+          <a:prstGeom prst="rect">
+            <a:avLst/>
+          </a:prstGeom>
+        </p:spPr>
+        <p:txBody>
+          <a:bodyPr vert="eaVert"/>
+          <a:lstStyle/>
+          <a:p>
+            <a:pPr lvl="0"/>
+            <a:r>
+              <a:rPr lang="pt-BR" smtClean="0"/>
+              <a:t>Clique para editar os estilos do texto mestre</a:t>
+            </a:r>
+          </a:p>
+          <a:p>
+            <a:pPr lvl="1"/>
+            <a:r>
+              <a:rPr lang="pt-BR" smtClean="0"/>
+              <a:t>Segundo nível</a:t>
+            </a:r>
+          </a:p>
+          <a:p>
+            <a:pPr lvl="2"/>
+            <a:r>
+              <a:rPr lang="pt-BR" smtClean="0"/>
+              <a:t>Terceiro nível</a:t>
+            </a:r>
+          </a:p>
+          <a:p>
+            <a:pPr lvl="3"/>
+            <a:r>
+              <a:rPr lang="pt-BR" smtClean="0"/>
+              <a:t>Quarto nível</a:t>
+            </a:r>
+          </a:p>
+          <a:p>
+            <a:pPr lvl="4"/>
+            <a:r>
+              <a:rPr lang="pt-BR" smtClean="0"/>
+              <a:t>Quinto nível</a:t>
+            </a:r>
+            <a:endParaRPr lang="en-US"/>
+          </a:p>
+        </p:txBody>
+      </p:sp>
+      <p:sp>
+        <p:nvSpPr>
+          <p:cNvPr id="4" name="Espaço Reservado para Data 3"/>
+          <p:cNvSpPr>
+            <a:spLocks noGrp="1"/>
+          </p:cNvSpPr>
+          <p:nvPr>
+            <p:ph type="dt" sz="half" idx="10"/>
+          </p:nvPr>
+        </p:nvSpPr>
+        <p:spPr>
+          <a:xfrm>
+            <a:off x="609600" y="6356350"/>
+            <a:ext cx="2844800" cy="365125"/>
+          </a:xfrm>
+          <a:prstGeom prst="rect">
+            <a:avLst/>
+          </a:prstGeom>
+        </p:spPr>
+        <p:txBody>
+          <a:bodyPr/>
+          <a:lstStyle/>
+          <a:p>
+            <a:fld id="{EE9AA643-A44D-4BF4-8521-FD5A4D8F2AF0}" type="datetimeFigureOut">
+              <a:rPr lang="en-US" smtClean="0"/>
+              <a:t>2/15/2016</a:t>
+            </a:fld>
+            <a:endParaRPr lang="en-US"/>
+          </a:p>
+        </p:txBody>
+      </p:sp>
+      <p:sp>
+        <p:nvSpPr>
+          <p:cNvPr id="5" name="Espaço Reservado para Rodapé 4"/>
+          <p:cNvSpPr>
+            <a:spLocks noGrp="1"/>
+          </p:cNvSpPr>
+          <p:nvPr>
+            <p:ph type="ftr" sz="quarter" idx="11"/>
+          </p:nvPr>
+        </p:nvSpPr>
+        <p:spPr>
+          <a:xfrm>
+            <a:off x="4165600" y="6356350"/>
+            <a:ext cx="3860800" cy="365125"/>
+          </a:xfrm>
+          <a:prstGeom prst="rect">
+            <a:avLst/>
+          </a:prstGeom>
+        </p:spPr>
+        <p:txBody>
+          <a:bodyPr/>
+          <a:lstStyle/>
+          <a:p>
+            <a:endParaRPr lang="en-US"/>
+          </a:p>
+        </p:txBody>
+      </p:sp>
+      <p:sp>
+        <p:nvSpPr>
+          <p:cNvPr id="6" name="Espaço Reservado para Número de Slide 5"/>
+          <p:cNvSpPr>
+            <a:spLocks noGrp="1"/>
+          </p:cNvSpPr>
+          <p:nvPr>
+            <p:ph type="sldNum" sz="quarter" idx="12"/>
+          </p:nvPr>
+        </p:nvSpPr>
+        <p:spPr>
+          <a:xfrm>
+            <a:off x="8737600" y="6356350"/>
+            <a:ext cx="2844800" cy="365125"/>
+          </a:xfrm>
+          <a:prstGeom prst="rect">
+            <a:avLst/>
+          </a:prstGeom>
+        </p:spPr>
+        <p:txBody>
+          <a:bodyPr/>
+          <a:lstStyle/>
+          <a:p>
+            <a:fld id="{6489A335-20A0-4B33-AF47-5F38777C366C}" type="slidenum">
+              <a:rPr lang="en-US" smtClean="0"/>
+              <a:t>‹nº›</a:t>
+            </a:fld>
+            <a:endParaRPr lang="en-US"/>
+          </a:p>
+        </p:txBody>
+      </p:sp>
+    </p:spTree>
+  </p:cSld>
+  <p:clrMapOvr>
+    <a:masterClrMapping/>
+  </p:clrMapOvr>
+</p:sldLayout>
+</file>
+
+<file path=ppt/slideLayouts/slideLayout24.xml><?xml version="1.0" encoding="utf-8"?>
+<p:sldLayout xmlns:a="http://schemas.openxmlformats.org/drawingml/2006/main" xmlns:r="http://schemas.openxmlformats.org/officeDocument/2006/relationships" xmlns:p="http://schemas.openxmlformats.org/presentationml/2006/main" type="vertTitleAndTx" preserve="1">
+  <p:cSld name="Título e texto verticais">
+    <p:spTree>
+      <p:nvGrpSpPr>
+        <p:cNvPr id="1" name=""/>
+        <p:cNvGrpSpPr/>
+        <p:nvPr/>
+      </p:nvGrpSpPr>
+      <p:grpSpPr>
+        <a:xfrm>
+          <a:off x="0" y="0"/>
+          <a:ext cx="0" cy="0"/>
+          <a:chOff x="0" y="0"/>
+          <a:chExt cx="0" cy="0"/>
+        </a:xfrm>
+      </p:grpSpPr>
+      <p:sp>
+        <p:nvSpPr>
+          <p:cNvPr id="2" name="Título Vertical 1"/>
+          <p:cNvSpPr>
+            <a:spLocks noGrp="1"/>
+          </p:cNvSpPr>
+          <p:nvPr>
+            <p:ph type="title" orient="vert"/>
+          </p:nvPr>
+        </p:nvSpPr>
+        <p:spPr>
+          <a:xfrm>
+            <a:off x="8839200" y="274638"/>
+            <a:ext cx="2743200" cy="5851525"/>
+          </a:xfrm>
+          <a:prstGeom prst="rect">
+            <a:avLst/>
+          </a:prstGeom>
+        </p:spPr>
+        <p:txBody>
+          <a:bodyPr vert="eaVert"/>
+          <a:lstStyle/>
+          <a:p>
+            <a:r>
+              <a:rPr lang="pt-BR" smtClean="0"/>
+              <a:t>Clique para editar o estilo do título mestre</a:t>
+            </a:r>
+            <a:endParaRPr lang="en-US"/>
+          </a:p>
+        </p:txBody>
+      </p:sp>
+      <p:sp>
+        <p:nvSpPr>
+          <p:cNvPr id="3" name="Espaço Reservado para Texto Vertical 2"/>
+          <p:cNvSpPr>
+            <a:spLocks noGrp="1"/>
+          </p:cNvSpPr>
+          <p:nvPr>
+            <p:ph type="body" orient="vert" idx="1"/>
+          </p:nvPr>
+        </p:nvSpPr>
+        <p:spPr>
+          <a:xfrm>
+            <a:off x="609600" y="274638"/>
+            <a:ext cx="8077200" cy="5851525"/>
+          </a:xfrm>
+          <a:prstGeom prst="rect">
+            <a:avLst/>
+          </a:prstGeom>
+        </p:spPr>
+        <p:txBody>
+          <a:bodyPr vert="eaVert"/>
+          <a:lstStyle/>
+          <a:p>
+            <a:pPr lvl="0"/>
+            <a:r>
+              <a:rPr lang="pt-BR" smtClean="0"/>
+              <a:t>Clique para editar os estilos do texto mestre</a:t>
+            </a:r>
+          </a:p>
+          <a:p>
+            <a:pPr lvl="1"/>
+            <a:r>
+              <a:rPr lang="pt-BR" smtClean="0"/>
+              <a:t>Segundo nível</a:t>
+            </a:r>
+          </a:p>
+          <a:p>
+            <a:pPr lvl="2"/>
+            <a:r>
+              <a:rPr lang="pt-BR" smtClean="0"/>
+              <a:t>Terceiro nível</a:t>
+            </a:r>
+          </a:p>
+          <a:p>
+            <a:pPr lvl="3"/>
+            <a:r>
+              <a:rPr lang="pt-BR" smtClean="0"/>
+              <a:t>Quarto nível</a:t>
+            </a:r>
+          </a:p>
+          <a:p>
+            <a:pPr lvl="4"/>
+            <a:r>
+              <a:rPr lang="pt-BR" smtClean="0"/>
+              <a:t>Quinto nível</a:t>
+            </a:r>
+            <a:endParaRPr lang="en-US"/>
+          </a:p>
+        </p:txBody>
+      </p:sp>
+      <p:sp>
+        <p:nvSpPr>
+          <p:cNvPr id="4" name="Espaço Reservado para Data 3"/>
+          <p:cNvSpPr>
+            <a:spLocks noGrp="1"/>
+          </p:cNvSpPr>
+          <p:nvPr>
+            <p:ph type="dt" sz="half" idx="10"/>
+          </p:nvPr>
+        </p:nvSpPr>
+        <p:spPr>
+          <a:xfrm>
+            <a:off x="609600" y="6356350"/>
+            <a:ext cx="2844800" cy="365125"/>
+          </a:xfrm>
+          <a:prstGeom prst="rect">
+            <a:avLst/>
+          </a:prstGeom>
+        </p:spPr>
+        <p:txBody>
+          <a:bodyPr/>
+          <a:lstStyle/>
+          <a:p>
+            <a:fld id="{EE9AA643-A44D-4BF4-8521-FD5A4D8F2AF0}" type="datetimeFigureOut">
+              <a:rPr lang="en-US" smtClean="0"/>
+              <a:t>2/15/2016</a:t>
+            </a:fld>
+            <a:endParaRPr lang="en-US"/>
+          </a:p>
+        </p:txBody>
+      </p:sp>
+      <p:sp>
+        <p:nvSpPr>
+          <p:cNvPr id="5" name="Espaço Reservado para Rodapé 4"/>
+          <p:cNvSpPr>
+            <a:spLocks noGrp="1"/>
+          </p:cNvSpPr>
+          <p:nvPr>
+            <p:ph type="ftr" sz="quarter" idx="11"/>
+          </p:nvPr>
+        </p:nvSpPr>
+        <p:spPr>
+          <a:xfrm>
+            <a:off x="4165600" y="6356350"/>
+            <a:ext cx="3860800" cy="365125"/>
+          </a:xfrm>
+          <a:prstGeom prst="rect">
+            <a:avLst/>
+          </a:prstGeom>
+        </p:spPr>
+        <p:txBody>
+          <a:bodyPr/>
+          <a:lstStyle/>
+          <a:p>
+            <a:endParaRPr lang="en-US"/>
+          </a:p>
+        </p:txBody>
+      </p:sp>
+      <p:sp>
+        <p:nvSpPr>
+          <p:cNvPr id="6" name="Espaço Reservado para Número de Slide 5"/>
+          <p:cNvSpPr>
+            <a:spLocks noGrp="1"/>
+          </p:cNvSpPr>
+          <p:nvPr>
+            <p:ph type="sldNum" sz="quarter" idx="12"/>
+          </p:nvPr>
+        </p:nvSpPr>
+        <p:spPr>
+          <a:xfrm>
+            <a:off x="8737600" y="6356350"/>
+            <a:ext cx="2844800" cy="365125"/>
+          </a:xfrm>
+          <a:prstGeom prst="rect">
+            <a:avLst/>
+          </a:prstGeom>
+        </p:spPr>
+        <p:txBody>
+          <a:bodyPr/>
+          <a:lstStyle/>
+          <a:p>
+            <a:fld id="{6489A335-20A0-4B33-AF47-5F38777C366C}" type="slidenum">
+              <a:rPr lang="en-US" smtClean="0"/>
+              <a:t>‹nº›</a:t>
+            </a:fld>
+            <a:endParaRPr lang="en-US"/>
+          </a:p>
+        </p:txBody>
+      </p:sp>
+    </p:spTree>
   </p:cSld>
   <p:clrMapOvr>
     <a:masterClrMapping/>
@@ -6532,7 +8861,7 @@
     </p:spTree>
     <p:extLst>
       <p:ext uri="{BB962C8B-B14F-4D97-AF65-F5344CB8AC3E}">
-        <p14:creationId xmlns:p14="http://schemas.microsoft.com/office/powerpoint/2010/main" val="3089154402"/>
+        <p14:creationId xmlns:p14="http://schemas.microsoft.com/office/powerpoint/2010/main" xmlns="" val="3089154402"/>
       </p:ext>
     </p:extLst>
   </p:cSld>
@@ -6790,7 +9119,7 @@
     </p:spTree>
     <p:extLst>
       <p:ext uri="{BB962C8B-B14F-4D97-AF65-F5344CB8AC3E}">
-        <p14:creationId xmlns:p14="http://schemas.microsoft.com/office/powerpoint/2010/main" val="4217104739"/>
+        <p14:creationId xmlns:p14="http://schemas.microsoft.com/office/powerpoint/2010/main" xmlns="" val="4217104739"/>
       </p:ext>
     </p:extLst>
   </p:cSld>
@@ -7183,7 +9512,7 @@
     </p:spTree>
     <p:extLst>
       <p:ext uri="{BB962C8B-B14F-4D97-AF65-F5344CB8AC3E}">
-        <p14:creationId xmlns:p14="http://schemas.microsoft.com/office/powerpoint/2010/main" val="3451409337"/>
+        <p14:creationId xmlns:p14="http://schemas.microsoft.com/office/powerpoint/2010/main" xmlns="" val="3451409337"/>
       </p:ext>
     </p:extLst>
   </p:cSld>
@@ -7327,7 +9656,7 @@
     </p:spTree>
     <p:extLst>
       <p:ext uri="{BB962C8B-B14F-4D97-AF65-F5344CB8AC3E}">
-        <p14:creationId xmlns:p14="http://schemas.microsoft.com/office/powerpoint/2010/main" val="911935221"/>
+        <p14:creationId xmlns:p14="http://schemas.microsoft.com/office/powerpoint/2010/main" xmlns="" val="911935221"/>
       </p:ext>
     </p:extLst>
   </p:cSld>
@@ -7448,7 +9777,7 @@
     </p:spTree>
     <p:extLst>
       <p:ext uri="{BB962C8B-B14F-4D97-AF65-F5344CB8AC3E}">
-        <p14:creationId xmlns:p14="http://schemas.microsoft.com/office/powerpoint/2010/main" val="1305232693"/>
+        <p14:creationId xmlns:p14="http://schemas.microsoft.com/office/powerpoint/2010/main" xmlns="" val="1305232693"/>
       </p:ext>
     </p:extLst>
   </p:cSld>
@@ -7751,7 +10080,7 @@
     </p:spTree>
     <p:extLst>
       <p:ext uri="{BB962C8B-B14F-4D97-AF65-F5344CB8AC3E}">
-        <p14:creationId xmlns:p14="http://schemas.microsoft.com/office/powerpoint/2010/main" val="109806831"/>
+        <p14:creationId xmlns:p14="http://schemas.microsoft.com/office/powerpoint/2010/main" xmlns="" val="109806831"/>
       </p:ext>
     </p:extLst>
   </p:cSld>
@@ -8031,7 +10360,7 @@
     </p:spTree>
     <p:extLst>
       <p:ext uri="{BB962C8B-B14F-4D97-AF65-F5344CB8AC3E}">
-        <p14:creationId xmlns:p14="http://schemas.microsoft.com/office/powerpoint/2010/main" val="2597479848"/>
+        <p14:creationId xmlns:p14="http://schemas.microsoft.com/office/powerpoint/2010/main" xmlns="" val="2597479848"/>
       </p:ext>
     </p:extLst>
   </p:cSld>
@@ -8091,14 +10420,14 @@
           <a:effectLst/>
           <a:extLst>
             <a:ext uri="{909E8E84-426E-40DD-AFC4-6F175D3DCCD1}">
-              <a14:hiddenFill xmlns:a14="http://schemas.microsoft.com/office/drawing/2010/main">
+              <a14:hiddenFill xmlns:a14="http://schemas.microsoft.com/office/drawing/2010/main" xmlns="">
                 <a:solidFill>
                   <a:schemeClr val="accent1"/>
                 </a:solidFill>
               </a14:hiddenFill>
             </a:ext>
             <a:ext uri="{91240B29-F687-4F45-9708-019B960494DF}">
-              <a14:hiddenLine xmlns:a14="http://schemas.microsoft.com/office/drawing/2010/main" w="9525">
+              <a14:hiddenLine xmlns:a14="http://schemas.microsoft.com/office/drawing/2010/main" xmlns="" w="9525">
                 <a:solidFill>
                   <a:schemeClr val="tx1"/>
                 </a:solidFill>
@@ -8108,7 +10437,7 @@
               </a14:hiddenLine>
             </a:ext>
             <a:ext uri="{AF507438-7753-43E0-B8FC-AC1667EBCBE1}">
-              <a14:hiddenEffects xmlns:a14="http://schemas.microsoft.com/office/drawing/2010/main">
+              <a14:hiddenEffects xmlns:a14="http://schemas.microsoft.com/office/drawing/2010/main" xmlns="">
                 <a:effectLst>
                   <a:outerShdw dist="35921" dir="2700000" algn="ctr" rotWithShape="0">
                     <a:schemeClr val="bg2"/>
@@ -8159,14 +10488,14 @@
           <a:effectLst/>
           <a:extLst>
             <a:ext uri="{909E8E84-426E-40DD-AFC4-6F175D3DCCD1}">
-              <a14:hiddenFill xmlns:a14="http://schemas.microsoft.com/office/drawing/2010/main">
+              <a14:hiddenFill xmlns:a14="http://schemas.microsoft.com/office/drawing/2010/main" xmlns="">
                 <a:solidFill>
                   <a:schemeClr val="accent1"/>
                 </a:solidFill>
               </a14:hiddenFill>
             </a:ext>
             <a:ext uri="{91240B29-F687-4F45-9708-019B960494DF}">
-              <a14:hiddenLine xmlns:a14="http://schemas.microsoft.com/office/drawing/2010/main" w="9525">
+              <a14:hiddenLine xmlns:a14="http://schemas.microsoft.com/office/drawing/2010/main" xmlns="" w="9525">
                 <a:solidFill>
                   <a:schemeClr val="tx1"/>
                 </a:solidFill>
@@ -8176,7 +10505,7 @@
               </a14:hiddenLine>
             </a:ext>
             <a:ext uri="{AF507438-7753-43E0-B8FC-AC1667EBCBE1}">
-              <a14:hiddenEffects xmlns:a14="http://schemas.microsoft.com/office/drawing/2010/main">
+              <a14:hiddenEffects xmlns:a14="http://schemas.microsoft.com/office/drawing/2010/main" xmlns="">
                 <a:effectLst>
                   <a:outerShdw dist="35921" dir="2700000" algn="ctr" rotWithShape="0">
                     <a:schemeClr val="bg2"/>
@@ -8255,14 +10584,14 @@
           <a:effectLst/>
           <a:extLst>
             <a:ext uri="{909E8E84-426E-40DD-AFC4-6F175D3DCCD1}">
-              <a14:hiddenFill xmlns:a14="http://schemas.microsoft.com/office/drawing/2010/main">
+              <a14:hiddenFill xmlns:a14="http://schemas.microsoft.com/office/drawing/2010/main" xmlns="">
                 <a:solidFill>
                   <a:schemeClr val="accent1"/>
                 </a:solidFill>
               </a14:hiddenFill>
             </a:ext>
             <a:ext uri="{91240B29-F687-4F45-9708-019B960494DF}">
-              <a14:hiddenLine xmlns:a14="http://schemas.microsoft.com/office/drawing/2010/main" w="9525">
+              <a14:hiddenLine xmlns:a14="http://schemas.microsoft.com/office/drawing/2010/main" xmlns="" w="9525">
                 <a:solidFill>
                   <a:schemeClr val="tx1"/>
                 </a:solidFill>
@@ -8272,7 +10601,7 @@
               </a14:hiddenLine>
             </a:ext>
             <a:ext uri="{AF507438-7753-43E0-B8FC-AC1667EBCBE1}">
-              <a14:hiddenEffects xmlns:a14="http://schemas.microsoft.com/office/drawing/2010/main">
+              <a14:hiddenEffects xmlns:a14="http://schemas.microsoft.com/office/drawing/2010/main" xmlns="">
                 <a:effectLst>
                   <a:outerShdw dist="35921" dir="2700000" algn="ctr" rotWithShape="0">
                     <a:schemeClr val="bg2"/>
@@ -8326,14 +10655,14 @@
           <a:effectLst/>
           <a:extLst>
             <a:ext uri="{909E8E84-426E-40DD-AFC4-6F175D3DCCD1}">
-              <a14:hiddenFill xmlns:a14="http://schemas.microsoft.com/office/drawing/2010/main">
+              <a14:hiddenFill xmlns:a14="http://schemas.microsoft.com/office/drawing/2010/main" xmlns="">
                 <a:solidFill>
                   <a:schemeClr val="accent1"/>
                 </a:solidFill>
               </a14:hiddenFill>
             </a:ext>
             <a:ext uri="{91240B29-F687-4F45-9708-019B960494DF}">
-              <a14:hiddenLine xmlns:a14="http://schemas.microsoft.com/office/drawing/2010/main" w="9525">
+              <a14:hiddenLine xmlns:a14="http://schemas.microsoft.com/office/drawing/2010/main" xmlns="" w="9525">
                 <a:solidFill>
                   <a:schemeClr val="tx1"/>
                 </a:solidFill>
@@ -8343,7 +10672,7 @@
               </a14:hiddenLine>
             </a:ext>
             <a:ext uri="{AF507438-7753-43E0-B8FC-AC1667EBCBE1}">
-              <a14:hiddenEffects xmlns:a14="http://schemas.microsoft.com/office/drawing/2010/main">
+              <a14:hiddenEffects xmlns:a14="http://schemas.microsoft.com/office/drawing/2010/main" xmlns="">
                 <a:effectLst>
                   <a:outerShdw dist="35921" dir="2700000" algn="ctr" rotWithShape="0">
                     <a:schemeClr val="bg2"/>
@@ -8397,14 +10726,14 @@
           <a:effectLst/>
           <a:extLst>
             <a:ext uri="{909E8E84-426E-40DD-AFC4-6F175D3DCCD1}">
-              <a14:hiddenFill xmlns:a14="http://schemas.microsoft.com/office/drawing/2010/main">
+              <a14:hiddenFill xmlns:a14="http://schemas.microsoft.com/office/drawing/2010/main" xmlns="">
                 <a:solidFill>
                   <a:schemeClr val="accent1"/>
                 </a:solidFill>
               </a14:hiddenFill>
             </a:ext>
             <a:ext uri="{91240B29-F687-4F45-9708-019B960494DF}">
-              <a14:hiddenLine xmlns:a14="http://schemas.microsoft.com/office/drawing/2010/main" w="9525">
+              <a14:hiddenLine xmlns:a14="http://schemas.microsoft.com/office/drawing/2010/main" xmlns="" w="9525">
                 <a:solidFill>
                   <a:schemeClr val="tx1"/>
                 </a:solidFill>
@@ -8414,7 +10743,7 @@
               </a14:hiddenLine>
             </a:ext>
             <a:ext uri="{AF507438-7753-43E0-B8FC-AC1667EBCBE1}">
-              <a14:hiddenEffects xmlns:a14="http://schemas.microsoft.com/office/drawing/2010/main">
+              <a14:hiddenEffects xmlns:a14="http://schemas.microsoft.com/office/drawing/2010/main" xmlns="">
                 <a:effectLst>
                   <a:outerShdw dist="35921" dir="2700000" algn="ctr" rotWithShape="0">
                     <a:schemeClr val="bg2"/>
@@ -8453,7 +10782,7 @@
     </p:spTree>
     <p:extLst>
       <p:ext uri="{BB962C8B-B14F-4D97-AF65-F5344CB8AC3E}">
-        <p14:creationId xmlns:p14="http://schemas.microsoft.com/office/powerpoint/2010/main" val="521490216"/>
+        <p14:creationId xmlns:p14="http://schemas.microsoft.com/office/powerpoint/2010/main" xmlns="" val="521490216"/>
       </p:ext>
     </p:extLst>
   </p:cSld>
@@ -8862,6 +11191,297 @@
 </p:sldMaster>
 </file>
 
+<file path=ppt/slideMasters/slideMaster2.xml><?xml version="1.0" encoding="utf-8"?>
+<p:sldMaster xmlns:a="http://schemas.openxmlformats.org/drawingml/2006/main" xmlns:r="http://schemas.openxmlformats.org/officeDocument/2006/relationships" xmlns:p="http://schemas.openxmlformats.org/presentationml/2006/main" preserve="1">
+  <p:cSld>
+    <p:bg>
+      <p:bgRef idx="1001">
+        <a:schemeClr val="bg1"/>
+      </p:bgRef>
+    </p:bg>
+    <p:spTree>
+      <p:nvGrpSpPr>
+        <p:cNvPr id="1" name=""/>
+        <p:cNvGrpSpPr/>
+        <p:nvPr/>
+      </p:nvGrpSpPr>
+      <p:grpSpPr>
+        <a:xfrm>
+          <a:off x="0" y="0"/>
+          <a:ext cx="0" cy="0"/>
+          <a:chOff x="0" y="0"/>
+          <a:chExt cx="0" cy="0"/>
+        </a:xfrm>
+      </p:grpSpPr>
+    </p:spTree>
+  </p:cSld>
+  <p:clrMap bg1="lt1" tx1="dk1" bg2="lt2" tx2="dk2" accent1="accent1" accent2="accent2" accent3="accent3" accent4="accent4" accent5="accent5" accent6="accent6" hlink="hlink" folHlink="folHlink"/>
+  <p:sldLayoutIdLst>
+    <p:sldLayoutId id="2147483763" r:id="rId1"/>
+    <p:sldLayoutId id="2147483764" r:id="rId2"/>
+    <p:sldLayoutId id="2147483765" r:id="rId3"/>
+    <p:sldLayoutId id="2147483766" r:id="rId4"/>
+    <p:sldLayoutId id="2147483767" r:id="rId5"/>
+    <p:sldLayoutId id="2147483768" r:id="rId6"/>
+    <p:sldLayoutId id="2147483769" r:id="rId7"/>
+    <p:sldLayoutId id="2147483770" r:id="rId8"/>
+    <p:sldLayoutId id="2147483771" r:id="rId9"/>
+    <p:sldLayoutId id="2147483772" r:id="rId10"/>
+    <p:sldLayoutId id="2147483773" r:id="rId11"/>
+  </p:sldLayoutIdLst>
+  <p:txStyles>
+    <p:titleStyle>
+      <a:lvl1pPr algn="ctr" defTabSz="914400" rtl="0" eaLnBrk="1" latinLnBrk="0" hangingPunct="1">
+        <a:spcBef>
+          <a:spcPct val="0"/>
+        </a:spcBef>
+        <a:buNone/>
+        <a:defRPr sz="4400" kern="1200">
+          <a:solidFill>
+            <a:schemeClr val="tx1"/>
+          </a:solidFill>
+          <a:latin typeface="+mj-lt"/>
+          <a:ea typeface="+mj-ea"/>
+          <a:cs typeface="+mj-cs"/>
+        </a:defRPr>
+      </a:lvl1pPr>
+    </p:titleStyle>
+    <p:bodyStyle>
+      <a:lvl1pPr marL="342900" indent="-342900" algn="l" defTabSz="914400" rtl="0" eaLnBrk="1" latinLnBrk="0" hangingPunct="1">
+        <a:spcBef>
+          <a:spcPct val="20000"/>
+        </a:spcBef>
+        <a:buFont typeface="Arial" pitchFamily="34" charset="0"/>
+        <a:buChar char="•"/>
+        <a:defRPr sz="3200" kern="1200">
+          <a:solidFill>
+            <a:schemeClr val="tx1"/>
+          </a:solidFill>
+          <a:latin typeface="+mn-lt"/>
+          <a:ea typeface="+mn-ea"/>
+          <a:cs typeface="+mn-cs"/>
+        </a:defRPr>
+      </a:lvl1pPr>
+      <a:lvl2pPr marL="742950" indent="-285750" algn="l" defTabSz="914400" rtl="0" eaLnBrk="1" latinLnBrk="0" hangingPunct="1">
+        <a:spcBef>
+          <a:spcPct val="20000"/>
+        </a:spcBef>
+        <a:buFont typeface="Arial" pitchFamily="34" charset="0"/>
+        <a:buChar char="–"/>
+        <a:defRPr sz="2800" kern="1200">
+          <a:solidFill>
+            <a:schemeClr val="tx1"/>
+          </a:solidFill>
+          <a:latin typeface="+mn-lt"/>
+          <a:ea typeface="+mn-ea"/>
+          <a:cs typeface="+mn-cs"/>
+        </a:defRPr>
+      </a:lvl2pPr>
+      <a:lvl3pPr marL="1143000" indent="-228600" algn="l" defTabSz="914400" rtl="0" eaLnBrk="1" latinLnBrk="0" hangingPunct="1">
+        <a:spcBef>
+          <a:spcPct val="20000"/>
+        </a:spcBef>
+        <a:buFont typeface="Arial" pitchFamily="34" charset="0"/>
+        <a:buChar char="•"/>
+        <a:defRPr sz="2400" kern="1200">
+          <a:solidFill>
+            <a:schemeClr val="tx1"/>
+          </a:solidFill>
+          <a:latin typeface="+mn-lt"/>
+          <a:ea typeface="+mn-ea"/>
+          <a:cs typeface="+mn-cs"/>
+        </a:defRPr>
+      </a:lvl3pPr>
+      <a:lvl4pPr marL="1600200" indent="-228600" algn="l" defTabSz="914400" rtl="0" eaLnBrk="1" latinLnBrk="0" hangingPunct="1">
+        <a:spcBef>
+          <a:spcPct val="20000"/>
+        </a:spcBef>
+        <a:buFont typeface="Arial" pitchFamily="34" charset="0"/>
+        <a:buChar char="–"/>
+        <a:defRPr sz="2000" kern="1200">
+          <a:solidFill>
+            <a:schemeClr val="tx1"/>
+          </a:solidFill>
+          <a:latin typeface="+mn-lt"/>
+          <a:ea typeface="+mn-ea"/>
+          <a:cs typeface="+mn-cs"/>
+        </a:defRPr>
+      </a:lvl4pPr>
+      <a:lvl5pPr marL="2057400" indent="-228600" algn="l" defTabSz="914400" rtl="0" eaLnBrk="1" latinLnBrk="0" hangingPunct="1">
+        <a:spcBef>
+          <a:spcPct val="20000"/>
+        </a:spcBef>
+        <a:buFont typeface="Arial" pitchFamily="34" charset="0"/>
+        <a:buChar char="»"/>
+        <a:defRPr sz="2000" kern="1200">
+          <a:solidFill>
+            <a:schemeClr val="tx1"/>
+          </a:solidFill>
+          <a:latin typeface="+mn-lt"/>
+          <a:ea typeface="+mn-ea"/>
+          <a:cs typeface="+mn-cs"/>
+        </a:defRPr>
+      </a:lvl5pPr>
+      <a:lvl6pPr marL="2514600" indent="-228600" algn="l" defTabSz="914400" rtl="0" eaLnBrk="1" latinLnBrk="0" hangingPunct="1">
+        <a:spcBef>
+          <a:spcPct val="20000"/>
+        </a:spcBef>
+        <a:buFont typeface="Arial" pitchFamily="34" charset="0"/>
+        <a:buChar char="•"/>
+        <a:defRPr sz="2000" kern="1200">
+          <a:solidFill>
+            <a:schemeClr val="tx1"/>
+          </a:solidFill>
+          <a:latin typeface="+mn-lt"/>
+          <a:ea typeface="+mn-ea"/>
+          <a:cs typeface="+mn-cs"/>
+        </a:defRPr>
+      </a:lvl6pPr>
+      <a:lvl7pPr marL="2971800" indent="-228600" algn="l" defTabSz="914400" rtl="0" eaLnBrk="1" latinLnBrk="0" hangingPunct="1">
+        <a:spcBef>
+          <a:spcPct val="20000"/>
+        </a:spcBef>
+        <a:buFont typeface="Arial" pitchFamily="34" charset="0"/>
+        <a:buChar char="•"/>
+        <a:defRPr sz="2000" kern="1200">
+          <a:solidFill>
+            <a:schemeClr val="tx1"/>
+          </a:solidFill>
+          <a:latin typeface="+mn-lt"/>
+          <a:ea typeface="+mn-ea"/>
+          <a:cs typeface="+mn-cs"/>
+        </a:defRPr>
+      </a:lvl7pPr>
+      <a:lvl8pPr marL="3429000" indent="-228600" algn="l" defTabSz="914400" rtl="0" eaLnBrk="1" latinLnBrk="0" hangingPunct="1">
+        <a:spcBef>
+          <a:spcPct val="20000"/>
+        </a:spcBef>
+        <a:buFont typeface="Arial" pitchFamily="34" charset="0"/>
+        <a:buChar char="•"/>
+        <a:defRPr sz="2000" kern="1200">
+          <a:solidFill>
+            <a:schemeClr val="tx1"/>
+          </a:solidFill>
+          <a:latin typeface="+mn-lt"/>
+          <a:ea typeface="+mn-ea"/>
+          <a:cs typeface="+mn-cs"/>
+        </a:defRPr>
+      </a:lvl8pPr>
+      <a:lvl9pPr marL="3886200" indent="-228600" algn="l" defTabSz="914400" rtl="0" eaLnBrk="1" latinLnBrk="0" hangingPunct="1">
+        <a:spcBef>
+          <a:spcPct val="20000"/>
+        </a:spcBef>
+        <a:buFont typeface="Arial" pitchFamily="34" charset="0"/>
+        <a:buChar char="•"/>
+        <a:defRPr sz="2000" kern="1200">
+          <a:solidFill>
+            <a:schemeClr val="tx1"/>
+          </a:solidFill>
+          <a:latin typeface="+mn-lt"/>
+          <a:ea typeface="+mn-ea"/>
+          <a:cs typeface="+mn-cs"/>
+        </a:defRPr>
+      </a:lvl9pPr>
+    </p:bodyStyle>
+    <p:otherStyle>
+      <a:defPPr>
+        <a:defRPr lang="pt-BR"/>
+      </a:defPPr>
+      <a:lvl1pPr marL="0" algn="l" defTabSz="914400" rtl="0" eaLnBrk="1" latinLnBrk="0" hangingPunct="1">
+        <a:defRPr sz="1800" kern="1200">
+          <a:solidFill>
+            <a:schemeClr val="tx1"/>
+          </a:solidFill>
+          <a:latin typeface="+mn-lt"/>
+          <a:ea typeface="+mn-ea"/>
+          <a:cs typeface="+mn-cs"/>
+        </a:defRPr>
+      </a:lvl1pPr>
+      <a:lvl2pPr marL="457200" algn="l" defTabSz="914400" rtl="0" eaLnBrk="1" latinLnBrk="0" hangingPunct="1">
+        <a:defRPr sz="1800" kern="1200">
+          <a:solidFill>
+            <a:schemeClr val="tx1"/>
+          </a:solidFill>
+          <a:latin typeface="+mn-lt"/>
+          <a:ea typeface="+mn-ea"/>
+          <a:cs typeface="+mn-cs"/>
+        </a:defRPr>
+      </a:lvl2pPr>
+      <a:lvl3pPr marL="914400" algn="l" defTabSz="914400" rtl="0" eaLnBrk="1" latinLnBrk="0" hangingPunct="1">
+        <a:defRPr sz="1800" kern="1200">
+          <a:solidFill>
+            <a:schemeClr val="tx1"/>
+          </a:solidFill>
+          <a:latin typeface="+mn-lt"/>
+          <a:ea typeface="+mn-ea"/>
+          <a:cs typeface="+mn-cs"/>
+        </a:defRPr>
+      </a:lvl3pPr>
+      <a:lvl4pPr marL="1371600" algn="l" defTabSz="914400" rtl="0" eaLnBrk="1" latinLnBrk="0" hangingPunct="1">
+        <a:defRPr sz="1800" kern="1200">
+          <a:solidFill>
+            <a:schemeClr val="tx1"/>
+          </a:solidFill>
+          <a:latin typeface="+mn-lt"/>
+          <a:ea typeface="+mn-ea"/>
+          <a:cs typeface="+mn-cs"/>
+        </a:defRPr>
+      </a:lvl4pPr>
+      <a:lvl5pPr marL="1828800" algn="l" defTabSz="914400" rtl="0" eaLnBrk="1" latinLnBrk="0" hangingPunct="1">
+        <a:defRPr sz="1800" kern="1200">
+          <a:solidFill>
+            <a:schemeClr val="tx1"/>
+          </a:solidFill>
+          <a:latin typeface="+mn-lt"/>
+          <a:ea typeface="+mn-ea"/>
+          <a:cs typeface="+mn-cs"/>
+        </a:defRPr>
+      </a:lvl5pPr>
+      <a:lvl6pPr marL="2286000" algn="l" defTabSz="914400" rtl="0" eaLnBrk="1" latinLnBrk="0" hangingPunct="1">
+        <a:defRPr sz="1800" kern="1200">
+          <a:solidFill>
+            <a:schemeClr val="tx1"/>
+          </a:solidFill>
+          <a:latin typeface="+mn-lt"/>
+          <a:ea typeface="+mn-ea"/>
+          <a:cs typeface="+mn-cs"/>
+        </a:defRPr>
+      </a:lvl6pPr>
+      <a:lvl7pPr marL="2743200" algn="l" defTabSz="914400" rtl="0" eaLnBrk="1" latinLnBrk="0" hangingPunct="1">
+        <a:defRPr sz="1800" kern="1200">
+          <a:solidFill>
+            <a:schemeClr val="tx1"/>
+          </a:solidFill>
+          <a:latin typeface="+mn-lt"/>
+          <a:ea typeface="+mn-ea"/>
+          <a:cs typeface="+mn-cs"/>
+        </a:defRPr>
+      </a:lvl7pPr>
+      <a:lvl8pPr marL="3200400" algn="l" defTabSz="914400" rtl="0" eaLnBrk="1" latinLnBrk="0" hangingPunct="1">
+        <a:defRPr sz="1800" kern="1200">
+          <a:solidFill>
+            <a:schemeClr val="tx1"/>
+          </a:solidFill>
+          <a:latin typeface="+mn-lt"/>
+          <a:ea typeface="+mn-ea"/>
+          <a:cs typeface="+mn-cs"/>
+        </a:defRPr>
+      </a:lvl8pPr>
+      <a:lvl9pPr marL="3657600" algn="l" defTabSz="914400" rtl="0" eaLnBrk="1" latinLnBrk="0" hangingPunct="1">
+        <a:defRPr sz="1800" kern="1200">
+          <a:solidFill>
+            <a:schemeClr val="tx1"/>
+          </a:solidFill>
+          <a:latin typeface="+mn-lt"/>
+          <a:ea typeface="+mn-ea"/>
+          <a:cs typeface="+mn-cs"/>
+        </a:defRPr>
+      </a:lvl9pPr>
+    </p:otherStyle>
+  </p:txStyles>
+</p:sldMaster>
+</file>
+
 <file path=ppt/slides/slide1.xml><?xml version="1.0" encoding="utf-8"?>
 <p:sld xmlns:a="http://schemas.openxmlformats.org/drawingml/2006/main" xmlns:r="http://schemas.openxmlformats.org/officeDocument/2006/relationships" xmlns:p="http://schemas.openxmlformats.org/presentationml/2006/main">
   <p:cSld>
@@ -8896,7 +11516,7 @@
           <p:nvPr/>
         </p:nvPicPr>
         <p:blipFill>
-          <a:blip r:embed="rId2"/>
+          <a:blip r:embed="rId2" cstate="print"/>
           <a:stretch>
             <a:fillRect/>
           </a:stretch>
@@ -8919,7 +11539,7 @@
         </p:nvSpPr>
         <p:spPr>
           <a:xfrm>
-            <a:off x="7366000" y="5626100"/>
+            <a:off x="7129510" y="5752228"/>
             <a:ext cx="4648200" cy="923330"/>
           </a:xfrm>
           <a:prstGeom prst="rect">
@@ -8934,25 +11554,45 @@
           <a:lstStyle/>
           <a:p>
             <a:r>
-              <a:rPr lang="pt-BR" dirty="0" smtClean="0"/>
+              <a:rPr lang="pt-BR" dirty="0" smtClean="0">
+                <a:solidFill>
+                  <a:srgbClr val="FFFFFF"/>
+                </a:solidFill>
+              </a:rPr>
               <a:t>Guilherme Silva</a:t>
             </a:r>
           </a:p>
           <a:p>
             <a:r>
-              <a:rPr lang="pt-BR" dirty="0" smtClean="0"/>
+              <a:rPr lang="pt-BR" dirty="0" smtClean="0">
+                <a:solidFill>
+                  <a:srgbClr val="FFFFFF"/>
+                </a:solidFill>
+              </a:rPr>
               <a:t>Bruno Bittencourt</a:t>
             </a:r>
           </a:p>
           <a:p>
-            <a:endParaRPr lang="pt-BR" dirty="0"/>
+            <a:r>
+              <a:rPr lang="pt-BR" dirty="0" smtClean="0">
+                <a:solidFill>
+                  <a:srgbClr val="FFFFFF"/>
+                </a:solidFill>
+              </a:rPr>
+              <a:t>Rui Ramos Neto</a:t>
+            </a:r>
+            <a:endParaRPr lang="pt-BR" dirty="0">
+              <a:solidFill>
+                <a:srgbClr val="FFFFFF"/>
+              </a:solidFill>
+            </a:endParaRPr>
           </a:p>
         </p:txBody>
       </p:sp>
     </p:spTree>
     <p:extLst>
       <p:ext uri="{BB962C8B-B14F-4D97-AF65-F5344CB8AC3E}">
-        <p14:creationId xmlns:p14="http://schemas.microsoft.com/office/powerpoint/2010/main" val="2094261070"/>
+        <p14:creationId xmlns:p14="http://schemas.microsoft.com/office/powerpoint/2010/main" xmlns="" val="2094261070"/>
       </p:ext>
     </p:extLst>
   </p:cSld>
@@ -9259,27 +11899,8 @@
                 <a:ea typeface="Kozuka Gothic Pr6N L" panose="020B0200000000000000" pitchFamily="34" charset="-128"/>
                 <a:cs typeface="Arial" panose="020B0604020202020204" pitchFamily="34" charset="0"/>
               </a:rPr>
-              <a:t>Aceleradora de </a:t>
-            </a:r>
-            <a:r>
-              <a:rPr lang="pt-BR" sz="4400" b="1" dirty="0" smtClean="0">
-                <a:solidFill>
-                  <a:schemeClr val="bg1"/>
-                </a:solidFill>
-                <a:latin typeface="Kozuka Gothic Pr6N L" panose="020B0200000000000000" pitchFamily="34" charset="-128"/>
-                <a:ea typeface="Kozuka Gothic Pr6N L" panose="020B0200000000000000" pitchFamily="34" charset="-128"/>
-                <a:cs typeface="Arial" panose="020B0604020202020204" pitchFamily="34" charset="0"/>
-              </a:rPr>
-              <a:t>Pessoas</a:t>
-            </a:r>
-            <a:endParaRPr lang="pt-BR" sz="4400" b="1" dirty="0" smtClean="0">
-              <a:solidFill>
-                <a:schemeClr val="bg1"/>
-              </a:solidFill>
-              <a:latin typeface="Kozuka Gothic Pr6N L" panose="020B0200000000000000" pitchFamily="34" charset="-128"/>
-              <a:ea typeface="Kozuka Gothic Pr6N L" panose="020B0200000000000000" pitchFamily="34" charset="-128"/>
-              <a:cs typeface="Arial" panose="020B0604020202020204" pitchFamily="34" charset="0"/>
-            </a:endParaRPr>
+              <a:t>Aceleradora de Pessoas</a:t>
+            </a:r>
           </a:p>
         </p:txBody>
       </p:sp>
@@ -9360,21 +11981,13 @@
               </a:rPr>
               <a:t> de 2016</a:t>
             </a:r>
-            <a:endParaRPr lang="pt-BR" b="1" dirty="0">
-              <a:solidFill>
-                <a:schemeClr val="accent4"/>
-              </a:solidFill>
-              <a:latin typeface="Kozuka Gothic Pr6N L" panose="020B0200000000000000" pitchFamily="34" charset="-128"/>
-              <a:ea typeface="Kozuka Gothic Pr6N L" panose="020B0200000000000000" pitchFamily="34" charset="-128"/>
-              <a:cs typeface="Arial" panose="020B0604020202020204" pitchFamily="34" charset="0"/>
-            </a:endParaRPr>
           </a:p>
         </p:txBody>
       </p:sp>
     </p:spTree>
     <p:extLst>
       <p:ext uri="{BB962C8B-B14F-4D97-AF65-F5344CB8AC3E}">
-        <p14:creationId xmlns:p14="http://schemas.microsoft.com/office/powerpoint/2010/main" val="557769383"/>
+        <p14:creationId xmlns:p14="http://schemas.microsoft.com/office/powerpoint/2010/main" xmlns="" val="557769383"/>
       </p:ext>
     </p:extLst>
   </p:cSld>
@@ -9410,10 +12023,10 @@
           <p:nvPr/>
         </p:nvPicPr>
         <p:blipFill>
-          <a:blip r:embed="rId3">
+          <a:blip r:embed="rId3" cstate="print">
             <a:extLst>
               <a:ext uri="{28A0092B-C50C-407E-A947-70E740481C1C}">
-                <a14:useLocalDpi xmlns:a14="http://schemas.microsoft.com/office/drawing/2010/main" val="0"/>
+                <a14:useLocalDpi xmlns:a14="http://schemas.microsoft.com/office/drawing/2010/main" xmlns="" val="0"/>
               </a:ext>
             </a:extLst>
           </a:blip>
@@ -9436,14 +12049,14 @@
           </a:ln>
           <a:extLst>
             <a:ext uri="{909E8E84-426E-40DD-AFC4-6F175D3DCCD1}">
-              <a14:hiddenFill xmlns:a14="http://schemas.microsoft.com/office/drawing/2010/main">
+              <a14:hiddenFill xmlns:a14="http://schemas.microsoft.com/office/drawing/2010/main" xmlns="">
                 <a:solidFill>
                   <a:srgbClr val="FFFFFF"/>
                 </a:solidFill>
               </a14:hiddenFill>
             </a:ext>
             <a:ext uri="{91240B29-F687-4F45-9708-019B960494DF}">
-              <a14:hiddenLine xmlns:a14="http://schemas.microsoft.com/office/drawing/2010/main" w="9525">
+              <a14:hiddenLine xmlns:a14="http://schemas.microsoft.com/office/drawing/2010/main" xmlns="" w="9525">
                 <a:solidFill>
                   <a:srgbClr val="000000"/>
                 </a:solidFill>
@@ -9464,10 +12077,10 @@
           <p:nvPr/>
         </p:nvPicPr>
         <p:blipFill>
-          <a:blip r:embed="rId4">
+          <a:blip r:embed="rId4" cstate="print">
             <a:extLst>
               <a:ext uri="{28A0092B-C50C-407E-A947-70E740481C1C}">
-                <a14:useLocalDpi xmlns:a14="http://schemas.microsoft.com/office/drawing/2010/main" val="0"/>
+                <a14:useLocalDpi xmlns:a14="http://schemas.microsoft.com/office/drawing/2010/main" xmlns="" val="0"/>
               </a:ext>
             </a:extLst>
           </a:blip>
@@ -9490,14 +12103,14 @@
           </a:ln>
           <a:extLst>
             <a:ext uri="{909E8E84-426E-40DD-AFC4-6F175D3DCCD1}">
-              <a14:hiddenFill xmlns:a14="http://schemas.microsoft.com/office/drawing/2010/main">
+              <a14:hiddenFill xmlns:a14="http://schemas.microsoft.com/office/drawing/2010/main" xmlns="">
                 <a:solidFill>
                   <a:srgbClr val="FFFFFF"/>
                 </a:solidFill>
               </a14:hiddenFill>
             </a:ext>
             <a:ext uri="{91240B29-F687-4F45-9708-019B960494DF}">
-              <a14:hiddenLine xmlns:a14="http://schemas.microsoft.com/office/drawing/2010/main" w="9525">
+              <a14:hiddenLine xmlns:a14="http://schemas.microsoft.com/office/drawing/2010/main" xmlns="" w="9525">
                 <a:solidFill>
                   <a:srgbClr val="000000"/>
                 </a:solidFill>
@@ -9518,10 +12131,10 @@
           <p:nvPr/>
         </p:nvPicPr>
         <p:blipFill>
-          <a:blip r:embed="rId5">
+          <a:blip r:embed="rId5" cstate="print">
             <a:extLst>
               <a:ext uri="{28A0092B-C50C-407E-A947-70E740481C1C}">
-                <a14:useLocalDpi xmlns:a14="http://schemas.microsoft.com/office/drawing/2010/main" val="0"/>
+                <a14:useLocalDpi xmlns:a14="http://schemas.microsoft.com/office/drawing/2010/main" xmlns="" val="0"/>
               </a:ext>
             </a:extLst>
           </a:blip>
@@ -9544,14 +12157,14 @@
           </a:ln>
           <a:extLst>
             <a:ext uri="{909E8E84-426E-40DD-AFC4-6F175D3DCCD1}">
-              <a14:hiddenFill xmlns:a14="http://schemas.microsoft.com/office/drawing/2010/main">
+              <a14:hiddenFill xmlns:a14="http://schemas.microsoft.com/office/drawing/2010/main" xmlns="">
                 <a:solidFill>
                   <a:srgbClr val="FFFFFF"/>
                 </a:solidFill>
               </a14:hiddenFill>
             </a:ext>
             <a:ext uri="{91240B29-F687-4F45-9708-019B960494DF}">
-              <a14:hiddenLine xmlns:a14="http://schemas.microsoft.com/office/drawing/2010/main" w="9525">
+              <a14:hiddenLine xmlns:a14="http://schemas.microsoft.com/office/drawing/2010/main" xmlns="" w="9525">
                 <a:solidFill>
                   <a:srgbClr val="000000"/>
                 </a:solidFill>
@@ -9572,10 +12185,10 @@
           <p:nvPr/>
         </p:nvPicPr>
         <p:blipFill>
-          <a:blip r:embed="rId6">
+          <a:blip r:embed="rId6" cstate="print">
             <a:extLst>
               <a:ext uri="{28A0092B-C50C-407E-A947-70E740481C1C}">
-                <a14:useLocalDpi xmlns:a14="http://schemas.microsoft.com/office/drawing/2010/main" val="0"/>
+                <a14:useLocalDpi xmlns:a14="http://schemas.microsoft.com/office/drawing/2010/main" xmlns="" val="0"/>
               </a:ext>
             </a:extLst>
           </a:blip>
@@ -9598,14 +12211,14 @@
           </a:ln>
           <a:extLst>
             <a:ext uri="{909E8E84-426E-40DD-AFC4-6F175D3DCCD1}">
-              <a14:hiddenFill xmlns:a14="http://schemas.microsoft.com/office/drawing/2010/main">
+              <a14:hiddenFill xmlns:a14="http://schemas.microsoft.com/office/drawing/2010/main" xmlns="">
                 <a:solidFill>
                   <a:srgbClr val="FFFFFF"/>
                 </a:solidFill>
               </a14:hiddenFill>
             </a:ext>
             <a:ext uri="{91240B29-F687-4F45-9708-019B960494DF}">
-              <a14:hiddenLine xmlns:a14="http://schemas.microsoft.com/office/drawing/2010/main" w="9525">
+              <a14:hiddenLine xmlns:a14="http://schemas.microsoft.com/office/drawing/2010/main" xmlns="" w="9525">
                 <a:solidFill>
                   <a:srgbClr val="000000"/>
                 </a:solidFill>
@@ -9640,14 +12253,14 @@
           <a:effectLst/>
           <a:extLst>
             <a:ext uri="{909E8E84-426E-40DD-AFC4-6F175D3DCCD1}">
-              <a14:hiddenFill xmlns:a14="http://schemas.microsoft.com/office/drawing/2010/main">
+              <a14:hiddenFill xmlns:a14="http://schemas.microsoft.com/office/drawing/2010/main" xmlns="">
                 <a:solidFill>
                   <a:schemeClr val="accent1"/>
                 </a:solidFill>
               </a14:hiddenFill>
             </a:ext>
             <a:ext uri="{91240B29-F687-4F45-9708-019B960494DF}">
-              <a14:hiddenLine xmlns:a14="http://schemas.microsoft.com/office/drawing/2010/main" w="9525">
+              <a14:hiddenLine xmlns:a14="http://schemas.microsoft.com/office/drawing/2010/main" xmlns="" w="9525">
                 <a:solidFill>
                   <a:schemeClr val="tx1"/>
                 </a:solidFill>
@@ -9657,7 +12270,7 @@
               </a14:hiddenLine>
             </a:ext>
             <a:ext uri="{AF507438-7753-43E0-B8FC-AC1667EBCBE1}">
-              <a14:hiddenEffects xmlns:a14="http://schemas.microsoft.com/office/drawing/2010/main">
+              <a14:hiddenEffects xmlns:a14="http://schemas.microsoft.com/office/drawing/2010/main" xmlns="">
                 <a:effectLst>
                   <a:outerShdw dist="35921" dir="2700000" algn="ctr" rotWithShape="0">
                     <a:schemeClr val="bg2"/>
@@ -9796,10 +12409,10 @@
           <p:nvPr/>
         </p:nvPicPr>
         <p:blipFill>
-          <a:blip r:embed="rId7">
+          <a:blip r:embed="rId7" cstate="print">
             <a:extLst>
               <a:ext uri="{28A0092B-C50C-407E-A947-70E740481C1C}">
-                <a14:useLocalDpi xmlns:a14="http://schemas.microsoft.com/office/drawing/2010/main" val="0"/>
+                <a14:useLocalDpi xmlns:a14="http://schemas.microsoft.com/office/drawing/2010/main" xmlns="" val="0"/>
               </a:ext>
             </a:extLst>
           </a:blip>
@@ -9822,14 +12435,14 @@
           </a:ln>
           <a:extLst>
             <a:ext uri="{909E8E84-426E-40DD-AFC4-6F175D3DCCD1}">
-              <a14:hiddenFill xmlns:a14="http://schemas.microsoft.com/office/drawing/2010/main">
+              <a14:hiddenFill xmlns:a14="http://schemas.microsoft.com/office/drawing/2010/main" xmlns="">
                 <a:solidFill>
                   <a:srgbClr val="FFFFFF"/>
                 </a:solidFill>
               </a14:hiddenFill>
             </a:ext>
             <a:ext uri="{91240B29-F687-4F45-9708-019B960494DF}">
-              <a14:hiddenLine xmlns:a14="http://schemas.microsoft.com/office/drawing/2010/main" w="9525">
+              <a14:hiddenLine xmlns:a14="http://schemas.microsoft.com/office/drawing/2010/main" xmlns="" w="9525">
                 <a:solidFill>
                   <a:srgbClr val="000000"/>
                 </a:solidFill>
@@ -9864,14 +12477,14 @@
           <a:effectLst/>
           <a:extLst>
             <a:ext uri="{909E8E84-426E-40DD-AFC4-6F175D3DCCD1}">
-              <a14:hiddenFill xmlns:a14="http://schemas.microsoft.com/office/drawing/2010/main">
+              <a14:hiddenFill xmlns:a14="http://schemas.microsoft.com/office/drawing/2010/main" xmlns="">
                 <a:solidFill>
                   <a:schemeClr val="accent1"/>
                 </a:solidFill>
               </a14:hiddenFill>
             </a:ext>
             <a:ext uri="{91240B29-F687-4F45-9708-019B960494DF}">
-              <a14:hiddenLine xmlns:a14="http://schemas.microsoft.com/office/drawing/2010/main" w="9525">
+              <a14:hiddenLine xmlns:a14="http://schemas.microsoft.com/office/drawing/2010/main" xmlns="" w="9525">
                 <a:solidFill>
                   <a:schemeClr val="tx1"/>
                 </a:solidFill>
@@ -9881,7 +12494,7 @@
               </a14:hiddenLine>
             </a:ext>
             <a:ext uri="{AF507438-7753-43E0-B8FC-AC1667EBCBE1}">
-              <a14:hiddenEffects xmlns:a14="http://schemas.microsoft.com/office/drawing/2010/main">
+              <a14:hiddenEffects xmlns:a14="http://schemas.microsoft.com/office/drawing/2010/main" xmlns="">
                 <a:effectLst>
                   <a:outerShdw dist="35921" dir="2700000" algn="ctr" rotWithShape="0">
                     <a:schemeClr val="bg2"/>
@@ -10172,7 +12785,7 @@
     </p:spTree>
     <p:extLst>
       <p:ext uri="{BB962C8B-B14F-4D97-AF65-F5344CB8AC3E}">
-        <p14:creationId xmlns:p14="http://schemas.microsoft.com/office/powerpoint/2010/main" val="3100232437"/>
+        <p14:creationId xmlns:p14="http://schemas.microsoft.com/office/powerpoint/2010/main" xmlns="" val="3100232437"/>
       </p:ext>
     </p:extLst>
   </p:cSld>
@@ -10209,10 +12822,10 @@
           <p:nvPr/>
         </p:nvPicPr>
         <p:blipFill>
-          <a:blip r:embed="rId3">
+          <a:blip r:embed="rId3" cstate="print">
             <a:extLst>
               <a:ext uri="{28A0092B-C50C-407E-A947-70E740481C1C}">
-                <a14:useLocalDpi xmlns:a14="http://schemas.microsoft.com/office/drawing/2010/main" val="0"/>
+                <a14:useLocalDpi xmlns:a14="http://schemas.microsoft.com/office/drawing/2010/main" xmlns="" val="0"/>
               </a:ext>
             </a:extLst>
           </a:blip>
@@ -10235,14 +12848,14 @@
           </a:ln>
           <a:extLst>
             <a:ext uri="{909E8E84-426E-40DD-AFC4-6F175D3DCCD1}">
-              <a14:hiddenFill xmlns:a14="http://schemas.microsoft.com/office/drawing/2010/main">
+              <a14:hiddenFill xmlns:a14="http://schemas.microsoft.com/office/drawing/2010/main" xmlns="">
                 <a:solidFill>
                   <a:srgbClr val="FFFFFF"/>
                 </a:solidFill>
               </a14:hiddenFill>
             </a:ext>
             <a:ext uri="{91240B29-F687-4F45-9708-019B960494DF}">
-              <a14:hiddenLine xmlns:a14="http://schemas.microsoft.com/office/drawing/2010/main" w="9525">
+              <a14:hiddenLine xmlns:a14="http://schemas.microsoft.com/office/drawing/2010/main" xmlns="" w="9525">
                 <a:solidFill>
                   <a:srgbClr val="000000"/>
                 </a:solidFill>
@@ -10263,10 +12876,10 @@
           <p:nvPr/>
         </p:nvPicPr>
         <p:blipFill>
-          <a:blip r:embed="rId4">
+          <a:blip r:embed="rId4" cstate="print">
             <a:extLst>
               <a:ext uri="{28A0092B-C50C-407E-A947-70E740481C1C}">
-                <a14:useLocalDpi xmlns:a14="http://schemas.microsoft.com/office/drawing/2010/main" val="0"/>
+                <a14:useLocalDpi xmlns:a14="http://schemas.microsoft.com/office/drawing/2010/main" xmlns="" val="0"/>
               </a:ext>
             </a:extLst>
           </a:blip>
@@ -10289,14 +12902,14 @@
           </a:ln>
           <a:extLst>
             <a:ext uri="{909E8E84-426E-40DD-AFC4-6F175D3DCCD1}">
-              <a14:hiddenFill xmlns:a14="http://schemas.microsoft.com/office/drawing/2010/main">
+              <a14:hiddenFill xmlns:a14="http://schemas.microsoft.com/office/drawing/2010/main" xmlns="">
                 <a:solidFill>
                   <a:srgbClr val="FFFFFF"/>
                 </a:solidFill>
               </a14:hiddenFill>
             </a:ext>
             <a:ext uri="{91240B29-F687-4F45-9708-019B960494DF}">
-              <a14:hiddenLine xmlns:a14="http://schemas.microsoft.com/office/drawing/2010/main" w="9525">
+              <a14:hiddenLine xmlns:a14="http://schemas.microsoft.com/office/drawing/2010/main" xmlns="" w="9525">
                 <a:solidFill>
                   <a:srgbClr val="000000"/>
                 </a:solidFill>
@@ -10317,10 +12930,10 @@
           <p:nvPr/>
         </p:nvPicPr>
         <p:blipFill>
-          <a:blip r:embed="rId5">
+          <a:blip r:embed="rId5" cstate="print">
             <a:extLst>
               <a:ext uri="{28A0092B-C50C-407E-A947-70E740481C1C}">
-                <a14:useLocalDpi xmlns:a14="http://schemas.microsoft.com/office/drawing/2010/main" val="0"/>
+                <a14:useLocalDpi xmlns:a14="http://schemas.microsoft.com/office/drawing/2010/main" xmlns="" val="0"/>
               </a:ext>
             </a:extLst>
           </a:blip>
@@ -10343,14 +12956,14 @@
           </a:ln>
           <a:extLst>
             <a:ext uri="{909E8E84-426E-40DD-AFC4-6F175D3DCCD1}">
-              <a14:hiddenFill xmlns:a14="http://schemas.microsoft.com/office/drawing/2010/main">
+              <a14:hiddenFill xmlns:a14="http://schemas.microsoft.com/office/drawing/2010/main" xmlns="">
                 <a:solidFill>
                   <a:srgbClr val="FFFFFF"/>
                 </a:solidFill>
               </a14:hiddenFill>
             </a:ext>
             <a:ext uri="{91240B29-F687-4F45-9708-019B960494DF}">
-              <a14:hiddenLine xmlns:a14="http://schemas.microsoft.com/office/drawing/2010/main" w="9525">
+              <a14:hiddenLine xmlns:a14="http://schemas.microsoft.com/office/drawing/2010/main" xmlns="" w="9525">
                 <a:solidFill>
                   <a:srgbClr val="000000"/>
                 </a:solidFill>
@@ -10371,10 +12984,10 @@
           <p:nvPr/>
         </p:nvPicPr>
         <p:blipFill>
-          <a:blip r:embed="rId6">
+          <a:blip r:embed="rId6" cstate="print">
             <a:extLst>
               <a:ext uri="{28A0092B-C50C-407E-A947-70E740481C1C}">
-                <a14:useLocalDpi xmlns:a14="http://schemas.microsoft.com/office/drawing/2010/main" val="0"/>
+                <a14:useLocalDpi xmlns:a14="http://schemas.microsoft.com/office/drawing/2010/main" xmlns="" val="0"/>
               </a:ext>
             </a:extLst>
           </a:blip>
@@ -10397,14 +13010,14 @@
           </a:ln>
           <a:extLst>
             <a:ext uri="{909E8E84-426E-40DD-AFC4-6F175D3DCCD1}">
-              <a14:hiddenFill xmlns:a14="http://schemas.microsoft.com/office/drawing/2010/main">
+              <a14:hiddenFill xmlns:a14="http://schemas.microsoft.com/office/drawing/2010/main" xmlns="">
                 <a:solidFill>
                   <a:srgbClr val="FFFFFF"/>
                 </a:solidFill>
               </a14:hiddenFill>
             </a:ext>
             <a:ext uri="{91240B29-F687-4F45-9708-019B960494DF}">
-              <a14:hiddenLine xmlns:a14="http://schemas.microsoft.com/office/drawing/2010/main" w="9525">
+              <a14:hiddenLine xmlns:a14="http://schemas.microsoft.com/office/drawing/2010/main" xmlns="" w="9525">
                 <a:solidFill>
                   <a:srgbClr val="000000"/>
                 </a:solidFill>
@@ -10474,7 +13087,7 @@
             <a:pPr algn="ctr"/>
             <a:r>
               <a:rPr lang="pt-BR" sz="7200" dirty="0" smtClean="0"/>
-              <a:t>Pobreza</a:t>
+              <a:t>Dignidade</a:t>
             </a:r>
             <a:endParaRPr lang="pt-BR" sz="7200" dirty="0"/>
           </a:p>
@@ -10605,10 +13218,10 @@
           <p:nvPr/>
         </p:nvPicPr>
         <p:blipFill>
-          <a:blip r:embed="rId7">
+          <a:blip r:embed="rId7" cstate="print">
             <a:extLst>
               <a:ext uri="{28A0092B-C50C-407E-A947-70E740481C1C}">
-                <a14:useLocalDpi xmlns:a14="http://schemas.microsoft.com/office/drawing/2010/main" val="0"/>
+                <a14:useLocalDpi xmlns:a14="http://schemas.microsoft.com/office/drawing/2010/main" xmlns="" val="0"/>
               </a:ext>
             </a:extLst>
           </a:blip>
@@ -10631,14 +13244,14 @@
           </a:ln>
           <a:extLst>
             <a:ext uri="{909E8E84-426E-40DD-AFC4-6F175D3DCCD1}">
-              <a14:hiddenFill xmlns:a14="http://schemas.microsoft.com/office/drawing/2010/main">
+              <a14:hiddenFill xmlns:a14="http://schemas.microsoft.com/office/drawing/2010/main" xmlns="">
                 <a:solidFill>
                   <a:srgbClr val="FFFFFF"/>
                 </a:solidFill>
               </a14:hiddenFill>
             </a:ext>
             <a:ext uri="{91240B29-F687-4F45-9708-019B960494DF}">
-              <a14:hiddenLine xmlns:a14="http://schemas.microsoft.com/office/drawing/2010/main" w="9525">
+              <a14:hiddenLine xmlns:a14="http://schemas.microsoft.com/office/drawing/2010/main" xmlns="" w="9525">
                 <a:solidFill>
                   <a:srgbClr val="000000"/>
                 </a:solidFill>
@@ -10727,7 +13340,7 @@
     </p:spTree>
     <p:extLst>
       <p:ext uri="{BB962C8B-B14F-4D97-AF65-F5344CB8AC3E}">
-        <p14:creationId xmlns:p14="http://schemas.microsoft.com/office/powerpoint/2010/main" val="83649119"/>
+        <p14:creationId xmlns:p14="http://schemas.microsoft.com/office/powerpoint/2010/main" xmlns="" val="83649119"/>
       </p:ext>
     </p:extLst>
   </p:cSld>
@@ -10763,10 +13376,10 @@
           <p:nvPr/>
         </p:nvPicPr>
         <p:blipFill>
-          <a:blip r:embed="rId3">
+          <a:blip r:embed="rId3" cstate="print">
             <a:extLst>
               <a:ext uri="{28A0092B-C50C-407E-A947-70E740481C1C}">
-                <a14:useLocalDpi xmlns:a14="http://schemas.microsoft.com/office/drawing/2010/main" val="0"/>
+                <a14:useLocalDpi xmlns:a14="http://schemas.microsoft.com/office/drawing/2010/main" xmlns="" val="0"/>
               </a:ext>
             </a:extLst>
           </a:blip>
@@ -10789,14 +13402,14 @@
           </a:ln>
           <a:extLst>
             <a:ext uri="{909E8E84-426E-40DD-AFC4-6F175D3DCCD1}">
-              <a14:hiddenFill xmlns:a14="http://schemas.microsoft.com/office/drawing/2010/main">
+              <a14:hiddenFill xmlns:a14="http://schemas.microsoft.com/office/drawing/2010/main" xmlns="">
                 <a:solidFill>
                   <a:srgbClr val="FFFFFF"/>
                 </a:solidFill>
               </a14:hiddenFill>
             </a:ext>
             <a:ext uri="{91240B29-F687-4F45-9708-019B960494DF}">
-              <a14:hiddenLine xmlns:a14="http://schemas.microsoft.com/office/drawing/2010/main" w="9525">
+              <a14:hiddenLine xmlns:a14="http://schemas.microsoft.com/office/drawing/2010/main" xmlns="" w="9525">
                 <a:solidFill>
                   <a:srgbClr val="000000"/>
                 </a:solidFill>
@@ -10817,10 +13430,10 @@
           <p:nvPr/>
         </p:nvPicPr>
         <p:blipFill>
-          <a:blip r:embed="rId4">
+          <a:blip r:embed="rId4" cstate="print">
             <a:extLst>
               <a:ext uri="{28A0092B-C50C-407E-A947-70E740481C1C}">
-                <a14:useLocalDpi xmlns:a14="http://schemas.microsoft.com/office/drawing/2010/main" val="0"/>
+                <a14:useLocalDpi xmlns:a14="http://schemas.microsoft.com/office/drawing/2010/main" xmlns="" val="0"/>
               </a:ext>
             </a:extLst>
           </a:blip>
@@ -10843,14 +13456,14 @@
           </a:ln>
           <a:extLst>
             <a:ext uri="{909E8E84-426E-40DD-AFC4-6F175D3DCCD1}">
-              <a14:hiddenFill xmlns:a14="http://schemas.microsoft.com/office/drawing/2010/main">
+              <a14:hiddenFill xmlns:a14="http://schemas.microsoft.com/office/drawing/2010/main" xmlns="">
                 <a:solidFill>
                   <a:srgbClr val="FFFFFF"/>
                 </a:solidFill>
               </a14:hiddenFill>
             </a:ext>
             <a:ext uri="{91240B29-F687-4F45-9708-019B960494DF}">
-              <a14:hiddenLine xmlns:a14="http://schemas.microsoft.com/office/drawing/2010/main" w="9525">
+              <a14:hiddenLine xmlns:a14="http://schemas.microsoft.com/office/drawing/2010/main" xmlns="" w="9525">
                 <a:solidFill>
                   <a:srgbClr val="000000"/>
                 </a:solidFill>
@@ -10871,10 +13484,10 @@
           <p:nvPr/>
         </p:nvPicPr>
         <p:blipFill>
-          <a:blip r:embed="rId5">
+          <a:blip r:embed="rId5" cstate="print">
             <a:extLst>
               <a:ext uri="{28A0092B-C50C-407E-A947-70E740481C1C}">
-                <a14:useLocalDpi xmlns:a14="http://schemas.microsoft.com/office/drawing/2010/main" val="0"/>
+                <a14:useLocalDpi xmlns:a14="http://schemas.microsoft.com/office/drawing/2010/main" xmlns="" val="0"/>
               </a:ext>
             </a:extLst>
           </a:blip>
@@ -10897,14 +13510,14 @@
           </a:ln>
           <a:extLst>
             <a:ext uri="{909E8E84-426E-40DD-AFC4-6F175D3DCCD1}">
-              <a14:hiddenFill xmlns:a14="http://schemas.microsoft.com/office/drawing/2010/main">
+              <a14:hiddenFill xmlns:a14="http://schemas.microsoft.com/office/drawing/2010/main" xmlns="">
                 <a:solidFill>
                   <a:srgbClr val="FFFFFF"/>
                 </a:solidFill>
               </a14:hiddenFill>
             </a:ext>
             <a:ext uri="{91240B29-F687-4F45-9708-019B960494DF}">
-              <a14:hiddenLine xmlns:a14="http://schemas.microsoft.com/office/drawing/2010/main" w="9525">
+              <a14:hiddenLine xmlns:a14="http://schemas.microsoft.com/office/drawing/2010/main" xmlns="" w="9525">
                 <a:solidFill>
                   <a:srgbClr val="000000"/>
                 </a:solidFill>
@@ -10925,10 +13538,10 @@
           <p:nvPr/>
         </p:nvPicPr>
         <p:blipFill>
-          <a:blip r:embed="rId6">
+          <a:blip r:embed="rId6" cstate="print">
             <a:extLst>
               <a:ext uri="{28A0092B-C50C-407E-A947-70E740481C1C}">
-                <a14:useLocalDpi xmlns:a14="http://schemas.microsoft.com/office/drawing/2010/main" val="0"/>
+                <a14:useLocalDpi xmlns:a14="http://schemas.microsoft.com/office/drawing/2010/main" xmlns="" val="0"/>
               </a:ext>
             </a:extLst>
           </a:blip>
@@ -10951,14 +13564,14 @@
           </a:ln>
           <a:extLst>
             <a:ext uri="{909E8E84-426E-40DD-AFC4-6F175D3DCCD1}">
-              <a14:hiddenFill xmlns:a14="http://schemas.microsoft.com/office/drawing/2010/main">
+              <a14:hiddenFill xmlns:a14="http://schemas.microsoft.com/office/drawing/2010/main" xmlns="">
                 <a:solidFill>
                   <a:srgbClr val="FFFFFF"/>
                 </a:solidFill>
               </a14:hiddenFill>
             </a:ext>
             <a:ext uri="{91240B29-F687-4F45-9708-019B960494DF}">
-              <a14:hiddenLine xmlns:a14="http://schemas.microsoft.com/office/drawing/2010/main" w="9525">
+              <a14:hiddenLine xmlns:a14="http://schemas.microsoft.com/office/drawing/2010/main" xmlns="" w="9525">
                 <a:solidFill>
                   <a:srgbClr val="000000"/>
                 </a:solidFill>
@@ -10979,10 +13592,10 @@
           <p:nvPr/>
         </p:nvPicPr>
         <p:blipFill>
-          <a:blip r:embed="rId7">
+          <a:blip r:embed="rId7" cstate="print">
             <a:extLst>
               <a:ext uri="{28A0092B-C50C-407E-A947-70E740481C1C}">
-                <a14:useLocalDpi xmlns:a14="http://schemas.microsoft.com/office/drawing/2010/main" val="0"/>
+                <a14:useLocalDpi xmlns:a14="http://schemas.microsoft.com/office/drawing/2010/main" xmlns="" val="0"/>
               </a:ext>
             </a:extLst>
           </a:blip>
@@ -11005,14 +13618,14 @@
           </a:ln>
           <a:extLst>
             <a:ext uri="{909E8E84-426E-40DD-AFC4-6F175D3DCCD1}">
-              <a14:hiddenFill xmlns:a14="http://schemas.microsoft.com/office/drawing/2010/main">
+              <a14:hiddenFill xmlns:a14="http://schemas.microsoft.com/office/drawing/2010/main" xmlns="">
                 <a:solidFill>
                   <a:srgbClr val="FFFFFF"/>
                 </a:solidFill>
               </a14:hiddenFill>
             </a:ext>
             <a:ext uri="{91240B29-F687-4F45-9708-019B960494DF}">
-              <a14:hiddenLine xmlns:a14="http://schemas.microsoft.com/office/drawing/2010/main" w="9525">
+              <a14:hiddenLine xmlns:a14="http://schemas.microsoft.com/office/drawing/2010/main" xmlns="" w="9525">
                 <a:solidFill>
                   <a:srgbClr val="000000"/>
                 </a:solidFill>
@@ -11349,7 +13962,7 @@
     </p:spTree>
     <p:extLst>
       <p:ext uri="{BB962C8B-B14F-4D97-AF65-F5344CB8AC3E}">
-        <p14:creationId xmlns:p14="http://schemas.microsoft.com/office/powerpoint/2010/main" val="1464590407"/>
+        <p14:creationId xmlns:p14="http://schemas.microsoft.com/office/powerpoint/2010/main" xmlns="" val="1464590407"/>
       </p:ext>
     </p:extLst>
   </p:cSld>
@@ -11385,10 +13998,10 @@
           <p:nvPr/>
         </p:nvPicPr>
         <p:blipFill>
-          <a:blip r:embed="rId3">
+          <a:blip r:embed="rId3" cstate="print">
             <a:extLst>
               <a:ext uri="{28A0092B-C50C-407E-A947-70E740481C1C}">
-                <a14:useLocalDpi xmlns:a14="http://schemas.microsoft.com/office/drawing/2010/main" val="0"/>
+                <a14:useLocalDpi xmlns:a14="http://schemas.microsoft.com/office/drawing/2010/main" xmlns="" val="0"/>
               </a:ext>
             </a:extLst>
           </a:blip>
@@ -11411,14 +14024,14 @@
           </a:ln>
           <a:extLst>
             <a:ext uri="{909E8E84-426E-40DD-AFC4-6F175D3DCCD1}">
-              <a14:hiddenFill xmlns:a14="http://schemas.microsoft.com/office/drawing/2010/main">
+              <a14:hiddenFill xmlns:a14="http://schemas.microsoft.com/office/drawing/2010/main" xmlns="">
                 <a:solidFill>
                   <a:srgbClr val="FFFFFF"/>
                 </a:solidFill>
               </a14:hiddenFill>
             </a:ext>
             <a:ext uri="{91240B29-F687-4F45-9708-019B960494DF}">
-              <a14:hiddenLine xmlns:a14="http://schemas.microsoft.com/office/drawing/2010/main" w="9525">
+              <a14:hiddenLine xmlns:a14="http://schemas.microsoft.com/office/drawing/2010/main" xmlns="" w="9525">
                 <a:solidFill>
                   <a:srgbClr val="000000"/>
                 </a:solidFill>
@@ -11439,10 +14052,10 @@
           <p:nvPr/>
         </p:nvPicPr>
         <p:blipFill>
-          <a:blip r:embed="rId4">
+          <a:blip r:embed="rId4" cstate="print">
             <a:extLst>
               <a:ext uri="{28A0092B-C50C-407E-A947-70E740481C1C}">
-                <a14:useLocalDpi xmlns:a14="http://schemas.microsoft.com/office/drawing/2010/main" val="0"/>
+                <a14:useLocalDpi xmlns:a14="http://schemas.microsoft.com/office/drawing/2010/main" xmlns="" val="0"/>
               </a:ext>
             </a:extLst>
           </a:blip>
@@ -11465,14 +14078,14 @@
           </a:ln>
           <a:extLst>
             <a:ext uri="{909E8E84-426E-40DD-AFC4-6F175D3DCCD1}">
-              <a14:hiddenFill xmlns:a14="http://schemas.microsoft.com/office/drawing/2010/main">
+              <a14:hiddenFill xmlns:a14="http://schemas.microsoft.com/office/drawing/2010/main" xmlns="">
                 <a:solidFill>
                   <a:srgbClr val="FFFFFF"/>
                 </a:solidFill>
               </a14:hiddenFill>
             </a:ext>
             <a:ext uri="{91240B29-F687-4F45-9708-019B960494DF}">
-              <a14:hiddenLine xmlns:a14="http://schemas.microsoft.com/office/drawing/2010/main" w="9525">
+              <a14:hiddenLine xmlns:a14="http://schemas.microsoft.com/office/drawing/2010/main" xmlns="" w="9525">
                 <a:solidFill>
                   <a:srgbClr val="000000"/>
                 </a:solidFill>
@@ -11534,10 +14147,10 @@
           <p:nvPr/>
         </p:nvPicPr>
         <p:blipFill rotWithShape="1">
-          <a:blip r:embed="rId4">
+          <a:blip r:embed="rId4" cstate="print">
             <a:extLst>
               <a:ext uri="{28A0092B-C50C-407E-A947-70E740481C1C}">
-                <a14:useLocalDpi xmlns:a14="http://schemas.microsoft.com/office/drawing/2010/main" val="0"/>
+                <a14:useLocalDpi xmlns:a14="http://schemas.microsoft.com/office/drawing/2010/main" xmlns="" val="0"/>
               </a:ext>
             </a:extLst>
           </a:blip>
@@ -11558,14 +14171,14 @@
           </a:ln>
           <a:extLst>
             <a:ext uri="{909E8E84-426E-40DD-AFC4-6F175D3DCCD1}">
-              <a14:hiddenFill xmlns:a14="http://schemas.microsoft.com/office/drawing/2010/main">
+              <a14:hiddenFill xmlns:a14="http://schemas.microsoft.com/office/drawing/2010/main" xmlns="">
                 <a:solidFill>
                   <a:srgbClr val="FFFFFF"/>
                 </a:solidFill>
               </a14:hiddenFill>
             </a:ext>
             <a:ext uri="{91240B29-F687-4F45-9708-019B960494DF}">
-              <a14:hiddenLine xmlns:a14="http://schemas.microsoft.com/office/drawing/2010/main" w="9525">
+              <a14:hiddenLine xmlns:a14="http://schemas.microsoft.com/office/drawing/2010/main" xmlns="" w="9525">
                 <a:solidFill>
                   <a:srgbClr val="000000"/>
                 </a:solidFill>
@@ -11586,10 +14199,10 @@
           <p:nvPr/>
         </p:nvPicPr>
         <p:blipFill>
-          <a:blip r:embed="rId5">
+          <a:blip r:embed="rId5" cstate="print">
             <a:extLst>
               <a:ext uri="{28A0092B-C50C-407E-A947-70E740481C1C}">
-                <a14:useLocalDpi xmlns:a14="http://schemas.microsoft.com/office/drawing/2010/main" val="0"/>
+                <a14:useLocalDpi xmlns:a14="http://schemas.microsoft.com/office/drawing/2010/main" xmlns="" val="0"/>
               </a:ext>
             </a:extLst>
           </a:blip>
@@ -11612,14 +14225,14 @@
           </a:ln>
           <a:extLst>
             <a:ext uri="{909E8E84-426E-40DD-AFC4-6F175D3DCCD1}">
-              <a14:hiddenFill xmlns:a14="http://schemas.microsoft.com/office/drawing/2010/main">
+              <a14:hiddenFill xmlns:a14="http://schemas.microsoft.com/office/drawing/2010/main" xmlns="">
                 <a:solidFill>
                   <a:srgbClr val="FFFFFF"/>
                 </a:solidFill>
               </a14:hiddenFill>
             </a:ext>
             <a:ext uri="{91240B29-F687-4F45-9708-019B960494DF}">
-              <a14:hiddenLine xmlns:a14="http://schemas.microsoft.com/office/drawing/2010/main" w="9525">
+              <a14:hiddenLine xmlns:a14="http://schemas.microsoft.com/office/drawing/2010/main" xmlns="" w="9525">
                 <a:solidFill>
                   <a:srgbClr val="000000"/>
                 </a:solidFill>
@@ -11640,10 +14253,10 @@
           <p:nvPr/>
         </p:nvPicPr>
         <p:blipFill>
-          <a:blip r:embed="rId6">
+          <a:blip r:embed="rId6" cstate="print">
             <a:extLst>
               <a:ext uri="{28A0092B-C50C-407E-A947-70E740481C1C}">
-                <a14:useLocalDpi xmlns:a14="http://schemas.microsoft.com/office/drawing/2010/main" val="0"/>
+                <a14:useLocalDpi xmlns:a14="http://schemas.microsoft.com/office/drawing/2010/main" xmlns="" val="0"/>
               </a:ext>
             </a:extLst>
           </a:blip>
@@ -11666,14 +14279,14 @@
           </a:ln>
           <a:extLst>
             <a:ext uri="{909E8E84-426E-40DD-AFC4-6F175D3DCCD1}">
-              <a14:hiddenFill xmlns:a14="http://schemas.microsoft.com/office/drawing/2010/main">
+              <a14:hiddenFill xmlns:a14="http://schemas.microsoft.com/office/drawing/2010/main" xmlns="">
                 <a:solidFill>
                   <a:srgbClr val="FFFFFF"/>
                 </a:solidFill>
               </a14:hiddenFill>
             </a:ext>
             <a:ext uri="{91240B29-F687-4F45-9708-019B960494DF}">
-              <a14:hiddenLine xmlns:a14="http://schemas.microsoft.com/office/drawing/2010/main" w="9525">
+              <a14:hiddenLine xmlns:a14="http://schemas.microsoft.com/office/drawing/2010/main" xmlns="" w="9525">
                 <a:solidFill>
                   <a:srgbClr val="000000"/>
                 </a:solidFill>
@@ -11694,10 +14307,10 @@
           <p:nvPr/>
         </p:nvPicPr>
         <p:blipFill>
-          <a:blip r:embed="rId7">
+          <a:blip r:embed="rId7" cstate="print">
             <a:extLst>
               <a:ext uri="{28A0092B-C50C-407E-A947-70E740481C1C}">
-                <a14:useLocalDpi xmlns:a14="http://schemas.microsoft.com/office/drawing/2010/main" val="0"/>
+                <a14:useLocalDpi xmlns:a14="http://schemas.microsoft.com/office/drawing/2010/main" xmlns="" val="0"/>
               </a:ext>
             </a:extLst>
           </a:blip>
@@ -11720,14 +14333,14 @@
           </a:ln>
           <a:extLst>
             <a:ext uri="{909E8E84-426E-40DD-AFC4-6F175D3DCCD1}">
-              <a14:hiddenFill xmlns:a14="http://schemas.microsoft.com/office/drawing/2010/main">
+              <a14:hiddenFill xmlns:a14="http://schemas.microsoft.com/office/drawing/2010/main" xmlns="">
                 <a:solidFill>
                   <a:srgbClr val="FFFFFF"/>
                 </a:solidFill>
               </a14:hiddenFill>
             </a:ext>
             <a:ext uri="{91240B29-F687-4F45-9708-019B960494DF}">
-              <a14:hiddenLine xmlns:a14="http://schemas.microsoft.com/office/drawing/2010/main" w="9525">
+              <a14:hiddenLine xmlns:a14="http://schemas.microsoft.com/office/drawing/2010/main" xmlns="" w="9525">
                 <a:solidFill>
                   <a:srgbClr val="000000"/>
                 </a:solidFill>
@@ -11819,7 +14432,7 @@
           <p:nvPr/>
         </p:nvPicPr>
         <p:blipFill rotWithShape="1">
-          <a:blip r:embed="rId8"/>
+          <a:blip r:embed="rId8" cstate="print"/>
           <a:srcRect l="30110" t="61824" r="51793" b="15627"/>
           <a:stretch/>
         </p:blipFill>
@@ -11842,7 +14455,7 @@
           <p:nvPr/>
         </p:nvPicPr>
         <p:blipFill rotWithShape="1">
-          <a:blip r:embed="rId8"/>
+          <a:blip r:embed="rId9" cstate="print"/>
           <a:srcRect l="5823" t="34102" r="73103" b="41293"/>
           <a:stretch/>
         </p:blipFill>
@@ -11865,7 +14478,7 @@
           <p:nvPr/>
         </p:nvPicPr>
         <p:blipFill rotWithShape="1">
-          <a:blip r:embed="rId8"/>
+          <a:blip r:embed="rId10" cstate="print"/>
           <a:srcRect l="5823" t="34102" r="73103" b="41293"/>
           <a:stretch/>
         </p:blipFill>
@@ -11888,7 +14501,7 @@
           <p:nvPr/>
         </p:nvPicPr>
         <p:blipFill rotWithShape="1">
-          <a:blip r:embed="rId8"/>
+          <a:blip r:embed="rId11" cstate="print"/>
           <a:srcRect l="5823" t="34102" r="73103" b="41293"/>
           <a:stretch/>
         </p:blipFill>
@@ -12029,7 +14642,7 @@
         </p:nvSpPr>
         <p:spPr>
           <a:xfrm>
-            <a:off x="2148549" y="3088697"/>
+            <a:off x="2448094" y="3214821"/>
             <a:ext cx="1774168" cy="369332"/>
           </a:xfrm>
           <a:prstGeom prst="rect">
@@ -12207,10 +14820,40 @@
           </a:p>
         </p:txBody>
       </p:sp>
+      <p:sp>
+        <p:nvSpPr>
+          <p:cNvPr id="24" name="CaixaDeTexto 23"/>
+          <p:cNvSpPr txBox="1"/>
+          <p:nvPr/>
+        </p:nvSpPr>
+        <p:spPr>
+          <a:xfrm>
+            <a:off x="1297212" y="3135993"/>
+            <a:ext cx="1774168" cy="369332"/>
+          </a:xfrm>
+          <a:prstGeom prst="rect">
+            <a:avLst/>
+          </a:prstGeom>
+          <a:noFill/>
+        </p:spPr>
+        <p:txBody>
+          <a:bodyPr wrap="square" rtlCol="0">
+            <a:spAutoFit/>
+          </a:bodyPr>
+          <a:lstStyle/>
+          <a:p>
+            <a:r>
+              <a:rPr lang="pt-BR" dirty="0" smtClean="0"/>
+              <a:t>Jurídico</a:t>
+            </a:r>
+            <a:endParaRPr lang="pt-BR" dirty="0"/>
+          </a:p>
+        </p:txBody>
+      </p:sp>
     </p:spTree>
     <p:extLst>
       <p:ext uri="{BB962C8B-B14F-4D97-AF65-F5344CB8AC3E}">
-        <p14:creationId xmlns:p14="http://schemas.microsoft.com/office/powerpoint/2010/main" val="3638636546"/>
+        <p14:creationId xmlns:p14="http://schemas.microsoft.com/office/powerpoint/2010/main" xmlns="" val="3638636546"/>
       </p:ext>
     </p:extLst>
   </p:cSld>
@@ -12246,10 +14889,10 @@
           <p:nvPr/>
         </p:nvPicPr>
         <p:blipFill>
-          <a:blip r:embed="rId3">
+          <a:blip r:embed="rId3" cstate="print">
             <a:extLst>
               <a:ext uri="{28A0092B-C50C-407E-A947-70E740481C1C}">
-                <a14:useLocalDpi xmlns:a14="http://schemas.microsoft.com/office/drawing/2010/main" val="0"/>
+                <a14:useLocalDpi xmlns:a14="http://schemas.microsoft.com/office/drawing/2010/main" xmlns="" val="0"/>
               </a:ext>
             </a:extLst>
           </a:blip>
@@ -12272,14 +14915,14 @@
           </a:ln>
           <a:extLst>
             <a:ext uri="{909E8E84-426E-40DD-AFC4-6F175D3DCCD1}">
-              <a14:hiddenFill xmlns:a14="http://schemas.microsoft.com/office/drawing/2010/main">
+              <a14:hiddenFill xmlns:a14="http://schemas.microsoft.com/office/drawing/2010/main" xmlns="">
                 <a:solidFill>
                   <a:srgbClr val="FFFFFF"/>
                 </a:solidFill>
               </a14:hiddenFill>
             </a:ext>
             <a:ext uri="{91240B29-F687-4F45-9708-019B960494DF}">
-              <a14:hiddenLine xmlns:a14="http://schemas.microsoft.com/office/drawing/2010/main" w="9525">
+              <a14:hiddenLine xmlns:a14="http://schemas.microsoft.com/office/drawing/2010/main" xmlns="" w="9525">
                 <a:solidFill>
                   <a:srgbClr val="000000"/>
                 </a:solidFill>
@@ -12300,10 +14943,10 @@
           <p:nvPr/>
         </p:nvPicPr>
         <p:blipFill>
-          <a:blip r:embed="rId4">
+          <a:blip r:embed="rId4" cstate="print">
             <a:extLst>
               <a:ext uri="{28A0092B-C50C-407E-A947-70E740481C1C}">
-                <a14:useLocalDpi xmlns:a14="http://schemas.microsoft.com/office/drawing/2010/main" val="0"/>
+                <a14:useLocalDpi xmlns:a14="http://schemas.microsoft.com/office/drawing/2010/main" xmlns="" val="0"/>
               </a:ext>
             </a:extLst>
           </a:blip>
@@ -12326,14 +14969,14 @@
           </a:ln>
           <a:extLst>
             <a:ext uri="{909E8E84-426E-40DD-AFC4-6F175D3DCCD1}">
-              <a14:hiddenFill xmlns:a14="http://schemas.microsoft.com/office/drawing/2010/main">
+              <a14:hiddenFill xmlns:a14="http://schemas.microsoft.com/office/drawing/2010/main" xmlns="">
                 <a:solidFill>
                   <a:srgbClr val="FFFFFF"/>
                 </a:solidFill>
               </a14:hiddenFill>
             </a:ext>
             <a:ext uri="{91240B29-F687-4F45-9708-019B960494DF}">
-              <a14:hiddenLine xmlns:a14="http://schemas.microsoft.com/office/drawing/2010/main" w="9525">
+              <a14:hiddenLine xmlns:a14="http://schemas.microsoft.com/office/drawing/2010/main" xmlns="" w="9525">
                 <a:solidFill>
                   <a:srgbClr val="000000"/>
                 </a:solidFill>
@@ -12354,10 +14997,10 @@
           <p:nvPr/>
         </p:nvPicPr>
         <p:blipFill>
-          <a:blip r:embed="rId5">
+          <a:blip r:embed="rId5" cstate="print">
             <a:extLst>
               <a:ext uri="{28A0092B-C50C-407E-A947-70E740481C1C}">
-                <a14:useLocalDpi xmlns:a14="http://schemas.microsoft.com/office/drawing/2010/main" val="0"/>
+                <a14:useLocalDpi xmlns:a14="http://schemas.microsoft.com/office/drawing/2010/main" xmlns="" val="0"/>
               </a:ext>
             </a:extLst>
           </a:blip>
@@ -12380,14 +15023,14 @@
           </a:ln>
           <a:extLst>
             <a:ext uri="{909E8E84-426E-40DD-AFC4-6F175D3DCCD1}">
-              <a14:hiddenFill xmlns:a14="http://schemas.microsoft.com/office/drawing/2010/main">
+              <a14:hiddenFill xmlns:a14="http://schemas.microsoft.com/office/drawing/2010/main" xmlns="">
                 <a:solidFill>
                   <a:srgbClr val="FFFFFF"/>
                 </a:solidFill>
               </a14:hiddenFill>
             </a:ext>
             <a:ext uri="{91240B29-F687-4F45-9708-019B960494DF}">
-              <a14:hiddenLine xmlns:a14="http://schemas.microsoft.com/office/drawing/2010/main" w="9525">
+              <a14:hiddenLine xmlns:a14="http://schemas.microsoft.com/office/drawing/2010/main" xmlns="" w="9525">
                 <a:solidFill>
                   <a:srgbClr val="000000"/>
                 </a:solidFill>
@@ -12408,10 +15051,10 @@
           <p:nvPr/>
         </p:nvPicPr>
         <p:blipFill>
-          <a:blip r:embed="rId6">
+          <a:blip r:embed="rId6" cstate="print">
             <a:extLst>
               <a:ext uri="{28A0092B-C50C-407E-A947-70E740481C1C}">
-                <a14:useLocalDpi xmlns:a14="http://schemas.microsoft.com/office/drawing/2010/main" val="0"/>
+                <a14:useLocalDpi xmlns:a14="http://schemas.microsoft.com/office/drawing/2010/main" xmlns="" val="0"/>
               </a:ext>
             </a:extLst>
           </a:blip>
@@ -12434,14 +15077,14 @@
           </a:ln>
           <a:extLst>
             <a:ext uri="{909E8E84-426E-40DD-AFC4-6F175D3DCCD1}">
-              <a14:hiddenFill xmlns:a14="http://schemas.microsoft.com/office/drawing/2010/main">
+              <a14:hiddenFill xmlns:a14="http://schemas.microsoft.com/office/drawing/2010/main" xmlns="">
                 <a:solidFill>
                   <a:srgbClr val="FFFFFF"/>
                 </a:solidFill>
               </a14:hiddenFill>
             </a:ext>
             <a:ext uri="{91240B29-F687-4F45-9708-019B960494DF}">
-              <a14:hiddenLine xmlns:a14="http://schemas.microsoft.com/office/drawing/2010/main" w="9525">
+              <a14:hiddenLine xmlns:a14="http://schemas.microsoft.com/office/drawing/2010/main" xmlns="" w="9525">
                 <a:solidFill>
                   <a:srgbClr val="000000"/>
                 </a:solidFill>
@@ -12462,10 +15105,10 @@
           <p:nvPr/>
         </p:nvPicPr>
         <p:blipFill>
-          <a:blip r:embed="rId7">
+          <a:blip r:embed="rId7" cstate="print">
             <a:extLst>
               <a:ext uri="{28A0092B-C50C-407E-A947-70E740481C1C}">
-                <a14:useLocalDpi xmlns:a14="http://schemas.microsoft.com/office/drawing/2010/main" val="0"/>
+                <a14:useLocalDpi xmlns:a14="http://schemas.microsoft.com/office/drawing/2010/main" xmlns="" val="0"/>
               </a:ext>
             </a:extLst>
           </a:blip>
@@ -12488,14 +15131,14 @@
           </a:ln>
           <a:extLst>
             <a:ext uri="{909E8E84-426E-40DD-AFC4-6F175D3DCCD1}">
-              <a14:hiddenFill xmlns:a14="http://schemas.microsoft.com/office/drawing/2010/main">
+              <a14:hiddenFill xmlns:a14="http://schemas.microsoft.com/office/drawing/2010/main" xmlns="">
                 <a:solidFill>
                   <a:srgbClr val="FFFFFF"/>
                 </a:solidFill>
               </a14:hiddenFill>
             </a:ext>
             <a:ext uri="{91240B29-F687-4F45-9708-019B960494DF}">
-              <a14:hiddenLine xmlns:a14="http://schemas.microsoft.com/office/drawing/2010/main" w="9525">
+              <a14:hiddenLine xmlns:a14="http://schemas.microsoft.com/office/drawing/2010/main" xmlns="" w="9525">
                 <a:solidFill>
                   <a:srgbClr val="000000"/>
                 </a:solidFill>
@@ -12585,14 +15228,14 @@
           <p:nvPr>
             <p:extLst>
               <p:ext uri="{D42A27DB-BD31-4B8C-83A1-F6EECF244321}">
-                <p14:modId xmlns:p14="http://schemas.microsoft.com/office/powerpoint/2010/main" val="2979196730"/>
+                <p14:modId xmlns:p14="http://schemas.microsoft.com/office/powerpoint/2010/main" xmlns="" val="2979196730"/>
               </p:ext>
             </p:extLst>
           </p:nvPr>
         </p:nvGraphicFramePr>
         <p:xfrm>
-          <a:off x="1883501" y="951291"/>
-          <a:ext cx="9731655" cy="6768727"/>
+          <a:off x="1741606" y="1891862"/>
+          <a:ext cx="9767222" cy="3988675"/>
         </p:xfrm>
         <a:graphic>
           <a:graphicData uri="http://schemas.openxmlformats.org/drawingml/2006/diagram">
@@ -12603,13 +15246,674 @@
     </p:spTree>
     <p:extLst>
       <p:ext uri="{BB962C8B-B14F-4D97-AF65-F5344CB8AC3E}">
-        <p14:creationId xmlns:p14="http://schemas.microsoft.com/office/powerpoint/2010/main" val="3989646145"/>
+        <p14:creationId xmlns:p14="http://schemas.microsoft.com/office/powerpoint/2010/main" xmlns="" val="3989646145"/>
       </p:ext>
     </p:extLst>
   </p:cSld>
   <p:clrMapOvr>
     <a:masterClrMapping/>
   </p:clrMapOvr>
+</p:sld>
+</file>
+
+<file path=ppt/slides/slide8.xml><?xml version="1.0" encoding="utf-8"?>
+<p:sld xmlns:a="http://schemas.openxmlformats.org/drawingml/2006/main" xmlns:r="http://schemas.openxmlformats.org/officeDocument/2006/relationships" xmlns:p="http://schemas.openxmlformats.org/presentationml/2006/main">
+  <p:cSld>
+    <p:spTree>
+      <p:nvGrpSpPr>
+        <p:cNvPr id="1" name=""/>
+        <p:cNvGrpSpPr/>
+        <p:nvPr/>
+      </p:nvGrpSpPr>
+      <p:grpSpPr>
+        <a:xfrm>
+          <a:off x="0" y="0"/>
+          <a:ext cx="0" cy="0"/>
+          <a:chOff x="0" y="0"/>
+          <a:chExt cx="0" cy="0"/>
+        </a:xfrm>
+      </p:grpSpPr>
+      <p:sp>
+        <p:nvSpPr>
+          <p:cNvPr id="11" name="CaixaDeTexto 10"/>
+          <p:cNvSpPr txBox="1"/>
+          <p:nvPr/>
+        </p:nvSpPr>
+        <p:spPr>
+          <a:xfrm>
+            <a:off x="-57871" y="0"/>
+            <a:ext cx="12249872" cy="769441"/>
+          </a:xfrm>
+          <a:prstGeom prst="rect">
+            <a:avLst/>
+          </a:prstGeom>
+          <a:solidFill>
+            <a:schemeClr val="tx1">
+              <a:alpha val="50000"/>
+            </a:schemeClr>
+          </a:solidFill>
+        </p:spPr>
+        <p:txBody>
+          <a:bodyPr wrap="square" rtlCol="0">
+            <a:spAutoFit/>
+          </a:bodyPr>
+          <a:lstStyle/>
+          <a:p>
+            <a:r>
+              <a:rPr lang="pt-BR" sz="4400" b="1" dirty="0" smtClean="0">
+                <a:solidFill>
+                  <a:schemeClr val="bg1"/>
+                </a:solidFill>
+                <a:latin typeface="Kozuka Gothic Pr6N L" panose="020B0200000000000000" pitchFamily="34" charset="-128"/>
+                <a:ea typeface="Kozuka Gothic Pr6N L" panose="020B0200000000000000" pitchFamily="34" charset="-128"/>
+                <a:cs typeface="Arial" panose="020B0604020202020204" pitchFamily="34" charset="0"/>
+              </a:rPr>
+              <a:t>Aceleradora de Pessoas</a:t>
+            </a:r>
+          </a:p>
+        </p:txBody>
+      </p:sp>
+      <p:sp>
+        <p:nvSpPr>
+          <p:cNvPr id="4" name="Retângulo 3"/>
+          <p:cNvSpPr/>
+          <p:nvPr/>
+        </p:nvSpPr>
+        <p:spPr>
+          <a:xfrm>
+            <a:off x="8008752" y="215168"/>
+            <a:ext cx="4088876" cy="369332"/>
+          </a:xfrm>
+          <a:prstGeom prst="rect">
+            <a:avLst/>
+          </a:prstGeom>
+        </p:spPr>
+        <p:txBody>
+          <a:bodyPr wrap="none">
+            <a:spAutoFit/>
+          </a:bodyPr>
+          <a:lstStyle/>
+          <a:p>
+            <a:pPr algn="r"/>
+            <a:r>
+              <a:rPr lang="pt-BR" b="1" dirty="0">
+                <a:solidFill>
+                  <a:schemeClr val="bg1"/>
+                </a:solidFill>
+                <a:latin typeface="Kozuka Gothic Pr6N L" panose="020B0200000000000000" pitchFamily="34" charset="-128"/>
+                <a:ea typeface="Kozuka Gothic Pr6N L" panose="020B0200000000000000" pitchFamily="34" charset="-128"/>
+                <a:cs typeface="Arial" panose="020B0604020202020204" pitchFamily="34" charset="0"/>
+              </a:rPr>
+              <a:t>1º </a:t>
+            </a:r>
+            <a:r>
+              <a:rPr lang="pt-BR" b="1" dirty="0" err="1">
+                <a:solidFill>
+                  <a:schemeClr val="bg1"/>
+                </a:solidFill>
+                <a:latin typeface="Kozuka Gothic Pr6N L" panose="020B0200000000000000" pitchFamily="34" charset="-128"/>
+                <a:ea typeface="Kozuka Gothic Pr6N L" panose="020B0200000000000000" pitchFamily="34" charset="-128"/>
+                <a:cs typeface="Arial" panose="020B0604020202020204" pitchFamily="34" charset="0"/>
+              </a:rPr>
+              <a:t>Hangout</a:t>
+            </a:r>
+            <a:r>
+              <a:rPr lang="pt-BR" b="1" dirty="0">
+                <a:solidFill>
+                  <a:schemeClr val="bg1"/>
+                </a:solidFill>
+                <a:latin typeface="Kozuka Gothic Pr6N L" panose="020B0200000000000000" pitchFamily="34" charset="-128"/>
+                <a:ea typeface="Kozuka Gothic Pr6N L" panose="020B0200000000000000" pitchFamily="34" charset="-128"/>
+                <a:cs typeface="Arial" panose="020B0604020202020204" pitchFamily="34" charset="0"/>
+              </a:rPr>
+              <a:t> – 16 de </a:t>
+            </a:r>
+            <a:r>
+              <a:rPr lang="pt-BR" b="1" dirty="0" err="1">
+                <a:solidFill>
+                  <a:schemeClr val="bg1"/>
+                </a:solidFill>
+                <a:latin typeface="Kozuka Gothic Pr6N L" panose="020B0200000000000000" pitchFamily="34" charset="-128"/>
+                <a:ea typeface="Kozuka Gothic Pr6N L" panose="020B0200000000000000" pitchFamily="34" charset="-128"/>
+                <a:cs typeface="Arial" panose="020B0604020202020204" pitchFamily="34" charset="0"/>
+              </a:rPr>
+              <a:t>fev</a:t>
+            </a:r>
+            <a:r>
+              <a:rPr lang="pt-BR" b="1" dirty="0">
+                <a:solidFill>
+                  <a:schemeClr val="bg1"/>
+                </a:solidFill>
+                <a:latin typeface="Kozuka Gothic Pr6N L" panose="020B0200000000000000" pitchFamily="34" charset="-128"/>
+                <a:ea typeface="Kozuka Gothic Pr6N L" panose="020B0200000000000000" pitchFamily="34" charset="-128"/>
+                <a:cs typeface="Arial" panose="020B0604020202020204" pitchFamily="34" charset="0"/>
+              </a:rPr>
+              <a:t> de 2016</a:t>
+            </a:r>
+          </a:p>
+        </p:txBody>
+      </p:sp>
+      <p:sp>
+        <p:nvSpPr>
+          <p:cNvPr id="10" name="CaixaDeTexto 9"/>
+          <p:cNvSpPr txBox="1"/>
+          <p:nvPr/>
+        </p:nvSpPr>
+        <p:spPr>
+          <a:xfrm>
+            <a:off x="772510" y="1198169"/>
+            <a:ext cx="3555782" cy="523220"/>
+          </a:xfrm>
+          <a:prstGeom prst="rect">
+            <a:avLst/>
+          </a:prstGeom>
+          <a:noFill/>
+        </p:spPr>
+        <p:txBody>
+          <a:bodyPr wrap="none" rtlCol="0">
+            <a:spAutoFit/>
+          </a:bodyPr>
+          <a:lstStyle/>
+          <a:p>
+            <a:r>
+              <a:rPr lang="pt-BR" sz="2800" b="1" smtClean="0"/>
+              <a:t>Transparência</a:t>
+            </a:r>
+            <a:r>
+              <a:rPr lang="pt-BR" sz="2800" b="1" smtClean="0"/>
+              <a:t> </a:t>
+            </a:r>
+            <a:r>
+              <a:rPr lang="pt-BR" sz="2800" b="1" smtClean="0"/>
+              <a:t>Total</a:t>
+            </a:r>
+            <a:endParaRPr lang="pt-BR" sz="2800" b="1"/>
+          </a:p>
+        </p:txBody>
+      </p:sp>
+      <p:sp>
+        <p:nvSpPr>
+          <p:cNvPr id="12" name="Retângulo 11"/>
+          <p:cNvSpPr/>
+          <p:nvPr/>
+        </p:nvSpPr>
+        <p:spPr>
+          <a:xfrm>
+            <a:off x="840823" y="1718460"/>
+            <a:ext cx="7467600" cy="369332"/>
+          </a:xfrm>
+          <a:prstGeom prst="rect">
+            <a:avLst/>
+          </a:prstGeom>
+        </p:spPr>
+        <p:txBody>
+          <a:bodyPr wrap="square">
+            <a:spAutoFit/>
+          </a:bodyPr>
+          <a:lstStyle/>
+          <a:p>
+            <a:r>
+              <a:rPr lang="en-US" dirty="0" smtClean="0"/>
+              <a:t>http://www.aceleradoradepessoas.com.br/transparencia.php</a:t>
+            </a:r>
+            <a:endParaRPr lang="en-US" dirty="0"/>
+          </a:p>
+        </p:txBody>
+      </p:sp>
+      <p:pic>
+        <p:nvPicPr>
+          <p:cNvPr id="1027" name="Picture 3"/>
+          <p:cNvPicPr>
+            <a:picLocks noChangeAspect="1" noChangeArrowheads="1"/>
+          </p:cNvPicPr>
+          <p:nvPr/>
+        </p:nvPicPr>
+        <p:blipFill>
+          <a:blip r:embed="rId2" cstate="print"/>
+          <a:srcRect t="47952" r="4882" b="9052"/>
+          <a:stretch>
+            <a:fillRect/>
+          </a:stretch>
+        </p:blipFill>
+        <p:spPr bwMode="auto">
+          <a:xfrm>
+            <a:off x="1418897" y="2672235"/>
+            <a:ext cx="10531366" cy="2676460"/>
+          </a:xfrm>
+          <a:prstGeom prst="rect">
+            <a:avLst/>
+          </a:prstGeom>
+          <a:noFill/>
+          <a:ln w="9525">
+            <a:noFill/>
+            <a:miter lim="800000"/>
+            <a:headEnd/>
+            <a:tailEnd/>
+          </a:ln>
+        </p:spPr>
+      </p:pic>
+    </p:spTree>
+    <p:extLst>
+      <p:ext uri="{BB962C8B-B14F-4D97-AF65-F5344CB8AC3E}">
+        <p14:creationId xmlns:p14="http://schemas.microsoft.com/office/powerpoint/2010/main" xmlns="" val="557769383"/>
+      </p:ext>
+    </p:extLst>
+  </p:cSld>
+  <p:clrMapOvr>
+    <a:masterClrMapping/>
+  </p:clrMapOvr>
+  <p:timing>
+    <p:tnLst>
+      <p:par>
+        <p:cTn id="1" dur="indefinite" restart="never" nodeType="tmRoot"/>
+      </p:par>
+    </p:tnLst>
+  </p:timing>
+</p:sld>
+</file>
+
+<file path=ppt/slides/slide9.xml><?xml version="1.0" encoding="utf-8"?>
+<p:sld xmlns:a="http://schemas.openxmlformats.org/drawingml/2006/main" xmlns:r="http://schemas.openxmlformats.org/officeDocument/2006/relationships" xmlns:p="http://schemas.openxmlformats.org/presentationml/2006/main">
+  <p:cSld>
+    <p:spTree>
+      <p:nvGrpSpPr>
+        <p:cNvPr id="1" name=""/>
+        <p:cNvGrpSpPr/>
+        <p:nvPr/>
+      </p:nvGrpSpPr>
+      <p:grpSpPr>
+        <a:xfrm>
+          <a:off x="0" y="0"/>
+          <a:ext cx="0" cy="0"/>
+          <a:chOff x="0" y="0"/>
+          <a:chExt cx="0" cy="0"/>
+        </a:xfrm>
+      </p:grpSpPr>
+      <p:sp>
+        <p:nvSpPr>
+          <p:cNvPr id="11" name="CaixaDeTexto 10"/>
+          <p:cNvSpPr txBox="1"/>
+          <p:nvPr/>
+        </p:nvSpPr>
+        <p:spPr>
+          <a:xfrm>
+            <a:off x="-57871" y="0"/>
+            <a:ext cx="12249872" cy="769441"/>
+          </a:xfrm>
+          <a:prstGeom prst="rect">
+            <a:avLst/>
+          </a:prstGeom>
+          <a:solidFill>
+            <a:schemeClr val="tx1">
+              <a:alpha val="50000"/>
+            </a:schemeClr>
+          </a:solidFill>
+        </p:spPr>
+        <p:txBody>
+          <a:bodyPr wrap="square" rtlCol="0">
+            <a:spAutoFit/>
+          </a:bodyPr>
+          <a:lstStyle/>
+          <a:p>
+            <a:r>
+              <a:rPr lang="pt-BR" sz="4400" b="1" dirty="0" smtClean="0">
+                <a:solidFill>
+                  <a:schemeClr val="bg1"/>
+                </a:solidFill>
+                <a:latin typeface="Kozuka Gothic Pr6N L" panose="020B0200000000000000" pitchFamily="34" charset="-128"/>
+                <a:ea typeface="Kozuka Gothic Pr6N L" panose="020B0200000000000000" pitchFamily="34" charset="-128"/>
+                <a:cs typeface="Arial" panose="020B0604020202020204" pitchFamily="34" charset="0"/>
+              </a:rPr>
+              <a:t>Pontos de Contato</a:t>
+            </a:r>
+            <a:endParaRPr lang="pt-BR" sz="4400" b="1" dirty="0" smtClean="0">
+              <a:solidFill>
+                <a:schemeClr val="bg1"/>
+              </a:solidFill>
+              <a:latin typeface="Kozuka Gothic Pr6N L" panose="020B0200000000000000" pitchFamily="34" charset="-128"/>
+              <a:ea typeface="Kozuka Gothic Pr6N L" panose="020B0200000000000000" pitchFamily="34" charset="-128"/>
+              <a:cs typeface="Arial" panose="020B0604020202020204" pitchFamily="34" charset="0"/>
+            </a:endParaRPr>
+          </a:p>
+        </p:txBody>
+      </p:sp>
+      <p:sp>
+        <p:nvSpPr>
+          <p:cNvPr id="4" name="Retângulo 3"/>
+          <p:cNvSpPr/>
+          <p:nvPr/>
+        </p:nvSpPr>
+        <p:spPr>
+          <a:xfrm>
+            <a:off x="8008752" y="215168"/>
+            <a:ext cx="4088876" cy="369332"/>
+          </a:xfrm>
+          <a:prstGeom prst="rect">
+            <a:avLst/>
+          </a:prstGeom>
+        </p:spPr>
+        <p:txBody>
+          <a:bodyPr wrap="none">
+            <a:spAutoFit/>
+          </a:bodyPr>
+          <a:lstStyle/>
+          <a:p>
+            <a:pPr algn="r"/>
+            <a:r>
+              <a:rPr lang="pt-BR" b="1" dirty="0">
+                <a:solidFill>
+                  <a:schemeClr val="bg1"/>
+                </a:solidFill>
+                <a:latin typeface="Kozuka Gothic Pr6N L" panose="020B0200000000000000" pitchFamily="34" charset="-128"/>
+                <a:ea typeface="Kozuka Gothic Pr6N L" panose="020B0200000000000000" pitchFamily="34" charset="-128"/>
+                <a:cs typeface="Arial" panose="020B0604020202020204" pitchFamily="34" charset="0"/>
+              </a:rPr>
+              <a:t>1º </a:t>
+            </a:r>
+            <a:r>
+              <a:rPr lang="pt-BR" b="1" dirty="0" err="1">
+                <a:solidFill>
+                  <a:schemeClr val="bg1"/>
+                </a:solidFill>
+                <a:latin typeface="Kozuka Gothic Pr6N L" panose="020B0200000000000000" pitchFamily="34" charset="-128"/>
+                <a:ea typeface="Kozuka Gothic Pr6N L" panose="020B0200000000000000" pitchFamily="34" charset="-128"/>
+                <a:cs typeface="Arial" panose="020B0604020202020204" pitchFamily="34" charset="0"/>
+              </a:rPr>
+              <a:t>Hangout</a:t>
+            </a:r>
+            <a:r>
+              <a:rPr lang="pt-BR" b="1" dirty="0">
+                <a:solidFill>
+                  <a:schemeClr val="bg1"/>
+                </a:solidFill>
+                <a:latin typeface="Kozuka Gothic Pr6N L" panose="020B0200000000000000" pitchFamily="34" charset="-128"/>
+                <a:ea typeface="Kozuka Gothic Pr6N L" panose="020B0200000000000000" pitchFamily="34" charset="-128"/>
+                <a:cs typeface="Arial" panose="020B0604020202020204" pitchFamily="34" charset="0"/>
+              </a:rPr>
+              <a:t> – 16 de </a:t>
+            </a:r>
+            <a:r>
+              <a:rPr lang="pt-BR" b="1" dirty="0" err="1">
+                <a:solidFill>
+                  <a:schemeClr val="bg1"/>
+                </a:solidFill>
+                <a:latin typeface="Kozuka Gothic Pr6N L" panose="020B0200000000000000" pitchFamily="34" charset="-128"/>
+                <a:ea typeface="Kozuka Gothic Pr6N L" panose="020B0200000000000000" pitchFamily="34" charset="-128"/>
+                <a:cs typeface="Arial" panose="020B0604020202020204" pitchFamily="34" charset="0"/>
+              </a:rPr>
+              <a:t>fev</a:t>
+            </a:r>
+            <a:r>
+              <a:rPr lang="pt-BR" b="1" dirty="0">
+                <a:solidFill>
+                  <a:schemeClr val="bg1"/>
+                </a:solidFill>
+                <a:latin typeface="Kozuka Gothic Pr6N L" panose="020B0200000000000000" pitchFamily="34" charset="-128"/>
+                <a:ea typeface="Kozuka Gothic Pr6N L" panose="020B0200000000000000" pitchFamily="34" charset="-128"/>
+                <a:cs typeface="Arial" panose="020B0604020202020204" pitchFamily="34" charset="0"/>
+              </a:rPr>
+              <a:t> de 2016</a:t>
+            </a:r>
+          </a:p>
+        </p:txBody>
+      </p:sp>
+      <p:sp>
+        <p:nvSpPr>
+          <p:cNvPr id="10" name="CaixaDeTexto 9"/>
+          <p:cNvSpPr txBox="1"/>
+          <p:nvPr/>
+        </p:nvSpPr>
+        <p:spPr>
+          <a:xfrm>
+            <a:off x="772510" y="1340063"/>
+            <a:ext cx="2363596" cy="523220"/>
+          </a:xfrm>
+          <a:prstGeom prst="rect">
+            <a:avLst/>
+          </a:prstGeom>
+          <a:noFill/>
+        </p:spPr>
+        <p:txBody>
+          <a:bodyPr wrap="none" rtlCol="0">
+            <a:spAutoFit/>
+          </a:bodyPr>
+          <a:lstStyle/>
+          <a:p>
+            <a:r>
+              <a:rPr lang="pt-BR" sz="2800" b="1" dirty="0" smtClean="0"/>
+              <a:t>Lista de Emails</a:t>
+            </a:r>
+            <a:endParaRPr lang="pt-BR" sz="2800" b="1" dirty="0"/>
+          </a:p>
+        </p:txBody>
+      </p:sp>
+      <p:sp>
+        <p:nvSpPr>
+          <p:cNvPr id="12" name="Retângulo 11"/>
+          <p:cNvSpPr/>
+          <p:nvPr/>
+        </p:nvSpPr>
+        <p:spPr>
+          <a:xfrm>
+            <a:off x="840823" y="1860354"/>
+            <a:ext cx="7467600" cy="369332"/>
+          </a:xfrm>
+          <a:prstGeom prst="rect">
+            <a:avLst/>
+          </a:prstGeom>
+        </p:spPr>
+        <p:txBody>
+          <a:bodyPr wrap="square">
+            <a:spAutoFit/>
+          </a:bodyPr>
+          <a:lstStyle/>
+          <a:p>
+            <a:r>
+              <a:rPr lang="en-US" dirty="0" smtClean="0"/>
+              <a:t>https://groups.google.com/forum/#!forum/aceleradoradepessoas</a:t>
+            </a:r>
+            <a:endParaRPr lang="en-US" dirty="0"/>
+          </a:p>
+        </p:txBody>
+      </p:sp>
+      <p:sp>
+        <p:nvSpPr>
+          <p:cNvPr id="7" name="CaixaDeTexto 6"/>
+          <p:cNvSpPr txBox="1"/>
+          <p:nvPr/>
+        </p:nvSpPr>
+        <p:spPr>
+          <a:xfrm>
+            <a:off x="2128387" y="2680132"/>
+            <a:ext cx="3138231" cy="523220"/>
+          </a:xfrm>
+          <a:prstGeom prst="rect">
+            <a:avLst/>
+          </a:prstGeom>
+          <a:noFill/>
+        </p:spPr>
+        <p:txBody>
+          <a:bodyPr wrap="none" rtlCol="0">
+            <a:spAutoFit/>
+          </a:bodyPr>
+          <a:lstStyle/>
+          <a:p>
+            <a:r>
+              <a:rPr lang="pt-BR" sz="2800" b="1" dirty="0" smtClean="0"/>
+              <a:t>Página do </a:t>
+            </a:r>
+            <a:r>
+              <a:rPr lang="pt-BR" sz="2800" b="1" dirty="0" err="1" smtClean="0"/>
+              <a:t>Facebook</a:t>
+            </a:r>
+            <a:endParaRPr lang="pt-BR" sz="2800" b="1" dirty="0"/>
+          </a:p>
+        </p:txBody>
+      </p:sp>
+      <p:sp>
+        <p:nvSpPr>
+          <p:cNvPr id="8" name="Retângulo 7"/>
+          <p:cNvSpPr/>
+          <p:nvPr/>
+        </p:nvSpPr>
+        <p:spPr>
+          <a:xfrm>
+            <a:off x="2196700" y="3200423"/>
+            <a:ext cx="7467600" cy="369332"/>
+          </a:xfrm>
+          <a:prstGeom prst="rect">
+            <a:avLst/>
+          </a:prstGeom>
+        </p:spPr>
+        <p:txBody>
+          <a:bodyPr wrap="square">
+            <a:spAutoFit/>
+          </a:bodyPr>
+          <a:lstStyle/>
+          <a:p>
+            <a:r>
+              <a:rPr lang="en-US" dirty="0" smtClean="0"/>
+              <a:t>https://www.facebook.com/AceleradoraDePessoas/</a:t>
+            </a:r>
+            <a:endParaRPr lang="en-US" dirty="0"/>
+          </a:p>
+        </p:txBody>
+      </p:sp>
+      <p:sp>
+        <p:nvSpPr>
+          <p:cNvPr id="9" name="CaixaDeTexto 8"/>
+          <p:cNvSpPr txBox="1"/>
+          <p:nvPr/>
+        </p:nvSpPr>
+        <p:spPr>
+          <a:xfrm>
+            <a:off x="4130667" y="4114790"/>
+            <a:ext cx="2350643" cy="523220"/>
+          </a:xfrm>
+          <a:prstGeom prst="rect">
+            <a:avLst/>
+          </a:prstGeom>
+          <a:noFill/>
+        </p:spPr>
+        <p:txBody>
+          <a:bodyPr wrap="none" rtlCol="0">
+            <a:spAutoFit/>
+          </a:bodyPr>
+          <a:lstStyle/>
+          <a:p>
+            <a:r>
+              <a:rPr lang="pt-BR" sz="2800" b="1" dirty="0" smtClean="0"/>
+              <a:t>Site e Doações</a:t>
+            </a:r>
+            <a:endParaRPr lang="pt-BR" sz="2800" b="1" dirty="0"/>
+          </a:p>
+        </p:txBody>
+      </p:sp>
+      <p:sp>
+        <p:nvSpPr>
+          <p:cNvPr id="13" name="Retângulo 12"/>
+          <p:cNvSpPr/>
+          <p:nvPr/>
+        </p:nvSpPr>
+        <p:spPr>
+          <a:xfrm>
+            <a:off x="4198980" y="4761209"/>
+            <a:ext cx="7467600" cy="369332"/>
+          </a:xfrm>
+          <a:prstGeom prst="rect">
+            <a:avLst/>
+          </a:prstGeom>
+        </p:spPr>
+        <p:txBody>
+          <a:bodyPr wrap="square">
+            <a:spAutoFit/>
+          </a:bodyPr>
+          <a:lstStyle/>
+          <a:p>
+            <a:r>
+              <a:rPr lang="en-US" dirty="0" smtClean="0"/>
+              <a:t>http://www.aceleradoradepessoas.com.br</a:t>
+            </a:r>
+            <a:endParaRPr lang="en-US" dirty="0"/>
+          </a:p>
+        </p:txBody>
+      </p:sp>
+      <p:sp>
+        <p:nvSpPr>
+          <p:cNvPr id="14" name="CaixaDeTexto 13"/>
+          <p:cNvSpPr txBox="1"/>
+          <p:nvPr/>
+        </p:nvSpPr>
+        <p:spPr>
+          <a:xfrm>
+            <a:off x="5707266" y="5454862"/>
+            <a:ext cx="1204176" cy="523220"/>
+          </a:xfrm>
+          <a:prstGeom prst="rect">
+            <a:avLst/>
+          </a:prstGeom>
+          <a:noFill/>
+        </p:spPr>
+        <p:txBody>
+          <a:bodyPr wrap="none" rtlCol="0">
+            <a:spAutoFit/>
+          </a:bodyPr>
+          <a:lstStyle/>
+          <a:p>
+            <a:r>
+              <a:rPr lang="pt-BR" sz="2800" b="1" dirty="0" err="1" smtClean="0"/>
+              <a:t>Github</a:t>
+            </a:r>
+            <a:endParaRPr lang="pt-BR" sz="2800" b="1" dirty="0"/>
+          </a:p>
+        </p:txBody>
+      </p:sp>
+      <p:sp>
+        <p:nvSpPr>
+          <p:cNvPr id="15" name="Retângulo 14"/>
+          <p:cNvSpPr/>
+          <p:nvPr/>
+        </p:nvSpPr>
+        <p:spPr>
+          <a:xfrm>
+            <a:off x="5775579" y="5975153"/>
+            <a:ext cx="4818997" cy="369332"/>
+          </a:xfrm>
+          <a:prstGeom prst="rect">
+            <a:avLst/>
+          </a:prstGeom>
+        </p:spPr>
+        <p:txBody>
+          <a:bodyPr wrap="square">
+            <a:spAutoFit/>
+          </a:bodyPr>
+          <a:lstStyle/>
+          <a:p>
+            <a:r>
+              <a:rPr lang="en-US" dirty="0" smtClean="0"/>
+              <a:t>https://github.com/AceleradoraDePessoas</a:t>
+            </a:r>
+            <a:endParaRPr lang="en-US" dirty="0"/>
+          </a:p>
+        </p:txBody>
+      </p:sp>
+    </p:spTree>
+    <p:extLst>
+      <p:ext uri="{BB962C8B-B14F-4D97-AF65-F5344CB8AC3E}">
+        <p14:creationId xmlns:p14="http://schemas.microsoft.com/office/powerpoint/2010/main" xmlns="" val="557769383"/>
+      </p:ext>
+    </p:extLst>
+  </p:cSld>
+  <p:clrMapOvr>
+    <a:masterClrMapping/>
+  </p:clrMapOvr>
+  <p:timing>
+    <p:tnLst>
+      <p:par>
+        <p:cTn id="1" dur="indefinite" restart="never" nodeType="tmRoot"/>
+      </p:par>
+    </p:tnLst>
+  </p:timing>
 </p:sld>
 </file>
 
@@ -13465,13 +16769,296 @@
   </a:extraClrSchemeLst>
   <a:extLst>
     <a:ext uri="{05A4C25C-085E-4340-85A3-A5531E510DB2}">
-      <thm15:themeFamily xmlns:thm15="http://schemas.microsoft.com/office/thememl/2012/main" name="Office Theme" id="{62F939B6-93AF-4DB8-9C6B-D6C7DFDC589F}" vid="{4A3C46E8-61CC-4603-A589-7422A47A8E4A}"/>
+      <thm15:themeFamily xmlns:thm15="http://schemas.microsoft.com/office/thememl/2012/main" xmlns="" name="Office Theme" id="{62F939B6-93AF-4DB8-9C6B-D6C7DFDC589F}" vid="{4A3C46E8-61CC-4603-A589-7422A47A8E4A}"/>
     </a:ext>
   </a:extLst>
 </a:theme>
 </file>
 
 <file path=ppt/theme/theme2.xml><?xml version="1.0" encoding="utf-8"?>
+<a:theme xmlns:a="http://schemas.openxmlformats.org/drawingml/2006/main" name="Personalizar design">
+  <a:themeElements>
+    <a:clrScheme name="Escritório">
+      <a:dk1>
+        <a:sysClr val="windowText" lastClr="000000"/>
+      </a:dk1>
+      <a:lt1>
+        <a:sysClr val="window" lastClr="FFFFFF"/>
+      </a:lt1>
+      <a:dk2>
+        <a:srgbClr val="1F497D"/>
+      </a:dk2>
+      <a:lt2>
+        <a:srgbClr val="EEECE1"/>
+      </a:lt2>
+      <a:accent1>
+        <a:srgbClr val="4F81BD"/>
+      </a:accent1>
+      <a:accent2>
+        <a:srgbClr val="C0504D"/>
+      </a:accent2>
+      <a:accent3>
+        <a:srgbClr val="9BBB59"/>
+      </a:accent3>
+      <a:accent4>
+        <a:srgbClr val="8064A2"/>
+      </a:accent4>
+      <a:accent5>
+        <a:srgbClr val="4BACC6"/>
+      </a:accent5>
+      <a:accent6>
+        <a:srgbClr val="F79646"/>
+      </a:accent6>
+      <a:hlink>
+        <a:srgbClr val="0000FF"/>
+      </a:hlink>
+      <a:folHlink>
+        <a:srgbClr val="800080"/>
+      </a:folHlink>
+    </a:clrScheme>
+    <a:fontScheme name="Escritório">
+      <a:majorFont>
+        <a:latin typeface="Calibri"/>
+        <a:ea typeface=""/>
+        <a:cs typeface=""/>
+        <a:font script="Jpan" typeface="ＭＳ Ｐゴシック"/>
+        <a:font script="Hang" typeface="맑은 고딕"/>
+        <a:font script="Hans" typeface="宋体"/>
+        <a:font script="Hant" typeface="新細明體"/>
+        <a:font script="Arab" typeface="Times New Roman"/>
+        <a:font script="Hebr" typeface="Times New Roman"/>
+        <a:font script="Thai" typeface="Angsana New"/>
+        <a:font script="Ethi" typeface="Nyala"/>
+        <a:font script="Beng" typeface="Vrinda"/>
+        <a:font script="Gujr" typeface="Shruti"/>
+        <a:font script="Khmr" typeface="MoolBoran"/>
+        <a:font script="Knda" typeface="Tunga"/>
+        <a:font script="Guru" typeface="Raavi"/>
+        <a:font script="Cans" typeface="Euphemia"/>
+        <a:font script="Cher" typeface="Plantagenet Cherokee"/>
+        <a:font script="Yiii" typeface="Microsoft Yi Baiti"/>
+        <a:font script="Tibt" typeface="Microsoft Himalaya"/>
+        <a:font script="Thaa" typeface="MV Boli"/>
+        <a:font script="Deva" typeface="Mangal"/>
+        <a:font script="Telu" typeface="Gautami"/>
+        <a:font script="Taml" typeface="Latha"/>
+        <a:font script="Syrc" typeface="Estrangelo Edessa"/>
+        <a:font script="Orya" typeface="Kalinga"/>
+        <a:font script="Mlym" typeface="Kartika"/>
+        <a:font script="Laoo" typeface="DokChampa"/>
+        <a:font script="Sinh" typeface="Iskoola Pota"/>
+        <a:font script="Mong" typeface="Mongolian Baiti"/>
+        <a:font script="Viet" typeface="Times New Roman"/>
+        <a:font script="Uigh" typeface="Microsoft Uighur"/>
+      </a:majorFont>
+      <a:minorFont>
+        <a:latin typeface="Calibri"/>
+        <a:ea typeface=""/>
+        <a:cs typeface=""/>
+        <a:font script="Jpan" typeface="ＭＳ Ｐゴシック"/>
+        <a:font script="Hang" typeface="맑은 고딕"/>
+        <a:font script="Hans" typeface="宋体"/>
+        <a:font script="Hant" typeface="新細明體"/>
+        <a:font script="Arab" typeface="Arial"/>
+        <a:font script="Hebr" typeface="Arial"/>
+        <a:font script="Thai" typeface="Cordia New"/>
+        <a:font script="Ethi" typeface="Nyala"/>
+        <a:font script="Beng" typeface="Vrinda"/>
+        <a:font script="Gujr" typeface="Shruti"/>
+        <a:font script="Khmr" typeface="DaunPenh"/>
+        <a:font script="Knda" typeface="Tunga"/>
+        <a:font script="Guru" typeface="Raavi"/>
+        <a:font script="Cans" typeface="Euphemia"/>
+        <a:font script="Cher" typeface="Plantagenet Cherokee"/>
+        <a:font script="Yiii" typeface="Microsoft Yi Baiti"/>
+        <a:font script="Tibt" typeface="Microsoft Himalaya"/>
+        <a:font script="Thaa" typeface="MV Boli"/>
+        <a:font script="Deva" typeface="Mangal"/>
+        <a:font script="Telu" typeface="Gautami"/>
+        <a:font script="Taml" typeface="Latha"/>
+        <a:font script="Syrc" typeface="Estrangelo Edessa"/>
+        <a:font script="Orya" typeface="Kalinga"/>
+        <a:font script="Mlym" typeface="Kartika"/>
+        <a:font script="Laoo" typeface="DokChampa"/>
+        <a:font script="Sinh" typeface="Iskoola Pota"/>
+        <a:font script="Mong" typeface="Mongolian Baiti"/>
+        <a:font script="Viet" typeface="Arial"/>
+        <a:font script="Uigh" typeface="Microsoft Uighur"/>
+      </a:minorFont>
+    </a:fontScheme>
+    <a:fmtScheme name="Escritório">
+      <a:fillStyleLst>
+        <a:solidFill>
+          <a:schemeClr val="phClr"/>
+        </a:solidFill>
+        <a:gradFill rotWithShape="1">
+          <a:gsLst>
+            <a:gs pos="0">
+              <a:schemeClr val="phClr">
+                <a:tint val="50000"/>
+                <a:satMod val="300000"/>
+              </a:schemeClr>
+            </a:gs>
+            <a:gs pos="35000">
+              <a:schemeClr val="phClr">
+                <a:tint val="37000"/>
+                <a:satMod val="300000"/>
+              </a:schemeClr>
+            </a:gs>
+            <a:gs pos="100000">
+              <a:schemeClr val="phClr">
+                <a:tint val="15000"/>
+                <a:satMod val="350000"/>
+              </a:schemeClr>
+            </a:gs>
+          </a:gsLst>
+          <a:lin ang="16200000" scaled="1"/>
+        </a:gradFill>
+        <a:gradFill rotWithShape="1">
+          <a:gsLst>
+            <a:gs pos="0">
+              <a:schemeClr val="phClr">
+                <a:shade val="51000"/>
+                <a:satMod val="130000"/>
+              </a:schemeClr>
+            </a:gs>
+            <a:gs pos="80000">
+              <a:schemeClr val="phClr">
+                <a:shade val="93000"/>
+                <a:satMod val="130000"/>
+              </a:schemeClr>
+            </a:gs>
+            <a:gs pos="100000">
+              <a:schemeClr val="phClr">
+                <a:shade val="94000"/>
+                <a:satMod val="135000"/>
+              </a:schemeClr>
+            </a:gs>
+          </a:gsLst>
+          <a:lin ang="16200000" scaled="0"/>
+        </a:gradFill>
+      </a:fillStyleLst>
+      <a:lnStyleLst>
+        <a:ln w="9525" cap="flat" cmpd="sng" algn="ctr">
+          <a:solidFill>
+            <a:schemeClr val="phClr">
+              <a:shade val="95000"/>
+              <a:satMod val="105000"/>
+            </a:schemeClr>
+          </a:solidFill>
+          <a:prstDash val="solid"/>
+        </a:ln>
+        <a:ln w="25400" cap="flat" cmpd="sng" algn="ctr">
+          <a:solidFill>
+            <a:schemeClr val="phClr"/>
+          </a:solidFill>
+          <a:prstDash val="solid"/>
+        </a:ln>
+        <a:ln w="38100" cap="flat" cmpd="sng" algn="ctr">
+          <a:solidFill>
+            <a:schemeClr val="phClr"/>
+          </a:solidFill>
+          <a:prstDash val="solid"/>
+        </a:ln>
+      </a:lnStyleLst>
+      <a:effectStyleLst>
+        <a:effectStyle>
+          <a:effectLst>
+            <a:outerShdw blurRad="40000" dist="20000" dir="5400000" rotWithShape="0">
+              <a:srgbClr val="000000">
+                <a:alpha val="38000"/>
+              </a:srgbClr>
+            </a:outerShdw>
+          </a:effectLst>
+        </a:effectStyle>
+        <a:effectStyle>
+          <a:effectLst>
+            <a:outerShdw blurRad="40000" dist="23000" dir="5400000" rotWithShape="0">
+              <a:srgbClr val="000000">
+                <a:alpha val="35000"/>
+              </a:srgbClr>
+            </a:outerShdw>
+          </a:effectLst>
+        </a:effectStyle>
+        <a:effectStyle>
+          <a:effectLst>
+            <a:outerShdw blurRad="40000" dist="23000" dir="5400000" rotWithShape="0">
+              <a:srgbClr val="000000">
+                <a:alpha val="35000"/>
+              </a:srgbClr>
+            </a:outerShdw>
+          </a:effectLst>
+          <a:scene3d>
+            <a:camera prst="orthographicFront">
+              <a:rot lat="0" lon="0" rev="0"/>
+            </a:camera>
+            <a:lightRig rig="threePt" dir="t">
+              <a:rot lat="0" lon="0" rev="1200000"/>
+            </a:lightRig>
+          </a:scene3d>
+          <a:sp3d>
+            <a:bevelT w="63500" h="25400"/>
+          </a:sp3d>
+        </a:effectStyle>
+      </a:effectStyleLst>
+      <a:bgFillStyleLst>
+        <a:solidFill>
+          <a:schemeClr val="phClr"/>
+        </a:solidFill>
+        <a:gradFill rotWithShape="1">
+          <a:gsLst>
+            <a:gs pos="0">
+              <a:schemeClr val="phClr">
+                <a:tint val="40000"/>
+                <a:satMod val="350000"/>
+              </a:schemeClr>
+            </a:gs>
+            <a:gs pos="40000">
+              <a:schemeClr val="phClr">
+                <a:tint val="45000"/>
+                <a:shade val="99000"/>
+                <a:satMod val="350000"/>
+              </a:schemeClr>
+            </a:gs>
+            <a:gs pos="100000">
+              <a:schemeClr val="phClr">
+                <a:shade val="20000"/>
+                <a:satMod val="255000"/>
+              </a:schemeClr>
+            </a:gs>
+          </a:gsLst>
+          <a:path path="circle">
+            <a:fillToRect l="50000" t="-80000" r="50000" b="180000"/>
+          </a:path>
+        </a:gradFill>
+        <a:gradFill rotWithShape="1">
+          <a:gsLst>
+            <a:gs pos="0">
+              <a:schemeClr val="phClr">
+                <a:tint val="80000"/>
+                <a:satMod val="300000"/>
+              </a:schemeClr>
+            </a:gs>
+            <a:gs pos="100000">
+              <a:schemeClr val="phClr">
+                <a:shade val="30000"/>
+                <a:satMod val="200000"/>
+              </a:schemeClr>
+            </a:gs>
+          </a:gsLst>
+          <a:path path="circle">
+            <a:fillToRect l="50000" t="50000" r="50000" b="50000"/>
+          </a:path>
+        </a:gradFill>
+      </a:bgFillStyleLst>
+    </a:fmtScheme>
+  </a:themeElements>
+  <a:objectDefaults/>
+  <a:extraClrSchemeLst/>
+</a:theme>
+</file>
+
+<file path=ppt/theme/theme3.xml><?xml version="1.0" encoding="utf-8"?>
 <a:theme xmlns:a="http://schemas.openxmlformats.org/drawingml/2006/main" name="Tema do Office">
   <a:themeElements>
     <a:clrScheme name="Office">
@@ -13514,7 +17101,7 @@
     </a:clrScheme>
     <a:fontScheme name="Office">
       <a:majorFont>
-        <a:latin typeface="Calibri Light" panose="020F0302020204030204"/>
+        <a:latin typeface="Calibri Light"/>
         <a:ea typeface=""/>
         <a:cs typeface=""/>
         <a:font script="Jpan" typeface="游ゴシック Light"/>
@@ -13549,7 +17136,7 @@
         <a:font script="Geor" typeface="Sylfaen"/>
       </a:majorFont>
       <a:minorFont>
-        <a:latin typeface="Calibri" panose="020F0502020204030204"/>
+        <a:latin typeface="Calibri"/>
         <a:ea typeface=""/>
         <a:cs typeface=""/>
         <a:font script="Jpan" typeface="游ゴシック"/>
@@ -13726,7 +17313,7 @@
   <a:extraClrSchemeLst/>
   <a:extLst>
     <a:ext uri="{05A4C25C-085E-4340-85A3-A5531E510DB2}">
-      <thm15:themeFamily xmlns:thm15="http://schemas.microsoft.com/office/thememl/2012/main" name="Office Theme" id="{62F939B6-93AF-4DB8-9C6B-D6C7DFDC589F}" vid="{4A3C46E8-61CC-4603-A589-7422A47A8E4A}"/>
+      <thm15:themeFamily xmlns:thm15="http://schemas.microsoft.com/office/thememl/2012/main" xmlns="" name="Office Theme" id="{62F939B6-93AF-4DB8-9C6B-D6C7DFDC589F}" vid="{4A3C46E8-61CC-4603-A589-7422A47A8E4A}"/>
     </a:ext>
   </a:extLst>
 </a:theme>

--- a/Institucional.pptx
+++ b/Institucional.pptx
@@ -118,7 +118,7 @@
   </p:defaultTextStyle>
   <p:extLst>
     <p:ext uri="{EFAFB233-063F-42B5-8137-9DF3F51BA10A}">
-      <p15:sldGuideLst xmlns:p15="http://schemas.microsoft.com/office/powerpoint/2012/main" xmlns=""/>
+      <p15:sldGuideLst xmlns="" xmlns:p15="http://schemas.microsoft.com/office/powerpoint/2012/main"/>
     </p:ext>
   </p:extLst>
 </p:presentation>
@@ -1264,17 +1264,17 @@
     </dgm:pt>
   </dgm:ptLst>
   <dgm:cxnLst>
+    <dgm:cxn modelId="{50F2AFC6-618A-4B16-B9A6-9AF08BD4F681}" type="presOf" srcId="{C2B21BD2-1CC6-4851-9755-31A6335F2D27}" destId="{F9729B91-535E-45C1-A48C-DA70FD3E3A1A}" srcOrd="0" destOrd="0" presId="urn:microsoft.com/office/officeart/2005/8/layout/hProcess9"/>
+    <dgm:cxn modelId="{59D0191B-05C3-47F6-BC18-092DF82AEA4E}" srcId="{33AD95BC-04AC-4C9D-A1BF-A848AF08870A}" destId="{6213ABF1-921A-402D-8E47-346581013F04}" srcOrd="4" destOrd="0" parTransId="{1CEA60A9-A592-4FAE-986F-A88F4FA67C27}" sibTransId="{DD08AFCC-BB1D-4E54-845F-ADFDA23795DF}"/>
+    <dgm:cxn modelId="{17F27C24-3F3B-4B7B-81BF-4E496A852E10}" type="presOf" srcId="{78862ABC-67F6-469F-9312-BE89DA2868F8}" destId="{8D38DCC3-0AC0-4910-8A46-CDDAB05465F4}" srcOrd="0" destOrd="0" presId="urn:microsoft.com/office/officeart/2005/8/layout/hProcess9"/>
+    <dgm:cxn modelId="{7268FF49-3026-47CA-B7DE-E07C53A8C9EE}" type="presOf" srcId="{DC563ACC-F8B8-4D9B-9536-4F48B1BC5C22}" destId="{9194ED45-4CDD-45D8-B521-B70CF5A2D7F8}" srcOrd="0" destOrd="0" presId="urn:microsoft.com/office/officeart/2005/8/layout/hProcess9"/>
+    <dgm:cxn modelId="{B97E8DC4-0BCE-45C7-90B6-243F56729C83}" type="presOf" srcId="{7A23EF24-F0A3-4A4A-B8A9-3AD68A0CA865}" destId="{0182BEBC-9981-49C0-B9ED-1F11543CFB0B}" srcOrd="0" destOrd="0" presId="urn:microsoft.com/office/officeart/2005/8/layout/hProcess9"/>
+    <dgm:cxn modelId="{9FE18D44-2A1B-4DB8-85B3-79E4C5D3F6EC}" type="presOf" srcId="{6213ABF1-921A-402D-8E47-346581013F04}" destId="{C0205760-BE29-40C1-87A9-6551C62F8F16}" srcOrd="0" destOrd="0" presId="urn:microsoft.com/office/officeart/2005/8/layout/hProcess9"/>
+    <dgm:cxn modelId="{0B645BC5-08F5-4BAA-93B0-0A9D63C6BD6A}" srcId="{33AD95BC-04AC-4C9D-A1BF-A848AF08870A}" destId="{78862ABC-67F6-469F-9312-BE89DA2868F8}" srcOrd="2" destOrd="0" parTransId="{F5CA9C11-610C-44A1-B699-51A92DBFF798}" sibTransId="{A5DFDB98-4387-4A0B-9F4B-DD13CA451585}"/>
+    <dgm:cxn modelId="{55F66B98-8739-4CC1-B2DA-D99D20B5A64F}" type="presOf" srcId="{33AD95BC-04AC-4C9D-A1BF-A848AF08870A}" destId="{88B13068-8133-499A-9B2E-1E0D62310F7F}" srcOrd="0" destOrd="0" presId="urn:microsoft.com/office/officeart/2005/8/layout/hProcess9"/>
+    <dgm:cxn modelId="{7BD634B1-D322-4132-93AD-7E67A5FBFC7E}" srcId="{33AD95BC-04AC-4C9D-A1BF-A848AF08870A}" destId="{DC563ACC-F8B8-4D9B-9536-4F48B1BC5C22}" srcOrd="3" destOrd="0" parTransId="{3630FC5E-999A-4BE9-991B-3DF8F3731355}" sibTransId="{8E340BB7-23E6-4016-898F-F739ABAC7F8F}"/>
     <dgm:cxn modelId="{BF169006-73E3-4560-A216-336D9B9CAEE8}" srcId="{33AD95BC-04AC-4C9D-A1BF-A848AF08870A}" destId="{7A23EF24-F0A3-4A4A-B8A9-3AD68A0CA865}" srcOrd="0" destOrd="0" parTransId="{8F50654C-02A0-4871-B110-0A0C3A8A8C58}" sibTransId="{99B6C9D7-B220-4DFB-91F3-A8A123786F9C}"/>
     <dgm:cxn modelId="{853805CC-BB75-481B-99B5-D2FFD0775AFB}" srcId="{33AD95BC-04AC-4C9D-A1BF-A848AF08870A}" destId="{C2B21BD2-1CC6-4851-9755-31A6335F2D27}" srcOrd="1" destOrd="0" parTransId="{AB6BC6D7-C02A-40C7-9F89-1408AFEC63CF}" sibTransId="{1B833879-9C97-42A3-A06F-43A3D1BE2C96}"/>
-    <dgm:cxn modelId="{59D0191B-05C3-47F6-BC18-092DF82AEA4E}" srcId="{33AD95BC-04AC-4C9D-A1BF-A848AF08870A}" destId="{6213ABF1-921A-402D-8E47-346581013F04}" srcOrd="4" destOrd="0" parTransId="{1CEA60A9-A592-4FAE-986F-A88F4FA67C27}" sibTransId="{DD08AFCC-BB1D-4E54-845F-ADFDA23795DF}"/>
-    <dgm:cxn modelId="{17F27C24-3F3B-4B7B-81BF-4E496A852E10}" type="presOf" srcId="{78862ABC-67F6-469F-9312-BE89DA2868F8}" destId="{8D38DCC3-0AC0-4910-8A46-CDDAB05465F4}" srcOrd="0" destOrd="0" presId="urn:microsoft.com/office/officeart/2005/8/layout/hProcess9"/>
-    <dgm:cxn modelId="{7BD634B1-D322-4132-93AD-7E67A5FBFC7E}" srcId="{33AD95BC-04AC-4C9D-A1BF-A848AF08870A}" destId="{DC563ACC-F8B8-4D9B-9536-4F48B1BC5C22}" srcOrd="3" destOrd="0" parTransId="{3630FC5E-999A-4BE9-991B-3DF8F3731355}" sibTransId="{8E340BB7-23E6-4016-898F-F739ABAC7F8F}"/>
-    <dgm:cxn modelId="{50F2AFC6-618A-4B16-B9A6-9AF08BD4F681}" type="presOf" srcId="{C2B21BD2-1CC6-4851-9755-31A6335F2D27}" destId="{F9729B91-535E-45C1-A48C-DA70FD3E3A1A}" srcOrd="0" destOrd="0" presId="urn:microsoft.com/office/officeart/2005/8/layout/hProcess9"/>
-    <dgm:cxn modelId="{55F66B98-8739-4CC1-B2DA-D99D20B5A64F}" type="presOf" srcId="{33AD95BC-04AC-4C9D-A1BF-A848AF08870A}" destId="{88B13068-8133-499A-9B2E-1E0D62310F7F}" srcOrd="0" destOrd="0" presId="urn:microsoft.com/office/officeart/2005/8/layout/hProcess9"/>
-    <dgm:cxn modelId="{B97E8DC4-0BCE-45C7-90B6-243F56729C83}" type="presOf" srcId="{7A23EF24-F0A3-4A4A-B8A9-3AD68A0CA865}" destId="{0182BEBC-9981-49C0-B9ED-1F11543CFB0B}" srcOrd="0" destOrd="0" presId="urn:microsoft.com/office/officeart/2005/8/layout/hProcess9"/>
-    <dgm:cxn modelId="{9FE18D44-2A1B-4DB8-85B3-79E4C5D3F6EC}" type="presOf" srcId="{6213ABF1-921A-402D-8E47-346581013F04}" destId="{C0205760-BE29-40C1-87A9-6551C62F8F16}" srcOrd="0" destOrd="0" presId="urn:microsoft.com/office/officeart/2005/8/layout/hProcess9"/>
-    <dgm:cxn modelId="{7268FF49-3026-47CA-B7DE-E07C53A8C9EE}" type="presOf" srcId="{DC563ACC-F8B8-4D9B-9536-4F48B1BC5C22}" destId="{9194ED45-4CDD-45D8-B521-B70CF5A2D7F8}" srcOrd="0" destOrd="0" presId="urn:microsoft.com/office/officeart/2005/8/layout/hProcess9"/>
-    <dgm:cxn modelId="{0B645BC5-08F5-4BAA-93B0-0A9D63C6BD6A}" srcId="{33AD95BC-04AC-4C9D-A1BF-A848AF08870A}" destId="{78862ABC-67F6-469F-9312-BE89DA2868F8}" srcOrd="2" destOrd="0" parTransId="{F5CA9C11-610C-44A1-B699-51A92DBFF798}" sibTransId="{A5DFDB98-4387-4A0B-9F4B-DD13CA451585}"/>
     <dgm:cxn modelId="{0AE35DE3-A9D5-44F2-84A8-99B7C36AAE98}" type="presParOf" srcId="{88B13068-8133-499A-9B2E-1E0D62310F7F}" destId="{42D84297-EE45-43CA-8F57-B335DE2EA067}" srcOrd="0" destOrd="0" presId="urn:microsoft.com/office/officeart/2005/8/layout/hProcess9"/>
     <dgm:cxn modelId="{FEB80852-3E5B-4BBB-B31E-F2643C97E9E2}" type="presParOf" srcId="{88B13068-8133-499A-9B2E-1E0D62310F7F}" destId="{21EC0AD3-E6AA-4050-B070-799AE2D54880}" srcOrd="1" destOrd="0" presId="urn:microsoft.com/office/officeart/2005/8/layout/hProcess9"/>
     <dgm:cxn modelId="{01E91F7C-0D71-4BA3-B2DA-B92CA91B6677}" type="presParOf" srcId="{21EC0AD3-E6AA-4050-B070-799AE2D54880}" destId="{0182BEBC-9981-49C0-B9ED-1F11543CFB0B}" srcOrd="0" destOrd="0" presId="urn:microsoft.com/office/officeart/2005/8/layout/hProcess9"/>
@@ -1291,14 +1291,14 @@
   <dgm:whole/>
   <dgm:extLst>
     <a:ext uri="http://schemas.microsoft.com/office/drawing/2008/diagram">
-      <dsp:dataModelExt xmlns:dsp="http://schemas.microsoft.com/office/drawing/2008/diagram" xmlns="" relId="rId12" minVer="http://schemas.openxmlformats.org/drawingml/2006/diagram"/>
+      <dsp:dataModelExt xmlns:dsp="http://schemas.microsoft.com/office/drawing/2008/diagram" relId="rId12" minVer="http://schemas.openxmlformats.org/drawingml/2006/diagram"/>
     </a:ext>
   </dgm:extLst>
 </dgm:dataModel>
 </file>
 
 <file path=ppt/diagrams/drawing1.xml><?xml version="1.0" encoding="utf-8"?>
-<dsp:drawing xmlns:dgm="http://schemas.openxmlformats.org/drawingml/2006/diagram" xmlns:a="http://schemas.openxmlformats.org/drawingml/2006/main" xmlns:dsp="http://schemas.microsoft.com/office/drawing/2008/diagram">
+<dsp:drawing xmlns:dgm="http://schemas.openxmlformats.org/drawingml/2006/diagram" xmlns:dsp="http://schemas.microsoft.com/office/drawing/2008/diagram" xmlns:a="http://schemas.openxmlformats.org/drawingml/2006/main">
   <dsp:spTree>
     <dsp:nvGrpSpPr>
       <dsp:cNvPr id="0" name=""/>
@@ -1419,8 +1419,8 @@
         </a:p>
       </dsp:txBody>
       <dsp:txXfrm>
-        <a:off x="4292" y="1196602"/>
-        <a:ext cx="1876661" cy="1595470"/>
+        <a:off x="82176" y="1274486"/>
+        <a:ext cx="1720893" cy="1439702"/>
       </dsp:txXfrm>
     </dsp:sp>
     <dsp:sp modelId="{F9729B91-535E-45C1-A48C-DA70FD3E3A1A}">
@@ -1497,8 +1497,8 @@
         </a:p>
       </dsp:txBody>
       <dsp:txXfrm>
-        <a:off x="1974786" y="1196602"/>
-        <a:ext cx="1876661" cy="1595470"/>
+        <a:off x="2052670" y="1274486"/>
+        <a:ext cx="1720893" cy="1439702"/>
       </dsp:txXfrm>
     </dsp:sp>
     <dsp:sp modelId="{8D38DCC3-0AC0-4910-8A46-CDDAB05465F4}">
@@ -1575,8 +1575,8 @@
         </a:p>
       </dsp:txBody>
       <dsp:txXfrm>
-        <a:off x="3945280" y="1196602"/>
-        <a:ext cx="1876661" cy="1595470"/>
+        <a:off x="4023164" y="1274486"/>
+        <a:ext cx="1720893" cy="1439702"/>
       </dsp:txXfrm>
     </dsp:sp>
     <dsp:sp modelId="{9194ED45-4CDD-45D8-B521-B70CF5A2D7F8}">
@@ -1653,8 +1653,8 @@
         </a:p>
       </dsp:txBody>
       <dsp:txXfrm>
-        <a:off x="5915774" y="1196602"/>
-        <a:ext cx="1876661" cy="1595470"/>
+        <a:off x="5993658" y="1274486"/>
+        <a:ext cx="1720893" cy="1439702"/>
       </dsp:txXfrm>
     </dsp:sp>
     <dsp:sp modelId="{C0205760-BE29-40C1-87A9-6551C62F8F16}">
@@ -1731,8 +1731,8 @@
         </a:p>
       </dsp:txBody>
       <dsp:txXfrm>
-        <a:off x="7886268" y="1196602"/>
-        <a:ext cx="1876661" cy="1595470"/>
+        <a:off x="7964152" y="1274486"/>
+        <a:ext cx="1720893" cy="1439702"/>
       </dsp:txXfrm>
     </dsp:sp>
   </dsp:spTree>
@@ -3010,7 +3010,7 @@
             <a:fld id="{347C514D-1D14-408D-B465-EC37EFD988CF}" type="datetimeFigureOut">
               <a:rPr lang="pt-BR" smtClean="0"/>
               <a:pPr/>
-              <a:t>15/2/2016</a:t>
+              <a:t>16/02/16</a:t>
             </a:fld>
             <a:endParaRPr lang="pt-BR"/>
           </a:p>
@@ -3170,7 +3170,7 @@
             <a:fld id="{474DB4FF-4194-4DEE-9728-21F4EDEA0465}" type="slidenum">
               <a:rPr lang="pt-BR" smtClean="0"/>
               <a:pPr/>
-              <a:t>‹nº›</a:t>
+              <a:t>‹#›</a:t>
             </a:fld>
             <a:endParaRPr lang="pt-BR"/>
           </a:p>
@@ -3179,7 +3179,7 @@
     </p:spTree>
     <p:extLst>
       <p:ext uri="{BB962C8B-B14F-4D97-AF65-F5344CB8AC3E}">
-        <p14:creationId xmlns:p14="http://schemas.microsoft.com/office/powerpoint/2010/main" xmlns="" val="2759230732"/>
+        <p14:creationId xmlns:p14="http://schemas.microsoft.com/office/powerpoint/2010/main" val="2759230732"/>
       </p:ext>
     </p:extLst>
   </p:cSld>
@@ -3513,7 +3513,7 @@
     </p:spTree>
     <p:extLst>
       <p:ext uri="{BB962C8B-B14F-4D97-AF65-F5344CB8AC3E}">
-        <p14:creationId xmlns:p14="http://schemas.microsoft.com/office/powerpoint/2010/main" xmlns="" val="921423735"/>
+        <p14:creationId xmlns:p14="http://schemas.microsoft.com/office/powerpoint/2010/main" val="921423735"/>
       </p:ext>
     </p:extLst>
   </p:cSld>
@@ -3757,7 +3757,7 @@
     </p:spTree>
     <p:extLst>
       <p:ext uri="{BB962C8B-B14F-4D97-AF65-F5344CB8AC3E}">
-        <p14:creationId xmlns:p14="http://schemas.microsoft.com/office/powerpoint/2010/main" xmlns="" val="1324179418"/>
+        <p14:creationId xmlns:p14="http://schemas.microsoft.com/office/powerpoint/2010/main" val="1324179418"/>
       </p:ext>
     </p:extLst>
   </p:cSld>
@@ -4001,7 +4001,7 @@
     </p:spTree>
     <p:extLst>
       <p:ext uri="{BB962C8B-B14F-4D97-AF65-F5344CB8AC3E}">
-        <p14:creationId xmlns:p14="http://schemas.microsoft.com/office/powerpoint/2010/main" xmlns="" val="3886547288"/>
+        <p14:creationId xmlns:p14="http://schemas.microsoft.com/office/powerpoint/2010/main" val="3886547288"/>
       </p:ext>
     </p:extLst>
   </p:cSld>
@@ -4245,7 +4245,7 @@
     </p:spTree>
     <p:extLst>
       <p:ext uri="{BB962C8B-B14F-4D97-AF65-F5344CB8AC3E}">
-        <p14:creationId xmlns:p14="http://schemas.microsoft.com/office/powerpoint/2010/main" xmlns="" val="3985380415"/>
+        <p14:creationId xmlns:p14="http://schemas.microsoft.com/office/powerpoint/2010/main" val="3985380415"/>
       </p:ext>
     </p:extLst>
   </p:cSld>
@@ -4489,7 +4489,7 @@
     </p:spTree>
     <p:extLst>
       <p:ext uri="{BB962C8B-B14F-4D97-AF65-F5344CB8AC3E}">
-        <p14:creationId xmlns:p14="http://schemas.microsoft.com/office/powerpoint/2010/main" xmlns="" val="3161393700"/>
+        <p14:creationId xmlns:p14="http://schemas.microsoft.com/office/powerpoint/2010/main" val="3161393700"/>
       </p:ext>
     </p:extLst>
   </p:cSld>
@@ -4538,15 +4538,15 @@
           </a:ln>
           <a:effectLst/>
           <a:extLst>
-            <a:ext uri="{909E8E84-426E-40DD-AFC4-6F175D3DCCD1}">
-              <a14:hiddenFill xmlns:a14="http://schemas.microsoft.com/office/drawing/2010/main" xmlns="">
+            <a:ext uri="{909E8E84-426E-40dd-AFC4-6F175D3DCCD1}">
+              <a14:hiddenFill xmlns:a14="http://schemas.microsoft.com/office/drawing/2010/main">
                 <a:solidFill>
                   <a:schemeClr val="accent1"/>
                 </a:solidFill>
               </a14:hiddenFill>
             </a:ext>
-            <a:ext uri="{91240B29-F687-4F45-9708-019B960494DF}">
-              <a14:hiddenLine xmlns:a14="http://schemas.microsoft.com/office/drawing/2010/main" xmlns="" w="9525">
+            <a:ext uri="{91240B29-F687-4f45-9708-019B960494DF}">
+              <a14:hiddenLine xmlns:a14="http://schemas.microsoft.com/office/drawing/2010/main" w="9525">
                 <a:solidFill>
                   <a:schemeClr val="tx1"/>
                 </a:solidFill>
@@ -4555,8 +4555,8 @@
                 <a:tailEnd/>
               </a14:hiddenLine>
             </a:ext>
-            <a:ext uri="{AF507438-7753-43E0-B8FC-AC1667EBCBE1}">
-              <a14:hiddenEffects xmlns:a14="http://schemas.microsoft.com/office/drawing/2010/main" xmlns="">
+            <a:ext uri="{AF507438-7753-43e0-B8FC-AC1667EBCBE1}">
+              <a14:hiddenEffects xmlns:a14="http://schemas.microsoft.com/office/drawing/2010/main">
                 <a:effectLst>
                   <a:outerShdw dist="35921" dir="2700000" algn="ctr" rotWithShape="0">
                     <a:schemeClr val="bg2"/>
@@ -4819,7 +4819,7 @@
               <a:pPr>
                 <a:defRPr/>
               </a:pPr>
-              <a:t>‹nº›</a:t>
+              <a:t>‹#›</a:t>
             </a:fld>
             <a:endParaRPr lang="en-US" altLang="en-US"/>
           </a:p>
@@ -4828,7 +4828,7 @@
     </p:spTree>
     <p:extLst>
       <p:ext uri="{BB962C8B-B14F-4D97-AF65-F5344CB8AC3E}">
-        <p14:creationId xmlns:p14="http://schemas.microsoft.com/office/powerpoint/2010/main" xmlns="" val="3609638757"/>
+        <p14:creationId xmlns:p14="http://schemas.microsoft.com/office/powerpoint/2010/main" val="3609638757"/>
       </p:ext>
     </p:extLst>
   </p:cSld>
@@ -5015,7 +5015,7 @@
               <a:pPr>
                 <a:defRPr/>
               </a:pPr>
-              <a:t>‹nº›</a:t>
+              <a:t>‹#›</a:t>
             </a:fld>
             <a:endParaRPr lang="en-US" altLang="en-US"/>
           </a:p>
@@ -5024,7 +5024,7 @@
     </p:spTree>
     <p:extLst>
       <p:ext uri="{BB962C8B-B14F-4D97-AF65-F5344CB8AC3E}">
-        <p14:creationId xmlns:p14="http://schemas.microsoft.com/office/powerpoint/2010/main" xmlns="" val="3797568057"/>
+        <p14:creationId xmlns:p14="http://schemas.microsoft.com/office/powerpoint/2010/main" val="3797568057"/>
       </p:ext>
     </p:extLst>
   </p:cSld>
@@ -5221,7 +5221,7 @@
               <a:pPr>
                 <a:defRPr/>
               </a:pPr>
-              <a:t>‹nº›</a:t>
+              <a:t>‹#›</a:t>
             </a:fld>
             <a:endParaRPr lang="en-US" altLang="en-US"/>
           </a:p>
@@ -5230,7 +5230,7 @@
     </p:spTree>
     <p:extLst>
       <p:ext uri="{BB962C8B-B14F-4D97-AF65-F5344CB8AC3E}">
-        <p14:creationId xmlns:p14="http://schemas.microsoft.com/office/powerpoint/2010/main" xmlns="" val="4097588366"/>
+        <p14:creationId xmlns:p14="http://schemas.microsoft.com/office/powerpoint/2010/main" val="4097588366"/>
       </p:ext>
     </p:extLst>
   </p:cSld>
@@ -5395,7 +5395,7 @@
               <a:pPr>
                 <a:defRPr/>
               </a:pPr>
-              <a:t>‹nº›</a:t>
+              <a:t>‹#›</a:t>
             </a:fld>
             <a:endParaRPr lang="en-US" altLang="en-US"/>
           </a:p>
@@ -5404,7 +5404,7 @@
     </p:spTree>
     <p:extLst>
       <p:ext uri="{BB962C8B-B14F-4D97-AF65-F5344CB8AC3E}">
-        <p14:creationId xmlns:p14="http://schemas.microsoft.com/office/powerpoint/2010/main" xmlns="" val="2619340813"/>
+        <p14:creationId xmlns:p14="http://schemas.microsoft.com/office/powerpoint/2010/main" val="2619340813"/>
       </p:ext>
     </p:extLst>
   </p:cSld>
@@ -5658,7 +5658,7 @@
               <a:pPr>
                 <a:defRPr/>
               </a:pPr>
-              <a:t>‹nº›</a:t>
+              <a:t>‹#›</a:t>
             </a:fld>
             <a:endParaRPr lang="en-US" altLang="en-US"/>
           </a:p>
@@ -5667,7 +5667,7 @@
     </p:spTree>
     <p:extLst>
       <p:ext uri="{BB962C8B-B14F-4D97-AF65-F5344CB8AC3E}">
-        <p14:creationId xmlns:p14="http://schemas.microsoft.com/office/powerpoint/2010/main" xmlns="" val="1553314564"/>
+        <p14:creationId xmlns:p14="http://schemas.microsoft.com/office/powerpoint/2010/main" val="1553314564"/>
       </p:ext>
     </p:extLst>
   </p:cSld>
@@ -5872,7 +5872,7 @@
           <a:p>
             <a:fld id="{EE9AA643-A44D-4BF4-8521-FD5A4D8F2AF0}" type="datetimeFigureOut">
               <a:rPr lang="en-US" smtClean="0"/>
-              <a:t>2/15/2016</a:t>
+              <a:t>16/02/16</a:t>
             </a:fld>
             <a:endParaRPr lang="en-US"/>
           </a:p>
@@ -5930,7 +5930,7 @@
           <a:p>
             <a:fld id="{6489A335-20A0-4B33-AF47-5F38777C366C}" type="slidenum">
               <a:rPr lang="en-US" smtClean="0"/>
-              <a:t>‹nº›</a:t>
+              <a:t>‹#›</a:t>
             </a:fld>
             <a:endParaRPr lang="en-US"/>
           </a:p>
@@ -6077,7 +6077,7 @@
           <a:p>
             <a:fld id="{EE9AA643-A44D-4BF4-8521-FD5A4D8F2AF0}" type="datetimeFigureOut">
               <a:rPr lang="en-US" smtClean="0"/>
-              <a:t>2/15/2016</a:t>
+              <a:t>16/02/16</a:t>
             </a:fld>
             <a:endParaRPr lang="en-US"/>
           </a:p>
@@ -6135,7 +6135,7 @@
           <a:p>
             <a:fld id="{6489A335-20A0-4B33-AF47-5F38777C366C}" type="slidenum">
               <a:rPr lang="en-US" smtClean="0"/>
-              <a:t>‹nº›</a:t>
+              <a:t>‹#›</a:t>
             </a:fld>
             <a:endParaRPr lang="en-US"/>
           </a:p>
@@ -6348,7 +6348,7 @@
           <a:p>
             <a:fld id="{EE9AA643-A44D-4BF4-8521-FD5A4D8F2AF0}" type="datetimeFigureOut">
               <a:rPr lang="en-US" smtClean="0"/>
-              <a:t>2/15/2016</a:t>
+              <a:t>16/02/16</a:t>
             </a:fld>
             <a:endParaRPr lang="en-US"/>
           </a:p>
@@ -6406,7 +6406,7 @@
           <a:p>
             <a:fld id="{6489A335-20A0-4B33-AF47-5F38777C366C}" type="slidenum">
               <a:rPr lang="en-US" smtClean="0"/>
-              <a:t>‹nº›</a:t>
+              <a:t>‹#›</a:t>
             </a:fld>
             <a:endParaRPr lang="en-US"/>
           </a:p>
@@ -6669,7 +6669,7 @@
           <a:p>
             <a:fld id="{EE9AA643-A44D-4BF4-8521-FD5A4D8F2AF0}" type="datetimeFigureOut">
               <a:rPr lang="en-US" smtClean="0"/>
-              <a:t>2/15/2016</a:t>
+              <a:t>16/02/16</a:t>
             </a:fld>
             <a:endParaRPr lang="en-US"/>
           </a:p>
@@ -6727,7 +6727,7 @@
           <a:p>
             <a:fld id="{6489A335-20A0-4B33-AF47-5F38777C366C}" type="slidenum">
               <a:rPr lang="en-US" smtClean="0"/>
-              <a:t>‹nº›</a:t>
+              <a:t>‹#›</a:t>
             </a:fld>
             <a:endParaRPr lang="en-US"/>
           </a:p>
@@ -7130,7 +7130,7 @@
           <a:p>
             <a:fld id="{EE9AA643-A44D-4BF4-8521-FD5A4D8F2AF0}" type="datetimeFigureOut">
               <a:rPr lang="en-US" smtClean="0"/>
-              <a:t>2/15/2016</a:t>
+              <a:t>16/02/16</a:t>
             </a:fld>
             <a:endParaRPr lang="en-US"/>
           </a:p>
@@ -7188,7 +7188,7 @@
           <a:p>
             <a:fld id="{6489A335-20A0-4B33-AF47-5F38777C366C}" type="slidenum">
               <a:rPr lang="en-US" smtClean="0"/>
-              <a:t>‹nº›</a:t>
+              <a:t>‹#›</a:t>
             </a:fld>
             <a:endParaRPr lang="en-US"/>
           </a:p>
@@ -7275,7 +7275,7 @@
           <a:p>
             <a:fld id="{EE9AA643-A44D-4BF4-8521-FD5A4D8F2AF0}" type="datetimeFigureOut">
               <a:rPr lang="en-US" smtClean="0"/>
-              <a:t>2/15/2016</a:t>
+              <a:t>16/02/16</a:t>
             </a:fld>
             <a:endParaRPr lang="en-US"/>
           </a:p>
@@ -7333,7 +7333,7 @@
           <a:p>
             <a:fld id="{6489A335-20A0-4B33-AF47-5F38777C366C}" type="slidenum">
               <a:rPr lang="en-US" smtClean="0"/>
-              <a:t>‹nº›</a:t>
+              <a:t>‹#›</a:t>
             </a:fld>
             <a:endParaRPr lang="en-US"/>
           </a:p>
@@ -7524,7 +7524,7 @@
               <a:pPr>
                 <a:defRPr/>
               </a:pPr>
-              <a:t>‹nº›</a:t>
+              <a:t>‹#›</a:t>
             </a:fld>
             <a:endParaRPr lang="en-US" altLang="en-US"/>
           </a:p>
@@ -7533,7 +7533,7 @@
     </p:spTree>
     <p:extLst>
       <p:ext uri="{BB962C8B-B14F-4D97-AF65-F5344CB8AC3E}">
-        <p14:creationId xmlns:p14="http://schemas.microsoft.com/office/powerpoint/2010/main" xmlns="" val="3863314366"/>
+        <p14:creationId xmlns:p14="http://schemas.microsoft.com/office/powerpoint/2010/main" val="3863314366"/>
       </p:ext>
     </p:extLst>
   </p:cSld>
@@ -7585,7 +7585,7 @@
           <a:p>
             <a:fld id="{EE9AA643-A44D-4BF4-8521-FD5A4D8F2AF0}" type="datetimeFigureOut">
               <a:rPr lang="en-US" smtClean="0"/>
-              <a:t>2/15/2016</a:t>
+              <a:t>16/02/16</a:t>
             </a:fld>
             <a:endParaRPr lang="en-US"/>
           </a:p>
@@ -7643,7 +7643,7 @@
           <a:p>
             <a:fld id="{6489A335-20A0-4B33-AF47-5F38777C366C}" type="slidenum">
               <a:rPr lang="en-US" smtClean="0"/>
-              <a:t>‹nº›</a:t>
+              <a:t>‹#›</a:t>
             </a:fld>
             <a:endParaRPr lang="en-US"/>
           </a:p>
@@ -7890,7 +7890,7 @@
           <a:p>
             <a:fld id="{EE9AA643-A44D-4BF4-8521-FD5A4D8F2AF0}" type="datetimeFigureOut">
               <a:rPr lang="en-US" smtClean="0"/>
-              <a:t>2/15/2016</a:t>
+              <a:t>16/02/16</a:t>
             </a:fld>
             <a:endParaRPr lang="en-US"/>
           </a:p>
@@ -7948,7 +7948,7 @@
           <a:p>
             <a:fld id="{6489A335-20A0-4B33-AF47-5F38777C366C}" type="slidenum">
               <a:rPr lang="en-US" smtClean="0"/>
-              <a:t>‹nº›</a:t>
+              <a:t>‹#›</a:t>
             </a:fld>
             <a:endParaRPr lang="en-US"/>
           </a:p>
@@ -8171,7 +8171,7 @@
           <a:p>
             <a:fld id="{EE9AA643-A44D-4BF4-8521-FD5A4D8F2AF0}" type="datetimeFigureOut">
               <a:rPr lang="en-US" smtClean="0"/>
-              <a:t>2/15/2016</a:t>
+              <a:t>16/02/16</a:t>
             </a:fld>
             <a:endParaRPr lang="en-US"/>
           </a:p>
@@ -8229,7 +8229,7 @@
           <a:p>
             <a:fld id="{6489A335-20A0-4B33-AF47-5F38777C366C}" type="slidenum">
               <a:rPr lang="en-US" smtClean="0"/>
-              <a:t>‹nº›</a:t>
+              <a:t>‹#›</a:t>
             </a:fld>
             <a:endParaRPr lang="en-US"/>
           </a:p>
@@ -8376,7 +8376,7 @@
           <a:p>
             <a:fld id="{EE9AA643-A44D-4BF4-8521-FD5A4D8F2AF0}" type="datetimeFigureOut">
               <a:rPr lang="en-US" smtClean="0"/>
-              <a:t>2/15/2016</a:t>
+              <a:t>16/02/16</a:t>
             </a:fld>
             <a:endParaRPr lang="en-US"/>
           </a:p>
@@ -8434,7 +8434,7 @@
           <a:p>
             <a:fld id="{6489A335-20A0-4B33-AF47-5F38777C366C}" type="slidenum">
               <a:rPr lang="en-US" smtClean="0"/>
-              <a:t>‹nº›</a:t>
+              <a:t>‹#›</a:t>
             </a:fld>
             <a:endParaRPr lang="en-US"/>
           </a:p>
@@ -8581,7 +8581,7 @@
           <a:p>
             <a:fld id="{EE9AA643-A44D-4BF4-8521-FD5A4D8F2AF0}" type="datetimeFigureOut">
               <a:rPr lang="en-US" smtClean="0"/>
-              <a:t>2/15/2016</a:t>
+              <a:t>16/02/16</a:t>
             </a:fld>
             <a:endParaRPr lang="en-US"/>
           </a:p>
@@ -8639,7 +8639,7 @@
           <a:p>
             <a:fld id="{6489A335-20A0-4B33-AF47-5F38777C366C}" type="slidenum">
               <a:rPr lang="en-US" smtClean="0"/>
-              <a:t>‹nº›</a:t>
+              <a:t>‹#›</a:t>
             </a:fld>
             <a:endParaRPr lang="en-US"/>
           </a:p>
@@ -8852,7 +8852,7 @@
               <a:pPr>
                 <a:defRPr/>
               </a:pPr>
-              <a:t>‹nº›</a:t>
+              <a:t>‹#›</a:t>
             </a:fld>
             <a:endParaRPr lang="en-US" altLang="en-US"/>
           </a:p>
@@ -8861,7 +8861,7 @@
     </p:spTree>
     <p:extLst>
       <p:ext uri="{BB962C8B-B14F-4D97-AF65-F5344CB8AC3E}">
-        <p14:creationId xmlns:p14="http://schemas.microsoft.com/office/powerpoint/2010/main" xmlns="" val="3089154402"/>
+        <p14:creationId xmlns:p14="http://schemas.microsoft.com/office/powerpoint/2010/main" val="3089154402"/>
       </p:ext>
     </p:extLst>
   </p:cSld>
@@ -9110,7 +9110,7 @@
               <a:pPr>
                 <a:defRPr/>
               </a:pPr>
-              <a:t>‹nº›</a:t>
+              <a:t>‹#›</a:t>
             </a:fld>
             <a:endParaRPr lang="en-US" altLang="en-US"/>
           </a:p>
@@ -9119,7 +9119,7 @@
     </p:spTree>
     <p:extLst>
       <p:ext uri="{BB962C8B-B14F-4D97-AF65-F5344CB8AC3E}">
-        <p14:creationId xmlns:p14="http://schemas.microsoft.com/office/powerpoint/2010/main" xmlns="" val="4217104739"/>
+        <p14:creationId xmlns:p14="http://schemas.microsoft.com/office/powerpoint/2010/main" val="4217104739"/>
       </p:ext>
     </p:extLst>
   </p:cSld>
@@ -9503,7 +9503,7 @@
               <a:pPr>
                 <a:defRPr/>
               </a:pPr>
-              <a:t>‹nº›</a:t>
+              <a:t>‹#›</a:t>
             </a:fld>
             <a:endParaRPr lang="en-US" altLang="en-US"/>
           </a:p>
@@ -9512,7 +9512,7 @@
     </p:spTree>
     <p:extLst>
       <p:ext uri="{BB962C8B-B14F-4D97-AF65-F5344CB8AC3E}">
-        <p14:creationId xmlns:p14="http://schemas.microsoft.com/office/powerpoint/2010/main" xmlns="" val="3451409337"/>
+        <p14:creationId xmlns:p14="http://schemas.microsoft.com/office/powerpoint/2010/main" val="3451409337"/>
       </p:ext>
     </p:extLst>
   </p:cSld>
@@ -9647,7 +9647,7 @@
               <a:pPr>
                 <a:defRPr/>
               </a:pPr>
-              <a:t>‹nº›</a:t>
+              <a:t>‹#›</a:t>
             </a:fld>
             <a:endParaRPr lang="en-US" altLang="en-US"/>
           </a:p>
@@ -9656,7 +9656,7 @@
     </p:spTree>
     <p:extLst>
       <p:ext uri="{BB962C8B-B14F-4D97-AF65-F5344CB8AC3E}">
-        <p14:creationId xmlns:p14="http://schemas.microsoft.com/office/powerpoint/2010/main" xmlns="" val="911935221"/>
+        <p14:creationId xmlns:p14="http://schemas.microsoft.com/office/powerpoint/2010/main" val="911935221"/>
       </p:ext>
     </p:extLst>
   </p:cSld>
@@ -9768,7 +9768,7 @@
               <a:pPr>
                 <a:defRPr/>
               </a:pPr>
-              <a:t>‹nº›</a:t>
+              <a:t>‹#›</a:t>
             </a:fld>
             <a:endParaRPr lang="en-US" altLang="en-US"/>
           </a:p>
@@ -9777,7 +9777,7 @@
     </p:spTree>
     <p:extLst>
       <p:ext uri="{BB962C8B-B14F-4D97-AF65-F5344CB8AC3E}">
-        <p14:creationId xmlns:p14="http://schemas.microsoft.com/office/powerpoint/2010/main" xmlns="" val="1305232693"/>
+        <p14:creationId xmlns:p14="http://schemas.microsoft.com/office/powerpoint/2010/main" val="1305232693"/>
       </p:ext>
     </p:extLst>
   </p:cSld>
@@ -10071,7 +10071,7 @@
               <a:pPr>
                 <a:defRPr/>
               </a:pPr>
-              <a:t>‹nº›</a:t>
+              <a:t>‹#›</a:t>
             </a:fld>
             <a:endParaRPr lang="en-US" altLang="en-US"/>
           </a:p>
@@ -10080,7 +10080,7 @@
     </p:spTree>
     <p:extLst>
       <p:ext uri="{BB962C8B-B14F-4D97-AF65-F5344CB8AC3E}">
-        <p14:creationId xmlns:p14="http://schemas.microsoft.com/office/powerpoint/2010/main" xmlns="" val="109806831"/>
+        <p14:creationId xmlns:p14="http://schemas.microsoft.com/office/powerpoint/2010/main" val="109806831"/>
       </p:ext>
     </p:extLst>
   </p:cSld>
@@ -10351,7 +10351,7 @@
               <a:pPr>
                 <a:defRPr/>
               </a:pPr>
-              <a:t>‹nº›</a:t>
+              <a:t>‹#›</a:t>
             </a:fld>
             <a:endParaRPr lang="en-US" altLang="en-US"/>
           </a:p>
@@ -10360,7 +10360,7 @@
     </p:spTree>
     <p:extLst>
       <p:ext uri="{BB962C8B-B14F-4D97-AF65-F5344CB8AC3E}">
-        <p14:creationId xmlns:p14="http://schemas.microsoft.com/office/powerpoint/2010/main" xmlns="" val="2597479848"/>
+        <p14:creationId xmlns:p14="http://schemas.microsoft.com/office/powerpoint/2010/main" val="2597479848"/>
       </p:ext>
     </p:extLst>
   </p:cSld>
@@ -10419,15 +10419,15 @@
           </a:ln>
           <a:effectLst/>
           <a:extLst>
-            <a:ext uri="{909E8E84-426E-40DD-AFC4-6F175D3DCCD1}">
-              <a14:hiddenFill xmlns:a14="http://schemas.microsoft.com/office/drawing/2010/main" xmlns="">
+            <a:ext uri="{909E8E84-426E-40dd-AFC4-6F175D3DCCD1}">
+              <a14:hiddenFill xmlns:a14="http://schemas.microsoft.com/office/drawing/2010/main">
                 <a:solidFill>
                   <a:schemeClr val="accent1"/>
                 </a:solidFill>
               </a14:hiddenFill>
             </a:ext>
-            <a:ext uri="{91240B29-F687-4F45-9708-019B960494DF}">
-              <a14:hiddenLine xmlns:a14="http://schemas.microsoft.com/office/drawing/2010/main" xmlns="" w="9525">
+            <a:ext uri="{91240B29-F687-4f45-9708-019B960494DF}">
+              <a14:hiddenLine xmlns:a14="http://schemas.microsoft.com/office/drawing/2010/main" w="9525">
                 <a:solidFill>
                   <a:schemeClr val="tx1"/>
                 </a:solidFill>
@@ -10436,8 +10436,8 @@
                 <a:tailEnd/>
               </a14:hiddenLine>
             </a:ext>
-            <a:ext uri="{AF507438-7753-43E0-B8FC-AC1667EBCBE1}">
-              <a14:hiddenEffects xmlns:a14="http://schemas.microsoft.com/office/drawing/2010/main" xmlns="">
+            <a:ext uri="{AF507438-7753-43e0-B8FC-AC1667EBCBE1}">
+              <a14:hiddenEffects xmlns:a14="http://schemas.microsoft.com/office/drawing/2010/main">
                 <a:effectLst>
                   <a:outerShdw dist="35921" dir="2700000" algn="ctr" rotWithShape="0">
                     <a:schemeClr val="bg2"/>
@@ -10487,15 +10487,15 @@
           </a:ln>
           <a:effectLst/>
           <a:extLst>
-            <a:ext uri="{909E8E84-426E-40DD-AFC4-6F175D3DCCD1}">
-              <a14:hiddenFill xmlns:a14="http://schemas.microsoft.com/office/drawing/2010/main" xmlns="">
+            <a:ext uri="{909E8E84-426E-40dd-AFC4-6F175D3DCCD1}">
+              <a14:hiddenFill xmlns:a14="http://schemas.microsoft.com/office/drawing/2010/main">
                 <a:solidFill>
                   <a:schemeClr val="accent1"/>
                 </a:solidFill>
               </a14:hiddenFill>
             </a:ext>
-            <a:ext uri="{91240B29-F687-4F45-9708-019B960494DF}">
-              <a14:hiddenLine xmlns:a14="http://schemas.microsoft.com/office/drawing/2010/main" xmlns="" w="9525">
+            <a:ext uri="{91240B29-F687-4f45-9708-019B960494DF}">
+              <a14:hiddenLine xmlns:a14="http://schemas.microsoft.com/office/drawing/2010/main" w="9525">
                 <a:solidFill>
                   <a:schemeClr val="tx1"/>
                 </a:solidFill>
@@ -10504,8 +10504,8 @@
                 <a:tailEnd/>
               </a14:hiddenLine>
             </a:ext>
-            <a:ext uri="{AF507438-7753-43E0-B8FC-AC1667EBCBE1}">
-              <a14:hiddenEffects xmlns:a14="http://schemas.microsoft.com/office/drawing/2010/main" xmlns="">
+            <a:ext uri="{AF507438-7753-43e0-B8FC-AC1667EBCBE1}">
+              <a14:hiddenEffects xmlns:a14="http://schemas.microsoft.com/office/drawing/2010/main">
                 <a:effectLst>
                   <a:outerShdw dist="35921" dir="2700000" algn="ctr" rotWithShape="0">
                     <a:schemeClr val="bg2"/>
@@ -10583,15 +10583,15 @@
           </a:ln>
           <a:effectLst/>
           <a:extLst>
-            <a:ext uri="{909E8E84-426E-40DD-AFC4-6F175D3DCCD1}">
-              <a14:hiddenFill xmlns:a14="http://schemas.microsoft.com/office/drawing/2010/main" xmlns="">
+            <a:ext uri="{909E8E84-426E-40dd-AFC4-6F175D3DCCD1}">
+              <a14:hiddenFill xmlns:a14="http://schemas.microsoft.com/office/drawing/2010/main">
                 <a:solidFill>
                   <a:schemeClr val="accent1"/>
                 </a:solidFill>
               </a14:hiddenFill>
             </a:ext>
-            <a:ext uri="{91240B29-F687-4F45-9708-019B960494DF}">
-              <a14:hiddenLine xmlns:a14="http://schemas.microsoft.com/office/drawing/2010/main" xmlns="" w="9525">
+            <a:ext uri="{91240B29-F687-4f45-9708-019B960494DF}">
+              <a14:hiddenLine xmlns:a14="http://schemas.microsoft.com/office/drawing/2010/main" w="9525">
                 <a:solidFill>
                   <a:schemeClr val="tx1"/>
                 </a:solidFill>
@@ -10600,8 +10600,8 @@
                 <a:tailEnd/>
               </a14:hiddenLine>
             </a:ext>
-            <a:ext uri="{AF507438-7753-43E0-B8FC-AC1667EBCBE1}">
-              <a14:hiddenEffects xmlns:a14="http://schemas.microsoft.com/office/drawing/2010/main" xmlns="">
+            <a:ext uri="{AF507438-7753-43e0-B8FC-AC1667EBCBE1}">
+              <a14:hiddenEffects xmlns:a14="http://schemas.microsoft.com/office/drawing/2010/main">
                 <a:effectLst>
                   <a:outerShdw dist="35921" dir="2700000" algn="ctr" rotWithShape="0">
                     <a:schemeClr val="bg2"/>
@@ -10654,15 +10654,15 @@
           </a:ln>
           <a:effectLst/>
           <a:extLst>
-            <a:ext uri="{909E8E84-426E-40DD-AFC4-6F175D3DCCD1}">
-              <a14:hiddenFill xmlns:a14="http://schemas.microsoft.com/office/drawing/2010/main" xmlns="">
+            <a:ext uri="{909E8E84-426E-40dd-AFC4-6F175D3DCCD1}">
+              <a14:hiddenFill xmlns:a14="http://schemas.microsoft.com/office/drawing/2010/main">
                 <a:solidFill>
                   <a:schemeClr val="accent1"/>
                 </a:solidFill>
               </a14:hiddenFill>
             </a:ext>
-            <a:ext uri="{91240B29-F687-4F45-9708-019B960494DF}">
-              <a14:hiddenLine xmlns:a14="http://schemas.microsoft.com/office/drawing/2010/main" xmlns="" w="9525">
+            <a:ext uri="{91240B29-F687-4f45-9708-019B960494DF}">
+              <a14:hiddenLine xmlns:a14="http://schemas.microsoft.com/office/drawing/2010/main" w="9525">
                 <a:solidFill>
                   <a:schemeClr val="tx1"/>
                 </a:solidFill>
@@ -10671,8 +10671,8 @@
                 <a:tailEnd/>
               </a14:hiddenLine>
             </a:ext>
-            <a:ext uri="{AF507438-7753-43E0-B8FC-AC1667EBCBE1}">
-              <a14:hiddenEffects xmlns:a14="http://schemas.microsoft.com/office/drawing/2010/main" xmlns="">
+            <a:ext uri="{AF507438-7753-43e0-B8FC-AC1667EBCBE1}">
+              <a14:hiddenEffects xmlns:a14="http://schemas.microsoft.com/office/drawing/2010/main">
                 <a:effectLst>
                   <a:outerShdw dist="35921" dir="2700000" algn="ctr" rotWithShape="0">
                     <a:schemeClr val="bg2"/>
@@ -10725,15 +10725,15 @@
           </a:ln>
           <a:effectLst/>
           <a:extLst>
-            <a:ext uri="{909E8E84-426E-40DD-AFC4-6F175D3DCCD1}">
-              <a14:hiddenFill xmlns:a14="http://schemas.microsoft.com/office/drawing/2010/main" xmlns="">
+            <a:ext uri="{909E8E84-426E-40dd-AFC4-6F175D3DCCD1}">
+              <a14:hiddenFill xmlns:a14="http://schemas.microsoft.com/office/drawing/2010/main">
                 <a:solidFill>
                   <a:schemeClr val="accent1"/>
                 </a:solidFill>
               </a14:hiddenFill>
             </a:ext>
-            <a:ext uri="{91240B29-F687-4F45-9708-019B960494DF}">
-              <a14:hiddenLine xmlns:a14="http://schemas.microsoft.com/office/drawing/2010/main" xmlns="" w="9525">
+            <a:ext uri="{91240B29-F687-4f45-9708-019B960494DF}">
+              <a14:hiddenLine xmlns:a14="http://schemas.microsoft.com/office/drawing/2010/main" w="9525">
                 <a:solidFill>
                   <a:schemeClr val="tx1"/>
                 </a:solidFill>
@@ -10742,8 +10742,8 @@
                 <a:tailEnd/>
               </a14:hiddenLine>
             </a:ext>
-            <a:ext uri="{AF507438-7753-43E0-B8FC-AC1667EBCBE1}">
-              <a14:hiddenEffects xmlns:a14="http://schemas.microsoft.com/office/drawing/2010/main" xmlns="">
+            <a:ext uri="{AF507438-7753-43e0-B8FC-AC1667EBCBE1}">
+              <a14:hiddenEffects xmlns:a14="http://schemas.microsoft.com/office/drawing/2010/main">
                 <a:effectLst>
                   <a:outerShdw dist="35921" dir="2700000" algn="ctr" rotWithShape="0">
                     <a:schemeClr val="bg2"/>
@@ -10773,7 +10773,7 @@
               <a:pPr>
                 <a:defRPr/>
               </a:pPr>
-              <a:t>‹nº›</a:t>
+              <a:t>‹#›</a:t>
             </a:fld>
             <a:endParaRPr lang="en-US" altLang="en-US"/>
           </a:p>
@@ -10782,7 +10782,7 @@
     </p:spTree>
     <p:extLst>
       <p:ext uri="{BB962C8B-B14F-4D97-AF65-F5344CB8AC3E}">
-        <p14:creationId xmlns:p14="http://schemas.microsoft.com/office/powerpoint/2010/main" xmlns="" val="521490216"/>
+        <p14:creationId xmlns:p14="http://schemas.microsoft.com/office/powerpoint/2010/main" val="521490216"/>
       </p:ext>
     </p:extLst>
   </p:cSld>
@@ -11592,13 +11592,20 @@
     </p:spTree>
     <p:extLst>
       <p:ext uri="{BB962C8B-B14F-4D97-AF65-F5344CB8AC3E}">
-        <p14:creationId xmlns:p14="http://schemas.microsoft.com/office/powerpoint/2010/main" xmlns="" val="2094261070"/>
+        <p14:creationId xmlns:p14="http://schemas.microsoft.com/office/powerpoint/2010/main" val="2094261070"/>
       </p:ext>
     </p:extLst>
   </p:cSld>
   <p:clrMapOvr>
     <a:masterClrMapping/>
   </p:clrMapOvr>
+  <p:timing>
+    <p:tnLst>
+      <p:par>
+        <p:cTn xmlns:p14="http://schemas.microsoft.com/office/powerpoint/2010/main" id="1" dur="indefinite" restart="never" nodeType="tmRoot"/>
+      </p:par>
+    </p:tnLst>
+  </p:timing>
 </p:sld>
 </file>
 
@@ -11987,7 +11994,7 @@
     </p:spTree>
     <p:extLst>
       <p:ext uri="{BB962C8B-B14F-4D97-AF65-F5344CB8AC3E}">
-        <p14:creationId xmlns:p14="http://schemas.microsoft.com/office/powerpoint/2010/main" xmlns="" val="557769383"/>
+        <p14:creationId xmlns:p14="http://schemas.microsoft.com/office/powerpoint/2010/main" val="557769383"/>
       </p:ext>
     </p:extLst>
   </p:cSld>
@@ -12026,7 +12033,7 @@
           <a:blip r:embed="rId3" cstate="print">
             <a:extLst>
               <a:ext uri="{28A0092B-C50C-407E-A947-70E740481C1C}">
-                <a14:useLocalDpi xmlns:a14="http://schemas.microsoft.com/office/drawing/2010/main" xmlns="" val="0"/>
+                <a14:useLocalDpi xmlns:a14="http://schemas.microsoft.com/office/drawing/2010/main" val="0"/>
               </a:ext>
             </a:extLst>
           </a:blip>
@@ -12048,15 +12055,15 @@
             <a:noFill/>
           </a:ln>
           <a:extLst>
-            <a:ext uri="{909E8E84-426E-40DD-AFC4-6F175D3DCCD1}">
-              <a14:hiddenFill xmlns:a14="http://schemas.microsoft.com/office/drawing/2010/main" xmlns="">
+            <a:ext uri="{909E8E84-426E-40dd-AFC4-6F175D3DCCD1}">
+              <a14:hiddenFill xmlns:a14="http://schemas.microsoft.com/office/drawing/2010/main">
                 <a:solidFill>
                   <a:srgbClr val="FFFFFF"/>
                 </a:solidFill>
               </a14:hiddenFill>
             </a:ext>
-            <a:ext uri="{91240B29-F687-4F45-9708-019B960494DF}">
-              <a14:hiddenLine xmlns:a14="http://schemas.microsoft.com/office/drawing/2010/main" xmlns="" w="9525">
+            <a:ext uri="{91240B29-F687-4f45-9708-019B960494DF}">
+              <a14:hiddenLine xmlns:a14="http://schemas.microsoft.com/office/drawing/2010/main" w="9525">
                 <a:solidFill>
                   <a:srgbClr val="000000"/>
                 </a:solidFill>
@@ -12080,7 +12087,7 @@
           <a:blip r:embed="rId4" cstate="print">
             <a:extLst>
               <a:ext uri="{28A0092B-C50C-407E-A947-70E740481C1C}">
-                <a14:useLocalDpi xmlns:a14="http://schemas.microsoft.com/office/drawing/2010/main" xmlns="" val="0"/>
+                <a14:useLocalDpi xmlns:a14="http://schemas.microsoft.com/office/drawing/2010/main" val="0"/>
               </a:ext>
             </a:extLst>
           </a:blip>
@@ -12102,15 +12109,15 @@
             <a:noFill/>
           </a:ln>
           <a:extLst>
-            <a:ext uri="{909E8E84-426E-40DD-AFC4-6F175D3DCCD1}">
-              <a14:hiddenFill xmlns:a14="http://schemas.microsoft.com/office/drawing/2010/main" xmlns="">
+            <a:ext uri="{909E8E84-426E-40dd-AFC4-6F175D3DCCD1}">
+              <a14:hiddenFill xmlns:a14="http://schemas.microsoft.com/office/drawing/2010/main">
                 <a:solidFill>
                   <a:srgbClr val="FFFFFF"/>
                 </a:solidFill>
               </a14:hiddenFill>
             </a:ext>
-            <a:ext uri="{91240B29-F687-4F45-9708-019B960494DF}">
-              <a14:hiddenLine xmlns:a14="http://schemas.microsoft.com/office/drawing/2010/main" xmlns="" w="9525">
+            <a:ext uri="{91240B29-F687-4f45-9708-019B960494DF}">
+              <a14:hiddenLine xmlns:a14="http://schemas.microsoft.com/office/drawing/2010/main" w="9525">
                 <a:solidFill>
                   <a:srgbClr val="000000"/>
                 </a:solidFill>
@@ -12134,7 +12141,7 @@
           <a:blip r:embed="rId5" cstate="print">
             <a:extLst>
               <a:ext uri="{28A0092B-C50C-407E-A947-70E740481C1C}">
-                <a14:useLocalDpi xmlns:a14="http://schemas.microsoft.com/office/drawing/2010/main" xmlns="" val="0"/>
+                <a14:useLocalDpi xmlns:a14="http://schemas.microsoft.com/office/drawing/2010/main" val="0"/>
               </a:ext>
             </a:extLst>
           </a:blip>
@@ -12156,15 +12163,15 @@
             <a:noFill/>
           </a:ln>
           <a:extLst>
-            <a:ext uri="{909E8E84-426E-40DD-AFC4-6F175D3DCCD1}">
-              <a14:hiddenFill xmlns:a14="http://schemas.microsoft.com/office/drawing/2010/main" xmlns="">
+            <a:ext uri="{909E8E84-426E-40dd-AFC4-6F175D3DCCD1}">
+              <a14:hiddenFill xmlns:a14="http://schemas.microsoft.com/office/drawing/2010/main">
                 <a:solidFill>
                   <a:srgbClr val="FFFFFF"/>
                 </a:solidFill>
               </a14:hiddenFill>
             </a:ext>
-            <a:ext uri="{91240B29-F687-4F45-9708-019B960494DF}">
-              <a14:hiddenLine xmlns:a14="http://schemas.microsoft.com/office/drawing/2010/main" xmlns="" w="9525">
+            <a:ext uri="{91240B29-F687-4f45-9708-019B960494DF}">
+              <a14:hiddenLine xmlns:a14="http://schemas.microsoft.com/office/drawing/2010/main" w="9525">
                 <a:solidFill>
                   <a:srgbClr val="000000"/>
                 </a:solidFill>
@@ -12188,7 +12195,7 @@
           <a:blip r:embed="rId6" cstate="print">
             <a:extLst>
               <a:ext uri="{28A0092B-C50C-407E-A947-70E740481C1C}">
-                <a14:useLocalDpi xmlns:a14="http://schemas.microsoft.com/office/drawing/2010/main" xmlns="" val="0"/>
+                <a14:useLocalDpi xmlns:a14="http://schemas.microsoft.com/office/drawing/2010/main" val="0"/>
               </a:ext>
             </a:extLst>
           </a:blip>
@@ -12210,15 +12217,15 @@
             <a:noFill/>
           </a:ln>
           <a:extLst>
-            <a:ext uri="{909E8E84-426E-40DD-AFC4-6F175D3DCCD1}">
-              <a14:hiddenFill xmlns:a14="http://schemas.microsoft.com/office/drawing/2010/main" xmlns="">
+            <a:ext uri="{909E8E84-426E-40dd-AFC4-6F175D3DCCD1}">
+              <a14:hiddenFill xmlns:a14="http://schemas.microsoft.com/office/drawing/2010/main">
                 <a:solidFill>
                   <a:srgbClr val="FFFFFF"/>
                 </a:solidFill>
               </a14:hiddenFill>
             </a:ext>
-            <a:ext uri="{91240B29-F687-4F45-9708-019B960494DF}">
-              <a14:hiddenLine xmlns:a14="http://schemas.microsoft.com/office/drawing/2010/main" xmlns="" w="9525">
+            <a:ext uri="{91240B29-F687-4f45-9708-019B960494DF}">
+              <a14:hiddenLine xmlns:a14="http://schemas.microsoft.com/office/drawing/2010/main" w="9525">
                 <a:solidFill>
                   <a:srgbClr val="000000"/>
                 </a:solidFill>
@@ -12252,15 +12259,15 @@
           </a:ln>
           <a:effectLst/>
           <a:extLst>
-            <a:ext uri="{909E8E84-426E-40DD-AFC4-6F175D3DCCD1}">
-              <a14:hiddenFill xmlns:a14="http://schemas.microsoft.com/office/drawing/2010/main" xmlns="">
+            <a:ext uri="{909E8E84-426E-40dd-AFC4-6F175D3DCCD1}">
+              <a14:hiddenFill xmlns:a14="http://schemas.microsoft.com/office/drawing/2010/main">
                 <a:solidFill>
                   <a:schemeClr val="accent1"/>
                 </a:solidFill>
               </a14:hiddenFill>
             </a:ext>
-            <a:ext uri="{91240B29-F687-4F45-9708-019B960494DF}">
-              <a14:hiddenLine xmlns:a14="http://schemas.microsoft.com/office/drawing/2010/main" xmlns="" w="9525">
+            <a:ext uri="{91240B29-F687-4f45-9708-019B960494DF}">
+              <a14:hiddenLine xmlns:a14="http://schemas.microsoft.com/office/drawing/2010/main" w="9525">
                 <a:solidFill>
                   <a:schemeClr val="tx1"/>
                 </a:solidFill>
@@ -12269,8 +12276,8 @@
                 <a:tailEnd/>
               </a14:hiddenLine>
             </a:ext>
-            <a:ext uri="{AF507438-7753-43E0-B8FC-AC1667EBCBE1}">
-              <a14:hiddenEffects xmlns:a14="http://schemas.microsoft.com/office/drawing/2010/main" xmlns="">
+            <a:ext uri="{AF507438-7753-43e0-B8FC-AC1667EBCBE1}">
+              <a14:hiddenEffects xmlns:a14="http://schemas.microsoft.com/office/drawing/2010/main">
                 <a:effectLst>
                   <a:outerShdw dist="35921" dir="2700000" algn="ctr" rotWithShape="0">
                     <a:schemeClr val="bg2"/>
@@ -12412,7 +12419,7 @@
           <a:blip r:embed="rId7" cstate="print">
             <a:extLst>
               <a:ext uri="{28A0092B-C50C-407E-A947-70E740481C1C}">
-                <a14:useLocalDpi xmlns:a14="http://schemas.microsoft.com/office/drawing/2010/main" xmlns="" val="0"/>
+                <a14:useLocalDpi xmlns:a14="http://schemas.microsoft.com/office/drawing/2010/main" val="0"/>
               </a:ext>
             </a:extLst>
           </a:blip>
@@ -12434,15 +12441,15 @@
             <a:noFill/>
           </a:ln>
           <a:extLst>
-            <a:ext uri="{909E8E84-426E-40DD-AFC4-6F175D3DCCD1}">
-              <a14:hiddenFill xmlns:a14="http://schemas.microsoft.com/office/drawing/2010/main" xmlns="">
+            <a:ext uri="{909E8E84-426E-40dd-AFC4-6F175D3DCCD1}">
+              <a14:hiddenFill xmlns:a14="http://schemas.microsoft.com/office/drawing/2010/main">
                 <a:solidFill>
                   <a:srgbClr val="FFFFFF"/>
                 </a:solidFill>
               </a14:hiddenFill>
             </a:ext>
-            <a:ext uri="{91240B29-F687-4F45-9708-019B960494DF}">
-              <a14:hiddenLine xmlns:a14="http://schemas.microsoft.com/office/drawing/2010/main" xmlns="" w="9525">
+            <a:ext uri="{91240B29-F687-4f45-9708-019B960494DF}">
+              <a14:hiddenLine xmlns:a14="http://schemas.microsoft.com/office/drawing/2010/main" w="9525">
                 <a:solidFill>
                   <a:srgbClr val="000000"/>
                 </a:solidFill>
@@ -12476,15 +12483,15 @@
           </a:ln>
           <a:effectLst/>
           <a:extLst>
-            <a:ext uri="{909E8E84-426E-40DD-AFC4-6F175D3DCCD1}">
-              <a14:hiddenFill xmlns:a14="http://schemas.microsoft.com/office/drawing/2010/main" xmlns="">
+            <a:ext uri="{909E8E84-426E-40dd-AFC4-6F175D3DCCD1}">
+              <a14:hiddenFill xmlns:a14="http://schemas.microsoft.com/office/drawing/2010/main">
                 <a:solidFill>
                   <a:schemeClr val="accent1"/>
                 </a:solidFill>
               </a14:hiddenFill>
             </a:ext>
-            <a:ext uri="{91240B29-F687-4F45-9708-019B960494DF}">
-              <a14:hiddenLine xmlns:a14="http://schemas.microsoft.com/office/drawing/2010/main" xmlns="" w="9525">
+            <a:ext uri="{91240B29-F687-4f45-9708-019B960494DF}">
+              <a14:hiddenLine xmlns:a14="http://schemas.microsoft.com/office/drawing/2010/main" w="9525">
                 <a:solidFill>
                   <a:schemeClr val="tx1"/>
                 </a:solidFill>
@@ -12493,8 +12500,8 @@
                 <a:tailEnd/>
               </a14:hiddenLine>
             </a:ext>
-            <a:ext uri="{AF507438-7753-43E0-B8FC-AC1667EBCBE1}">
-              <a14:hiddenEffects xmlns:a14="http://schemas.microsoft.com/office/drawing/2010/main" xmlns="">
+            <a:ext uri="{AF507438-7753-43e0-B8FC-AC1667EBCBE1}">
+              <a14:hiddenEffects xmlns:a14="http://schemas.microsoft.com/office/drawing/2010/main">
                 <a:effectLst>
                   <a:outerShdw dist="35921" dir="2700000" algn="ctr" rotWithShape="0">
                     <a:schemeClr val="bg2"/>
@@ -12785,14 +12792,14 @@
     </p:spTree>
     <p:extLst>
       <p:ext uri="{BB962C8B-B14F-4D97-AF65-F5344CB8AC3E}">
-        <p14:creationId xmlns:p14="http://schemas.microsoft.com/office/powerpoint/2010/main" xmlns="" val="3100232437"/>
+        <p14:creationId xmlns:p14="http://schemas.microsoft.com/office/powerpoint/2010/main" val="3100232437"/>
       </p:ext>
     </p:extLst>
   </p:cSld>
   <p:clrMapOvr>
     <a:masterClrMapping/>
   </p:clrMapOvr>
-  <p:transition/>
+  <p:transition xmlns:p14="http://schemas.microsoft.com/office/powerpoint/2010/main"/>
 </p:sld>
 </file>
 
@@ -12825,7 +12832,7 @@
           <a:blip r:embed="rId3" cstate="print">
             <a:extLst>
               <a:ext uri="{28A0092B-C50C-407E-A947-70E740481C1C}">
-                <a14:useLocalDpi xmlns:a14="http://schemas.microsoft.com/office/drawing/2010/main" xmlns="" val="0"/>
+                <a14:useLocalDpi xmlns:a14="http://schemas.microsoft.com/office/drawing/2010/main" val="0"/>
               </a:ext>
             </a:extLst>
           </a:blip>
@@ -12847,15 +12854,15 @@
             <a:noFill/>
           </a:ln>
           <a:extLst>
-            <a:ext uri="{909E8E84-426E-40DD-AFC4-6F175D3DCCD1}">
-              <a14:hiddenFill xmlns:a14="http://schemas.microsoft.com/office/drawing/2010/main" xmlns="">
+            <a:ext uri="{909E8E84-426E-40dd-AFC4-6F175D3DCCD1}">
+              <a14:hiddenFill xmlns:a14="http://schemas.microsoft.com/office/drawing/2010/main">
                 <a:solidFill>
                   <a:srgbClr val="FFFFFF"/>
                 </a:solidFill>
               </a14:hiddenFill>
             </a:ext>
-            <a:ext uri="{91240B29-F687-4F45-9708-019B960494DF}">
-              <a14:hiddenLine xmlns:a14="http://schemas.microsoft.com/office/drawing/2010/main" xmlns="" w="9525">
+            <a:ext uri="{91240B29-F687-4f45-9708-019B960494DF}">
+              <a14:hiddenLine xmlns:a14="http://schemas.microsoft.com/office/drawing/2010/main" w="9525">
                 <a:solidFill>
                   <a:srgbClr val="000000"/>
                 </a:solidFill>
@@ -12879,7 +12886,7 @@
           <a:blip r:embed="rId4" cstate="print">
             <a:extLst>
               <a:ext uri="{28A0092B-C50C-407E-A947-70E740481C1C}">
-                <a14:useLocalDpi xmlns:a14="http://schemas.microsoft.com/office/drawing/2010/main" xmlns="" val="0"/>
+                <a14:useLocalDpi xmlns:a14="http://schemas.microsoft.com/office/drawing/2010/main" val="0"/>
               </a:ext>
             </a:extLst>
           </a:blip>
@@ -12901,15 +12908,15 @@
             <a:noFill/>
           </a:ln>
           <a:extLst>
-            <a:ext uri="{909E8E84-426E-40DD-AFC4-6F175D3DCCD1}">
-              <a14:hiddenFill xmlns:a14="http://schemas.microsoft.com/office/drawing/2010/main" xmlns="">
+            <a:ext uri="{909E8E84-426E-40dd-AFC4-6F175D3DCCD1}">
+              <a14:hiddenFill xmlns:a14="http://schemas.microsoft.com/office/drawing/2010/main">
                 <a:solidFill>
                   <a:srgbClr val="FFFFFF"/>
                 </a:solidFill>
               </a14:hiddenFill>
             </a:ext>
-            <a:ext uri="{91240B29-F687-4F45-9708-019B960494DF}">
-              <a14:hiddenLine xmlns:a14="http://schemas.microsoft.com/office/drawing/2010/main" xmlns="" w="9525">
+            <a:ext uri="{91240B29-F687-4f45-9708-019B960494DF}">
+              <a14:hiddenLine xmlns:a14="http://schemas.microsoft.com/office/drawing/2010/main" w="9525">
                 <a:solidFill>
                   <a:srgbClr val="000000"/>
                 </a:solidFill>
@@ -12933,7 +12940,7 @@
           <a:blip r:embed="rId5" cstate="print">
             <a:extLst>
               <a:ext uri="{28A0092B-C50C-407E-A947-70E740481C1C}">
-                <a14:useLocalDpi xmlns:a14="http://schemas.microsoft.com/office/drawing/2010/main" xmlns="" val="0"/>
+                <a14:useLocalDpi xmlns:a14="http://schemas.microsoft.com/office/drawing/2010/main" val="0"/>
               </a:ext>
             </a:extLst>
           </a:blip>
@@ -12955,15 +12962,15 @@
             <a:noFill/>
           </a:ln>
           <a:extLst>
-            <a:ext uri="{909E8E84-426E-40DD-AFC4-6F175D3DCCD1}">
-              <a14:hiddenFill xmlns:a14="http://schemas.microsoft.com/office/drawing/2010/main" xmlns="">
+            <a:ext uri="{909E8E84-426E-40dd-AFC4-6F175D3DCCD1}">
+              <a14:hiddenFill xmlns:a14="http://schemas.microsoft.com/office/drawing/2010/main">
                 <a:solidFill>
                   <a:srgbClr val="FFFFFF"/>
                 </a:solidFill>
               </a14:hiddenFill>
             </a:ext>
-            <a:ext uri="{91240B29-F687-4F45-9708-019B960494DF}">
-              <a14:hiddenLine xmlns:a14="http://schemas.microsoft.com/office/drawing/2010/main" xmlns="" w="9525">
+            <a:ext uri="{91240B29-F687-4f45-9708-019B960494DF}">
+              <a14:hiddenLine xmlns:a14="http://schemas.microsoft.com/office/drawing/2010/main" w="9525">
                 <a:solidFill>
                   <a:srgbClr val="000000"/>
                 </a:solidFill>
@@ -12987,7 +12994,7 @@
           <a:blip r:embed="rId6" cstate="print">
             <a:extLst>
               <a:ext uri="{28A0092B-C50C-407E-A947-70E740481C1C}">
-                <a14:useLocalDpi xmlns:a14="http://schemas.microsoft.com/office/drawing/2010/main" xmlns="" val="0"/>
+                <a14:useLocalDpi xmlns:a14="http://schemas.microsoft.com/office/drawing/2010/main" val="0"/>
               </a:ext>
             </a:extLst>
           </a:blip>
@@ -13009,15 +13016,15 @@
             <a:noFill/>
           </a:ln>
           <a:extLst>
-            <a:ext uri="{909E8E84-426E-40DD-AFC4-6F175D3DCCD1}">
-              <a14:hiddenFill xmlns:a14="http://schemas.microsoft.com/office/drawing/2010/main" xmlns="">
+            <a:ext uri="{909E8E84-426E-40dd-AFC4-6F175D3DCCD1}">
+              <a14:hiddenFill xmlns:a14="http://schemas.microsoft.com/office/drawing/2010/main">
                 <a:solidFill>
                   <a:srgbClr val="FFFFFF"/>
                 </a:solidFill>
               </a14:hiddenFill>
             </a:ext>
-            <a:ext uri="{91240B29-F687-4F45-9708-019B960494DF}">
-              <a14:hiddenLine xmlns:a14="http://schemas.microsoft.com/office/drawing/2010/main" xmlns="" w="9525">
+            <a:ext uri="{91240B29-F687-4f45-9708-019B960494DF}">
+              <a14:hiddenLine xmlns:a14="http://schemas.microsoft.com/office/drawing/2010/main" w="9525">
                 <a:solidFill>
                   <a:srgbClr val="000000"/>
                 </a:solidFill>
@@ -13221,7 +13228,7 @@
           <a:blip r:embed="rId7" cstate="print">
             <a:extLst>
               <a:ext uri="{28A0092B-C50C-407E-A947-70E740481C1C}">
-                <a14:useLocalDpi xmlns:a14="http://schemas.microsoft.com/office/drawing/2010/main" xmlns="" val="0"/>
+                <a14:useLocalDpi xmlns:a14="http://schemas.microsoft.com/office/drawing/2010/main" val="0"/>
               </a:ext>
             </a:extLst>
           </a:blip>
@@ -13243,15 +13250,15 @@
             <a:noFill/>
           </a:ln>
           <a:extLst>
-            <a:ext uri="{909E8E84-426E-40DD-AFC4-6F175D3DCCD1}">
-              <a14:hiddenFill xmlns:a14="http://schemas.microsoft.com/office/drawing/2010/main" xmlns="">
+            <a:ext uri="{909E8E84-426E-40dd-AFC4-6F175D3DCCD1}">
+              <a14:hiddenFill xmlns:a14="http://schemas.microsoft.com/office/drawing/2010/main">
                 <a:solidFill>
                   <a:srgbClr val="FFFFFF"/>
                 </a:solidFill>
               </a14:hiddenFill>
             </a:ext>
-            <a:ext uri="{91240B29-F687-4F45-9708-019B960494DF}">
-              <a14:hiddenLine xmlns:a14="http://schemas.microsoft.com/office/drawing/2010/main" xmlns="" w="9525">
+            <a:ext uri="{91240B29-F687-4f45-9708-019B960494DF}">
+              <a14:hiddenLine xmlns:a14="http://schemas.microsoft.com/office/drawing/2010/main" w="9525">
                 <a:solidFill>
                   <a:srgbClr val="000000"/>
                 </a:solidFill>
@@ -13340,7 +13347,7 @@
     </p:spTree>
     <p:extLst>
       <p:ext uri="{BB962C8B-B14F-4D97-AF65-F5344CB8AC3E}">
-        <p14:creationId xmlns:p14="http://schemas.microsoft.com/office/powerpoint/2010/main" xmlns="" val="83649119"/>
+        <p14:creationId xmlns:p14="http://schemas.microsoft.com/office/powerpoint/2010/main" val="83649119"/>
       </p:ext>
     </p:extLst>
   </p:cSld>
@@ -13379,7 +13386,7 @@
           <a:blip r:embed="rId3" cstate="print">
             <a:extLst>
               <a:ext uri="{28A0092B-C50C-407E-A947-70E740481C1C}">
-                <a14:useLocalDpi xmlns:a14="http://schemas.microsoft.com/office/drawing/2010/main" xmlns="" val="0"/>
+                <a14:useLocalDpi xmlns:a14="http://schemas.microsoft.com/office/drawing/2010/main" val="0"/>
               </a:ext>
             </a:extLst>
           </a:blip>
@@ -13401,15 +13408,15 @@
             <a:noFill/>
           </a:ln>
           <a:extLst>
-            <a:ext uri="{909E8E84-426E-40DD-AFC4-6F175D3DCCD1}">
-              <a14:hiddenFill xmlns:a14="http://schemas.microsoft.com/office/drawing/2010/main" xmlns="">
+            <a:ext uri="{909E8E84-426E-40dd-AFC4-6F175D3DCCD1}">
+              <a14:hiddenFill xmlns:a14="http://schemas.microsoft.com/office/drawing/2010/main">
                 <a:solidFill>
                   <a:srgbClr val="FFFFFF"/>
                 </a:solidFill>
               </a14:hiddenFill>
             </a:ext>
-            <a:ext uri="{91240B29-F687-4F45-9708-019B960494DF}">
-              <a14:hiddenLine xmlns:a14="http://schemas.microsoft.com/office/drawing/2010/main" xmlns="" w="9525">
+            <a:ext uri="{91240B29-F687-4f45-9708-019B960494DF}">
+              <a14:hiddenLine xmlns:a14="http://schemas.microsoft.com/office/drawing/2010/main" w="9525">
                 <a:solidFill>
                   <a:srgbClr val="000000"/>
                 </a:solidFill>
@@ -13433,7 +13440,7 @@
           <a:blip r:embed="rId4" cstate="print">
             <a:extLst>
               <a:ext uri="{28A0092B-C50C-407E-A947-70E740481C1C}">
-                <a14:useLocalDpi xmlns:a14="http://schemas.microsoft.com/office/drawing/2010/main" xmlns="" val="0"/>
+                <a14:useLocalDpi xmlns:a14="http://schemas.microsoft.com/office/drawing/2010/main" val="0"/>
               </a:ext>
             </a:extLst>
           </a:blip>
@@ -13455,15 +13462,15 @@
             <a:noFill/>
           </a:ln>
           <a:extLst>
-            <a:ext uri="{909E8E84-426E-40DD-AFC4-6F175D3DCCD1}">
-              <a14:hiddenFill xmlns:a14="http://schemas.microsoft.com/office/drawing/2010/main" xmlns="">
+            <a:ext uri="{909E8E84-426E-40dd-AFC4-6F175D3DCCD1}">
+              <a14:hiddenFill xmlns:a14="http://schemas.microsoft.com/office/drawing/2010/main">
                 <a:solidFill>
                   <a:srgbClr val="FFFFFF"/>
                 </a:solidFill>
               </a14:hiddenFill>
             </a:ext>
-            <a:ext uri="{91240B29-F687-4F45-9708-019B960494DF}">
-              <a14:hiddenLine xmlns:a14="http://schemas.microsoft.com/office/drawing/2010/main" xmlns="" w="9525">
+            <a:ext uri="{91240B29-F687-4f45-9708-019B960494DF}">
+              <a14:hiddenLine xmlns:a14="http://schemas.microsoft.com/office/drawing/2010/main" w="9525">
                 <a:solidFill>
                   <a:srgbClr val="000000"/>
                 </a:solidFill>
@@ -13487,7 +13494,7 @@
           <a:blip r:embed="rId5" cstate="print">
             <a:extLst>
               <a:ext uri="{28A0092B-C50C-407E-A947-70E740481C1C}">
-                <a14:useLocalDpi xmlns:a14="http://schemas.microsoft.com/office/drawing/2010/main" xmlns="" val="0"/>
+                <a14:useLocalDpi xmlns:a14="http://schemas.microsoft.com/office/drawing/2010/main" val="0"/>
               </a:ext>
             </a:extLst>
           </a:blip>
@@ -13509,15 +13516,15 @@
             <a:noFill/>
           </a:ln>
           <a:extLst>
-            <a:ext uri="{909E8E84-426E-40DD-AFC4-6F175D3DCCD1}">
-              <a14:hiddenFill xmlns:a14="http://schemas.microsoft.com/office/drawing/2010/main" xmlns="">
+            <a:ext uri="{909E8E84-426E-40dd-AFC4-6F175D3DCCD1}">
+              <a14:hiddenFill xmlns:a14="http://schemas.microsoft.com/office/drawing/2010/main">
                 <a:solidFill>
                   <a:srgbClr val="FFFFFF"/>
                 </a:solidFill>
               </a14:hiddenFill>
             </a:ext>
-            <a:ext uri="{91240B29-F687-4F45-9708-019B960494DF}">
-              <a14:hiddenLine xmlns:a14="http://schemas.microsoft.com/office/drawing/2010/main" xmlns="" w="9525">
+            <a:ext uri="{91240B29-F687-4f45-9708-019B960494DF}">
+              <a14:hiddenLine xmlns:a14="http://schemas.microsoft.com/office/drawing/2010/main" w="9525">
                 <a:solidFill>
                   <a:srgbClr val="000000"/>
                 </a:solidFill>
@@ -13541,7 +13548,7 @@
           <a:blip r:embed="rId6" cstate="print">
             <a:extLst>
               <a:ext uri="{28A0092B-C50C-407E-A947-70E740481C1C}">
-                <a14:useLocalDpi xmlns:a14="http://schemas.microsoft.com/office/drawing/2010/main" xmlns="" val="0"/>
+                <a14:useLocalDpi xmlns:a14="http://schemas.microsoft.com/office/drawing/2010/main" val="0"/>
               </a:ext>
             </a:extLst>
           </a:blip>
@@ -13563,15 +13570,15 @@
             <a:noFill/>
           </a:ln>
           <a:extLst>
-            <a:ext uri="{909E8E84-426E-40DD-AFC4-6F175D3DCCD1}">
-              <a14:hiddenFill xmlns:a14="http://schemas.microsoft.com/office/drawing/2010/main" xmlns="">
+            <a:ext uri="{909E8E84-426E-40dd-AFC4-6F175D3DCCD1}">
+              <a14:hiddenFill xmlns:a14="http://schemas.microsoft.com/office/drawing/2010/main">
                 <a:solidFill>
                   <a:srgbClr val="FFFFFF"/>
                 </a:solidFill>
               </a14:hiddenFill>
             </a:ext>
-            <a:ext uri="{91240B29-F687-4F45-9708-019B960494DF}">
-              <a14:hiddenLine xmlns:a14="http://schemas.microsoft.com/office/drawing/2010/main" xmlns="" w="9525">
+            <a:ext uri="{91240B29-F687-4f45-9708-019B960494DF}">
+              <a14:hiddenLine xmlns:a14="http://schemas.microsoft.com/office/drawing/2010/main" w="9525">
                 <a:solidFill>
                   <a:srgbClr val="000000"/>
                 </a:solidFill>
@@ -13595,7 +13602,7 @@
           <a:blip r:embed="rId7" cstate="print">
             <a:extLst>
               <a:ext uri="{28A0092B-C50C-407E-A947-70E740481C1C}">
-                <a14:useLocalDpi xmlns:a14="http://schemas.microsoft.com/office/drawing/2010/main" xmlns="" val="0"/>
+                <a14:useLocalDpi xmlns:a14="http://schemas.microsoft.com/office/drawing/2010/main" val="0"/>
               </a:ext>
             </a:extLst>
           </a:blip>
@@ -13617,15 +13624,15 @@
             <a:noFill/>
           </a:ln>
           <a:extLst>
-            <a:ext uri="{909E8E84-426E-40DD-AFC4-6F175D3DCCD1}">
-              <a14:hiddenFill xmlns:a14="http://schemas.microsoft.com/office/drawing/2010/main" xmlns="">
+            <a:ext uri="{909E8E84-426E-40dd-AFC4-6F175D3DCCD1}">
+              <a14:hiddenFill xmlns:a14="http://schemas.microsoft.com/office/drawing/2010/main">
                 <a:solidFill>
                   <a:srgbClr val="FFFFFF"/>
                 </a:solidFill>
               </a14:hiddenFill>
             </a:ext>
-            <a:ext uri="{91240B29-F687-4F45-9708-019B960494DF}">
-              <a14:hiddenLine xmlns:a14="http://schemas.microsoft.com/office/drawing/2010/main" xmlns="" w="9525">
+            <a:ext uri="{91240B29-F687-4f45-9708-019B960494DF}">
+              <a14:hiddenLine xmlns:a14="http://schemas.microsoft.com/office/drawing/2010/main" w="9525">
                 <a:solidFill>
                   <a:srgbClr val="000000"/>
                 </a:solidFill>
@@ -13962,13 +13969,20 @@
     </p:spTree>
     <p:extLst>
       <p:ext uri="{BB962C8B-B14F-4D97-AF65-F5344CB8AC3E}">
-        <p14:creationId xmlns:p14="http://schemas.microsoft.com/office/powerpoint/2010/main" xmlns="" val="1464590407"/>
+        <p14:creationId xmlns:p14="http://schemas.microsoft.com/office/powerpoint/2010/main" val="1464590407"/>
       </p:ext>
     </p:extLst>
   </p:cSld>
   <p:clrMapOvr>
     <a:masterClrMapping/>
   </p:clrMapOvr>
+  <p:timing>
+    <p:tnLst>
+      <p:par>
+        <p:cTn xmlns:p14="http://schemas.microsoft.com/office/powerpoint/2010/main" id="1" dur="indefinite" restart="never" nodeType="tmRoot"/>
+      </p:par>
+    </p:tnLst>
+  </p:timing>
 </p:sld>
 </file>
 
@@ -14001,7 +14015,7 @@
           <a:blip r:embed="rId3" cstate="print">
             <a:extLst>
               <a:ext uri="{28A0092B-C50C-407E-A947-70E740481C1C}">
-                <a14:useLocalDpi xmlns:a14="http://schemas.microsoft.com/office/drawing/2010/main" xmlns="" val="0"/>
+                <a14:useLocalDpi xmlns:a14="http://schemas.microsoft.com/office/drawing/2010/main" val="0"/>
               </a:ext>
             </a:extLst>
           </a:blip>
@@ -14023,15 +14037,15 @@
             <a:noFill/>
           </a:ln>
           <a:extLst>
-            <a:ext uri="{909E8E84-426E-40DD-AFC4-6F175D3DCCD1}">
-              <a14:hiddenFill xmlns:a14="http://schemas.microsoft.com/office/drawing/2010/main" xmlns="">
+            <a:ext uri="{909E8E84-426E-40dd-AFC4-6F175D3DCCD1}">
+              <a14:hiddenFill xmlns:a14="http://schemas.microsoft.com/office/drawing/2010/main">
                 <a:solidFill>
                   <a:srgbClr val="FFFFFF"/>
                 </a:solidFill>
               </a14:hiddenFill>
             </a:ext>
-            <a:ext uri="{91240B29-F687-4F45-9708-019B960494DF}">
-              <a14:hiddenLine xmlns:a14="http://schemas.microsoft.com/office/drawing/2010/main" xmlns="" w="9525">
+            <a:ext uri="{91240B29-F687-4f45-9708-019B960494DF}">
+              <a14:hiddenLine xmlns:a14="http://schemas.microsoft.com/office/drawing/2010/main" w="9525">
                 <a:solidFill>
                   <a:srgbClr val="000000"/>
                 </a:solidFill>
@@ -14055,7 +14069,7 @@
           <a:blip r:embed="rId4" cstate="print">
             <a:extLst>
               <a:ext uri="{28A0092B-C50C-407E-A947-70E740481C1C}">
-                <a14:useLocalDpi xmlns:a14="http://schemas.microsoft.com/office/drawing/2010/main" xmlns="" val="0"/>
+                <a14:useLocalDpi xmlns:a14="http://schemas.microsoft.com/office/drawing/2010/main" val="0"/>
               </a:ext>
             </a:extLst>
           </a:blip>
@@ -14077,15 +14091,15 @@
             <a:noFill/>
           </a:ln>
           <a:extLst>
-            <a:ext uri="{909E8E84-426E-40DD-AFC4-6F175D3DCCD1}">
-              <a14:hiddenFill xmlns:a14="http://schemas.microsoft.com/office/drawing/2010/main" xmlns="">
+            <a:ext uri="{909E8E84-426E-40dd-AFC4-6F175D3DCCD1}">
+              <a14:hiddenFill xmlns:a14="http://schemas.microsoft.com/office/drawing/2010/main">
                 <a:solidFill>
                   <a:srgbClr val="FFFFFF"/>
                 </a:solidFill>
               </a14:hiddenFill>
             </a:ext>
-            <a:ext uri="{91240B29-F687-4F45-9708-019B960494DF}">
-              <a14:hiddenLine xmlns:a14="http://schemas.microsoft.com/office/drawing/2010/main" xmlns="" w="9525">
+            <a:ext uri="{91240B29-F687-4f45-9708-019B960494DF}">
+              <a14:hiddenLine xmlns:a14="http://schemas.microsoft.com/office/drawing/2010/main" w="9525">
                 <a:solidFill>
                   <a:srgbClr val="000000"/>
                 </a:solidFill>
@@ -14150,7 +14164,7 @@
           <a:blip r:embed="rId4" cstate="print">
             <a:extLst>
               <a:ext uri="{28A0092B-C50C-407E-A947-70E740481C1C}">
-                <a14:useLocalDpi xmlns:a14="http://schemas.microsoft.com/office/drawing/2010/main" xmlns="" val="0"/>
+                <a14:useLocalDpi xmlns:a14="http://schemas.microsoft.com/office/drawing/2010/main" val="0"/>
               </a:ext>
             </a:extLst>
           </a:blip>
@@ -14170,15 +14184,15 @@
             <a:noFill/>
           </a:ln>
           <a:extLst>
-            <a:ext uri="{909E8E84-426E-40DD-AFC4-6F175D3DCCD1}">
-              <a14:hiddenFill xmlns:a14="http://schemas.microsoft.com/office/drawing/2010/main" xmlns="">
+            <a:ext uri="{909E8E84-426E-40dd-AFC4-6F175D3DCCD1}">
+              <a14:hiddenFill xmlns:a14="http://schemas.microsoft.com/office/drawing/2010/main">
                 <a:solidFill>
                   <a:srgbClr val="FFFFFF"/>
                 </a:solidFill>
               </a14:hiddenFill>
             </a:ext>
-            <a:ext uri="{91240B29-F687-4F45-9708-019B960494DF}">
-              <a14:hiddenLine xmlns:a14="http://schemas.microsoft.com/office/drawing/2010/main" xmlns="" w="9525">
+            <a:ext uri="{91240B29-F687-4f45-9708-019B960494DF}">
+              <a14:hiddenLine xmlns:a14="http://schemas.microsoft.com/office/drawing/2010/main" w="9525">
                 <a:solidFill>
                   <a:srgbClr val="000000"/>
                 </a:solidFill>
@@ -14202,7 +14216,7 @@
           <a:blip r:embed="rId5" cstate="print">
             <a:extLst>
               <a:ext uri="{28A0092B-C50C-407E-A947-70E740481C1C}">
-                <a14:useLocalDpi xmlns:a14="http://schemas.microsoft.com/office/drawing/2010/main" xmlns="" val="0"/>
+                <a14:useLocalDpi xmlns:a14="http://schemas.microsoft.com/office/drawing/2010/main" val="0"/>
               </a:ext>
             </a:extLst>
           </a:blip>
@@ -14224,15 +14238,15 @@
             <a:noFill/>
           </a:ln>
           <a:extLst>
-            <a:ext uri="{909E8E84-426E-40DD-AFC4-6F175D3DCCD1}">
-              <a14:hiddenFill xmlns:a14="http://schemas.microsoft.com/office/drawing/2010/main" xmlns="">
+            <a:ext uri="{909E8E84-426E-40dd-AFC4-6F175D3DCCD1}">
+              <a14:hiddenFill xmlns:a14="http://schemas.microsoft.com/office/drawing/2010/main">
                 <a:solidFill>
                   <a:srgbClr val="FFFFFF"/>
                 </a:solidFill>
               </a14:hiddenFill>
             </a:ext>
-            <a:ext uri="{91240B29-F687-4F45-9708-019B960494DF}">
-              <a14:hiddenLine xmlns:a14="http://schemas.microsoft.com/office/drawing/2010/main" xmlns="" w="9525">
+            <a:ext uri="{91240B29-F687-4f45-9708-019B960494DF}">
+              <a14:hiddenLine xmlns:a14="http://schemas.microsoft.com/office/drawing/2010/main" w="9525">
                 <a:solidFill>
                   <a:srgbClr val="000000"/>
                 </a:solidFill>
@@ -14256,7 +14270,7 @@
           <a:blip r:embed="rId6" cstate="print">
             <a:extLst>
               <a:ext uri="{28A0092B-C50C-407E-A947-70E740481C1C}">
-                <a14:useLocalDpi xmlns:a14="http://schemas.microsoft.com/office/drawing/2010/main" xmlns="" val="0"/>
+                <a14:useLocalDpi xmlns:a14="http://schemas.microsoft.com/office/drawing/2010/main" val="0"/>
               </a:ext>
             </a:extLst>
           </a:blip>
@@ -14278,15 +14292,15 @@
             <a:noFill/>
           </a:ln>
           <a:extLst>
-            <a:ext uri="{909E8E84-426E-40DD-AFC4-6F175D3DCCD1}">
-              <a14:hiddenFill xmlns:a14="http://schemas.microsoft.com/office/drawing/2010/main" xmlns="">
+            <a:ext uri="{909E8E84-426E-40dd-AFC4-6F175D3DCCD1}">
+              <a14:hiddenFill xmlns:a14="http://schemas.microsoft.com/office/drawing/2010/main">
                 <a:solidFill>
                   <a:srgbClr val="FFFFFF"/>
                 </a:solidFill>
               </a14:hiddenFill>
             </a:ext>
-            <a:ext uri="{91240B29-F687-4F45-9708-019B960494DF}">
-              <a14:hiddenLine xmlns:a14="http://schemas.microsoft.com/office/drawing/2010/main" xmlns="" w="9525">
+            <a:ext uri="{91240B29-F687-4f45-9708-019B960494DF}">
+              <a14:hiddenLine xmlns:a14="http://schemas.microsoft.com/office/drawing/2010/main" w="9525">
                 <a:solidFill>
                   <a:srgbClr val="000000"/>
                 </a:solidFill>
@@ -14310,7 +14324,7 @@
           <a:blip r:embed="rId7" cstate="print">
             <a:extLst>
               <a:ext uri="{28A0092B-C50C-407E-A947-70E740481C1C}">
-                <a14:useLocalDpi xmlns:a14="http://schemas.microsoft.com/office/drawing/2010/main" xmlns="" val="0"/>
+                <a14:useLocalDpi xmlns:a14="http://schemas.microsoft.com/office/drawing/2010/main" val="0"/>
               </a:ext>
             </a:extLst>
           </a:blip>
@@ -14332,15 +14346,15 @@
             <a:noFill/>
           </a:ln>
           <a:extLst>
-            <a:ext uri="{909E8E84-426E-40DD-AFC4-6F175D3DCCD1}">
-              <a14:hiddenFill xmlns:a14="http://schemas.microsoft.com/office/drawing/2010/main" xmlns="">
+            <a:ext uri="{909E8E84-426E-40dd-AFC4-6F175D3DCCD1}">
+              <a14:hiddenFill xmlns:a14="http://schemas.microsoft.com/office/drawing/2010/main">
                 <a:solidFill>
                   <a:srgbClr val="FFFFFF"/>
                 </a:solidFill>
               </a14:hiddenFill>
             </a:ext>
-            <a:ext uri="{91240B29-F687-4F45-9708-019B960494DF}">
-              <a14:hiddenLine xmlns:a14="http://schemas.microsoft.com/office/drawing/2010/main" xmlns="" w="9525">
+            <a:ext uri="{91240B29-F687-4f45-9708-019B960494DF}">
+              <a14:hiddenLine xmlns:a14="http://schemas.microsoft.com/office/drawing/2010/main" w="9525">
                 <a:solidFill>
                   <a:srgbClr val="000000"/>
                 </a:solidFill>
@@ -14853,13 +14867,20 @@
     </p:spTree>
     <p:extLst>
       <p:ext uri="{BB962C8B-B14F-4D97-AF65-F5344CB8AC3E}">
-        <p14:creationId xmlns:p14="http://schemas.microsoft.com/office/powerpoint/2010/main" xmlns="" val="3638636546"/>
+        <p14:creationId xmlns:p14="http://schemas.microsoft.com/office/powerpoint/2010/main" val="3638636546"/>
       </p:ext>
     </p:extLst>
   </p:cSld>
   <p:clrMapOvr>
     <a:masterClrMapping/>
   </p:clrMapOvr>
+  <p:timing>
+    <p:tnLst>
+      <p:par>
+        <p:cTn xmlns:p14="http://schemas.microsoft.com/office/powerpoint/2010/main" id="1" dur="indefinite" restart="never" nodeType="tmRoot"/>
+      </p:par>
+    </p:tnLst>
+  </p:timing>
 </p:sld>
 </file>
 
@@ -14892,7 +14913,7 @@
           <a:blip r:embed="rId3" cstate="print">
             <a:extLst>
               <a:ext uri="{28A0092B-C50C-407E-A947-70E740481C1C}">
-                <a14:useLocalDpi xmlns:a14="http://schemas.microsoft.com/office/drawing/2010/main" xmlns="" val="0"/>
+                <a14:useLocalDpi xmlns:a14="http://schemas.microsoft.com/office/drawing/2010/main" val="0"/>
               </a:ext>
             </a:extLst>
           </a:blip>
@@ -14914,15 +14935,15 @@
             <a:noFill/>
           </a:ln>
           <a:extLst>
-            <a:ext uri="{909E8E84-426E-40DD-AFC4-6F175D3DCCD1}">
-              <a14:hiddenFill xmlns:a14="http://schemas.microsoft.com/office/drawing/2010/main" xmlns="">
+            <a:ext uri="{909E8E84-426E-40dd-AFC4-6F175D3DCCD1}">
+              <a14:hiddenFill xmlns:a14="http://schemas.microsoft.com/office/drawing/2010/main">
                 <a:solidFill>
                   <a:srgbClr val="FFFFFF"/>
                 </a:solidFill>
               </a14:hiddenFill>
             </a:ext>
-            <a:ext uri="{91240B29-F687-4F45-9708-019B960494DF}">
-              <a14:hiddenLine xmlns:a14="http://schemas.microsoft.com/office/drawing/2010/main" xmlns="" w="9525">
+            <a:ext uri="{91240B29-F687-4f45-9708-019B960494DF}">
+              <a14:hiddenLine xmlns:a14="http://schemas.microsoft.com/office/drawing/2010/main" w="9525">
                 <a:solidFill>
                   <a:srgbClr val="000000"/>
                 </a:solidFill>
@@ -14946,7 +14967,7 @@
           <a:blip r:embed="rId4" cstate="print">
             <a:extLst>
               <a:ext uri="{28A0092B-C50C-407E-A947-70E740481C1C}">
-                <a14:useLocalDpi xmlns:a14="http://schemas.microsoft.com/office/drawing/2010/main" xmlns="" val="0"/>
+                <a14:useLocalDpi xmlns:a14="http://schemas.microsoft.com/office/drawing/2010/main" val="0"/>
               </a:ext>
             </a:extLst>
           </a:blip>
@@ -14968,15 +14989,15 @@
             <a:noFill/>
           </a:ln>
           <a:extLst>
-            <a:ext uri="{909E8E84-426E-40DD-AFC4-6F175D3DCCD1}">
-              <a14:hiddenFill xmlns:a14="http://schemas.microsoft.com/office/drawing/2010/main" xmlns="">
+            <a:ext uri="{909E8E84-426E-40dd-AFC4-6F175D3DCCD1}">
+              <a14:hiddenFill xmlns:a14="http://schemas.microsoft.com/office/drawing/2010/main">
                 <a:solidFill>
                   <a:srgbClr val="FFFFFF"/>
                 </a:solidFill>
               </a14:hiddenFill>
             </a:ext>
-            <a:ext uri="{91240B29-F687-4F45-9708-019B960494DF}">
-              <a14:hiddenLine xmlns:a14="http://schemas.microsoft.com/office/drawing/2010/main" xmlns="" w="9525">
+            <a:ext uri="{91240B29-F687-4f45-9708-019B960494DF}">
+              <a14:hiddenLine xmlns:a14="http://schemas.microsoft.com/office/drawing/2010/main" w="9525">
                 <a:solidFill>
                   <a:srgbClr val="000000"/>
                 </a:solidFill>
@@ -15000,7 +15021,7 @@
           <a:blip r:embed="rId5" cstate="print">
             <a:extLst>
               <a:ext uri="{28A0092B-C50C-407E-A947-70E740481C1C}">
-                <a14:useLocalDpi xmlns:a14="http://schemas.microsoft.com/office/drawing/2010/main" xmlns="" val="0"/>
+                <a14:useLocalDpi xmlns:a14="http://schemas.microsoft.com/office/drawing/2010/main" val="0"/>
               </a:ext>
             </a:extLst>
           </a:blip>
@@ -15022,15 +15043,15 @@
             <a:noFill/>
           </a:ln>
           <a:extLst>
-            <a:ext uri="{909E8E84-426E-40DD-AFC4-6F175D3DCCD1}">
-              <a14:hiddenFill xmlns:a14="http://schemas.microsoft.com/office/drawing/2010/main" xmlns="">
+            <a:ext uri="{909E8E84-426E-40dd-AFC4-6F175D3DCCD1}">
+              <a14:hiddenFill xmlns:a14="http://schemas.microsoft.com/office/drawing/2010/main">
                 <a:solidFill>
                   <a:srgbClr val="FFFFFF"/>
                 </a:solidFill>
               </a14:hiddenFill>
             </a:ext>
-            <a:ext uri="{91240B29-F687-4F45-9708-019B960494DF}">
-              <a14:hiddenLine xmlns:a14="http://schemas.microsoft.com/office/drawing/2010/main" xmlns="" w="9525">
+            <a:ext uri="{91240B29-F687-4f45-9708-019B960494DF}">
+              <a14:hiddenLine xmlns:a14="http://schemas.microsoft.com/office/drawing/2010/main" w="9525">
                 <a:solidFill>
                   <a:srgbClr val="000000"/>
                 </a:solidFill>
@@ -15054,7 +15075,7 @@
           <a:blip r:embed="rId6" cstate="print">
             <a:extLst>
               <a:ext uri="{28A0092B-C50C-407E-A947-70E740481C1C}">
-                <a14:useLocalDpi xmlns:a14="http://schemas.microsoft.com/office/drawing/2010/main" xmlns="" val="0"/>
+                <a14:useLocalDpi xmlns:a14="http://schemas.microsoft.com/office/drawing/2010/main" val="0"/>
               </a:ext>
             </a:extLst>
           </a:blip>
@@ -15076,15 +15097,15 @@
             <a:noFill/>
           </a:ln>
           <a:extLst>
-            <a:ext uri="{909E8E84-426E-40DD-AFC4-6F175D3DCCD1}">
-              <a14:hiddenFill xmlns:a14="http://schemas.microsoft.com/office/drawing/2010/main" xmlns="">
+            <a:ext uri="{909E8E84-426E-40dd-AFC4-6F175D3DCCD1}">
+              <a14:hiddenFill xmlns:a14="http://schemas.microsoft.com/office/drawing/2010/main">
                 <a:solidFill>
                   <a:srgbClr val="FFFFFF"/>
                 </a:solidFill>
               </a14:hiddenFill>
             </a:ext>
-            <a:ext uri="{91240B29-F687-4F45-9708-019B960494DF}">
-              <a14:hiddenLine xmlns:a14="http://schemas.microsoft.com/office/drawing/2010/main" xmlns="" w="9525">
+            <a:ext uri="{91240B29-F687-4f45-9708-019B960494DF}">
+              <a14:hiddenLine xmlns:a14="http://schemas.microsoft.com/office/drawing/2010/main" w="9525">
                 <a:solidFill>
                   <a:srgbClr val="000000"/>
                 </a:solidFill>
@@ -15108,7 +15129,7 @@
           <a:blip r:embed="rId7" cstate="print">
             <a:extLst>
               <a:ext uri="{28A0092B-C50C-407E-A947-70E740481C1C}">
-                <a14:useLocalDpi xmlns:a14="http://schemas.microsoft.com/office/drawing/2010/main" xmlns="" val="0"/>
+                <a14:useLocalDpi xmlns:a14="http://schemas.microsoft.com/office/drawing/2010/main" val="0"/>
               </a:ext>
             </a:extLst>
           </a:blip>
@@ -15130,15 +15151,15 @@
             <a:noFill/>
           </a:ln>
           <a:extLst>
-            <a:ext uri="{909E8E84-426E-40DD-AFC4-6F175D3DCCD1}">
-              <a14:hiddenFill xmlns:a14="http://schemas.microsoft.com/office/drawing/2010/main" xmlns="">
+            <a:ext uri="{909E8E84-426E-40dd-AFC4-6F175D3DCCD1}">
+              <a14:hiddenFill xmlns:a14="http://schemas.microsoft.com/office/drawing/2010/main">
                 <a:solidFill>
                   <a:srgbClr val="FFFFFF"/>
                 </a:solidFill>
               </a14:hiddenFill>
             </a:ext>
-            <a:ext uri="{91240B29-F687-4F45-9708-019B960494DF}">
-              <a14:hiddenLine xmlns:a14="http://schemas.microsoft.com/office/drawing/2010/main" xmlns="" w="9525">
+            <a:ext uri="{91240B29-F687-4f45-9708-019B960494DF}">
+              <a14:hiddenLine xmlns:a14="http://schemas.microsoft.com/office/drawing/2010/main" w="9525">
                 <a:solidFill>
                   <a:srgbClr val="000000"/>
                 </a:solidFill>
@@ -15228,7 +15249,7 @@
           <p:nvPr>
             <p:extLst>
               <p:ext uri="{D42A27DB-BD31-4B8C-83A1-F6EECF244321}">
-                <p14:modId xmlns:p14="http://schemas.microsoft.com/office/powerpoint/2010/main" xmlns="" val="2979196730"/>
+                <p14:modId xmlns:p14="http://schemas.microsoft.com/office/powerpoint/2010/main" val="2979196730"/>
               </p:ext>
             </p:extLst>
           </p:nvPr>
@@ -15246,13 +15267,20 @@
     </p:spTree>
     <p:extLst>
       <p:ext uri="{BB962C8B-B14F-4D97-AF65-F5344CB8AC3E}">
-        <p14:creationId xmlns:p14="http://schemas.microsoft.com/office/powerpoint/2010/main" xmlns="" val="3989646145"/>
+        <p14:creationId xmlns:p14="http://schemas.microsoft.com/office/powerpoint/2010/main" val="3989646145"/>
       </p:ext>
     </p:extLst>
   </p:cSld>
   <p:clrMapOvr>
     <a:masterClrMapping/>
   </p:clrMapOvr>
+  <p:timing>
+    <p:tnLst>
+      <p:par>
+        <p:cTn xmlns:p14="http://schemas.microsoft.com/office/powerpoint/2010/main" id="1" dur="indefinite" restart="never" nodeType="tmRoot"/>
+      </p:par>
+    </p:tnLst>
+  </p:timing>
 </p:sld>
 </file>
 
@@ -15273,6 +15301,66 @@
           <a:chExt cx="0" cy="0"/>
         </a:xfrm>
       </p:grpSpPr>
+      <p:pic>
+        <p:nvPicPr>
+          <p:cNvPr id="2" name="Picture 1" descr="coins-02.png"/>
+          <p:cNvPicPr>
+            <a:picLocks noChangeAspect="1"/>
+          </p:cNvPicPr>
+          <p:nvPr/>
+        </p:nvPicPr>
+        <p:blipFill>
+          <a:blip r:embed="rId2">
+            <a:extLst>
+              <a:ext uri="{28A0092B-C50C-407E-A947-70E740481C1C}">
+                <a14:useLocalDpi xmlns:a14="http://schemas.microsoft.com/office/drawing/2010/main" val="0"/>
+              </a:ext>
+            </a:extLst>
+          </a:blip>
+          <a:stretch>
+            <a:fillRect/>
+          </a:stretch>
+        </p:blipFill>
+        <p:spPr>
+          <a:xfrm>
+            <a:off x="9014883" y="1151465"/>
+            <a:ext cx="1058603" cy="1065345"/>
+          </a:xfrm>
+          <a:prstGeom prst="rect">
+            <a:avLst/>
+          </a:prstGeom>
+        </p:spPr>
+      </p:pic>
+      <p:pic>
+        <p:nvPicPr>
+          <p:cNvPr id="3" name="Picture 2" descr="coins-01.png"/>
+          <p:cNvPicPr>
+            <a:picLocks noChangeAspect="1"/>
+          </p:cNvPicPr>
+          <p:nvPr/>
+        </p:nvPicPr>
+        <p:blipFill>
+          <a:blip r:embed="rId3">
+            <a:extLst>
+              <a:ext uri="{28A0092B-C50C-407E-A947-70E740481C1C}">
+                <a14:useLocalDpi xmlns:a14="http://schemas.microsoft.com/office/drawing/2010/main" val="0"/>
+              </a:ext>
+            </a:extLst>
+          </a:blip>
+          <a:stretch>
+            <a:fillRect/>
+          </a:stretch>
+        </p:blipFill>
+        <p:spPr>
+          <a:xfrm>
+            <a:off x="7118350" y="1158101"/>
+            <a:ext cx="1053456" cy="1060166"/>
+          </a:xfrm>
+          <a:prstGeom prst="rect">
+            <a:avLst/>
+          </a:prstGeom>
+        </p:spPr>
+      </p:pic>
       <p:sp>
         <p:nvSpPr>
           <p:cNvPr id="11" name="CaixaDeTexto 10"/>
@@ -15417,15 +15505,7 @@
           <a:p>
             <a:r>
               <a:rPr lang="pt-BR" sz="2800" b="1" smtClean="0"/>
-              <a:t>Transparência</a:t>
-            </a:r>
-            <a:r>
-              <a:rPr lang="pt-BR" sz="2800" b="1" smtClean="0"/>
-              <a:t> </a:t>
-            </a:r>
-            <a:r>
-              <a:rPr lang="pt-BR" sz="2800" b="1" smtClean="0"/>
-              <a:t>Total</a:t>
+              <a:t>Transparência Total</a:t>
             </a:r>
             <a:endParaRPr lang="pt-BR" sz="2800" b="1"/>
           </a:p>
@@ -15468,17 +15548,15 @@
           </p:cNvPicPr>
           <p:nvPr/>
         </p:nvPicPr>
-        <p:blipFill>
-          <a:blip r:embed="rId2" cstate="print"/>
-          <a:srcRect t="47952" r="4882" b="9052"/>
-          <a:stretch>
-            <a:fillRect/>
-          </a:stretch>
+        <p:blipFill rotWithShape="1">
+          <a:blip r:embed="rId4" cstate="print"/>
+          <a:srcRect t="51812" r="4882" b="9052"/>
+          <a:stretch/>
         </p:blipFill>
         <p:spPr bwMode="auto">
           <a:xfrm>
-            <a:off x="1418897" y="2672235"/>
-            <a:ext cx="10531366" cy="2676460"/>
+            <a:off x="830317" y="3488266"/>
+            <a:ext cx="10531366" cy="2436161"/>
           </a:xfrm>
           <a:prstGeom prst="rect">
             <a:avLst/>
@@ -15495,7 +15573,7 @@
     </p:spTree>
     <p:extLst>
       <p:ext uri="{BB962C8B-B14F-4D97-AF65-F5344CB8AC3E}">
-        <p14:creationId xmlns:p14="http://schemas.microsoft.com/office/powerpoint/2010/main" xmlns="" val="557769383"/>
+        <p14:creationId xmlns:p14="http://schemas.microsoft.com/office/powerpoint/2010/main" val="557769383"/>
       </p:ext>
     </p:extLst>
   </p:cSld>
@@ -15505,7 +15583,90 @@
   <p:timing>
     <p:tnLst>
       <p:par>
-        <p:cTn id="1" dur="indefinite" restart="never" nodeType="tmRoot"/>
+        <p:cTn xmlns:p14="http://schemas.microsoft.com/office/powerpoint/2010/main" id="1" dur="indefinite" restart="never" nodeType="tmRoot">
+          <p:childTnLst>
+            <p:seq concurrent="1" nextAc="seek">
+              <p:cTn id="2" dur="indefinite" nodeType="mainSeq">
+                <p:childTnLst>
+                  <p:par>
+                    <p:cTn id="3" fill="hold">
+                      <p:stCondLst>
+                        <p:cond delay="indefinite"/>
+                      </p:stCondLst>
+                      <p:childTnLst>
+                        <p:par>
+                          <p:cTn id="4" fill="hold">
+                            <p:stCondLst>
+                              <p:cond delay="0"/>
+                            </p:stCondLst>
+                            <p:childTnLst>
+                              <p:par>
+                                <p:cTn id="5" presetID="0" presetClass="path" presetSubtype="0" accel="50000" decel="50000" fill="hold" nodeType="clickEffect">
+                                  <p:stCondLst>
+                                    <p:cond delay="0"/>
+                                  </p:stCondLst>
+                                  <p:childTnLst>
+                                    <p:animMotion origin="layout" path="M -8.54167E-6 -7.40741E-7 L -0.09167 0.46412 " pathEditMode="relative" ptsTypes="AA">
+                                      <p:cBhvr>
+                                        <p:cTn id="6" dur="2000" fill="hold"/>
+                                        <p:tgtEl>
+                                          <p:spTgt spid="2"/>
+                                        </p:tgtEl>
+                                        <p:attrNameLst>
+                                          <p:attrName>ppt_x</p:attrName>
+                                          <p:attrName>ppt_y</p:attrName>
+                                        </p:attrNameLst>
+                                      </p:cBhvr>
+                                    </p:animMotion>
+                                  </p:childTnLst>
+                                </p:cTn>
+                              </p:par>
+                              <p:par>
+                                <p:cTn id="7" presetID="0" presetClass="path" presetSubtype="0" accel="50000" decel="50000" fill="hold" nodeType="withEffect">
+                                  <p:stCondLst>
+                                    <p:cond delay="0"/>
+                                  </p:stCondLst>
+                                  <p:childTnLst>
+                                    <p:animMotion origin="layout" path="M 1.04167E-6 -4.81481E-6 L -0.025 0.4419 " pathEditMode="relative" ptsTypes="AA">
+                                      <p:cBhvr>
+                                        <p:cTn id="8" dur="2000" fill="hold"/>
+                                        <p:tgtEl>
+                                          <p:spTgt spid="3"/>
+                                        </p:tgtEl>
+                                        <p:attrNameLst>
+                                          <p:attrName>ppt_x</p:attrName>
+                                          <p:attrName>ppt_y</p:attrName>
+                                        </p:attrNameLst>
+                                      </p:cBhvr>
+                                    </p:animMotion>
+                                  </p:childTnLst>
+                                </p:cTn>
+                              </p:par>
+                            </p:childTnLst>
+                          </p:cTn>
+                        </p:par>
+                      </p:childTnLst>
+                    </p:cTn>
+                  </p:par>
+                </p:childTnLst>
+              </p:cTn>
+              <p:prevCondLst>
+                <p:cond evt="onPrev" delay="0">
+                  <p:tgtEl>
+                    <p:sldTgt/>
+                  </p:tgtEl>
+                </p:cond>
+              </p:prevCondLst>
+              <p:nextCondLst>
+                <p:cond evt="onNext" delay="0">
+                  <p:tgtEl>
+                    <p:sldTgt/>
+                  </p:tgtEl>
+                </p:cond>
+              </p:nextCondLst>
+            </p:seq>
+          </p:childTnLst>
+        </p:cTn>
       </p:par>
     </p:tnLst>
   </p:timing>
@@ -15566,14 +15727,6 @@
               </a:rPr>
               <a:t>Pontos de Contato</a:t>
             </a:r>
-            <a:endParaRPr lang="pt-BR" sz="4400" b="1" dirty="0" smtClean="0">
-              <a:solidFill>
-                <a:schemeClr val="bg1"/>
-              </a:solidFill>
-              <a:latin typeface="Kozuka Gothic Pr6N L" panose="020B0200000000000000" pitchFamily="34" charset="-128"/>
-              <a:ea typeface="Kozuka Gothic Pr6N L" panose="020B0200000000000000" pitchFamily="34" charset="-128"/>
-              <a:cs typeface="Arial" panose="020B0604020202020204" pitchFamily="34" charset="0"/>
-            </a:endParaRPr>
           </a:p>
         </p:txBody>
       </p:sp>
@@ -15900,7 +16053,7 @@
     </p:spTree>
     <p:extLst>
       <p:ext uri="{BB962C8B-B14F-4D97-AF65-F5344CB8AC3E}">
-        <p14:creationId xmlns:p14="http://schemas.microsoft.com/office/powerpoint/2010/main" xmlns="" val="557769383"/>
+        <p14:creationId xmlns:p14="http://schemas.microsoft.com/office/powerpoint/2010/main" val="557769383"/>
       </p:ext>
     </p:extLst>
   </p:cSld>
@@ -15910,7 +16063,7 @@
   <p:timing>
     <p:tnLst>
       <p:par>
-        <p:cTn id="1" dur="indefinite" restart="never" nodeType="tmRoot"/>
+        <p:cTn xmlns:p14="http://schemas.microsoft.com/office/powerpoint/2010/main" id="1" dur="indefinite" restart="never" nodeType="tmRoot"/>
       </p:par>
     </p:tnLst>
   </p:timing>
@@ -16769,7 +16922,7 @@
   </a:extraClrSchemeLst>
   <a:extLst>
     <a:ext uri="{05A4C25C-085E-4340-85A3-A5531E510DB2}">
-      <thm15:themeFamily xmlns:thm15="http://schemas.microsoft.com/office/thememl/2012/main" xmlns="" name="Office Theme" id="{62F939B6-93AF-4DB8-9C6B-D6C7DFDC589F}" vid="{4A3C46E8-61CC-4603-A589-7422A47A8E4A}"/>
+      <thm15:themeFamily xmlns="" xmlns:thm15="http://schemas.microsoft.com/office/thememl/2012/main" name="Office Theme" id="{62F939B6-93AF-4DB8-9C6B-D6C7DFDC589F}" vid="{4A3C46E8-61CC-4603-A589-7422A47A8E4A}"/>
     </a:ext>
   </a:extLst>
 </a:theme>
@@ -17313,7 +17466,7 @@
   <a:extraClrSchemeLst/>
   <a:extLst>
     <a:ext uri="{05A4C25C-085E-4340-85A3-A5531E510DB2}">
-      <thm15:themeFamily xmlns:thm15="http://schemas.microsoft.com/office/thememl/2012/main" xmlns="" name="Office Theme" id="{62F939B6-93AF-4DB8-9C6B-D6C7DFDC589F}" vid="{4A3C46E8-61CC-4603-A589-7422A47A8E4A}"/>
+      <thm15:themeFamily xmlns="" xmlns:thm15="http://schemas.microsoft.com/office/thememl/2012/main" name="Office Theme" id="{62F939B6-93AF-4DB8-9C6B-D6C7DFDC589F}" vid="{4A3C46E8-61CC-4603-A589-7422A47A8E4A}"/>
     </a:ext>
   </a:extLst>
 </a:theme>
